--- a/Non-R/NTE Presentation, GLAE (DRAFT).pptx
+++ b/Non-R/NTE Presentation, GLAE (DRAFT).pptx
@@ -5,7 +5,7 @@
     <p:sldMasterId id="2147483650" r:id="rId4"/>
   </p:sldMasterIdLst>
   <p:notesMasterIdLst>
-    <p:notesMasterId r:id="rId16"/>
+    <p:notesMasterId r:id="rId13"/>
   </p:notesMasterIdLst>
   <p:sldIdLst>
     <p:sldId id="256" r:id="rId5"/>
@@ -14,11 +14,8 @@
     <p:sldId id="258" r:id="rId8"/>
     <p:sldId id="268" r:id="rId9"/>
     <p:sldId id="259" r:id="rId10"/>
-    <p:sldId id="262" r:id="rId11"/>
-    <p:sldId id="266" r:id="rId12"/>
-    <p:sldId id="260" r:id="rId13"/>
-    <p:sldId id="261" r:id="rId14"/>
-    <p:sldId id="263" r:id="rId15"/>
+    <p:sldId id="260" r:id="rId11"/>
+    <p:sldId id="261" r:id="rId12"/>
   </p:sldIdLst>
   <p:sldSz cx="12192000" cy="6858000"/>
   <p:notesSz cx="6858000" cy="9144000"/>
@@ -140,7 +137,7 @@
 <file path=ppt/revisionInfo.xml><?xml version="1.0" encoding="utf-8"?>
 <p1510:revInfo xmlns:a="http://schemas.openxmlformats.org/drawingml/2006/main" xmlns:r="http://schemas.openxmlformats.org/officeDocument/2006/relationships" xmlns:p1510="http://schemas.microsoft.com/office/powerpoint/2015/10/main">
   <p1510:revLst>
-    <p1510:client id="{540EEA64-C51A-4621-A832-21F1BC562D6D}" v="3511" dt="2023-01-11T14:00:39.927"/>
+    <p1510:client id="{540EEA64-C51A-4621-A832-21F1BC562D6D}" v="3512" dt="2023-01-11T16:25:47.810"/>
   </p1510:revLst>
 </p1510:revInfo>
 </file>
@@ -150,18 +147,18 @@
   <pc:docChgLst>
     <pc:chgData name="Ammar Ljubijankic" userId="a00b5204-d72f-418c-8b5e-7555aa3641ec" providerId="ADAL" clId="{540EEA64-C51A-4621-A832-21F1BC562D6D}"/>
     <pc:docChg chg="undo custSel addSld delSld modSld sldOrd">
-      <pc:chgData name="Ammar Ljubijankic" userId="a00b5204-d72f-418c-8b5e-7555aa3641ec" providerId="ADAL" clId="{540EEA64-C51A-4621-A832-21F1BC562D6D}" dt="2023-01-11T15:16:49.264" v="11972" actId="20577"/>
+      <pc:chgData name="Ammar Ljubijankic" userId="a00b5204-d72f-418c-8b5e-7555aa3641ec" providerId="ADAL" clId="{540EEA64-C51A-4621-A832-21F1BC562D6D}" dt="2023-01-11T16:32:19.663" v="12248" actId="27918"/>
       <pc:docMkLst>
         <pc:docMk/>
       </pc:docMkLst>
       <pc:sldChg chg="modSp new mod modNotesTx">
-        <pc:chgData name="Ammar Ljubijankic" userId="a00b5204-d72f-418c-8b5e-7555aa3641ec" providerId="ADAL" clId="{540EEA64-C51A-4621-A832-21F1BC562D6D}" dt="2023-01-11T15:16:49.264" v="11972" actId="20577"/>
+        <pc:chgData name="Ammar Ljubijankic" userId="a00b5204-d72f-418c-8b5e-7555aa3641ec" providerId="ADAL" clId="{540EEA64-C51A-4621-A832-21F1BC562D6D}" dt="2023-01-11T16:04:43.998" v="12039" actId="20577"/>
         <pc:sldMkLst>
           <pc:docMk/>
           <pc:sldMk cId="2799171006" sldId="256"/>
         </pc:sldMkLst>
         <pc:spChg chg="mod">
-          <ac:chgData name="Ammar Ljubijankic" userId="a00b5204-d72f-418c-8b5e-7555aa3641ec" providerId="ADAL" clId="{540EEA64-C51A-4621-A832-21F1BC562D6D}" dt="2023-01-11T15:16:49.264" v="11972" actId="20577"/>
+          <ac:chgData name="Ammar Ljubijankic" userId="a00b5204-d72f-418c-8b5e-7555aa3641ec" providerId="ADAL" clId="{540EEA64-C51A-4621-A832-21F1BC562D6D}" dt="2023-01-11T16:04:43.998" v="12039" actId="20577"/>
           <ac:spMkLst>
             <pc:docMk/>
             <pc:sldMk cId="2799171006" sldId="256"/>
@@ -484,8 +481,8 @@
           </ac:spMkLst>
         </pc:spChg>
       </pc:sldChg>
-      <pc:sldChg chg="addSp delSp modSp new mod ord modNotesTx">
-        <pc:chgData name="Ammar Ljubijankic" userId="a00b5204-d72f-418c-8b5e-7555aa3641ec" providerId="ADAL" clId="{540EEA64-C51A-4621-A832-21F1BC562D6D}" dt="2023-01-11T14:00:58.681" v="11907" actId="27918"/>
+      <pc:sldChg chg="addSp delSp modSp new del mod ord modNotesTx">
+        <pc:chgData name="Ammar Ljubijankic" userId="a00b5204-d72f-418c-8b5e-7555aa3641ec" providerId="ADAL" clId="{540EEA64-C51A-4621-A832-21F1BC562D6D}" dt="2023-01-11T16:05:03.328" v="12042" actId="47"/>
         <pc:sldMkLst>
           <pc:docMk/>
           <pc:sldMk cId="933122035" sldId="262"/>
@@ -563,8 +560,8 @@
           </ac:graphicFrameMkLst>
         </pc:graphicFrameChg>
       </pc:sldChg>
-      <pc:sldChg chg="addSp delSp modSp new mod modClrScheme addCm modCm chgLayout modNotesTx">
-        <pc:chgData name="Ammar Ljubijankic" userId="a00b5204-d72f-418c-8b5e-7555aa3641ec" providerId="ADAL" clId="{540EEA64-C51A-4621-A832-21F1BC562D6D}" dt="2023-01-09T14:48:34.354" v="11268"/>
+      <pc:sldChg chg="addSp delSp modSp new del mod modClrScheme addCm modCm chgLayout modNotesTx">
+        <pc:chgData name="Ammar Ljubijankic" userId="a00b5204-d72f-418c-8b5e-7555aa3641ec" providerId="ADAL" clId="{540EEA64-C51A-4621-A832-21F1BC562D6D}" dt="2023-01-11T16:04:54.267" v="12040" actId="47"/>
         <pc:sldMkLst>
           <pc:docMk/>
           <pc:sldMk cId="343650028" sldId="263"/>
@@ -696,8 +693,8 @@
           </ac:spMkLst>
         </pc:spChg>
       </pc:sldChg>
-      <pc:sldChg chg="addSp delSp modSp new mod modNotesTx">
-        <pc:chgData name="Ammar Ljubijankic" userId="a00b5204-d72f-418c-8b5e-7555aa3641ec" providerId="ADAL" clId="{540EEA64-C51A-4621-A832-21F1BC562D6D}" dt="2023-01-11T13:59:16.334" v="11872" actId="255"/>
+      <pc:sldChg chg="addSp delSp modSp new del mod modNotesTx">
+        <pc:chgData name="Ammar Ljubijankic" userId="a00b5204-d72f-418c-8b5e-7555aa3641ec" providerId="ADAL" clId="{540EEA64-C51A-4621-A832-21F1BC562D6D}" dt="2023-01-11T16:05:02.420" v="12041" actId="47"/>
         <pc:sldMkLst>
           <pc:docMk/>
           <pc:sldMk cId="1389166271" sldId="266"/>
@@ -736,7 +733,7 @@
         </pc:graphicFrameChg>
       </pc:sldChg>
       <pc:sldChg chg="modSp new mod modNotesTx">
-        <pc:chgData name="Ammar Ljubijankic" userId="a00b5204-d72f-418c-8b5e-7555aa3641ec" providerId="ADAL" clId="{540EEA64-C51A-4621-A832-21F1BC562D6D}" dt="2023-01-09T14:59:53.928" v="11695" actId="404"/>
+        <pc:chgData name="Ammar Ljubijankic" userId="a00b5204-d72f-418c-8b5e-7555aa3641ec" providerId="ADAL" clId="{540EEA64-C51A-4621-A832-21F1BC562D6D}" dt="2023-01-11T16:28:40.837" v="12242" actId="20577"/>
         <pc:sldMkLst>
           <pc:docMk/>
           <pc:sldMk cId="2553511309" sldId="267"/>
@@ -750,7 +747,7 @@
           </ac:spMkLst>
         </pc:spChg>
         <pc:spChg chg="mod">
-          <ac:chgData name="Ammar Ljubijankic" userId="a00b5204-d72f-418c-8b5e-7555aa3641ec" providerId="ADAL" clId="{540EEA64-C51A-4621-A832-21F1BC562D6D}" dt="2023-01-09T14:59:53.928" v="11695" actId="404"/>
+          <ac:chgData name="Ammar Ljubijankic" userId="a00b5204-d72f-418c-8b5e-7555aa3641ec" providerId="ADAL" clId="{540EEA64-C51A-4621-A832-21F1BC562D6D}" dt="2023-01-11T16:28:40.837" v="12242" actId="20577"/>
           <ac:spMkLst>
             <pc:docMk/>
             <pc:sldMk cId="2553511309" sldId="267"/>
@@ -758,28 +755,44 @@
           </ac:spMkLst>
         </pc:spChg>
       </pc:sldChg>
-      <pc:sldChg chg="modSp new mod modNotesTx">
-        <pc:chgData name="Ammar Ljubijankic" userId="a00b5204-d72f-418c-8b5e-7555aa3641ec" providerId="ADAL" clId="{540EEA64-C51A-4621-A832-21F1BC562D6D}" dt="2023-01-09T14:48:59.197" v="11272" actId="20577"/>
+      <pc:sldChg chg="addSp delSp modSp new mod modClrScheme chgLayout modNotesTx">
+        <pc:chgData name="Ammar Ljubijankic" userId="a00b5204-d72f-418c-8b5e-7555aa3641ec" providerId="ADAL" clId="{540EEA64-C51A-4621-A832-21F1BC562D6D}" dt="2023-01-11T16:32:19.663" v="12248" actId="27918"/>
         <pc:sldMkLst>
           <pc:docMk/>
           <pc:sldMk cId="202257740" sldId="268"/>
         </pc:sldMkLst>
-        <pc:spChg chg="mod">
-          <ac:chgData name="Ammar Ljubijankic" userId="a00b5204-d72f-418c-8b5e-7555aa3641ec" providerId="ADAL" clId="{540EEA64-C51A-4621-A832-21F1BC562D6D}" dt="2023-01-09T14:48:59.197" v="11272" actId="20577"/>
+        <pc:spChg chg="mod ord">
+          <ac:chgData name="Ammar Ljubijankic" userId="a00b5204-d72f-418c-8b5e-7555aa3641ec" providerId="ADAL" clId="{540EEA64-C51A-4621-A832-21F1BC562D6D}" dt="2023-01-11T16:26:55.445" v="12083" actId="20577"/>
           <ac:spMkLst>
             <pc:docMk/>
             <pc:sldMk cId="202257740" sldId="268"/>
             <ac:spMk id="2" creationId="{984A9804-3B6E-48ED-A48D-7F6C01A68204}"/>
           </ac:spMkLst>
         </pc:spChg>
-        <pc:spChg chg="mod">
-          <ac:chgData name="Ammar Ljubijankic" userId="a00b5204-d72f-418c-8b5e-7555aa3641ec" providerId="ADAL" clId="{540EEA64-C51A-4621-A832-21F1BC562D6D}" dt="2023-01-06T14:33:34.405" v="8759" actId="20577"/>
+        <pc:spChg chg="mod ord">
+          <ac:chgData name="Ammar Ljubijankic" userId="a00b5204-d72f-418c-8b5e-7555aa3641ec" providerId="ADAL" clId="{540EEA64-C51A-4621-A832-21F1BC562D6D}" dt="2023-01-11T16:26:28.236" v="12062" actId="20577"/>
           <ac:spMkLst>
             <pc:docMk/>
             <pc:sldMk cId="202257740" sldId="268"/>
             <ac:spMk id="3" creationId="{155FF8B2-4349-40A8-961B-FE0B73355E29}"/>
           </ac:spMkLst>
         </pc:spChg>
+        <pc:spChg chg="add del mod ord">
+          <ac:chgData name="Ammar Ljubijankic" userId="a00b5204-d72f-418c-8b5e-7555aa3641ec" providerId="ADAL" clId="{540EEA64-C51A-4621-A832-21F1BC562D6D}" dt="2023-01-11T16:25:47.810" v="12047"/>
+          <ac:spMkLst>
+            <pc:docMk/>
+            <pc:sldMk cId="202257740" sldId="268"/>
+            <ac:spMk id="4" creationId="{D12F4CDC-0547-44C5-8BB7-0AABE61D9D2E}"/>
+          </ac:spMkLst>
+        </pc:spChg>
+        <pc:graphicFrameChg chg="add mod">
+          <ac:chgData name="Ammar Ljubijankic" userId="a00b5204-d72f-418c-8b5e-7555aa3641ec" providerId="ADAL" clId="{540EEA64-C51A-4621-A832-21F1BC562D6D}" dt="2023-01-11T16:25:47.810" v="12047"/>
+          <ac:graphicFrameMkLst>
+            <pc:docMk/>
+            <pc:sldMk cId="202257740" sldId="268"/>
+            <ac:graphicFrameMk id="5" creationId="{22786D26-206D-40CE-9FB1-EAC6C1C589C8}"/>
+          </ac:graphicFrameMkLst>
+        </pc:graphicFrameChg>
       </pc:sldChg>
       <pc:sldMasterChg chg="addSldLayout">
         <pc:chgData name="Ammar Ljubijankic" userId="a00b5204-d72f-418c-8b5e-7555aa3641ec" providerId="ADAL" clId="{540EEA64-C51A-4621-A832-21F1BC562D6D}" dt="2022-12-22T13:02:54.151" v="0" actId="680"/>
@@ -2042,6 +2055,411 @@
           <a:lstStyle/>
           <a:p>
             <a:pPr algn="l">
+              <a:defRPr sz="1400" b="0" i="0" u="none" strike="noStrike" kern="1200" spc="0" baseline="0">
+                <a:solidFill>
+                  <a:schemeClr val="tx1">
+                    <a:lumMod val="65000"/>
+                    <a:lumOff val="35000"/>
+                  </a:schemeClr>
+                </a:solidFill>
+                <a:latin typeface="Arial" panose="020B0604020202020204" pitchFamily="34" charset="0"/>
+                <a:ea typeface="+mn-ea"/>
+                <a:cs typeface="Arial" panose="020B0604020202020204" pitchFamily="34" charset="0"/>
+              </a:defRPr>
+            </a:pPr>
+            <a:r>
+              <a:rPr lang="en-US" b="1"/>
+              <a:t>Night &amp; Evening workers in 2022</a:t>
+            </a:r>
+          </a:p>
+          <a:p>
+            <a:pPr algn="l">
+              <a:defRPr/>
+            </a:pPr>
+            <a:r>
+              <a:rPr lang="en-US"/>
+              <a:t>Number of workers who usually work…</a:t>
+            </a:r>
+          </a:p>
+        </c:rich>
+      </c:tx>
+      <c:layout>
+        <c:manualLayout>
+          <c:xMode val="edge"/>
+          <c:yMode val="edge"/>
+          <c:x val="2.1222222222222222E-2"/>
+          <c:y val="2.7671015591636816E-2"/>
+        </c:manualLayout>
+      </c:layout>
+      <c:overlay val="0"/>
+      <c:spPr>
+        <a:noFill/>
+        <a:ln>
+          <a:noFill/>
+        </a:ln>
+        <a:effectLst/>
+      </c:spPr>
+      <c:txPr>
+        <a:bodyPr rot="0" spcFirstLastPara="1" vertOverflow="ellipsis" vert="horz" wrap="square" anchor="ctr" anchorCtr="1"/>
+        <a:lstStyle/>
+        <a:p>
+          <a:pPr algn="l">
+            <a:defRPr sz="1400" b="0" i="0" u="none" strike="noStrike" kern="1200" spc="0" baseline="0">
+              <a:solidFill>
+                <a:schemeClr val="tx1">
+                  <a:lumMod val="65000"/>
+                  <a:lumOff val="35000"/>
+                </a:schemeClr>
+              </a:solidFill>
+              <a:latin typeface="Arial" panose="020B0604020202020204" pitchFamily="34" charset="0"/>
+              <a:ea typeface="+mn-ea"/>
+              <a:cs typeface="Arial" panose="020B0604020202020204" pitchFamily="34" charset="0"/>
+            </a:defRPr>
+          </a:pPr>
+          <a:endParaRPr lang="en-US"/>
+        </a:p>
+      </c:txPr>
+    </c:title>
+    <c:autoTitleDeleted val="0"/>
+    <c:plotArea>
+      <c:layout/>
+      <c:barChart>
+        <c:barDir val="col"/>
+        <c:grouping val="clustered"/>
+        <c:varyColors val="0"/>
+        <c:ser>
+          <c:idx val="0"/>
+          <c:order val="0"/>
+          <c:tx>
+            <c:strRef>
+              <c:f>'Summary (combi)'!$F$12</c:f>
+              <c:strCache>
+                <c:ptCount val="1"/>
+                <c:pt idx="0">
+                  <c:v>Number of workers who usually work…</c:v>
+                </c:pt>
+              </c:strCache>
+            </c:strRef>
+          </c:tx>
+          <c:spPr>
+            <a:solidFill>
+              <a:schemeClr val="accent1"/>
+            </a:solidFill>
+            <a:ln>
+              <a:noFill/>
+            </a:ln>
+            <a:effectLst/>
+          </c:spPr>
+          <c:invertIfNegative val="0"/>
+          <c:dLbls>
+            <c:spPr>
+              <a:noFill/>
+              <a:ln>
+                <a:noFill/>
+              </a:ln>
+              <a:effectLst/>
+            </c:spPr>
+            <c:txPr>
+              <a:bodyPr rot="0" spcFirstLastPara="1" vertOverflow="ellipsis" vert="horz" wrap="square" lIns="38100" tIns="19050" rIns="38100" bIns="19050" anchor="ctr" anchorCtr="1">
+                <a:spAutoFit/>
+              </a:bodyPr>
+              <a:lstStyle/>
+              <a:p>
+                <a:pPr>
+                  <a:defRPr sz="900" b="0" i="0" u="none" strike="noStrike" kern="1200" baseline="0">
+                    <a:solidFill>
+                      <a:schemeClr val="tx1">
+                        <a:lumMod val="75000"/>
+                        <a:lumOff val="25000"/>
+                      </a:schemeClr>
+                    </a:solidFill>
+                    <a:latin typeface="Arial" panose="020B0604020202020204" pitchFamily="34" charset="0"/>
+                    <a:ea typeface="+mn-ea"/>
+                    <a:cs typeface="Arial" panose="020B0604020202020204" pitchFamily="34" charset="0"/>
+                  </a:defRPr>
+                </a:pPr>
+                <a:endParaRPr lang="en-US"/>
+              </a:p>
+            </c:txPr>
+            <c:dLblPos val="outEnd"/>
+            <c:showLegendKey val="0"/>
+            <c:showVal val="1"/>
+            <c:showCatName val="0"/>
+            <c:showSerName val="0"/>
+            <c:showPercent val="0"/>
+            <c:showBubbleSize val="0"/>
+            <c:showLeaderLines val="0"/>
+            <c:extLst>
+              <c:ext xmlns:c15="http://schemas.microsoft.com/office/drawing/2012/chart" uri="{CE6537A1-D6FC-4f65-9D91-7224C49458BB}">
+                <c15:showLeaderLines val="1"/>
+                <c15:leaderLines>
+                  <c:spPr>
+                    <a:ln w="9525" cap="flat" cmpd="sng" algn="ctr">
+                      <a:solidFill>
+                        <a:schemeClr val="tx1">
+                          <a:lumMod val="35000"/>
+                          <a:lumOff val="65000"/>
+                        </a:schemeClr>
+                      </a:solidFill>
+                      <a:round/>
+                    </a:ln>
+                    <a:effectLst/>
+                  </c:spPr>
+                </c15:leaderLines>
+              </c:ext>
+            </c:extLst>
+          </c:dLbls>
+          <c:cat>
+            <c:strRef>
+              <c:f>'Summary (combi)'!$F$32:$F$37</c:f>
+              <c:strCache>
+                <c:ptCount val="6"/>
+                <c:pt idx="0">
+                  <c:v>evenings and nights</c:v>
+                </c:pt>
+                <c:pt idx="1">
+                  <c:v>days and nights</c:v>
+                </c:pt>
+                <c:pt idx="2">
+                  <c:v>nights only</c:v>
+                </c:pt>
+                <c:pt idx="3">
+                  <c:v>evenings only</c:v>
+                </c:pt>
+                <c:pt idx="4">
+                  <c:v>day, evening and night</c:v>
+                </c:pt>
+                <c:pt idx="5">
+                  <c:v>days and evenings</c:v>
+                </c:pt>
+              </c:strCache>
+            </c:strRef>
+          </c:cat>
+          <c:val>
+            <c:numRef>
+              <c:f>'Summary (combi)'!$G$32:$G$37</c:f>
+              <c:numCache>
+                <c:formatCode>_-* #,##0_-;\-* #,##0_-;_-* "-"??_-;_-@_-</c:formatCode>
+                <c:ptCount val="6"/>
+                <c:pt idx="0">
+                  <c:v>18000</c:v>
+                </c:pt>
+                <c:pt idx="1">
+                  <c:v>33000</c:v>
+                </c:pt>
+                <c:pt idx="2">
+                  <c:v>51000</c:v>
+                </c:pt>
+                <c:pt idx="3">
+                  <c:v>54000</c:v>
+                </c:pt>
+                <c:pt idx="4">
+                  <c:v>439000</c:v>
+                </c:pt>
+                <c:pt idx="5">
+                  <c:v>776000</c:v>
+                </c:pt>
+              </c:numCache>
+            </c:numRef>
+          </c:val>
+          <c:extLst>
+            <c:ext xmlns:c16="http://schemas.microsoft.com/office/drawing/2014/chart" uri="{C3380CC4-5D6E-409C-BE32-E72D297353CC}">
+              <c16:uniqueId val="{00000000-6C26-48CE-8BFB-B8B3409932B6}"/>
+            </c:ext>
+          </c:extLst>
+        </c:ser>
+        <c:dLbls>
+          <c:dLblPos val="outEnd"/>
+          <c:showLegendKey val="0"/>
+          <c:showVal val="1"/>
+          <c:showCatName val="0"/>
+          <c:showSerName val="0"/>
+          <c:showPercent val="0"/>
+          <c:showBubbleSize val="0"/>
+        </c:dLbls>
+        <c:gapWidth val="219"/>
+        <c:overlap val="-27"/>
+        <c:axId val="394862896"/>
+        <c:axId val="394865848"/>
+      </c:barChart>
+      <c:catAx>
+        <c:axId val="394862896"/>
+        <c:scaling>
+          <c:orientation val="minMax"/>
+        </c:scaling>
+        <c:delete val="0"/>
+        <c:axPos val="b"/>
+        <c:numFmt formatCode="General" sourceLinked="1"/>
+        <c:majorTickMark val="none"/>
+        <c:minorTickMark val="none"/>
+        <c:tickLblPos val="nextTo"/>
+        <c:spPr>
+          <a:noFill/>
+          <a:ln w="9525" cap="flat" cmpd="sng" algn="ctr">
+            <a:solidFill>
+              <a:schemeClr val="tx1">
+                <a:lumMod val="15000"/>
+                <a:lumOff val="85000"/>
+              </a:schemeClr>
+            </a:solidFill>
+            <a:round/>
+          </a:ln>
+          <a:effectLst/>
+        </c:spPr>
+        <c:txPr>
+          <a:bodyPr rot="-60000000" spcFirstLastPara="1" vertOverflow="ellipsis" vert="horz" wrap="square" anchor="ctr" anchorCtr="1"/>
+          <a:lstStyle/>
+          <a:p>
+            <a:pPr>
+              <a:defRPr sz="900" b="0" i="0" u="none" strike="noStrike" kern="1200" baseline="0">
+                <a:solidFill>
+                  <a:schemeClr val="tx1">
+                    <a:lumMod val="65000"/>
+                    <a:lumOff val="35000"/>
+                  </a:schemeClr>
+                </a:solidFill>
+                <a:latin typeface="Arial" panose="020B0604020202020204" pitchFamily="34" charset="0"/>
+                <a:ea typeface="+mn-ea"/>
+                <a:cs typeface="Arial" panose="020B0604020202020204" pitchFamily="34" charset="0"/>
+              </a:defRPr>
+            </a:pPr>
+            <a:endParaRPr lang="en-US"/>
+          </a:p>
+        </c:txPr>
+        <c:crossAx val="394865848"/>
+        <c:crosses val="autoZero"/>
+        <c:auto val="1"/>
+        <c:lblAlgn val="ctr"/>
+        <c:lblOffset val="100"/>
+        <c:noMultiLvlLbl val="0"/>
+      </c:catAx>
+      <c:valAx>
+        <c:axId val="394865848"/>
+        <c:scaling>
+          <c:orientation val="minMax"/>
+          <c:max val="800000"/>
+        </c:scaling>
+        <c:delete val="0"/>
+        <c:axPos val="l"/>
+        <c:majorGridlines>
+          <c:spPr>
+            <a:ln w="9525" cap="flat" cmpd="sng" algn="ctr">
+              <a:solidFill>
+                <a:schemeClr val="tx1">
+                  <a:lumMod val="15000"/>
+                  <a:lumOff val="85000"/>
+                </a:schemeClr>
+              </a:solidFill>
+              <a:round/>
+            </a:ln>
+            <a:effectLst/>
+          </c:spPr>
+        </c:majorGridlines>
+        <c:numFmt formatCode="_-* #,##0_-;\-* #,##0_-;_-* &quot;-&quot;??_-;_-@_-" sourceLinked="1"/>
+        <c:majorTickMark val="none"/>
+        <c:minorTickMark val="none"/>
+        <c:tickLblPos val="nextTo"/>
+        <c:spPr>
+          <a:noFill/>
+          <a:ln>
+            <a:noFill/>
+          </a:ln>
+          <a:effectLst/>
+        </c:spPr>
+        <c:txPr>
+          <a:bodyPr rot="-60000000" spcFirstLastPara="1" vertOverflow="ellipsis" vert="horz" wrap="square" anchor="ctr" anchorCtr="1"/>
+          <a:lstStyle/>
+          <a:p>
+            <a:pPr>
+              <a:defRPr sz="900" b="0" i="0" u="none" strike="noStrike" kern="1200" baseline="0">
+                <a:solidFill>
+                  <a:schemeClr val="tx1">
+                    <a:lumMod val="65000"/>
+                    <a:lumOff val="35000"/>
+                  </a:schemeClr>
+                </a:solidFill>
+                <a:latin typeface="Arial" panose="020B0604020202020204" pitchFamily="34" charset="0"/>
+                <a:ea typeface="+mn-ea"/>
+                <a:cs typeface="Arial" panose="020B0604020202020204" pitchFamily="34" charset="0"/>
+              </a:defRPr>
+            </a:pPr>
+            <a:endParaRPr lang="en-US"/>
+          </a:p>
+        </c:txPr>
+        <c:crossAx val="394862896"/>
+        <c:crosses val="autoZero"/>
+        <c:crossBetween val="between"/>
+        <c:majorUnit val="200000"/>
+      </c:valAx>
+      <c:spPr>
+        <a:noFill/>
+        <a:ln>
+          <a:noFill/>
+        </a:ln>
+        <a:effectLst/>
+      </c:spPr>
+    </c:plotArea>
+    <c:plotVisOnly val="1"/>
+    <c:dispBlanksAs val="gap"/>
+    <c:extLst>
+      <c:ext xmlns:c16r3="http://schemas.microsoft.com/office/drawing/2017/03/chart" uri="{56B9EC1D-385E-4148-901F-78D8002777C0}">
+        <c16r3:dataDisplayOptions16>
+          <c16r3:dispNaAsBlank val="1"/>
+        </c16r3:dataDisplayOptions16>
+      </c:ext>
+    </c:extLst>
+    <c:showDLblsOverMax val="0"/>
+  </c:chart>
+  <c:spPr>
+    <a:solidFill>
+      <a:schemeClr val="bg1"/>
+    </a:solidFill>
+    <a:ln w="9525" cap="flat" cmpd="sng" algn="ctr">
+      <a:noFill/>
+      <a:round/>
+    </a:ln>
+    <a:effectLst/>
+  </c:spPr>
+  <c:txPr>
+    <a:bodyPr/>
+    <a:lstStyle/>
+    <a:p>
+      <a:pPr>
+        <a:defRPr>
+          <a:latin typeface="Arial" panose="020B0604020202020204" pitchFamily="34" charset="0"/>
+          <a:cs typeface="Arial" panose="020B0604020202020204" pitchFamily="34" charset="0"/>
+        </a:defRPr>
+      </a:pPr>
+      <a:endParaRPr lang="en-US"/>
+    </a:p>
+  </c:txPr>
+  <c:externalData r:id="rId3">
+    <c:autoUpdate val="0"/>
+  </c:externalData>
+</c:chartSpace>
+</file>
+
+<file path=ppt/charts/chart4.xml><?xml version="1.0" encoding="utf-8"?>
+<c:chartSpace xmlns:c="http://schemas.openxmlformats.org/drawingml/2006/chart" xmlns:a="http://schemas.openxmlformats.org/drawingml/2006/main" xmlns:r="http://schemas.openxmlformats.org/officeDocument/2006/relationships" xmlns:c16r2="http://schemas.microsoft.com/office/drawing/2015/06/chart">
+  <c:date1904 val="0"/>
+  <c:lang val="en-US"/>
+  <c:roundedCorners val="0"/>
+  <mc:AlternateContent xmlns:mc="http://schemas.openxmlformats.org/markup-compatibility/2006">
+    <mc:Choice xmlns:c14="http://schemas.microsoft.com/office/drawing/2007/8/2/chart" Requires="c14">
+      <c14:style val="102"/>
+    </mc:Choice>
+    <mc:Fallback>
+      <c:style val="2"/>
+    </mc:Fallback>
+  </mc:AlternateContent>
+  <c:chart>
+    <c:title>
+      <c:tx>
+        <c:rich>
+          <a:bodyPr rot="0" spcFirstLastPara="1" vertOverflow="ellipsis" vert="horz" wrap="square" anchor="ctr" anchorCtr="1"/>
+          <a:lstStyle/>
+          <a:p>
+            <a:pPr algn="l">
               <a:defRPr sz="1800" b="0" i="0" u="none" strike="noStrike" kern="1200" spc="0" baseline="0">
                 <a:solidFill>
                   <a:schemeClr val="tx1">
@@ -2492,3260 +2910,7 @@
 </c:chartSpace>
 </file>
 
-<file path=ppt/charts/chart4.xml><?xml version="1.0" encoding="utf-8"?>
-<c:chartSpace xmlns:c="http://schemas.openxmlformats.org/drawingml/2006/chart" xmlns:a="http://schemas.openxmlformats.org/drawingml/2006/main" xmlns:r="http://schemas.openxmlformats.org/officeDocument/2006/relationships" xmlns:c16r2="http://schemas.microsoft.com/office/drawing/2015/06/chart">
-  <c:date1904 val="0"/>
-  <c:lang val="en-US"/>
-  <c:roundedCorners val="0"/>
-  <mc:AlternateContent xmlns:mc="http://schemas.openxmlformats.org/markup-compatibility/2006">
-    <mc:Choice xmlns:c14="http://schemas.microsoft.com/office/drawing/2007/8/2/chart" Requires="c14">
-      <c14:style val="102"/>
-    </mc:Choice>
-    <mc:Fallback>
-      <c:style val="2"/>
-    </mc:Fallback>
-  </mc:AlternateContent>
-  <c:chart>
-    <c:title>
-      <c:tx>
-        <c:rich>
-          <a:bodyPr rot="0" spcFirstLastPara="1" vertOverflow="ellipsis" vert="horz" wrap="square" anchor="ctr" anchorCtr="1"/>
-          <a:lstStyle/>
-          <a:p>
-            <a:pPr algn="l">
-              <a:defRPr sz="1800" b="0" i="0" u="none" strike="noStrike" kern="1200" spc="0" baseline="0">
-                <a:solidFill>
-                  <a:schemeClr val="tx1">
-                    <a:lumMod val="65000"/>
-                    <a:lumOff val="35000"/>
-                  </a:schemeClr>
-                </a:solidFill>
-                <a:latin typeface="Arial" panose="020B0604020202020204" pitchFamily="34" charset="0"/>
-                <a:ea typeface="+mn-ea"/>
-                <a:cs typeface="Arial" panose="020B0604020202020204" pitchFamily="34" charset="0"/>
-              </a:defRPr>
-            </a:pPr>
-            <a:r>
-              <a:rPr lang="en-GB" sz="1800" b="1" dirty="0"/>
-              <a:t>NTE workers by industry sector</a:t>
-            </a:r>
-          </a:p>
-          <a:p>
-            <a:pPr algn="l">
-              <a:defRPr sz="1800"/>
-            </a:pPr>
-            <a:r>
-              <a:rPr lang="en-GB" sz="1800" dirty="0"/>
-              <a:t>Workers in 2017 and 2022, selected sectors</a:t>
-            </a:r>
-          </a:p>
-        </c:rich>
-      </c:tx>
-      <c:layout>
-        <c:manualLayout>
-          <c:xMode val="edge"/>
-          <c:yMode val="edge"/>
-          <c:x val="1.9208223972003502E-2"/>
-          <c:y val="3.2407407407407406E-2"/>
-        </c:manualLayout>
-      </c:layout>
-      <c:overlay val="0"/>
-      <c:spPr>
-        <a:noFill/>
-        <a:ln>
-          <a:noFill/>
-        </a:ln>
-        <a:effectLst/>
-      </c:spPr>
-      <c:txPr>
-        <a:bodyPr rot="0" spcFirstLastPara="1" vertOverflow="ellipsis" vert="horz" wrap="square" anchor="ctr" anchorCtr="1"/>
-        <a:lstStyle/>
-        <a:p>
-          <a:pPr algn="l">
-            <a:defRPr sz="1800" b="0" i="0" u="none" strike="noStrike" kern="1200" spc="0" baseline="0">
-              <a:solidFill>
-                <a:schemeClr val="tx1">
-                  <a:lumMod val="65000"/>
-                  <a:lumOff val="35000"/>
-                </a:schemeClr>
-              </a:solidFill>
-              <a:latin typeface="Arial" panose="020B0604020202020204" pitchFamily="34" charset="0"/>
-              <a:ea typeface="+mn-ea"/>
-              <a:cs typeface="Arial" panose="020B0604020202020204" pitchFamily="34" charset="0"/>
-            </a:defRPr>
-          </a:pPr>
-          <a:endParaRPr lang="en-US"/>
-        </a:p>
-      </c:txPr>
-    </c:title>
-    <c:autoTitleDeleted val="0"/>
-    <c:plotArea>
-      <c:layout/>
-      <c:barChart>
-        <c:barDir val="bar"/>
-        <c:grouping val="clustered"/>
-        <c:varyColors val="0"/>
-        <c:ser>
-          <c:idx val="0"/>
-          <c:order val="0"/>
-          <c:tx>
-            <c:v>Change NTE workers</c:v>
-          </c:tx>
-          <c:spPr>
-            <a:solidFill>
-              <a:schemeClr val="accent1"/>
-            </a:solidFill>
-            <a:ln>
-              <a:noFill/>
-            </a:ln>
-            <a:effectLst/>
-          </c:spPr>
-          <c:invertIfNegative val="0"/>
-          <c:cat>
-            <c:strRef>
-              <c:f>'Industry select (comparison)'!$F$12:$F$18</c:f>
-              <c:strCache>
-                <c:ptCount val="7"/>
-                <c:pt idx="0">
-                  <c:v>Retail </c:v>
-                </c:pt>
-                <c:pt idx="1">
-                  <c:v>Transport and storage </c:v>
-                </c:pt>
-                <c:pt idx="2">
-                  <c:v>Hospitality </c:v>
-                </c:pt>
-                <c:pt idx="3">
-                  <c:v>Information and communication </c:v>
-                </c:pt>
-                <c:pt idx="4">
-                  <c:v>Professional and scientific </c:v>
-                </c:pt>
-                <c:pt idx="5">
-                  <c:v>Education</c:v>
-                </c:pt>
-                <c:pt idx="6">
-                  <c:v>Health </c:v>
-                </c:pt>
-              </c:strCache>
-            </c:strRef>
-          </c:cat>
-          <c:val>
-            <c:numRef>
-              <c:f>'Industry select (comparison)'!$O$23:$O$29</c:f>
-              <c:numCache>
-                <c:formatCode>_-* #,##0_-;\-* #,##0_-;_-* "-"??_-;_-@_-</c:formatCode>
-                <c:ptCount val="7"/>
-                <c:pt idx="0">
-                  <c:v>-40000</c:v>
-                </c:pt>
-                <c:pt idx="1">
-                  <c:v>-32000</c:v>
-                </c:pt>
-                <c:pt idx="2">
-                  <c:v>-40000</c:v>
-                </c:pt>
-                <c:pt idx="3">
-                  <c:v>1000</c:v>
-                </c:pt>
-                <c:pt idx="4">
-                  <c:v>-35000</c:v>
-                </c:pt>
-                <c:pt idx="5">
-                  <c:v>-1000</c:v>
-                </c:pt>
-                <c:pt idx="6">
-                  <c:v>18000</c:v>
-                </c:pt>
-              </c:numCache>
-            </c:numRef>
-          </c:val>
-          <c:extLst>
-            <c:ext xmlns:c16="http://schemas.microsoft.com/office/drawing/2014/chart" uri="{C3380CC4-5D6E-409C-BE32-E72D297353CC}">
-              <c16:uniqueId val="{00000000-313B-41D2-B967-C91DB049F695}"/>
-            </c:ext>
-          </c:extLst>
-        </c:ser>
-        <c:ser>
-          <c:idx val="1"/>
-          <c:order val="1"/>
-          <c:tx>
-            <c:v>Change workers overall</c:v>
-          </c:tx>
-          <c:spPr>
-            <a:solidFill>
-              <a:schemeClr val="accent4">
-                <a:lumMod val="60000"/>
-                <a:lumOff val="40000"/>
-              </a:schemeClr>
-            </a:solidFill>
-            <a:ln>
-              <a:noFill/>
-            </a:ln>
-            <a:effectLst/>
-          </c:spPr>
-          <c:invertIfNegative val="0"/>
-          <c:cat>
-            <c:strRef>
-              <c:f>'Industry select (comparison)'!$F$12:$F$18</c:f>
-              <c:strCache>
-                <c:ptCount val="7"/>
-                <c:pt idx="0">
-                  <c:v>Retail </c:v>
-                </c:pt>
-                <c:pt idx="1">
-                  <c:v>Transport and storage </c:v>
-                </c:pt>
-                <c:pt idx="2">
-                  <c:v>Hospitality </c:v>
-                </c:pt>
-                <c:pt idx="3">
-                  <c:v>Information and communication </c:v>
-                </c:pt>
-                <c:pt idx="4">
-                  <c:v>Professional and scientific </c:v>
-                </c:pt>
-                <c:pt idx="5">
-                  <c:v>Education</c:v>
-                </c:pt>
-                <c:pt idx="6">
-                  <c:v>Health </c:v>
-                </c:pt>
-              </c:strCache>
-            </c:strRef>
-          </c:cat>
-          <c:val>
-            <c:numRef>
-              <c:f>'Industry select (comparison)'!$O$12:$O$18</c:f>
-              <c:numCache>
-                <c:formatCode>_-* #,##0_-;\-* #,##0_-;_-* "-"??_-;_-@_-</c:formatCode>
-                <c:ptCount val="7"/>
-                <c:pt idx="0">
-                  <c:v>-73000</c:v>
-                </c:pt>
-                <c:pt idx="1">
-                  <c:v>-23000</c:v>
-                </c:pt>
-                <c:pt idx="2">
-                  <c:v>-61000</c:v>
-                </c:pt>
-                <c:pt idx="3">
-                  <c:v>48000</c:v>
-                </c:pt>
-                <c:pt idx="4">
-                  <c:v>16000</c:v>
-                </c:pt>
-                <c:pt idx="5">
-                  <c:v>17000</c:v>
-                </c:pt>
-                <c:pt idx="6">
-                  <c:v>-34000</c:v>
-                </c:pt>
-              </c:numCache>
-            </c:numRef>
-          </c:val>
-          <c:extLst>
-            <c:ext xmlns:c16="http://schemas.microsoft.com/office/drawing/2014/chart" uri="{C3380CC4-5D6E-409C-BE32-E72D297353CC}">
-              <c16:uniqueId val="{00000001-313B-41D2-B967-C91DB049F695}"/>
-            </c:ext>
-          </c:extLst>
-        </c:ser>
-        <c:dLbls>
-          <c:showLegendKey val="0"/>
-          <c:showVal val="0"/>
-          <c:showCatName val="0"/>
-          <c:showSerName val="0"/>
-          <c:showPercent val="0"/>
-          <c:showBubbleSize val="0"/>
-        </c:dLbls>
-        <c:gapWidth val="182"/>
-        <c:axId val="97953968"/>
-        <c:axId val="97952656"/>
-      </c:barChart>
-      <c:catAx>
-        <c:axId val="97953968"/>
-        <c:scaling>
-          <c:orientation val="minMax"/>
-        </c:scaling>
-        <c:delete val="0"/>
-        <c:axPos val="l"/>
-        <c:numFmt formatCode="General" sourceLinked="1"/>
-        <c:majorTickMark val="none"/>
-        <c:minorTickMark val="none"/>
-        <c:tickLblPos val="low"/>
-        <c:spPr>
-          <a:noFill/>
-          <a:ln w="9525" cap="flat" cmpd="sng" algn="ctr">
-            <a:solidFill>
-              <a:schemeClr val="tx1">
-                <a:lumMod val="15000"/>
-                <a:lumOff val="85000"/>
-              </a:schemeClr>
-            </a:solidFill>
-            <a:round/>
-          </a:ln>
-          <a:effectLst/>
-        </c:spPr>
-        <c:txPr>
-          <a:bodyPr rot="-60000000" spcFirstLastPara="1" vertOverflow="ellipsis" vert="horz" wrap="square" anchor="ctr" anchorCtr="1"/>
-          <a:lstStyle/>
-          <a:p>
-            <a:pPr>
-              <a:defRPr sz="1200" b="0" i="0" u="none" strike="noStrike" kern="1200" baseline="0">
-                <a:solidFill>
-                  <a:schemeClr val="tx1">
-                    <a:lumMod val="65000"/>
-                    <a:lumOff val="35000"/>
-                  </a:schemeClr>
-                </a:solidFill>
-                <a:latin typeface="Arial" panose="020B0604020202020204" pitchFamily="34" charset="0"/>
-                <a:ea typeface="+mn-ea"/>
-                <a:cs typeface="Arial" panose="020B0604020202020204" pitchFamily="34" charset="0"/>
-              </a:defRPr>
-            </a:pPr>
-            <a:endParaRPr lang="en-US"/>
-          </a:p>
-        </c:txPr>
-        <c:crossAx val="97952656"/>
-        <c:crosses val="autoZero"/>
-        <c:auto val="1"/>
-        <c:lblAlgn val="ctr"/>
-        <c:lblOffset val="100"/>
-        <c:noMultiLvlLbl val="0"/>
-      </c:catAx>
-      <c:valAx>
-        <c:axId val="97952656"/>
-        <c:scaling>
-          <c:orientation val="minMax"/>
-        </c:scaling>
-        <c:delete val="0"/>
-        <c:axPos val="b"/>
-        <c:majorGridlines>
-          <c:spPr>
-            <a:ln w="9525" cap="flat" cmpd="sng" algn="ctr">
-              <a:solidFill>
-                <a:schemeClr val="tx1">
-                  <a:lumMod val="15000"/>
-                  <a:lumOff val="85000"/>
-                </a:schemeClr>
-              </a:solidFill>
-              <a:round/>
-            </a:ln>
-            <a:effectLst/>
-          </c:spPr>
-        </c:majorGridlines>
-        <c:numFmt formatCode="_-* #,##0_-;\-* #,##0_-;_-* &quot;-&quot;??_-;_-@_-" sourceLinked="1"/>
-        <c:majorTickMark val="none"/>
-        <c:minorTickMark val="none"/>
-        <c:tickLblPos val="nextTo"/>
-        <c:spPr>
-          <a:noFill/>
-          <a:ln>
-            <a:noFill/>
-          </a:ln>
-          <a:effectLst/>
-        </c:spPr>
-        <c:txPr>
-          <a:bodyPr rot="-60000000" spcFirstLastPara="1" vertOverflow="ellipsis" vert="horz" wrap="square" anchor="ctr" anchorCtr="1"/>
-          <a:lstStyle/>
-          <a:p>
-            <a:pPr>
-              <a:defRPr sz="1200" b="0" i="0" u="none" strike="noStrike" kern="1200" baseline="0">
-                <a:solidFill>
-                  <a:schemeClr val="tx1">
-                    <a:lumMod val="65000"/>
-                    <a:lumOff val="35000"/>
-                  </a:schemeClr>
-                </a:solidFill>
-                <a:latin typeface="Arial" panose="020B0604020202020204" pitchFamily="34" charset="0"/>
-                <a:ea typeface="+mn-ea"/>
-                <a:cs typeface="Arial" panose="020B0604020202020204" pitchFamily="34" charset="0"/>
-              </a:defRPr>
-            </a:pPr>
-            <a:endParaRPr lang="en-US"/>
-          </a:p>
-        </c:txPr>
-        <c:crossAx val="97953968"/>
-        <c:crosses val="autoZero"/>
-        <c:crossBetween val="between"/>
-        <c:majorUnit val="40000"/>
-      </c:valAx>
-      <c:spPr>
-        <a:noFill/>
-        <a:ln>
-          <a:noFill/>
-        </a:ln>
-        <a:effectLst/>
-      </c:spPr>
-    </c:plotArea>
-    <c:legend>
-      <c:legendPos val="t"/>
-      <c:layout>
-        <c:manualLayout>
-          <c:xMode val="edge"/>
-          <c:yMode val="edge"/>
-          <c:x val="3.1673228346456694E-2"/>
-          <c:y val="0.22176420218332843"/>
-          <c:w val="0.7163138798826616"/>
-          <c:h val="5.754515979620195E-2"/>
-        </c:manualLayout>
-      </c:layout>
-      <c:overlay val="0"/>
-      <c:spPr>
-        <a:noFill/>
-        <a:ln>
-          <a:noFill/>
-        </a:ln>
-        <a:effectLst/>
-      </c:spPr>
-      <c:txPr>
-        <a:bodyPr rot="0" spcFirstLastPara="1" vertOverflow="ellipsis" vert="horz" wrap="square" anchor="ctr" anchorCtr="1"/>
-        <a:lstStyle/>
-        <a:p>
-          <a:pPr>
-            <a:defRPr sz="1200" b="0" i="0" u="none" strike="noStrike" kern="1200" baseline="0">
-              <a:solidFill>
-                <a:schemeClr val="tx1">
-                  <a:lumMod val="65000"/>
-                  <a:lumOff val="35000"/>
-                </a:schemeClr>
-              </a:solidFill>
-              <a:latin typeface="Arial" panose="020B0604020202020204" pitchFamily="34" charset="0"/>
-              <a:ea typeface="+mn-ea"/>
-              <a:cs typeface="Arial" panose="020B0604020202020204" pitchFamily="34" charset="0"/>
-            </a:defRPr>
-          </a:pPr>
-          <a:endParaRPr lang="en-US"/>
-        </a:p>
-      </c:txPr>
-    </c:legend>
-    <c:plotVisOnly val="1"/>
-    <c:dispBlanksAs val="gap"/>
-    <c:extLst>
-      <c:ext xmlns:c16r3="http://schemas.microsoft.com/office/drawing/2017/03/chart" uri="{56B9EC1D-385E-4148-901F-78D8002777C0}">
-        <c16r3:dataDisplayOptions16>
-          <c16r3:dispNaAsBlank val="1"/>
-        </c16r3:dataDisplayOptions16>
-      </c:ext>
-    </c:extLst>
-    <c:showDLblsOverMax val="0"/>
-  </c:chart>
-  <c:spPr>
-    <a:noFill/>
-    <a:ln>
-      <a:noFill/>
-    </a:ln>
-    <a:effectLst/>
-  </c:spPr>
-  <c:txPr>
-    <a:bodyPr/>
-    <a:lstStyle/>
-    <a:p>
-      <a:pPr>
-        <a:defRPr>
-          <a:latin typeface="Arial" panose="020B0604020202020204" pitchFamily="34" charset="0"/>
-          <a:cs typeface="Arial" panose="020B0604020202020204" pitchFamily="34" charset="0"/>
-        </a:defRPr>
-      </a:pPr>
-      <a:endParaRPr lang="en-US"/>
-    </a:p>
-  </c:txPr>
-  <c:externalData r:id="rId3">
-    <c:autoUpdate val="0"/>
-  </c:externalData>
-</c:chartSpace>
-</file>
-
 <file path=ppt/charts/chart5.xml><?xml version="1.0" encoding="utf-8"?>
-<c:chartSpace xmlns:c="http://schemas.openxmlformats.org/drawingml/2006/chart" xmlns:a="http://schemas.openxmlformats.org/drawingml/2006/main" xmlns:r="http://schemas.openxmlformats.org/officeDocument/2006/relationships" xmlns:c16r2="http://schemas.microsoft.com/office/drawing/2015/06/chart">
-  <c:date1904 val="0"/>
-  <c:lang val="en-US"/>
-  <c:roundedCorners val="0"/>
-  <mc:AlternateContent xmlns:mc="http://schemas.openxmlformats.org/markup-compatibility/2006">
-    <mc:Choice xmlns:c14="http://schemas.microsoft.com/office/drawing/2007/8/2/chart" Requires="c14">
-      <c14:style val="102"/>
-    </mc:Choice>
-    <mc:Fallback>
-      <c:style val="2"/>
-    </mc:Fallback>
-  </mc:AlternateContent>
-  <c:chart>
-    <c:title>
-      <c:tx>
-        <c:rich>
-          <a:bodyPr rot="0" spcFirstLastPara="1" vertOverflow="ellipsis" vert="horz" wrap="square" anchor="ctr" anchorCtr="1"/>
-          <a:lstStyle/>
-          <a:p>
-            <a:pPr algn="l">
-              <a:defRPr sz="1800" b="1" i="0" u="none" strike="noStrike" kern="1200" spc="0" baseline="0">
-                <a:solidFill>
-                  <a:schemeClr val="tx1">
-                    <a:lumMod val="65000"/>
-                    <a:lumOff val="35000"/>
-                  </a:schemeClr>
-                </a:solidFill>
-                <a:latin typeface="Arial" panose="020B0604020202020204" pitchFamily="34" charset="0"/>
-                <a:ea typeface="+mn-ea"/>
-                <a:cs typeface="Arial" panose="020B0604020202020204" pitchFamily="34" charset="0"/>
-              </a:defRPr>
-            </a:pPr>
-            <a:r>
-              <a:rPr lang="en-GB" sz="1800" b="1"/>
-              <a:t>NTE</a:t>
-            </a:r>
-            <a:r>
-              <a:rPr lang="en-GB" sz="1800" b="1" baseline="0"/>
-              <a:t> worker shares (%) by industry section</a:t>
-            </a:r>
-            <a:endParaRPr lang="en-GB" sz="1800" b="1"/>
-          </a:p>
-        </c:rich>
-      </c:tx>
-      <c:layout>
-        <c:manualLayout>
-          <c:xMode val="edge"/>
-          <c:yMode val="edge"/>
-          <c:x val="6.5455799928040379E-3"/>
-          <c:y val="2.2160664819944598E-2"/>
-        </c:manualLayout>
-      </c:layout>
-      <c:overlay val="0"/>
-      <c:spPr>
-        <a:noFill/>
-        <a:ln>
-          <a:noFill/>
-        </a:ln>
-        <a:effectLst/>
-      </c:spPr>
-      <c:txPr>
-        <a:bodyPr rot="0" spcFirstLastPara="1" vertOverflow="ellipsis" vert="horz" wrap="square" anchor="ctr" anchorCtr="1"/>
-        <a:lstStyle/>
-        <a:p>
-          <a:pPr algn="l">
-            <a:defRPr sz="1800" b="1" i="0" u="none" strike="noStrike" kern="1200" spc="0" baseline="0">
-              <a:solidFill>
-                <a:schemeClr val="tx1">
-                  <a:lumMod val="65000"/>
-                  <a:lumOff val="35000"/>
-                </a:schemeClr>
-              </a:solidFill>
-              <a:latin typeface="Arial" panose="020B0604020202020204" pitchFamily="34" charset="0"/>
-              <a:ea typeface="+mn-ea"/>
-              <a:cs typeface="Arial" panose="020B0604020202020204" pitchFamily="34" charset="0"/>
-            </a:defRPr>
-          </a:pPr>
-          <a:endParaRPr lang="en-US"/>
-        </a:p>
-      </c:txPr>
-    </c:title>
-    <c:autoTitleDeleted val="0"/>
-    <c:plotArea>
-      <c:layout/>
-      <c:lineChart>
-        <c:grouping val="standard"/>
-        <c:varyColors val="0"/>
-        <c:ser>
-          <c:idx val="6"/>
-          <c:order val="6"/>
-          <c:tx>
-            <c:strRef>
-              <c:f>Industry!$E$18</c:f>
-              <c:strCache>
-                <c:ptCount val="1"/>
-                <c:pt idx="0">
-                  <c:v>Retail </c:v>
-                </c:pt>
-              </c:strCache>
-            </c:strRef>
-          </c:tx>
-          <c:spPr>
-            <a:ln w="28575" cap="rnd">
-              <a:solidFill>
-                <a:schemeClr val="accent1">
-                  <a:lumMod val="60000"/>
-                  <a:lumOff val="40000"/>
-                </a:schemeClr>
-              </a:solidFill>
-              <a:round/>
-            </a:ln>
-            <a:effectLst/>
-          </c:spPr>
-          <c:marker>
-            <c:symbol val="none"/>
-          </c:marker>
-          <c:cat>
-            <c:numRef>
-              <c:f>Industry!$X$11:$AE$11</c:f>
-              <c:numCache>
-                <c:formatCode>General</c:formatCode>
-                <c:ptCount val="8"/>
-                <c:pt idx="0">
-                  <c:v>2015</c:v>
-                </c:pt>
-                <c:pt idx="1">
-                  <c:v>2016</c:v>
-                </c:pt>
-                <c:pt idx="2">
-                  <c:v>2017</c:v>
-                </c:pt>
-                <c:pt idx="3">
-                  <c:v>2018</c:v>
-                </c:pt>
-                <c:pt idx="4">
-                  <c:v>2019</c:v>
-                </c:pt>
-                <c:pt idx="5">
-                  <c:v>2020</c:v>
-                </c:pt>
-                <c:pt idx="6">
-                  <c:v>2021</c:v>
-                </c:pt>
-                <c:pt idx="7">
-                  <c:v>2022</c:v>
-                </c:pt>
-              </c:numCache>
-            </c:numRef>
-          </c:cat>
-          <c:val>
-            <c:numRef>
-              <c:f>Industry!$X$18:$AE$18</c:f>
-              <c:numCache>
-                <c:formatCode>0.0%</c:formatCode>
-                <c:ptCount val="8"/>
-                <c:pt idx="0">
-                  <c:v>0.34617427685837299</c:v>
-                </c:pt>
-                <c:pt idx="1">
-                  <c:v>0.34144156831817002</c:v>
-                </c:pt>
-                <c:pt idx="2">
-                  <c:v>0.29405931645340799</c:v>
-                </c:pt>
-                <c:pt idx="3">
-                  <c:v>0.321703598931322</c:v>
-                </c:pt>
-                <c:pt idx="4">
-                  <c:v>0.313529859831642</c:v>
-                </c:pt>
-                <c:pt idx="5">
-                  <c:v>0.305535961304153</c:v>
-                </c:pt>
-                <c:pt idx="6">
-                  <c:v>0.33516921880447298</c:v>
-                </c:pt>
-                <c:pt idx="7">
-                  <c:v>0.25026935821593399</c:v>
-                </c:pt>
-              </c:numCache>
-            </c:numRef>
-          </c:val>
-          <c:smooth val="0"/>
-          <c:extLst>
-            <c:ext xmlns:c16="http://schemas.microsoft.com/office/drawing/2014/chart" uri="{C3380CC4-5D6E-409C-BE32-E72D297353CC}">
-              <c16:uniqueId val="{00000000-6049-4B5C-B5DD-D3651E70327A}"/>
-            </c:ext>
-          </c:extLst>
-        </c:ser>
-        <c:ser>
-          <c:idx val="8"/>
-          <c:order val="8"/>
-          <c:tx>
-            <c:strRef>
-              <c:f>Industry!$E$20</c:f>
-              <c:strCache>
-                <c:ptCount val="1"/>
-                <c:pt idx="0">
-                  <c:v>Hospitality </c:v>
-                </c:pt>
-              </c:strCache>
-            </c:strRef>
-          </c:tx>
-          <c:spPr>
-            <a:ln w="28575" cap="rnd">
-              <a:solidFill>
-                <a:schemeClr val="accent4"/>
-              </a:solidFill>
-              <a:round/>
-            </a:ln>
-            <a:effectLst/>
-          </c:spPr>
-          <c:marker>
-            <c:symbol val="none"/>
-          </c:marker>
-          <c:cat>
-            <c:numRef>
-              <c:f>Industry!$X$11:$AE$11</c:f>
-              <c:numCache>
-                <c:formatCode>General</c:formatCode>
-                <c:ptCount val="8"/>
-                <c:pt idx="0">
-                  <c:v>2015</c:v>
-                </c:pt>
-                <c:pt idx="1">
-                  <c:v>2016</c:v>
-                </c:pt>
-                <c:pt idx="2">
-                  <c:v>2017</c:v>
-                </c:pt>
-                <c:pt idx="3">
-                  <c:v>2018</c:v>
-                </c:pt>
-                <c:pt idx="4">
-                  <c:v>2019</c:v>
-                </c:pt>
-                <c:pt idx="5">
-                  <c:v>2020</c:v>
-                </c:pt>
-                <c:pt idx="6">
-                  <c:v>2021</c:v>
-                </c:pt>
-                <c:pt idx="7">
-                  <c:v>2022</c:v>
-                </c:pt>
-              </c:numCache>
-            </c:numRef>
-          </c:cat>
-          <c:val>
-            <c:numRef>
-              <c:f>Industry!$X$20:$AE$20</c:f>
-              <c:numCache>
-                <c:formatCode>0.0%</c:formatCode>
-                <c:ptCount val="8"/>
-                <c:pt idx="0">
-                  <c:v>0.52539141982051496</c:v>
-                </c:pt>
-                <c:pt idx="1">
-                  <c:v>0.55655852027581898</c:v>
-                </c:pt>
-                <c:pt idx="2">
-                  <c:v>0.56914529300476602</c:v>
-                </c:pt>
-                <c:pt idx="3">
-                  <c:v>0.56324763193504701</c:v>
-                </c:pt>
-                <c:pt idx="4">
-                  <c:v>0.55721543582474597</c:v>
-                </c:pt>
-                <c:pt idx="5">
-                  <c:v>0.47010998648006702</c:v>
-                </c:pt>
-                <c:pt idx="6">
-                  <c:v>0.60094392879179703</c:v>
-                </c:pt>
-                <c:pt idx="7">
-                  <c:v>0.53929469632758598</c:v>
-                </c:pt>
-              </c:numCache>
-            </c:numRef>
-          </c:val>
-          <c:smooth val="0"/>
-          <c:extLst>
-            <c:ext xmlns:c16="http://schemas.microsoft.com/office/drawing/2014/chart" uri="{C3380CC4-5D6E-409C-BE32-E72D297353CC}">
-              <c16:uniqueId val="{00000001-6049-4B5C-B5DD-D3651E70327A}"/>
-            </c:ext>
-          </c:extLst>
-        </c:ser>
-        <c:dLbls>
-          <c:showLegendKey val="0"/>
-          <c:showVal val="0"/>
-          <c:showCatName val="0"/>
-          <c:showSerName val="0"/>
-          <c:showPercent val="0"/>
-          <c:showBubbleSize val="0"/>
-        </c:dLbls>
-        <c:smooth val="0"/>
-        <c:axId val="696169016"/>
-        <c:axId val="696174920"/>
-        <c:extLst>
-          <c:ext xmlns:c15="http://schemas.microsoft.com/office/drawing/2012/chart" uri="{02D57815-91ED-43cb-92C2-25804820EDAC}">
-            <c15:filteredLineSeries>
-              <c15:ser>
-                <c:idx val="0"/>
-                <c:order val="0"/>
-                <c:tx>
-                  <c:strRef>
-                    <c:extLst>
-                      <c:ext uri="{02D57815-91ED-43cb-92C2-25804820EDAC}">
-                        <c15:formulaRef>
-                          <c15:sqref>Industry!$E$12</c15:sqref>
-                        </c15:formulaRef>
-                      </c:ext>
-                    </c:extLst>
-                    <c:strCache>
-                      <c:ptCount val="1"/>
-                      <c:pt idx="0">
-                        <c:v>Agriculture, forestry and fishing</c:v>
-                      </c:pt>
-                    </c:strCache>
-                  </c:strRef>
-                </c:tx>
-                <c:spPr>
-                  <a:ln w="28575" cap="rnd">
-                    <a:solidFill>
-                      <a:schemeClr val="accent1"/>
-                    </a:solidFill>
-                    <a:round/>
-                  </a:ln>
-                  <a:effectLst/>
-                </c:spPr>
-                <c:marker>
-                  <c:symbol val="none"/>
-                </c:marker>
-                <c:cat>
-                  <c:numRef>
-                    <c:extLst>
-                      <c:ext uri="{02D57815-91ED-43cb-92C2-25804820EDAC}">
-                        <c15:formulaRef>
-                          <c15:sqref>Industry!$X$11:$AE$11</c15:sqref>
-                        </c15:formulaRef>
-                      </c:ext>
-                    </c:extLst>
-                    <c:numCache>
-                      <c:formatCode>General</c:formatCode>
-                      <c:ptCount val="8"/>
-                      <c:pt idx="0">
-                        <c:v>2015</c:v>
-                      </c:pt>
-                      <c:pt idx="1">
-                        <c:v>2016</c:v>
-                      </c:pt>
-                      <c:pt idx="2">
-                        <c:v>2017</c:v>
-                      </c:pt>
-                      <c:pt idx="3">
-                        <c:v>2018</c:v>
-                      </c:pt>
-                      <c:pt idx="4">
-                        <c:v>2019</c:v>
-                      </c:pt>
-                      <c:pt idx="5">
-                        <c:v>2020</c:v>
-                      </c:pt>
-                      <c:pt idx="6">
-                        <c:v>2021</c:v>
-                      </c:pt>
-                      <c:pt idx="7">
-                        <c:v>2022</c:v>
-                      </c:pt>
-                    </c:numCache>
-                  </c:numRef>
-                </c:cat>
-                <c:val>
-                  <c:numRef>
-                    <c:extLst>
-                      <c:ext uri="{02D57815-91ED-43cb-92C2-25804820EDAC}">
-                        <c15:formulaRef>
-                          <c15:sqref>Industry!$X$12:$AE$12</c15:sqref>
-                        </c15:formulaRef>
-                      </c:ext>
-                    </c:extLst>
-                    <c:numCache>
-                      <c:formatCode>0.0%</c:formatCode>
-                      <c:ptCount val="8"/>
-                      <c:pt idx="0">
-                        <c:v>0.47986312187417701</c:v>
-                      </c:pt>
-                      <c:pt idx="1">
-                        <c:v>0</c:v>
-                      </c:pt>
-                      <c:pt idx="2">
-                        <c:v>0</c:v>
-                      </c:pt>
-                      <c:pt idx="3">
-                        <c:v>0.42125094197437801</c:v>
-                      </c:pt>
-                      <c:pt idx="4">
-                        <c:v>0.40821917808219199</c:v>
-                      </c:pt>
-                      <c:pt idx="5">
-                        <c:v>0</c:v>
-                      </c:pt>
-                      <c:pt idx="6">
-                        <c:v>0.87159709618874803</c:v>
-                      </c:pt>
-                      <c:pt idx="7">
-                        <c:v>0.66029074215761296</c:v>
-                      </c:pt>
-                    </c:numCache>
-                  </c:numRef>
-                </c:val>
-                <c:smooth val="0"/>
-                <c:extLst>
-                  <c:ext xmlns:c16="http://schemas.microsoft.com/office/drawing/2014/chart" uri="{C3380CC4-5D6E-409C-BE32-E72D297353CC}">
-                    <c16:uniqueId val="{00000002-6049-4B5C-B5DD-D3651E70327A}"/>
-                  </c:ext>
-                </c:extLst>
-              </c15:ser>
-            </c15:filteredLineSeries>
-            <c15:filteredLineSeries>
-              <c15:ser>
-                <c:idx val="1"/>
-                <c:order val="1"/>
-                <c:tx>
-                  <c:strRef>
-                    <c:extLst xmlns:c15="http://schemas.microsoft.com/office/drawing/2012/chart">
-                      <c:ext xmlns:c15="http://schemas.microsoft.com/office/drawing/2012/chart" uri="{02D57815-91ED-43cb-92C2-25804820EDAC}">
-                        <c15:formulaRef>
-                          <c15:sqref>Industry!$E$13</c15:sqref>
-                        </c15:formulaRef>
-                      </c:ext>
-                    </c:extLst>
-                    <c:strCache>
-                      <c:ptCount val="1"/>
-                      <c:pt idx="0">
-                        <c:v>Mining and quarrying</c:v>
-                      </c:pt>
-                    </c:strCache>
-                  </c:strRef>
-                </c:tx>
-                <c:spPr>
-                  <a:ln w="28575" cap="rnd">
-                    <a:solidFill>
-                      <a:schemeClr val="accent2"/>
-                    </a:solidFill>
-                    <a:round/>
-                  </a:ln>
-                  <a:effectLst/>
-                </c:spPr>
-                <c:marker>
-                  <c:symbol val="none"/>
-                </c:marker>
-                <c:cat>
-                  <c:numRef>
-                    <c:extLst xmlns:c15="http://schemas.microsoft.com/office/drawing/2012/chart">
-                      <c:ext xmlns:c15="http://schemas.microsoft.com/office/drawing/2012/chart" uri="{02D57815-91ED-43cb-92C2-25804820EDAC}">
-                        <c15:formulaRef>
-                          <c15:sqref>Industry!$X$11:$AE$11</c15:sqref>
-                        </c15:formulaRef>
-                      </c:ext>
-                    </c:extLst>
-                    <c:numCache>
-                      <c:formatCode>General</c:formatCode>
-                      <c:ptCount val="8"/>
-                      <c:pt idx="0">
-                        <c:v>2015</c:v>
-                      </c:pt>
-                      <c:pt idx="1">
-                        <c:v>2016</c:v>
-                      </c:pt>
-                      <c:pt idx="2">
-                        <c:v>2017</c:v>
-                      </c:pt>
-                      <c:pt idx="3">
-                        <c:v>2018</c:v>
-                      </c:pt>
-                      <c:pt idx="4">
-                        <c:v>2019</c:v>
-                      </c:pt>
-                      <c:pt idx="5">
-                        <c:v>2020</c:v>
-                      </c:pt>
-                      <c:pt idx="6">
-                        <c:v>2021</c:v>
-                      </c:pt>
-                      <c:pt idx="7">
-                        <c:v>2022</c:v>
-                      </c:pt>
-                    </c:numCache>
-                  </c:numRef>
-                </c:cat>
-                <c:val>
-                  <c:numRef>
-                    <c:extLst xmlns:c15="http://schemas.microsoft.com/office/drawing/2012/chart">
-                      <c:ext xmlns:c15="http://schemas.microsoft.com/office/drawing/2012/chart" uri="{02D57815-91ED-43cb-92C2-25804820EDAC}">
-                        <c15:formulaRef>
-                          <c15:sqref>Industry!$X$13:$AE$13</c15:sqref>
-                        </c15:formulaRef>
-                      </c:ext>
-                    </c:extLst>
-                    <c:numCache>
-                      <c:formatCode>0.0%</c:formatCode>
-                      <c:ptCount val="8"/>
-                      <c:pt idx="0">
-                        <c:v>0.26953857696636202</c:v>
-                      </c:pt>
-                      <c:pt idx="1">
-                        <c:v>0.226490450947644</c:v>
-                      </c:pt>
-                      <c:pt idx="2">
-                        <c:v>0.26888467913805397</c:v>
-                      </c:pt>
-                      <c:pt idx="3">
-                        <c:v>0.163348281016442</c:v>
-                      </c:pt>
-                      <c:pt idx="4">
-                        <c:v>0.36353944562899798</c:v>
-                      </c:pt>
-                      <c:pt idx="5">
-                        <c:v>0.389657874118569</c:v>
-                      </c:pt>
-                      <c:pt idx="6">
-                        <c:v>0.17125382262996899</c:v>
-                      </c:pt>
-                      <c:pt idx="7">
-                        <c:v>0.31412053258584399</c:v>
-                      </c:pt>
-                    </c:numCache>
-                  </c:numRef>
-                </c:val>
-                <c:smooth val="0"/>
-                <c:extLst xmlns:c15="http://schemas.microsoft.com/office/drawing/2012/chart">
-                  <c:ext xmlns:c16="http://schemas.microsoft.com/office/drawing/2014/chart" uri="{C3380CC4-5D6E-409C-BE32-E72D297353CC}">
-                    <c16:uniqueId val="{00000003-6049-4B5C-B5DD-D3651E70327A}"/>
-                  </c:ext>
-                </c:extLst>
-              </c15:ser>
-            </c15:filteredLineSeries>
-            <c15:filteredLineSeries>
-              <c15:ser>
-                <c:idx val="2"/>
-                <c:order val="2"/>
-                <c:tx>
-                  <c:strRef>
-                    <c:extLst xmlns:c15="http://schemas.microsoft.com/office/drawing/2012/chart">
-                      <c:ext xmlns:c15="http://schemas.microsoft.com/office/drawing/2012/chart" uri="{02D57815-91ED-43cb-92C2-25804820EDAC}">
-                        <c15:formulaRef>
-                          <c15:sqref>Industry!$E$14</c15:sqref>
-                        </c15:formulaRef>
-                      </c:ext>
-                    </c:extLst>
-                    <c:strCache>
-                      <c:ptCount val="1"/>
-                      <c:pt idx="0">
-                        <c:v>Manufacturing</c:v>
-                      </c:pt>
-                    </c:strCache>
-                  </c:strRef>
-                </c:tx>
-                <c:spPr>
-                  <a:ln w="28575" cap="rnd">
-                    <a:solidFill>
-                      <a:schemeClr val="accent3"/>
-                    </a:solidFill>
-                    <a:round/>
-                  </a:ln>
-                  <a:effectLst/>
-                </c:spPr>
-                <c:marker>
-                  <c:symbol val="none"/>
-                </c:marker>
-                <c:cat>
-                  <c:numRef>
-                    <c:extLst xmlns:c15="http://schemas.microsoft.com/office/drawing/2012/chart">
-                      <c:ext xmlns:c15="http://schemas.microsoft.com/office/drawing/2012/chart" uri="{02D57815-91ED-43cb-92C2-25804820EDAC}">
-                        <c15:formulaRef>
-                          <c15:sqref>Industry!$X$11:$AE$11</c15:sqref>
-                        </c15:formulaRef>
-                      </c:ext>
-                    </c:extLst>
-                    <c:numCache>
-                      <c:formatCode>General</c:formatCode>
-                      <c:ptCount val="8"/>
-                      <c:pt idx="0">
-                        <c:v>2015</c:v>
-                      </c:pt>
-                      <c:pt idx="1">
-                        <c:v>2016</c:v>
-                      </c:pt>
-                      <c:pt idx="2">
-                        <c:v>2017</c:v>
-                      </c:pt>
-                      <c:pt idx="3">
-                        <c:v>2018</c:v>
-                      </c:pt>
-                      <c:pt idx="4">
-                        <c:v>2019</c:v>
-                      </c:pt>
-                      <c:pt idx="5">
-                        <c:v>2020</c:v>
-                      </c:pt>
-                      <c:pt idx="6">
-                        <c:v>2021</c:v>
-                      </c:pt>
-                      <c:pt idx="7">
-                        <c:v>2022</c:v>
-                      </c:pt>
-                    </c:numCache>
-                  </c:numRef>
-                </c:cat>
-                <c:val>
-                  <c:numRef>
-                    <c:extLst xmlns:c15="http://schemas.microsoft.com/office/drawing/2012/chart">
-                      <c:ext xmlns:c15="http://schemas.microsoft.com/office/drawing/2012/chart" uri="{02D57815-91ED-43cb-92C2-25804820EDAC}">
-                        <c15:formulaRef>
-                          <c15:sqref>Industry!$X$14:$AE$14</c15:sqref>
-                        </c15:formulaRef>
-                      </c:ext>
-                    </c:extLst>
-                    <c:numCache>
-                      <c:formatCode>0.0%</c:formatCode>
-                      <c:ptCount val="8"/>
-                      <c:pt idx="0">
-                        <c:v>0.246306661921248</c:v>
-                      </c:pt>
-                      <c:pt idx="1">
-                        <c:v>0.18623843281562899</c:v>
-                      </c:pt>
-                      <c:pt idx="2">
-                        <c:v>0.27309691512446899</c:v>
-                      </c:pt>
-                      <c:pt idx="3">
-                        <c:v>0.19433288343154401</c:v>
-                      </c:pt>
-                      <c:pt idx="4">
-                        <c:v>0.21867492110832401</c:v>
-                      </c:pt>
-                      <c:pt idx="5">
-                        <c:v>0.240422338861422</c:v>
-                      </c:pt>
-                      <c:pt idx="6">
-                        <c:v>0.17821975816737801</c:v>
-                      </c:pt>
-                      <c:pt idx="7">
-                        <c:v>0.255563956418906</c:v>
-                      </c:pt>
-                    </c:numCache>
-                  </c:numRef>
-                </c:val>
-                <c:smooth val="0"/>
-                <c:extLst xmlns:c15="http://schemas.microsoft.com/office/drawing/2012/chart">
-                  <c:ext xmlns:c16="http://schemas.microsoft.com/office/drawing/2014/chart" uri="{C3380CC4-5D6E-409C-BE32-E72D297353CC}">
-                    <c16:uniqueId val="{00000004-6049-4B5C-B5DD-D3651E70327A}"/>
-                  </c:ext>
-                </c:extLst>
-              </c15:ser>
-            </c15:filteredLineSeries>
-            <c15:filteredLineSeries>
-              <c15:ser>
-                <c:idx val="3"/>
-                <c:order val="3"/>
-                <c:tx>
-                  <c:strRef>
-                    <c:extLst xmlns:c15="http://schemas.microsoft.com/office/drawing/2012/chart">
-                      <c:ext xmlns:c15="http://schemas.microsoft.com/office/drawing/2012/chart" uri="{02D57815-91ED-43cb-92C2-25804820EDAC}">
-                        <c15:formulaRef>
-                          <c15:sqref>Industry!$E$15</c15:sqref>
-                        </c15:formulaRef>
-                      </c:ext>
-                    </c:extLst>
-                    <c:strCache>
-                      <c:ptCount val="1"/>
-                      <c:pt idx="0">
-                        <c:v>Electricity, gas, steam and air conditioning supply</c:v>
-                      </c:pt>
-                    </c:strCache>
-                  </c:strRef>
-                </c:tx>
-                <c:spPr>
-                  <a:ln w="28575" cap="rnd">
-                    <a:solidFill>
-                      <a:schemeClr val="accent4"/>
-                    </a:solidFill>
-                    <a:round/>
-                  </a:ln>
-                  <a:effectLst/>
-                </c:spPr>
-                <c:marker>
-                  <c:symbol val="none"/>
-                </c:marker>
-                <c:cat>
-                  <c:numRef>
-                    <c:extLst xmlns:c15="http://schemas.microsoft.com/office/drawing/2012/chart">
-                      <c:ext xmlns:c15="http://schemas.microsoft.com/office/drawing/2012/chart" uri="{02D57815-91ED-43cb-92C2-25804820EDAC}">
-                        <c15:formulaRef>
-                          <c15:sqref>Industry!$X$11:$AE$11</c15:sqref>
-                        </c15:formulaRef>
-                      </c:ext>
-                    </c:extLst>
-                    <c:numCache>
-                      <c:formatCode>General</c:formatCode>
-                      <c:ptCount val="8"/>
-                      <c:pt idx="0">
-                        <c:v>2015</c:v>
-                      </c:pt>
-                      <c:pt idx="1">
-                        <c:v>2016</c:v>
-                      </c:pt>
-                      <c:pt idx="2">
-                        <c:v>2017</c:v>
-                      </c:pt>
-                      <c:pt idx="3">
-                        <c:v>2018</c:v>
-                      </c:pt>
-                      <c:pt idx="4">
-                        <c:v>2019</c:v>
-                      </c:pt>
-                      <c:pt idx="5">
-                        <c:v>2020</c:v>
-                      </c:pt>
-                      <c:pt idx="6">
-                        <c:v>2021</c:v>
-                      </c:pt>
-                      <c:pt idx="7">
-                        <c:v>2022</c:v>
-                      </c:pt>
-                    </c:numCache>
-                  </c:numRef>
-                </c:cat>
-                <c:val>
-                  <c:numRef>
-                    <c:extLst xmlns:c15="http://schemas.microsoft.com/office/drawing/2012/chart">
-                      <c:ext xmlns:c15="http://schemas.microsoft.com/office/drawing/2012/chart" uri="{02D57815-91ED-43cb-92C2-25804820EDAC}">
-                        <c15:formulaRef>
-                          <c15:sqref>Industry!$X$15:$AE$15</c15:sqref>
-                        </c15:formulaRef>
-                      </c:ext>
-                    </c:extLst>
-                    <c:numCache>
-                      <c:formatCode>0.0%</c:formatCode>
-                      <c:ptCount val="8"/>
-                      <c:pt idx="0">
-                        <c:v>0.214225292541943</c:v>
-                      </c:pt>
-                      <c:pt idx="1">
-                        <c:v>0.34264454745059802</c:v>
-                      </c:pt>
-                      <c:pt idx="2">
-                        <c:v>0.32423189365105598</c:v>
-                      </c:pt>
-                      <c:pt idx="3">
-                        <c:v>0.19821737395237499</c:v>
-                      </c:pt>
-                      <c:pt idx="4">
-                        <c:v>0.120386958079541</c:v>
-                      </c:pt>
-                      <c:pt idx="5">
-                        <c:v>0.18326168962189701</c:v>
-                      </c:pt>
-                      <c:pt idx="6">
-                        <c:v>0</c:v>
-                      </c:pt>
-                      <c:pt idx="7">
-                        <c:v>0</c:v>
-                      </c:pt>
-                    </c:numCache>
-                  </c:numRef>
-                </c:val>
-                <c:smooth val="0"/>
-                <c:extLst xmlns:c15="http://schemas.microsoft.com/office/drawing/2012/chart">
-                  <c:ext xmlns:c16="http://schemas.microsoft.com/office/drawing/2014/chart" uri="{C3380CC4-5D6E-409C-BE32-E72D297353CC}">
-                    <c16:uniqueId val="{00000005-6049-4B5C-B5DD-D3651E70327A}"/>
-                  </c:ext>
-                </c:extLst>
-              </c15:ser>
-            </c15:filteredLineSeries>
-            <c15:filteredLineSeries>
-              <c15:ser>
-                <c:idx val="4"/>
-                <c:order val="4"/>
-                <c:tx>
-                  <c:strRef>
-                    <c:extLst xmlns:c15="http://schemas.microsoft.com/office/drawing/2012/chart">
-                      <c:ext xmlns:c15="http://schemas.microsoft.com/office/drawing/2012/chart" uri="{02D57815-91ED-43cb-92C2-25804820EDAC}">
-                        <c15:formulaRef>
-                          <c15:sqref>Industry!$E$16</c15:sqref>
-                        </c15:formulaRef>
-                      </c:ext>
-                    </c:extLst>
-                    <c:strCache>
-                      <c:ptCount val="1"/>
-                      <c:pt idx="0">
-                        <c:v>Water </c:v>
-                      </c:pt>
-                    </c:strCache>
-                  </c:strRef>
-                </c:tx>
-                <c:spPr>
-                  <a:ln w="28575" cap="rnd">
-                    <a:solidFill>
-                      <a:schemeClr val="accent5"/>
-                    </a:solidFill>
-                    <a:round/>
-                  </a:ln>
-                  <a:effectLst/>
-                </c:spPr>
-                <c:marker>
-                  <c:symbol val="none"/>
-                </c:marker>
-                <c:cat>
-                  <c:numRef>
-                    <c:extLst xmlns:c15="http://schemas.microsoft.com/office/drawing/2012/chart">
-                      <c:ext xmlns:c15="http://schemas.microsoft.com/office/drawing/2012/chart" uri="{02D57815-91ED-43cb-92C2-25804820EDAC}">
-                        <c15:formulaRef>
-                          <c15:sqref>Industry!$X$11:$AE$11</c15:sqref>
-                        </c15:formulaRef>
-                      </c:ext>
-                    </c:extLst>
-                    <c:numCache>
-                      <c:formatCode>General</c:formatCode>
-                      <c:ptCount val="8"/>
-                      <c:pt idx="0">
-                        <c:v>2015</c:v>
-                      </c:pt>
-                      <c:pt idx="1">
-                        <c:v>2016</c:v>
-                      </c:pt>
-                      <c:pt idx="2">
-                        <c:v>2017</c:v>
-                      </c:pt>
-                      <c:pt idx="3">
-                        <c:v>2018</c:v>
-                      </c:pt>
-                      <c:pt idx="4">
-                        <c:v>2019</c:v>
-                      </c:pt>
-                      <c:pt idx="5">
-                        <c:v>2020</c:v>
-                      </c:pt>
-                      <c:pt idx="6">
-                        <c:v>2021</c:v>
-                      </c:pt>
-                      <c:pt idx="7">
-                        <c:v>2022</c:v>
-                      </c:pt>
-                    </c:numCache>
-                  </c:numRef>
-                </c:cat>
-                <c:val>
-                  <c:numRef>
-                    <c:extLst xmlns:c15="http://schemas.microsoft.com/office/drawing/2012/chart">
-                      <c:ext xmlns:c15="http://schemas.microsoft.com/office/drawing/2012/chart" uri="{02D57815-91ED-43cb-92C2-25804820EDAC}">
-                        <c15:formulaRef>
-                          <c15:sqref>Industry!$X$16:$AE$16</c15:sqref>
-                        </c15:formulaRef>
-                      </c:ext>
-                    </c:extLst>
-                    <c:numCache>
-                      <c:formatCode>0.0%</c:formatCode>
-                      <c:ptCount val="8"/>
-                      <c:pt idx="0">
-                        <c:v>6.4403697529928805E-2</c:v>
-                      </c:pt>
-                      <c:pt idx="1">
-                        <c:v>0</c:v>
-                      </c:pt>
-                      <c:pt idx="2">
-                        <c:v>7.8633677251327194E-2</c:v>
-                      </c:pt>
-                      <c:pt idx="3">
-                        <c:v>0.40747386487751602</c:v>
-                      </c:pt>
-                      <c:pt idx="4">
-                        <c:v>0.451661067562523</c:v>
-                      </c:pt>
-                      <c:pt idx="5">
-                        <c:v>7.3888163838971996E-2</c:v>
-                      </c:pt>
-                      <c:pt idx="6">
-                        <c:v>5.4859203296703303E-2</c:v>
-                      </c:pt>
-                      <c:pt idx="7">
-                        <c:v>0</c:v>
-                      </c:pt>
-                    </c:numCache>
-                  </c:numRef>
-                </c:val>
-                <c:smooth val="0"/>
-                <c:extLst xmlns:c15="http://schemas.microsoft.com/office/drawing/2012/chart">
-                  <c:ext xmlns:c16="http://schemas.microsoft.com/office/drawing/2014/chart" uri="{C3380CC4-5D6E-409C-BE32-E72D297353CC}">
-                    <c16:uniqueId val="{00000006-6049-4B5C-B5DD-D3651E70327A}"/>
-                  </c:ext>
-                </c:extLst>
-              </c15:ser>
-            </c15:filteredLineSeries>
-            <c15:filteredLineSeries>
-              <c15:ser>
-                <c:idx val="5"/>
-                <c:order val="5"/>
-                <c:tx>
-                  <c:strRef>
-                    <c:extLst xmlns:c15="http://schemas.microsoft.com/office/drawing/2012/chart">
-                      <c:ext xmlns:c15="http://schemas.microsoft.com/office/drawing/2012/chart" uri="{02D57815-91ED-43cb-92C2-25804820EDAC}">
-                        <c15:formulaRef>
-                          <c15:sqref>Industry!$E$17</c15:sqref>
-                        </c15:formulaRef>
-                      </c:ext>
-                    </c:extLst>
-                    <c:strCache>
-                      <c:ptCount val="1"/>
-                      <c:pt idx="0">
-                        <c:v>Construction</c:v>
-                      </c:pt>
-                    </c:strCache>
-                  </c:strRef>
-                </c:tx>
-                <c:spPr>
-                  <a:ln w="28575" cap="rnd">
-                    <a:solidFill>
-                      <a:schemeClr val="accent6"/>
-                    </a:solidFill>
-                    <a:round/>
-                  </a:ln>
-                  <a:effectLst/>
-                </c:spPr>
-                <c:marker>
-                  <c:symbol val="none"/>
-                </c:marker>
-                <c:cat>
-                  <c:numRef>
-                    <c:extLst xmlns:c15="http://schemas.microsoft.com/office/drawing/2012/chart">
-                      <c:ext xmlns:c15="http://schemas.microsoft.com/office/drawing/2012/chart" uri="{02D57815-91ED-43cb-92C2-25804820EDAC}">
-                        <c15:formulaRef>
-                          <c15:sqref>Industry!$X$11:$AE$11</c15:sqref>
-                        </c15:formulaRef>
-                      </c:ext>
-                    </c:extLst>
-                    <c:numCache>
-                      <c:formatCode>General</c:formatCode>
-                      <c:ptCount val="8"/>
-                      <c:pt idx="0">
-                        <c:v>2015</c:v>
-                      </c:pt>
-                      <c:pt idx="1">
-                        <c:v>2016</c:v>
-                      </c:pt>
-                      <c:pt idx="2">
-                        <c:v>2017</c:v>
-                      </c:pt>
-                      <c:pt idx="3">
-                        <c:v>2018</c:v>
-                      </c:pt>
-                      <c:pt idx="4">
-                        <c:v>2019</c:v>
-                      </c:pt>
-                      <c:pt idx="5">
-                        <c:v>2020</c:v>
-                      </c:pt>
-                      <c:pt idx="6">
-                        <c:v>2021</c:v>
-                      </c:pt>
-                      <c:pt idx="7">
-                        <c:v>2022</c:v>
-                      </c:pt>
-                    </c:numCache>
-                  </c:numRef>
-                </c:cat>
-                <c:val>
-                  <c:numRef>
-                    <c:extLst xmlns:c15="http://schemas.microsoft.com/office/drawing/2012/chart">
-                      <c:ext xmlns:c15="http://schemas.microsoft.com/office/drawing/2012/chart" uri="{02D57815-91ED-43cb-92C2-25804820EDAC}">
-                        <c15:formulaRef>
-                          <c15:sqref>Industry!$X$17:$AE$17</c15:sqref>
-                        </c15:formulaRef>
-                      </c:ext>
-                    </c:extLst>
-                    <c:numCache>
-                      <c:formatCode>0.0%</c:formatCode>
-                      <c:ptCount val="8"/>
-                      <c:pt idx="0">
-                        <c:v>0.189140831348376</c:v>
-                      </c:pt>
-                      <c:pt idx="1">
-                        <c:v>0.16438374546686699</c:v>
-                      </c:pt>
-                      <c:pt idx="2">
-                        <c:v>0.19499677700010901</c:v>
-                      </c:pt>
-                      <c:pt idx="3">
-                        <c:v>0.205289856362245</c:v>
-                      </c:pt>
-                      <c:pt idx="4">
-                        <c:v>0.145458040421793</c:v>
-                      </c:pt>
-                      <c:pt idx="5">
-                        <c:v>0.110969567606202</c:v>
-                      </c:pt>
-                      <c:pt idx="6">
-                        <c:v>0.12204123476478</c:v>
-                      </c:pt>
-                      <c:pt idx="7">
-                        <c:v>0.114199118499302</c:v>
-                      </c:pt>
-                    </c:numCache>
-                  </c:numRef>
-                </c:val>
-                <c:smooth val="0"/>
-                <c:extLst xmlns:c15="http://schemas.microsoft.com/office/drawing/2012/chart">
-                  <c:ext xmlns:c16="http://schemas.microsoft.com/office/drawing/2014/chart" uri="{C3380CC4-5D6E-409C-BE32-E72D297353CC}">
-                    <c16:uniqueId val="{00000007-6049-4B5C-B5DD-D3651E70327A}"/>
-                  </c:ext>
-                </c:extLst>
-              </c15:ser>
-            </c15:filteredLineSeries>
-            <c15:filteredLineSeries>
-              <c15:ser>
-                <c:idx val="7"/>
-                <c:order val="7"/>
-                <c:tx>
-                  <c:strRef>
-                    <c:extLst xmlns:c15="http://schemas.microsoft.com/office/drawing/2012/chart">
-                      <c:ext xmlns:c15="http://schemas.microsoft.com/office/drawing/2012/chart" uri="{02D57815-91ED-43cb-92C2-25804820EDAC}">
-                        <c15:formulaRef>
-                          <c15:sqref>Industry!$E$19</c15:sqref>
-                        </c15:formulaRef>
-                      </c:ext>
-                    </c:extLst>
-                    <c:strCache>
-                      <c:ptCount val="1"/>
-                      <c:pt idx="0">
-                        <c:v>Transport and storage </c:v>
-                      </c:pt>
-                    </c:strCache>
-                  </c:strRef>
-                </c:tx>
-                <c:spPr>
-                  <a:ln w="28575" cap="rnd">
-                    <a:solidFill>
-                      <a:schemeClr val="accent2">
-                        <a:lumMod val="60000"/>
-                      </a:schemeClr>
-                    </a:solidFill>
-                    <a:round/>
-                  </a:ln>
-                  <a:effectLst/>
-                </c:spPr>
-                <c:marker>
-                  <c:symbol val="none"/>
-                </c:marker>
-                <c:cat>
-                  <c:numRef>
-                    <c:extLst xmlns:c15="http://schemas.microsoft.com/office/drawing/2012/chart">
-                      <c:ext xmlns:c15="http://schemas.microsoft.com/office/drawing/2012/chart" uri="{02D57815-91ED-43cb-92C2-25804820EDAC}">
-                        <c15:formulaRef>
-                          <c15:sqref>Industry!$X$11:$AE$11</c15:sqref>
-                        </c15:formulaRef>
-                      </c:ext>
-                    </c:extLst>
-                    <c:numCache>
-                      <c:formatCode>General</c:formatCode>
-                      <c:ptCount val="8"/>
-                      <c:pt idx="0">
-                        <c:v>2015</c:v>
-                      </c:pt>
-                      <c:pt idx="1">
-                        <c:v>2016</c:v>
-                      </c:pt>
-                      <c:pt idx="2">
-                        <c:v>2017</c:v>
-                      </c:pt>
-                      <c:pt idx="3">
-                        <c:v>2018</c:v>
-                      </c:pt>
-                      <c:pt idx="4">
-                        <c:v>2019</c:v>
-                      </c:pt>
-                      <c:pt idx="5">
-                        <c:v>2020</c:v>
-                      </c:pt>
-                      <c:pt idx="6">
-                        <c:v>2021</c:v>
-                      </c:pt>
-                      <c:pt idx="7">
-                        <c:v>2022</c:v>
-                      </c:pt>
-                    </c:numCache>
-                  </c:numRef>
-                </c:cat>
-                <c:val>
-                  <c:numRef>
-                    <c:extLst xmlns:c15="http://schemas.microsoft.com/office/drawing/2012/chart">
-                      <c:ext xmlns:c15="http://schemas.microsoft.com/office/drawing/2012/chart" uri="{02D57815-91ED-43cb-92C2-25804820EDAC}">
-                        <c15:formulaRef>
-                          <c15:sqref>Industry!$X$19:$AE$19</c15:sqref>
-                        </c15:formulaRef>
-                      </c:ext>
-                    </c:extLst>
-                    <c:numCache>
-                      <c:formatCode>0.0%</c:formatCode>
-                      <c:ptCount val="8"/>
-                      <c:pt idx="0">
-                        <c:v>0.52699338151660902</c:v>
-                      </c:pt>
-                      <c:pt idx="1">
-                        <c:v>0.58141761548547799</c:v>
-                      </c:pt>
-                      <c:pt idx="2">
-                        <c:v>0.54133118239301703</c:v>
-                      </c:pt>
-                      <c:pt idx="3">
-                        <c:v>0.527769110764431</c:v>
-                      </c:pt>
-                      <c:pt idx="4">
-                        <c:v>0.53339109387463202</c:v>
-                      </c:pt>
-                      <c:pt idx="5">
-                        <c:v>0.43514648917016802</c:v>
-                      </c:pt>
-                      <c:pt idx="6">
-                        <c:v>0.46034546752319799</c:v>
-                      </c:pt>
-                      <c:pt idx="7">
-                        <c:v>0.46113496590168201</c:v>
-                      </c:pt>
-                    </c:numCache>
-                  </c:numRef>
-                </c:val>
-                <c:smooth val="0"/>
-                <c:extLst xmlns:c15="http://schemas.microsoft.com/office/drawing/2012/chart">
-                  <c:ext xmlns:c16="http://schemas.microsoft.com/office/drawing/2014/chart" uri="{C3380CC4-5D6E-409C-BE32-E72D297353CC}">
-                    <c16:uniqueId val="{00000008-6049-4B5C-B5DD-D3651E70327A}"/>
-                  </c:ext>
-                </c:extLst>
-              </c15:ser>
-            </c15:filteredLineSeries>
-            <c15:filteredLineSeries>
-              <c15:ser>
-                <c:idx val="9"/>
-                <c:order val="9"/>
-                <c:tx>
-                  <c:strRef>
-                    <c:extLst xmlns:c15="http://schemas.microsoft.com/office/drawing/2012/chart">
-                      <c:ext xmlns:c15="http://schemas.microsoft.com/office/drawing/2012/chart" uri="{02D57815-91ED-43cb-92C2-25804820EDAC}">
-                        <c15:formulaRef>
-                          <c15:sqref>Industry!$E$21</c15:sqref>
-                        </c15:formulaRef>
-                      </c:ext>
-                    </c:extLst>
-                    <c:strCache>
-                      <c:ptCount val="1"/>
-                      <c:pt idx="0">
-                        <c:v>Information and communication </c:v>
-                      </c:pt>
-                    </c:strCache>
-                  </c:strRef>
-                </c:tx>
-                <c:spPr>
-                  <a:ln w="28575" cap="rnd">
-                    <a:solidFill>
-                      <a:schemeClr val="accent4">
-                        <a:lumMod val="60000"/>
-                      </a:schemeClr>
-                    </a:solidFill>
-                    <a:round/>
-                  </a:ln>
-                  <a:effectLst/>
-                </c:spPr>
-                <c:marker>
-                  <c:symbol val="none"/>
-                </c:marker>
-                <c:cat>
-                  <c:numRef>
-                    <c:extLst xmlns:c15="http://schemas.microsoft.com/office/drawing/2012/chart">
-                      <c:ext xmlns:c15="http://schemas.microsoft.com/office/drawing/2012/chart" uri="{02D57815-91ED-43cb-92C2-25804820EDAC}">
-                        <c15:formulaRef>
-                          <c15:sqref>Industry!$X$11:$AE$11</c15:sqref>
-                        </c15:formulaRef>
-                      </c:ext>
-                    </c:extLst>
-                    <c:numCache>
-                      <c:formatCode>General</c:formatCode>
-                      <c:ptCount val="8"/>
-                      <c:pt idx="0">
-                        <c:v>2015</c:v>
-                      </c:pt>
-                      <c:pt idx="1">
-                        <c:v>2016</c:v>
-                      </c:pt>
-                      <c:pt idx="2">
-                        <c:v>2017</c:v>
-                      </c:pt>
-                      <c:pt idx="3">
-                        <c:v>2018</c:v>
-                      </c:pt>
-                      <c:pt idx="4">
-                        <c:v>2019</c:v>
-                      </c:pt>
-                      <c:pt idx="5">
-                        <c:v>2020</c:v>
-                      </c:pt>
-                      <c:pt idx="6">
-                        <c:v>2021</c:v>
-                      </c:pt>
-                      <c:pt idx="7">
-                        <c:v>2022</c:v>
-                      </c:pt>
-                    </c:numCache>
-                  </c:numRef>
-                </c:cat>
-                <c:val>
-                  <c:numRef>
-                    <c:extLst xmlns:c15="http://schemas.microsoft.com/office/drawing/2012/chart">
-                      <c:ext xmlns:c15="http://schemas.microsoft.com/office/drawing/2012/chart" uri="{02D57815-91ED-43cb-92C2-25804820EDAC}">
-                        <c15:formulaRef>
-                          <c15:sqref>Industry!$X$21:$AE$21</c15:sqref>
-                        </c15:formulaRef>
-                      </c:ext>
-                    </c:extLst>
-                    <c:numCache>
-                      <c:formatCode>0.0%</c:formatCode>
-                      <c:ptCount val="8"/>
-                      <c:pt idx="0">
-                        <c:v>0.28384493914651099</c:v>
-                      </c:pt>
-                      <c:pt idx="1">
-                        <c:v>0.27579804256226997</c:v>
-                      </c:pt>
-                      <c:pt idx="2">
-                        <c:v>0.28822249107449999</c:v>
-                      </c:pt>
-                      <c:pt idx="3">
-                        <c:v>0.16028148345013701</c:v>
-                      </c:pt>
-                      <c:pt idx="4">
-                        <c:v>0.26478768004649</c:v>
-                      </c:pt>
-                      <c:pt idx="5">
-                        <c:v>0.18873800244234801</c:v>
-                      </c:pt>
-                      <c:pt idx="6">
-                        <c:v>0.268650965544805</c:v>
-                      </c:pt>
-                      <c:pt idx="7">
-                        <c:v>0.260400643838755</c:v>
-                      </c:pt>
-                    </c:numCache>
-                  </c:numRef>
-                </c:val>
-                <c:smooth val="0"/>
-                <c:extLst xmlns:c15="http://schemas.microsoft.com/office/drawing/2012/chart">
-                  <c:ext xmlns:c16="http://schemas.microsoft.com/office/drawing/2014/chart" uri="{C3380CC4-5D6E-409C-BE32-E72D297353CC}">
-                    <c16:uniqueId val="{00000009-6049-4B5C-B5DD-D3651E70327A}"/>
-                  </c:ext>
-                </c:extLst>
-              </c15:ser>
-            </c15:filteredLineSeries>
-            <c15:filteredLineSeries>
-              <c15:ser>
-                <c:idx val="10"/>
-                <c:order val="10"/>
-                <c:tx>
-                  <c:strRef>
-                    <c:extLst xmlns:c15="http://schemas.microsoft.com/office/drawing/2012/chart">
-                      <c:ext xmlns:c15="http://schemas.microsoft.com/office/drawing/2012/chart" uri="{02D57815-91ED-43cb-92C2-25804820EDAC}">
-                        <c15:formulaRef>
-                          <c15:sqref>Industry!$E$22</c15:sqref>
-                        </c15:formulaRef>
-                      </c:ext>
-                    </c:extLst>
-                    <c:strCache>
-                      <c:ptCount val="1"/>
-                      <c:pt idx="0">
-                        <c:v>Financial and insurance activities</c:v>
-                      </c:pt>
-                    </c:strCache>
-                  </c:strRef>
-                </c:tx>
-                <c:spPr>
-                  <a:ln w="28575" cap="rnd">
-                    <a:solidFill>
-                      <a:schemeClr val="accent5">
-                        <a:lumMod val="60000"/>
-                      </a:schemeClr>
-                    </a:solidFill>
-                    <a:round/>
-                  </a:ln>
-                  <a:effectLst/>
-                </c:spPr>
-                <c:marker>
-                  <c:symbol val="none"/>
-                </c:marker>
-                <c:cat>
-                  <c:numRef>
-                    <c:extLst xmlns:c15="http://schemas.microsoft.com/office/drawing/2012/chart">
-                      <c:ext xmlns:c15="http://schemas.microsoft.com/office/drawing/2012/chart" uri="{02D57815-91ED-43cb-92C2-25804820EDAC}">
-                        <c15:formulaRef>
-                          <c15:sqref>Industry!$X$11:$AE$11</c15:sqref>
-                        </c15:formulaRef>
-                      </c:ext>
-                    </c:extLst>
-                    <c:numCache>
-                      <c:formatCode>General</c:formatCode>
-                      <c:ptCount val="8"/>
-                      <c:pt idx="0">
-                        <c:v>2015</c:v>
-                      </c:pt>
-                      <c:pt idx="1">
-                        <c:v>2016</c:v>
-                      </c:pt>
-                      <c:pt idx="2">
-                        <c:v>2017</c:v>
-                      </c:pt>
-                      <c:pt idx="3">
-                        <c:v>2018</c:v>
-                      </c:pt>
-                      <c:pt idx="4">
-                        <c:v>2019</c:v>
-                      </c:pt>
-                      <c:pt idx="5">
-                        <c:v>2020</c:v>
-                      </c:pt>
-                      <c:pt idx="6">
-                        <c:v>2021</c:v>
-                      </c:pt>
-                      <c:pt idx="7">
-                        <c:v>2022</c:v>
-                      </c:pt>
-                    </c:numCache>
-                  </c:numRef>
-                </c:cat>
-                <c:val>
-                  <c:numRef>
-                    <c:extLst xmlns:c15="http://schemas.microsoft.com/office/drawing/2012/chart">
-                      <c:ext xmlns:c15="http://schemas.microsoft.com/office/drawing/2012/chart" uri="{02D57815-91ED-43cb-92C2-25804820EDAC}">
-                        <c15:formulaRef>
-                          <c15:sqref>Industry!$X$22:$AE$22</c15:sqref>
-                        </c15:formulaRef>
-                      </c:ext>
-                    </c:extLst>
-                    <c:numCache>
-                      <c:formatCode>0.0%</c:formatCode>
-                      <c:ptCount val="8"/>
-                      <c:pt idx="0">
-                        <c:v>0.20458023955503499</c:v>
-                      </c:pt>
-                      <c:pt idx="1">
-                        <c:v>0.21582637291116</c:v>
-                      </c:pt>
-                      <c:pt idx="2">
-                        <c:v>0.21367459533590399</c:v>
-                      </c:pt>
-                      <c:pt idx="3">
-                        <c:v>0.18120760758677901</c:v>
-                      </c:pt>
-                      <c:pt idx="4">
-                        <c:v>0.19007192266072001</c:v>
-                      </c:pt>
-                      <c:pt idx="5">
-                        <c:v>0.20047479934075499</c:v>
-                      </c:pt>
-                      <c:pt idx="6">
-                        <c:v>0.206493020299442</c:v>
-                      </c:pt>
-                      <c:pt idx="7">
-                        <c:v>0.172414477273855</c:v>
-                      </c:pt>
-                    </c:numCache>
-                  </c:numRef>
-                </c:val>
-                <c:smooth val="0"/>
-                <c:extLst xmlns:c15="http://schemas.microsoft.com/office/drawing/2012/chart">
-                  <c:ext xmlns:c16="http://schemas.microsoft.com/office/drawing/2014/chart" uri="{C3380CC4-5D6E-409C-BE32-E72D297353CC}">
-                    <c16:uniqueId val="{0000000A-6049-4B5C-B5DD-D3651E70327A}"/>
-                  </c:ext>
-                </c:extLst>
-              </c15:ser>
-            </c15:filteredLineSeries>
-            <c15:filteredLineSeries>
-              <c15:ser>
-                <c:idx val="11"/>
-                <c:order val="11"/>
-                <c:tx>
-                  <c:strRef>
-                    <c:extLst xmlns:c15="http://schemas.microsoft.com/office/drawing/2012/chart">
-                      <c:ext xmlns:c15="http://schemas.microsoft.com/office/drawing/2012/chart" uri="{02D57815-91ED-43cb-92C2-25804820EDAC}">
-                        <c15:formulaRef>
-                          <c15:sqref>Industry!$E$23</c15:sqref>
-                        </c15:formulaRef>
-                      </c:ext>
-                    </c:extLst>
-                    <c:strCache>
-                      <c:ptCount val="1"/>
-                      <c:pt idx="0">
-                        <c:v>Property </c:v>
-                      </c:pt>
-                    </c:strCache>
-                  </c:strRef>
-                </c:tx>
-                <c:spPr>
-                  <a:ln w="28575" cap="rnd">
-                    <a:solidFill>
-                      <a:schemeClr val="accent6">
-                        <a:lumMod val="60000"/>
-                      </a:schemeClr>
-                    </a:solidFill>
-                    <a:round/>
-                  </a:ln>
-                  <a:effectLst/>
-                </c:spPr>
-                <c:marker>
-                  <c:symbol val="none"/>
-                </c:marker>
-                <c:cat>
-                  <c:numRef>
-                    <c:extLst xmlns:c15="http://schemas.microsoft.com/office/drawing/2012/chart">
-                      <c:ext xmlns:c15="http://schemas.microsoft.com/office/drawing/2012/chart" uri="{02D57815-91ED-43cb-92C2-25804820EDAC}">
-                        <c15:formulaRef>
-                          <c15:sqref>Industry!$X$11:$AE$11</c15:sqref>
-                        </c15:formulaRef>
-                      </c:ext>
-                    </c:extLst>
-                    <c:numCache>
-                      <c:formatCode>General</c:formatCode>
-                      <c:ptCount val="8"/>
-                      <c:pt idx="0">
-                        <c:v>2015</c:v>
-                      </c:pt>
-                      <c:pt idx="1">
-                        <c:v>2016</c:v>
-                      </c:pt>
-                      <c:pt idx="2">
-                        <c:v>2017</c:v>
-                      </c:pt>
-                      <c:pt idx="3">
-                        <c:v>2018</c:v>
-                      </c:pt>
-                      <c:pt idx="4">
-                        <c:v>2019</c:v>
-                      </c:pt>
-                      <c:pt idx="5">
-                        <c:v>2020</c:v>
-                      </c:pt>
-                      <c:pt idx="6">
-                        <c:v>2021</c:v>
-                      </c:pt>
-                      <c:pt idx="7">
-                        <c:v>2022</c:v>
-                      </c:pt>
-                    </c:numCache>
-                  </c:numRef>
-                </c:cat>
-                <c:val>
-                  <c:numRef>
-                    <c:extLst xmlns:c15="http://schemas.microsoft.com/office/drawing/2012/chart">
-                      <c:ext xmlns:c15="http://schemas.microsoft.com/office/drawing/2012/chart" uri="{02D57815-91ED-43cb-92C2-25804820EDAC}">
-                        <c15:formulaRef>
-                          <c15:sqref>Industry!$X$23:$AE$23</c15:sqref>
-                        </c15:formulaRef>
-                      </c:ext>
-                    </c:extLst>
-                    <c:numCache>
-                      <c:formatCode>0.0%</c:formatCode>
-                      <c:ptCount val="8"/>
-                      <c:pt idx="0">
-                        <c:v>0.21555802137475899</c:v>
-                      </c:pt>
-                      <c:pt idx="1">
-                        <c:v>0.184371923979708</c:v>
-                      </c:pt>
-                      <c:pt idx="2">
-                        <c:v>0.11338643870215701</c:v>
-                      </c:pt>
-                      <c:pt idx="3">
-                        <c:v>0.173340266944011</c:v>
-                      </c:pt>
-                      <c:pt idx="4">
-                        <c:v>0.15250717541786299</c:v>
-                      </c:pt>
-                      <c:pt idx="5">
-                        <c:v>5.8897340370485399E-2</c:v>
-                      </c:pt>
-                      <c:pt idx="6">
-                        <c:v>0.12735556353897901</c:v>
-                      </c:pt>
-                      <c:pt idx="7">
-                        <c:v>0.11954924056834899</c:v>
-                      </c:pt>
-                    </c:numCache>
-                  </c:numRef>
-                </c:val>
-                <c:smooth val="0"/>
-                <c:extLst xmlns:c15="http://schemas.microsoft.com/office/drawing/2012/chart">
-                  <c:ext xmlns:c16="http://schemas.microsoft.com/office/drawing/2014/chart" uri="{C3380CC4-5D6E-409C-BE32-E72D297353CC}">
-                    <c16:uniqueId val="{0000000B-6049-4B5C-B5DD-D3651E70327A}"/>
-                  </c:ext>
-                </c:extLst>
-              </c15:ser>
-            </c15:filteredLineSeries>
-            <c15:filteredLineSeries>
-              <c15:ser>
-                <c:idx val="12"/>
-                <c:order val="12"/>
-                <c:tx>
-                  <c:strRef>
-                    <c:extLst xmlns:c15="http://schemas.microsoft.com/office/drawing/2012/chart">
-                      <c:ext xmlns:c15="http://schemas.microsoft.com/office/drawing/2012/chart" uri="{02D57815-91ED-43cb-92C2-25804820EDAC}">
-                        <c15:formulaRef>
-                          <c15:sqref>Industry!$E$24</c15:sqref>
-                        </c15:formulaRef>
-                      </c:ext>
-                    </c:extLst>
-                    <c:strCache>
-                      <c:ptCount val="1"/>
-                      <c:pt idx="0">
-                        <c:v>Professional and scientific </c:v>
-                      </c:pt>
-                    </c:strCache>
-                  </c:strRef>
-                </c:tx>
-                <c:spPr>
-                  <a:ln w="28575" cap="rnd">
-                    <a:solidFill>
-                      <a:schemeClr val="accent1">
-                        <a:lumMod val="80000"/>
-                        <a:lumOff val="20000"/>
-                      </a:schemeClr>
-                    </a:solidFill>
-                    <a:round/>
-                  </a:ln>
-                  <a:effectLst/>
-                </c:spPr>
-                <c:marker>
-                  <c:symbol val="none"/>
-                </c:marker>
-                <c:cat>
-                  <c:numRef>
-                    <c:extLst xmlns:c15="http://schemas.microsoft.com/office/drawing/2012/chart">
-                      <c:ext xmlns:c15="http://schemas.microsoft.com/office/drawing/2012/chart" uri="{02D57815-91ED-43cb-92C2-25804820EDAC}">
-                        <c15:formulaRef>
-                          <c15:sqref>Industry!$X$11:$AE$11</c15:sqref>
-                        </c15:formulaRef>
-                      </c:ext>
-                    </c:extLst>
-                    <c:numCache>
-                      <c:formatCode>General</c:formatCode>
-                      <c:ptCount val="8"/>
-                      <c:pt idx="0">
-                        <c:v>2015</c:v>
-                      </c:pt>
-                      <c:pt idx="1">
-                        <c:v>2016</c:v>
-                      </c:pt>
-                      <c:pt idx="2">
-                        <c:v>2017</c:v>
-                      </c:pt>
-                      <c:pt idx="3">
-                        <c:v>2018</c:v>
-                      </c:pt>
-                      <c:pt idx="4">
-                        <c:v>2019</c:v>
-                      </c:pt>
-                      <c:pt idx="5">
-                        <c:v>2020</c:v>
-                      </c:pt>
-                      <c:pt idx="6">
-                        <c:v>2021</c:v>
-                      </c:pt>
-                      <c:pt idx="7">
-                        <c:v>2022</c:v>
-                      </c:pt>
-                    </c:numCache>
-                  </c:numRef>
-                </c:cat>
-                <c:val>
-                  <c:numRef>
-                    <c:extLst xmlns:c15="http://schemas.microsoft.com/office/drawing/2012/chart">
-                      <c:ext xmlns:c15="http://schemas.microsoft.com/office/drawing/2012/chart" uri="{02D57815-91ED-43cb-92C2-25804820EDAC}">
-                        <c15:formulaRef>
-                          <c15:sqref>Industry!$X$24:$AE$24</c15:sqref>
-                        </c15:formulaRef>
-                      </c:ext>
-                    </c:extLst>
-                    <c:numCache>
-                      <c:formatCode>0.0%</c:formatCode>
-                      <c:ptCount val="8"/>
-                      <c:pt idx="0">
-                        <c:v>0.26922676423567599</c:v>
-                      </c:pt>
-                      <c:pt idx="1">
-                        <c:v>0.27300279019335699</c:v>
-                      </c:pt>
-                      <c:pt idx="2">
-                        <c:v>0.25660177376795501</c:v>
-                      </c:pt>
-                      <c:pt idx="3">
-                        <c:v>0.25074592981773403</c:v>
-                      </c:pt>
-                      <c:pt idx="4">
-                        <c:v>0.238257645968489</c:v>
-                      </c:pt>
-                      <c:pt idx="5">
-                        <c:v>0.26075414235413902</c:v>
-                      </c:pt>
-                      <c:pt idx="6">
-                        <c:v>0.19854072870735701</c:v>
-                      </c:pt>
-                      <c:pt idx="7">
-                        <c:v>0.201680333811281</c:v>
-                      </c:pt>
-                    </c:numCache>
-                  </c:numRef>
-                </c:val>
-                <c:smooth val="0"/>
-                <c:extLst xmlns:c15="http://schemas.microsoft.com/office/drawing/2012/chart">
-                  <c:ext xmlns:c16="http://schemas.microsoft.com/office/drawing/2014/chart" uri="{C3380CC4-5D6E-409C-BE32-E72D297353CC}">
-                    <c16:uniqueId val="{0000000C-6049-4B5C-B5DD-D3651E70327A}"/>
-                  </c:ext>
-                </c:extLst>
-              </c15:ser>
-            </c15:filteredLineSeries>
-            <c15:filteredLineSeries>
-              <c15:ser>
-                <c:idx val="13"/>
-                <c:order val="13"/>
-                <c:tx>
-                  <c:strRef>
-                    <c:extLst xmlns:c15="http://schemas.microsoft.com/office/drawing/2012/chart">
-                      <c:ext xmlns:c15="http://schemas.microsoft.com/office/drawing/2012/chart" uri="{02D57815-91ED-43cb-92C2-25804820EDAC}">
-                        <c15:formulaRef>
-                          <c15:sqref>Industry!$E$25</c15:sqref>
-                        </c15:formulaRef>
-                      </c:ext>
-                    </c:extLst>
-                    <c:strCache>
-                      <c:ptCount val="1"/>
-                      <c:pt idx="0">
-                        <c:v>Administration </c:v>
-                      </c:pt>
-                    </c:strCache>
-                  </c:strRef>
-                </c:tx>
-                <c:spPr>
-                  <a:ln w="28575" cap="rnd">
-                    <a:solidFill>
-                      <a:schemeClr val="accent2">
-                        <a:lumMod val="80000"/>
-                        <a:lumOff val="20000"/>
-                      </a:schemeClr>
-                    </a:solidFill>
-                    <a:round/>
-                  </a:ln>
-                  <a:effectLst/>
-                </c:spPr>
-                <c:marker>
-                  <c:symbol val="none"/>
-                </c:marker>
-                <c:cat>
-                  <c:numRef>
-                    <c:extLst xmlns:c15="http://schemas.microsoft.com/office/drawing/2012/chart">
-                      <c:ext xmlns:c15="http://schemas.microsoft.com/office/drawing/2012/chart" uri="{02D57815-91ED-43cb-92C2-25804820EDAC}">
-                        <c15:formulaRef>
-                          <c15:sqref>Industry!$X$11:$AE$11</c15:sqref>
-                        </c15:formulaRef>
-                      </c:ext>
-                    </c:extLst>
-                    <c:numCache>
-                      <c:formatCode>General</c:formatCode>
-                      <c:ptCount val="8"/>
-                      <c:pt idx="0">
-                        <c:v>2015</c:v>
-                      </c:pt>
-                      <c:pt idx="1">
-                        <c:v>2016</c:v>
-                      </c:pt>
-                      <c:pt idx="2">
-                        <c:v>2017</c:v>
-                      </c:pt>
-                      <c:pt idx="3">
-                        <c:v>2018</c:v>
-                      </c:pt>
-                      <c:pt idx="4">
-                        <c:v>2019</c:v>
-                      </c:pt>
-                      <c:pt idx="5">
-                        <c:v>2020</c:v>
-                      </c:pt>
-                      <c:pt idx="6">
-                        <c:v>2021</c:v>
-                      </c:pt>
-                      <c:pt idx="7">
-                        <c:v>2022</c:v>
-                      </c:pt>
-                    </c:numCache>
-                  </c:numRef>
-                </c:cat>
-                <c:val>
-                  <c:numRef>
-                    <c:extLst xmlns:c15="http://schemas.microsoft.com/office/drawing/2012/chart">
-                      <c:ext xmlns:c15="http://schemas.microsoft.com/office/drawing/2012/chart" uri="{02D57815-91ED-43cb-92C2-25804820EDAC}">
-                        <c15:formulaRef>
-                          <c15:sqref>Industry!$X$25:$AE$25</c15:sqref>
-                        </c15:formulaRef>
-                      </c:ext>
-                    </c:extLst>
-                    <c:numCache>
-                      <c:formatCode>0.0%</c:formatCode>
-                      <c:ptCount val="8"/>
-                      <c:pt idx="0">
-                        <c:v>0.33237782706633601</c:v>
-                      </c:pt>
-                      <c:pt idx="1">
-                        <c:v>0.27219761028504902</c:v>
-                      </c:pt>
-                      <c:pt idx="2">
-                        <c:v>0.33247224629269301</c:v>
-                      </c:pt>
-                      <c:pt idx="3">
-                        <c:v>0.22696388450636701</c:v>
-                      </c:pt>
-                      <c:pt idx="4">
-                        <c:v>0.29633526139587202</c:v>
-                      </c:pt>
-                      <c:pt idx="5">
-                        <c:v>0.269445046346455</c:v>
-                      </c:pt>
-                      <c:pt idx="6">
-                        <c:v>0.197135486166711</c:v>
-                      </c:pt>
-                      <c:pt idx="7">
-                        <c:v>0.29274386161271898</c:v>
-                      </c:pt>
-                    </c:numCache>
-                  </c:numRef>
-                </c:val>
-                <c:smooth val="0"/>
-                <c:extLst xmlns:c15="http://schemas.microsoft.com/office/drawing/2012/chart">
-                  <c:ext xmlns:c16="http://schemas.microsoft.com/office/drawing/2014/chart" uri="{C3380CC4-5D6E-409C-BE32-E72D297353CC}">
-                    <c16:uniqueId val="{0000000D-6049-4B5C-B5DD-D3651E70327A}"/>
-                  </c:ext>
-                </c:extLst>
-              </c15:ser>
-            </c15:filteredLineSeries>
-            <c15:filteredLineSeries>
-              <c15:ser>
-                <c:idx val="14"/>
-                <c:order val="14"/>
-                <c:tx>
-                  <c:strRef>
-                    <c:extLst xmlns:c15="http://schemas.microsoft.com/office/drawing/2012/chart">
-                      <c:ext xmlns:c15="http://schemas.microsoft.com/office/drawing/2012/chart" uri="{02D57815-91ED-43cb-92C2-25804820EDAC}">
-                        <c15:formulaRef>
-                          <c15:sqref>Industry!$E$26</c15:sqref>
-                        </c15:formulaRef>
-                      </c:ext>
-                    </c:extLst>
-                    <c:strCache>
-                      <c:ptCount val="1"/>
-                      <c:pt idx="0">
-                        <c:v>Public</c:v>
-                      </c:pt>
-                    </c:strCache>
-                  </c:strRef>
-                </c:tx>
-                <c:spPr>
-                  <a:ln w="28575" cap="rnd">
-                    <a:solidFill>
-                      <a:schemeClr val="accent3">
-                        <a:lumMod val="80000"/>
-                        <a:lumOff val="20000"/>
-                      </a:schemeClr>
-                    </a:solidFill>
-                    <a:round/>
-                  </a:ln>
-                  <a:effectLst/>
-                </c:spPr>
-                <c:marker>
-                  <c:symbol val="none"/>
-                </c:marker>
-                <c:cat>
-                  <c:numRef>
-                    <c:extLst xmlns:c15="http://schemas.microsoft.com/office/drawing/2012/chart">
-                      <c:ext xmlns:c15="http://schemas.microsoft.com/office/drawing/2012/chart" uri="{02D57815-91ED-43cb-92C2-25804820EDAC}">
-                        <c15:formulaRef>
-                          <c15:sqref>Industry!$X$11:$AE$11</c15:sqref>
-                        </c15:formulaRef>
-                      </c:ext>
-                    </c:extLst>
-                    <c:numCache>
-                      <c:formatCode>General</c:formatCode>
-                      <c:ptCount val="8"/>
-                      <c:pt idx="0">
-                        <c:v>2015</c:v>
-                      </c:pt>
-                      <c:pt idx="1">
-                        <c:v>2016</c:v>
-                      </c:pt>
-                      <c:pt idx="2">
-                        <c:v>2017</c:v>
-                      </c:pt>
-                      <c:pt idx="3">
-                        <c:v>2018</c:v>
-                      </c:pt>
-                      <c:pt idx="4">
-                        <c:v>2019</c:v>
-                      </c:pt>
-                      <c:pt idx="5">
-                        <c:v>2020</c:v>
-                      </c:pt>
-                      <c:pt idx="6">
-                        <c:v>2021</c:v>
-                      </c:pt>
-                      <c:pt idx="7">
-                        <c:v>2022</c:v>
-                      </c:pt>
-                    </c:numCache>
-                  </c:numRef>
-                </c:cat>
-                <c:val>
-                  <c:numRef>
-                    <c:extLst xmlns:c15="http://schemas.microsoft.com/office/drawing/2012/chart">
-                      <c:ext xmlns:c15="http://schemas.microsoft.com/office/drawing/2012/chart" uri="{02D57815-91ED-43cb-92C2-25804820EDAC}">
-                        <c15:formulaRef>
-                          <c15:sqref>Industry!$X$26:$AE$26</c15:sqref>
-                        </c15:formulaRef>
-                      </c:ext>
-                    </c:extLst>
-                    <c:numCache>
-                      <c:formatCode>0.0%</c:formatCode>
-                      <c:ptCount val="8"/>
-                      <c:pt idx="0">
-                        <c:v>0.32804661871676299</c:v>
-                      </c:pt>
-                      <c:pt idx="1">
-                        <c:v>0.30939018043025701</c:v>
-                      </c:pt>
-                      <c:pt idx="2">
-                        <c:v>0.31919509191363399</c:v>
-                      </c:pt>
-                      <c:pt idx="3">
-                        <c:v>0.21786053176124501</c:v>
-                      </c:pt>
-                      <c:pt idx="4">
-                        <c:v>0.24415807125000499</c:v>
-                      </c:pt>
-                      <c:pt idx="5">
-                        <c:v>0.25115160645479001</c:v>
-                      </c:pt>
-                      <c:pt idx="6">
-                        <c:v>0.27657301111155502</c:v>
-                      </c:pt>
-                      <c:pt idx="7">
-                        <c:v>0.22883530541328301</c:v>
-                      </c:pt>
-                    </c:numCache>
-                  </c:numRef>
-                </c:val>
-                <c:smooth val="0"/>
-                <c:extLst xmlns:c15="http://schemas.microsoft.com/office/drawing/2012/chart">
-                  <c:ext xmlns:c16="http://schemas.microsoft.com/office/drawing/2014/chart" uri="{C3380CC4-5D6E-409C-BE32-E72D297353CC}">
-                    <c16:uniqueId val="{0000000E-6049-4B5C-B5DD-D3651E70327A}"/>
-                  </c:ext>
-                </c:extLst>
-              </c15:ser>
-            </c15:filteredLineSeries>
-            <c15:filteredLineSeries>
-              <c15:ser>
-                <c:idx val="15"/>
-                <c:order val="15"/>
-                <c:tx>
-                  <c:strRef>
-                    <c:extLst xmlns:c15="http://schemas.microsoft.com/office/drawing/2012/chart">
-                      <c:ext xmlns:c15="http://schemas.microsoft.com/office/drawing/2012/chart" uri="{02D57815-91ED-43cb-92C2-25804820EDAC}">
-                        <c15:formulaRef>
-                          <c15:sqref>Industry!$E$27</c15:sqref>
-                        </c15:formulaRef>
-                      </c:ext>
-                    </c:extLst>
-                    <c:strCache>
-                      <c:ptCount val="1"/>
-                      <c:pt idx="0">
-                        <c:v>Education</c:v>
-                      </c:pt>
-                    </c:strCache>
-                  </c:strRef>
-                </c:tx>
-                <c:spPr>
-                  <a:ln w="28575" cap="rnd">
-                    <a:solidFill>
-                      <a:schemeClr val="accent4">
-                        <a:lumMod val="80000"/>
-                        <a:lumOff val="20000"/>
-                      </a:schemeClr>
-                    </a:solidFill>
-                    <a:round/>
-                  </a:ln>
-                  <a:effectLst/>
-                </c:spPr>
-                <c:marker>
-                  <c:symbol val="none"/>
-                </c:marker>
-                <c:cat>
-                  <c:numRef>
-                    <c:extLst xmlns:c15="http://schemas.microsoft.com/office/drawing/2012/chart">
-                      <c:ext xmlns:c15="http://schemas.microsoft.com/office/drawing/2012/chart" uri="{02D57815-91ED-43cb-92C2-25804820EDAC}">
-                        <c15:formulaRef>
-                          <c15:sqref>Industry!$X$11:$AE$11</c15:sqref>
-                        </c15:formulaRef>
-                      </c:ext>
-                    </c:extLst>
-                    <c:numCache>
-                      <c:formatCode>General</c:formatCode>
-                      <c:ptCount val="8"/>
-                      <c:pt idx="0">
-                        <c:v>2015</c:v>
-                      </c:pt>
-                      <c:pt idx="1">
-                        <c:v>2016</c:v>
-                      </c:pt>
-                      <c:pt idx="2">
-                        <c:v>2017</c:v>
-                      </c:pt>
-                      <c:pt idx="3">
-                        <c:v>2018</c:v>
-                      </c:pt>
-                      <c:pt idx="4">
-                        <c:v>2019</c:v>
-                      </c:pt>
-                      <c:pt idx="5">
-                        <c:v>2020</c:v>
-                      </c:pt>
-                      <c:pt idx="6">
-                        <c:v>2021</c:v>
-                      </c:pt>
-                      <c:pt idx="7">
-                        <c:v>2022</c:v>
-                      </c:pt>
-                    </c:numCache>
-                  </c:numRef>
-                </c:cat>
-                <c:val>
-                  <c:numRef>
-                    <c:extLst xmlns:c15="http://schemas.microsoft.com/office/drawing/2012/chart">
-                      <c:ext xmlns:c15="http://schemas.microsoft.com/office/drawing/2012/chart" uri="{02D57815-91ED-43cb-92C2-25804820EDAC}">
-                        <c15:formulaRef>
-                          <c15:sqref>Industry!$X$27:$AE$27</c15:sqref>
-                        </c15:formulaRef>
-                      </c:ext>
-                    </c:extLst>
-                    <c:numCache>
-                      <c:formatCode>0.0%</c:formatCode>
-                      <c:ptCount val="8"/>
-                      <c:pt idx="0">
-                        <c:v>0.21216637033535099</c:v>
-                      </c:pt>
-                      <c:pt idx="1">
-                        <c:v>0.205879511528992</c:v>
-                      </c:pt>
-                      <c:pt idx="2">
-                        <c:v>0.231836372915044</c:v>
-                      </c:pt>
-                      <c:pt idx="3">
-                        <c:v>0.265828831906399</c:v>
-                      </c:pt>
-                      <c:pt idx="4">
-                        <c:v>0.22200260674028599</c:v>
-                      </c:pt>
-                      <c:pt idx="5">
-                        <c:v>0.29594951939265202</c:v>
-                      </c:pt>
-                      <c:pt idx="6">
-                        <c:v>0.20852950881682999</c:v>
-                      </c:pt>
-                      <c:pt idx="7">
-                        <c:v>0.22147291955246201</c:v>
-                      </c:pt>
-                    </c:numCache>
-                  </c:numRef>
-                </c:val>
-                <c:smooth val="0"/>
-                <c:extLst xmlns:c15="http://schemas.microsoft.com/office/drawing/2012/chart">
-                  <c:ext xmlns:c16="http://schemas.microsoft.com/office/drawing/2014/chart" uri="{C3380CC4-5D6E-409C-BE32-E72D297353CC}">
-                    <c16:uniqueId val="{0000000F-6049-4B5C-B5DD-D3651E70327A}"/>
-                  </c:ext>
-                </c:extLst>
-              </c15:ser>
-            </c15:filteredLineSeries>
-            <c15:filteredLineSeries>
-              <c15:ser>
-                <c:idx val="16"/>
-                <c:order val="16"/>
-                <c:tx>
-                  <c:strRef>
-                    <c:extLst xmlns:c15="http://schemas.microsoft.com/office/drawing/2012/chart">
-                      <c:ext xmlns:c15="http://schemas.microsoft.com/office/drawing/2012/chart" uri="{02D57815-91ED-43cb-92C2-25804820EDAC}">
-                        <c15:formulaRef>
-                          <c15:sqref>Industry!$E$28</c15:sqref>
-                        </c15:formulaRef>
-                      </c:ext>
-                    </c:extLst>
-                    <c:strCache>
-                      <c:ptCount val="1"/>
-                      <c:pt idx="0">
-                        <c:v>Health </c:v>
-                      </c:pt>
-                    </c:strCache>
-                  </c:strRef>
-                </c:tx>
-                <c:spPr>
-                  <a:ln w="28575" cap="rnd">
-                    <a:solidFill>
-                      <a:schemeClr val="accent1"/>
-                    </a:solidFill>
-                    <a:round/>
-                  </a:ln>
-                  <a:effectLst/>
-                </c:spPr>
-                <c:marker>
-                  <c:symbol val="none"/>
-                </c:marker>
-                <c:cat>
-                  <c:numRef>
-                    <c:extLst xmlns:c15="http://schemas.microsoft.com/office/drawing/2012/chart">
-                      <c:ext xmlns:c15="http://schemas.microsoft.com/office/drawing/2012/chart" uri="{02D57815-91ED-43cb-92C2-25804820EDAC}">
-                        <c15:formulaRef>
-                          <c15:sqref>Industry!$X$11:$AE$11</c15:sqref>
-                        </c15:formulaRef>
-                      </c:ext>
-                    </c:extLst>
-                    <c:numCache>
-                      <c:formatCode>General</c:formatCode>
-                      <c:ptCount val="8"/>
-                      <c:pt idx="0">
-                        <c:v>2015</c:v>
-                      </c:pt>
-                      <c:pt idx="1">
-                        <c:v>2016</c:v>
-                      </c:pt>
-                      <c:pt idx="2">
-                        <c:v>2017</c:v>
-                      </c:pt>
-                      <c:pt idx="3">
-                        <c:v>2018</c:v>
-                      </c:pt>
-                      <c:pt idx="4">
-                        <c:v>2019</c:v>
-                      </c:pt>
-                      <c:pt idx="5">
-                        <c:v>2020</c:v>
-                      </c:pt>
-                      <c:pt idx="6">
-                        <c:v>2021</c:v>
-                      </c:pt>
-                      <c:pt idx="7">
-                        <c:v>2022</c:v>
-                      </c:pt>
-                    </c:numCache>
-                  </c:numRef>
-                </c:cat>
-                <c:val>
-                  <c:numRef>
-                    <c:extLst xmlns:c15="http://schemas.microsoft.com/office/drawing/2012/chart">
-                      <c:ext xmlns:c15="http://schemas.microsoft.com/office/drawing/2012/chart" uri="{02D57815-91ED-43cb-92C2-25804820EDAC}">
-                        <c15:formulaRef>
-                          <c15:sqref>Industry!$X$28:$AE$28</c15:sqref>
-                        </c15:formulaRef>
-                      </c:ext>
-                    </c:extLst>
-                    <c:numCache>
-                      <c:formatCode>0.0%</c:formatCode>
-                      <c:ptCount val="8"/>
-                      <c:pt idx="0">
-                        <c:v>0.347397057708349</c:v>
-                      </c:pt>
-                      <c:pt idx="1">
-                        <c:v>0.37485145457027602</c:v>
-                      </c:pt>
-                      <c:pt idx="2">
-                        <c:v>0.34181232446343701</c:v>
-                      </c:pt>
-                      <c:pt idx="3">
-                        <c:v>0.33549271570492101</c:v>
-                      </c:pt>
-                      <c:pt idx="4">
-                        <c:v>0.35239451906118602</c:v>
-                      </c:pt>
-                      <c:pt idx="5">
-                        <c:v>0.301636428396026</c:v>
-                      </c:pt>
-                      <c:pt idx="6">
-                        <c:v>0.340310498849626</c:v>
-                      </c:pt>
-                      <c:pt idx="7">
-                        <c:v>0.399442789528136</c:v>
-                      </c:pt>
-                    </c:numCache>
-                  </c:numRef>
-                </c:val>
-                <c:smooth val="0"/>
-                <c:extLst xmlns:c15="http://schemas.microsoft.com/office/drawing/2012/chart">
-                  <c:ext xmlns:c16="http://schemas.microsoft.com/office/drawing/2014/chart" uri="{C3380CC4-5D6E-409C-BE32-E72D297353CC}">
-                    <c16:uniqueId val="{00000010-6049-4B5C-B5DD-D3651E70327A}"/>
-                  </c:ext>
-                </c:extLst>
-              </c15:ser>
-            </c15:filteredLineSeries>
-            <c15:filteredLineSeries>
-              <c15:ser>
-                <c:idx val="17"/>
-                <c:order val="17"/>
-                <c:tx>
-                  <c:strRef>
-                    <c:extLst xmlns:c15="http://schemas.microsoft.com/office/drawing/2012/chart">
-                      <c:ext xmlns:c15="http://schemas.microsoft.com/office/drawing/2012/chart" uri="{02D57815-91ED-43cb-92C2-25804820EDAC}">
-                        <c15:formulaRef>
-                          <c15:sqref>Industry!$E$29</c15:sqref>
-                        </c15:formulaRef>
-                      </c:ext>
-                    </c:extLst>
-                    <c:strCache>
-                      <c:ptCount val="1"/>
-                      <c:pt idx="0">
-                        <c:v>Arts and recreation </c:v>
-                      </c:pt>
-                    </c:strCache>
-                  </c:strRef>
-                </c:tx>
-                <c:spPr>
-                  <a:ln w="28575" cap="rnd">
-                    <a:solidFill>
-                      <a:schemeClr val="accent6">
-                        <a:lumMod val="80000"/>
-                        <a:lumOff val="20000"/>
-                      </a:schemeClr>
-                    </a:solidFill>
-                    <a:round/>
-                  </a:ln>
-                  <a:effectLst/>
-                </c:spPr>
-                <c:marker>
-                  <c:symbol val="none"/>
-                </c:marker>
-                <c:cat>
-                  <c:numRef>
-                    <c:extLst xmlns:c15="http://schemas.microsoft.com/office/drawing/2012/chart">
-                      <c:ext xmlns:c15="http://schemas.microsoft.com/office/drawing/2012/chart" uri="{02D57815-91ED-43cb-92C2-25804820EDAC}">
-                        <c15:formulaRef>
-                          <c15:sqref>Industry!$X$11:$AE$11</c15:sqref>
-                        </c15:formulaRef>
-                      </c:ext>
-                    </c:extLst>
-                    <c:numCache>
-                      <c:formatCode>General</c:formatCode>
-                      <c:ptCount val="8"/>
-                      <c:pt idx="0">
-                        <c:v>2015</c:v>
-                      </c:pt>
-                      <c:pt idx="1">
-                        <c:v>2016</c:v>
-                      </c:pt>
-                      <c:pt idx="2">
-                        <c:v>2017</c:v>
-                      </c:pt>
-                      <c:pt idx="3">
-                        <c:v>2018</c:v>
-                      </c:pt>
-                      <c:pt idx="4">
-                        <c:v>2019</c:v>
-                      </c:pt>
-                      <c:pt idx="5">
-                        <c:v>2020</c:v>
-                      </c:pt>
-                      <c:pt idx="6">
-                        <c:v>2021</c:v>
-                      </c:pt>
-                      <c:pt idx="7">
-                        <c:v>2022</c:v>
-                      </c:pt>
-                    </c:numCache>
-                  </c:numRef>
-                </c:cat>
-                <c:val>
-                  <c:numRef>
-                    <c:extLst xmlns:c15="http://schemas.microsoft.com/office/drawing/2012/chart">
-                      <c:ext xmlns:c15="http://schemas.microsoft.com/office/drawing/2012/chart" uri="{02D57815-91ED-43cb-92C2-25804820EDAC}">
-                        <c15:formulaRef>
-                          <c15:sqref>Industry!$X$29:$AE$29</c15:sqref>
-                        </c15:formulaRef>
-                      </c:ext>
-                    </c:extLst>
-                    <c:numCache>
-                      <c:formatCode>0.0%</c:formatCode>
-                      <c:ptCount val="8"/>
-                      <c:pt idx="0">
-                        <c:v>0.550961214165261</c:v>
-                      </c:pt>
-                      <c:pt idx="1">
-                        <c:v>0.50662061940987402</c:v>
-                      </c:pt>
-                      <c:pt idx="2">
-                        <c:v>0.43802963392385202</c:v>
-                      </c:pt>
-                      <c:pt idx="3">
-                        <c:v>0.41165027411609501</c:v>
-                      </c:pt>
-                      <c:pt idx="4">
-                        <c:v>0.50991049422752599</c:v>
-                      </c:pt>
-                      <c:pt idx="5">
-                        <c:v>0.46078202002973501</c:v>
-                      </c:pt>
-                      <c:pt idx="6">
-                        <c:v>0.52763220751071305</c:v>
-                      </c:pt>
-                      <c:pt idx="7">
-                        <c:v>0.43068695313689997</c:v>
-                      </c:pt>
-                    </c:numCache>
-                  </c:numRef>
-                </c:val>
-                <c:smooth val="0"/>
-                <c:extLst xmlns:c15="http://schemas.microsoft.com/office/drawing/2012/chart">
-                  <c:ext xmlns:c16="http://schemas.microsoft.com/office/drawing/2014/chart" uri="{C3380CC4-5D6E-409C-BE32-E72D297353CC}">
-                    <c16:uniqueId val="{00000011-6049-4B5C-B5DD-D3651E70327A}"/>
-                  </c:ext>
-                </c:extLst>
-              </c15:ser>
-            </c15:filteredLineSeries>
-            <c15:filteredLineSeries>
-              <c15:ser>
-                <c:idx val="18"/>
-                <c:order val="18"/>
-                <c:tx>
-                  <c:strRef>
-                    <c:extLst xmlns:c15="http://schemas.microsoft.com/office/drawing/2012/chart">
-                      <c:ext xmlns:c15="http://schemas.microsoft.com/office/drawing/2012/chart" uri="{02D57815-91ED-43cb-92C2-25804820EDAC}">
-                        <c15:formulaRef>
-                          <c15:sqref>Industry!$E$30</c15:sqref>
-                        </c15:formulaRef>
-                      </c:ext>
-                    </c:extLst>
-                    <c:strCache>
-                      <c:ptCount val="1"/>
-                      <c:pt idx="0">
-                        <c:v>Other services </c:v>
-                      </c:pt>
-                    </c:strCache>
-                  </c:strRef>
-                </c:tx>
-                <c:spPr>
-                  <a:ln w="28575" cap="rnd">
-                    <a:solidFill>
-                      <a:schemeClr val="accent1">
-                        <a:lumMod val="80000"/>
-                      </a:schemeClr>
-                    </a:solidFill>
-                    <a:round/>
-                  </a:ln>
-                  <a:effectLst/>
-                </c:spPr>
-                <c:marker>
-                  <c:symbol val="none"/>
-                </c:marker>
-                <c:cat>
-                  <c:numRef>
-                    <c:extLst xmlns:c15="http://schemas.microsoft.com/office/drawing/2012/chart">
-                      <c:ext xmlns:c15="http://schemas.microsoft.com/office/drawing/2012/chart" uri="{02D57815-91ED-43cb-92C2-25804820EDAC}">
-                        <c15:formulaRef>
-                          <c15:sqref>Industry!$X$11:$AE$11</c15:sqref>
-                        </c15:formulaRef>
-                      </c:ext>
-                    </c:extLst>
-                    <c:numCache>
-                      <c:formatCode>General</c:formatCode>
-                      <c:ptCount val="8"/>
-                      <c:pt idx="0">
-                        <c:v>2015</c:v>
-                      </c:pt>
-                      <c:pt idx="1">
-                        <c:v>2016</c:v>
-                      </c:pt>
-                      <c:pt idx="2">
-                        <c:v>2017</c:v>
-                      </c:pt>
-                      <c:pt idx="3">
-                        <c:v>2018</c:v>
-                      </c:pt>
-                      <c:pt idx="4">
-                        <c:v>2019</c:v>
-                      </c:pt>
-                      <c:pt idx="5">
-                        <c:v>2020</c:v>
-                      </c:pt>
-                      <c:pt idx="6">
-                        <c:v>2021</c:v>
-                      </c:pt>
-                      <c:pt idx="7">
-                        <c:v>2022</c:v>
-                      </c:pt>
-                    </c:numCache>
-                  </c:numRef>
-                </c:cat>
-                <c:val>
-                  <c:numRef>
-                    <c:extLst xmlns:c15="http://schemas.microsoft.com/office/drawing/2012/chart">
-                      <c:ext xmlns:c15="http://schemas.microsoft.com/office/drawing/2012/chart" uri="{02D57815-91ED-43cb-92C2-25804820EDAC}">
-                        <c15:formulaRef>
-                          <c15:sqref>Industry!$X$30:$AE$30</c15:sqref>
-                        </c15:formulaRef>
-                      </c:ext>
-                    </c:extLst>
-                    <c:numCache>
-                      <c:formatCode>0.0%</c:formatCode>
-                      <c:ptCount val="8"/>
-                      <c:pt idx="0">
-                        <c:v>0.293798414496036</c:v>
-                      </c:pt>
-                      <c:pt idx="1">
-                        <c:v>0.385160621761658</c:v>
-                      </c:pt>
-                      <c:pt idx="2">
-                        <c:v>0.31390672354605598</c:v>
-                      </c:pt>
-                      <c:pt idx="3">
-                        <c:v>0.27220746515799599</c:v>
-                      </c:pt>
-                      <c:pt idx="4">
-                        <c:v>0.27778892718467801</c:v>
-                      </c:pt>
-                      <c:pt idx="5">
-                        <c:v>0.40371137613258001</c:v>
-                      </c:pt>
-                      <c:pt idx="6">
-                        <c:v>0.45446143109090698</c:v>
-                      </c:pt>
-                      <c:pt idx="7">
-                        <c:v>0.22116355491913101</c:v>
-                      </c:pt>
-                    </c:numCache>
-                  </c:numRef>
-                </c:val>
-                <c:smooth val="0"/>
-                <c:extLst xmlns:c15="http://schemas.microsoft.com/office/drawing/2012/chart">
-                  <c:ext xmlns:c16="http://schemas.microsoft.com/office/drawing/2014/chart" uri="{C3380CC4-5D6E-409C-BE32-E72D297353CC}">
-                    <c16:uniqueId val="{00000012-6049-4B5C-B5DD-D3651E70327A}"/>
-                  </c:ext>
-                </c:extLst>
-              </c15:ser>
-            </c15:filteredLineSeries>
-            <c15:filteredLineSeries>
-              <c15:ser>
-                <c:idx val="19"/>
-                <c:order val="19"/>
-                <c:tx>
-                  <c:strRef>
-                    <c:extLst xmlns:c15="http://schemas.microsoft.com/office/drawing/2012/chart">
-                      <c:ext xmlns:c15="http://schemas.microsoft.com/office/drawing/2012/chart" uri="{02D57815-91ED-43cb-92C2-25804820EDAC}">
-                        <c15:formulaRef>
-                          <c15:sqref>Industry!$E$31</c15:sqref>
-                        </c15:formulaRef>
-                      </c:ext>
-                    </c:extLst>
-                    <c:strCache>
-                      <c:ptCount val="1"/>
-                      <c:pt idx="0">
-                        <c:v>Activities of households as employers; undifferentiated goods- and services producing activities of households for own use</c:v>
-                      </c:pt>
-                    </c:strCache>
-                  </c:strRef>
-                </c:tx>
-                <c:spPr>
-                  <a:ln w="28575" cap="rnd">
-                    <a:solidFill>
-                      <a:schemeClr val="accent2">
-                        <a:lumMod val="80000"/>
-                      </a:schemeClr>
-                    </a:solidFill>
-                    <a:round/>
-                  </a:ln>
-                  <a:effectLst/>
-                </c:spPr>
-                <c:marker>
-                  <c:symbol val="none"/>
-                </c:marker>
-                <c:cat>
-                  <c:numRef>
-                    <c:extLst xmlns:c15="http://schemas.microsoft.com/office/drawing/2012/chart">
-                      <c:ext xmlns:c15="http://schemas.microsoft.com/office/drawing/2012/chart" uri="{02D57815-91ED-43cb-92C2-25804820EDAC}">
-                        <c15:formulaRef>
-                          <c15:sqref>Industry!$X$11:$AE$11</c15:sqref>
-                        </c15:formulaRef>
-                      </c:ext>
-                    </c:extLst>
-                    <c:numCache>
-                      <c:formatCode>General</c:formatCode>
-                      <c:ptCount val="8"/>
-                      <c:pt idx="0">
-                        <c:v>2015</c:v>
-                      </c:pt>
-                      <c:pt idx="1">
-                        <c:v>2016</c:v>
-                      </c:pt>
-                      <c:pt idx="2">
-                        <c:v>2017</c:v>
-                      </c:pt>
-                      <c:pt idx="3">
-                        <c:v>2018</c:v>
-                      </c:pt>
-                      <c:pt idx="4">
-                        <c:v>2019</c:v>
-                      </c:pt>
-                      <c:pt idx="5">
-                        <c:v>2020</c:v>
-                      </c:pt>
-                      <c:pt idx="6">
-                        <c:v>2021</c:v>
-                      </c:pt>
-                      <c:pt idx="7">
-                        <c:v>2022</c:v>
-                      </c:pt>
-                    </c:numCache>
-                  </c:numRef>
-                </c:cat>
-                <c:val>
-                  <c:numRef>
-                    <c:extLst xmlns:c15="http://schemas.microsoft.com/office/drawing/2012/chart">
-                      <c:ext xmlns:c15="http://schemas.microsoft.com/office/drawing/2012/chart" uri="{02D57815-91ED-43cb-92C2-25804820EDAC}">
-                        <c15:formulaRef>
-                          <c15:sqref>Industry!$X$31:$AE$31</c15:sqref>
-                        </c15:formulaRef>
-                      </c:ext>
-                    </c:extLst>
-                    <c:numCache>
-                      <c:formatCode>0.0%</c:formatCode>
-                      <c:ptCount val="8"/>
-                      <c:pt idx="0">
-                        <c:v>0.344007858546169</c:v>
-                      </c:pt>
-                      <c:pt idx="1">
-                        <c:v>0.32934104673235098</c:v>
-                      </c:pt>
-                      <c:pt idx="2">
-                        <c:v>0.18094624002579199</c:v>
-                      </c:pt>
-                      <c:pt idx="3">
-                        <c:v>0.110817183276784</c:v>
-                      </c:pt>
-                      <c:pt idx="4">
-                        <c:v>0.25078068700456402</c:v>
-                      </c:pt>
-                      <c:pt idx="5">
-                        <c:v>0.113325887103703</c:v>
-                      </c:pt>
-                      <c:pt idx="6">
-                        <c:v>0.196029563423857</c:v>
-                      </c:pt>
-                      <c:pt idx="7">
-                        <c:v>0.29021485027273702</c:v>
-                      </c:pt>
-                    </c:numCache>
-                  </c:numRef>
-                </c:val>
-                <c:smooth val="0"/>
-                <c:extLst xmlns:c15="http://schemas.microsoft.com/office/drawing/2012/chart">
-                  <c:ext xmlns:c16="http://schemas.microsoft.com/office/drawing/2014/chart" uri="{C3380CC4-5D6E-409C-BE32-E72D297353CC}">
-                    <c16:uniqueId val="{00000013-6049-4B5C-B5DD-D3651E70327A}"/>
-                  </c:ext>
-                </c:extLst>
-              </c15:ser>
-            </c15:filteredLineSeries>
-            <c15:filteredLineSeries>
-              <c15:ser>
-                <c:idx val="20"/>
-                <c:order val="20"/>
-                <c:tx>
-                  <c:strRef>
-                    <c:extLst xmlns:c15="http://schemas.microsoft.com/office/drawing/2012/chart">
-                      <c:ext xmlns:c15="http://schemas.microsoft.com/office/drawing/2012/chart" uri="{02D57815-91ED-43cb-92C2-25804820EDAC}">
-                        <c15:formulaRef>
-                          <c15:sqref>Industry!$E$32</c15:sqref>
-                        </c15:formulaRef>
-                      </c:ext>
-                    </c:extLst>
-                    <c:strCache>
-                      <c:ptCount val="1"/>
-                      <c:pt idx="0">
-                        <c:v>Activities of extraterritorial organisations and bodies</c:v>
-                      </c:pt>
-                    </c:strCache>
-                  </c:strRef>
-                </c:tx>
-                <c:spPr>
-                  <a:ln w="28575" cap="rnd">
-                    <a:solidFill>
-                      <a:schemeClr val="accent3">
-                        <a:lumMod val="80000"/>
-                      </a:schemeClr>
-                    </a:solidFill>
-                    <a:round/>
-                  </a:ln>
-                  <a:effectLst/>
-                </c:spPr>
-                <c:marker>
-                  <c:symbol val="none"/>
-                </c:marker>
-                <c:cat>
-                  <c:numRef>
-                    <c:extLst xmlns:c15="http://schemas.microsoft.com/office/drawing/2012/chart">
-                      <c:ext xmlns:c15="http://schemas.microsoft.com/office/drawing/2012/chart" uri="{02D57815-91ED-43cb-92C2-25804820EDAC}">
-                        <c15:formulaRef>
-                          <c15:sqref>Industry!$X$11:$AE$11</c15:sqref>
-                        </c15:formulaRef>
-                      </c:ext>
-                    </c:extLst>
-                    <c:numCache>
-                      <c:formatCode>General</c:formatCode>
-                      <c:ptCount val="8"/>
-                      <c:pt idx="0">
-                        <c:v>2015</c:v>
-                      </c:pt>
-                      <c:pt idx="1">
-                        <c:v>2016</c:v>
-                      </c:pt>
-                      <c:pt idx="2">
-                        <c:v>2017</c:v>
-                      </c:pt>
-                      <c:pt idx="3">
-                        <c:v>2018</c:v>
-                      </c:pt>
-                      <c:pt idx="4">
-                        <c:v>2019</c:v>
-                      </c:pt>
-                      <c:pt idx="5">
-                        <c:v>2020</c:v>
-                      </c:pt>
-                      <c:pt idx="6">
-                        <c:v>2021</c:v>
-                      </c:pt>
-                      <c:pt idx="7">
-                        <c:v>2022</c:v>
-                      </c:pt>
-                    </c:numCache>
-                  </c:numRef>
-                </c:cat>
-                <c:val>
-                  <c:numRef>
-                    <c:extLst xmlns:c15="http://schemas.microsoft.com/office/drawing/2012/chart">
-                      <c:ext xmlns:c15="http://schemas.microsoft.com/office/drawing/2012/chart" uri="{02D57815-91ED-43cb-92C2-25804820EDAC}">
-                        <c15:formulaRef>
-                          <c15:sqref>Industry!$X$32:$AE$32</c15:sqref>
-                        </c15:formulaRef>
-                      </c:ext>
-                    </c:extLst>
-                    <c:numCache>
-                      <c:formatCode>0.0%</c:formatCode>
-                      <c:ptCount val="8"/>
-                      <c:pt idx="0">
-                        <c:v>0.196417910447761</c:v>
-                      </c:pt>
-                      <c:pt idx="1">
-                        <c:v>0.229379719009844</c:v>
-                      </c:pt>
-                      <c:pt idx="2">
-                        <c:v>0.35918398533007301</c:v>
-                      </c:pt>
-                      <c:pt idx="3">
-                        <c:v>0.12640763666194299</c:v>
-                      </c:pt>
-                      <c:pt idx="4">
-                        <c:v>0.14315881743565201</c:v>
-                      </c:pt>
-                      <c:pt idx="5">
-                        <c:v>6.0910143503736698E-2</c:v>
-                      </c:pt>
-                      <c:pt idx="6">
-                        <c:v>0.16005136586504801</c:v>
-                      </c:pt>
-                      <c:pt idx="7">
-                        <c:v>0.15014658109500001</c:v>
-                      </c:pt>
-                    </c:numCache>
-                  </c:numRef>
-                </c:val>
-                <c:smooth val="0"/>
-                <c:extLst xmlns:c15="http://schemas.microsoft.com/office/drawing/2012/chart">
-                  <c:ext xmlns:c16="http://schemas.microsoft.com/office/drawing/2014/chart" uri="{C3380CC4-5D6E-409C-BE32-E72D297353CC}">
-                    <c16:uniqueId val="{00000014-6049-4B5C-B5DD-D3651E70327A}"/>
-                  </c:ext>
-                </c:extLst>
-              </c15:ser>
-            </c15:filteredLineSeries>
-          </c:ext>
-        </c:extLst>
-      </c:lineChart>
-      <c:catAx>
-        <c:axId val="696169016"/>
-        <c:scaling>
-          <c:orientation val="minMax"/>
-        </c:scaling>
-        <c:delete val="0"/>
-        <c:axPos val="b"/>
-        <c:numFmt formatCode="General" sourceLinked="1"/>
-        <c:majorTickMark val="none"/>
-        <c:minorTickMark val="none"/>
-        <c:tickLblPos val="nextTo"/>
-        <c:spPr>
-          <a:noFill/>
-          <a:ln w="9525" cap="flat" cmpd="sng" algn="ctr">
-            <a:solidFill>
-              <a:schemeClr val="tx1">
-                <a:lumMod val="15000"/>
-                <a:lumOff val="85000"/>
-              </a:schemeClr>
-            </a:solidFill>
-            <a:round/>
-          </a:ln>
-          <a:effectLst/>
-        </c:spPr>
-        <c:txPr>
-          <a:bodyPr rot="-60000000" spcFirstLastPara="1" vertOverflow="ellipsis" vert="horz" wrap="square" anchor="ctr" anchorCtr="1"/>
-          <a:lstStyle/>
-          <a:p>
-            <a:pPr>
-              <a:defRPr sz="1200" b="0" i="0" u="none" strike="noStrike" kern="1200" baseline="0">
-                <a:solidFill>
-                  <a:schemeClr val="tx1">
-                    <a:lumMod val="65000"/>
-                    <a:lumOff val="35000"/>
-                  </a:schemeClr>
-                </a:solidFill>
-                <a:latin typeface="Arial" panose="020B0604020202020204" pitchFamily="34" charset="0"/>
-                <a:ea typeface="+mn-ea"/>
-                <a:cs typeface="Arial" panose="020B0604020202020204" pitchFamily="34" charset="0"/>
-              </a:defRPr>
-            </a:pPr>
-            <a:endParaRPr lang="en-US"/>
-          </a:p>
-        </c:txPr>
-        <c:crossAx val="696174920"/>
-        <c:crosses val="autoZero"/>
-        <c:auto val="1"/>
-        <c:lblAlgn val="ctr"/>
-        <c:lblOffset val="100"/>
-        <c:noMultiLvlLbl val="0"/>
-      </c:catAx>
-      <c:valAx>
-        <c:axId val="696174920"/>
-        <c:scaling>
-          <c:orientation val="minMax"/>
-        </c:scaling>
-        <c:delete val="0"/>
-        <c:axPos val="l"/>
-        <c:majorGridlines>
-          <c:spPr>
-            <a:ln w="9525" cap="flat" cmpd="sng" algn="ctr">
-              <a:solidFill>
-                <a:schemeClr val="tx1">
-                  <a:lumMod val="15000"/>
-                  <a:lumOff val="85000"/>
-                </a:schemeClr>
-              </a:solidFill>
-              <a:round/>
-            </a:ln>
-            <a:effectLst/>
-          </c:spPr>
-        </c:majorGridlines>
-        <c:numFmt formatCode="0%" sourceLinked="0"/>
-        <c:majorTickMark val="none"/>
-        <c:minorTickMark val="none"/>
-        <c:tickLblPos val="nextTo"/>
-        <c:spPr>
-          <a:noFill/>
-          <a:ln>
-            <a:noFill/>
-          </a:ln>
-          <a:effectLst/>
-        </c:spPr>
-        <c:txPr>
-          <a:bodyPr rot="-60000000" spcFirstLastPara="1" vertOverflow="ellipsis" vert="horz" wrap="square" anchor="ctr" anchorCtr="1"/>
-          <a:lstStyle/>
-          <a:p>
-            <a:pPr>
-              <a:defRPr sz="1100" b="0" i="0" u="none" strike="noStrike" kern="1200" baseline="0">
-                <a:solidFill>
-                  <a:schemeClr val="tx1">
-                    <a:lumMod val="65000"/>
-                    <a:lumOff val="35000"/>
-                  </a:schemeClr>
-                </a:solidFill>
-                <a:latin typeface="Arial" panose="020B0604020202020204" pitchFamily="34" charset="0"/>
-                <a:ea typeface="+mn-ea"/>
-                <a:cs typeface="Arial" panose="020B0604020202020204" pitchFamily="34" charset="0"/>
-              </a:defRPr>
-            </a:pPr>
-            <a:endParaRPr lang="en-US"/>
-          </a:p>
-        </c:txPr>
-        <c:crossAx val="696169016"/>
-        <c:crosses val="autoZero"/>
-        <c:crossBetween val="between"/>
-        <c:majorUnit val="0.2"/>
-      </c:valAx>
-      <c:spPr>
-        <a:noFill/>
-        <a:ln>
-          <a:noFill/>
-        </a:ln>
-        <a:effectLst/>
-      </c:spPr>
-    </c:plotArea>
-    <c:legend>
-      <c:legendPos val="t"/>
-      <c:layout>
-        <c:manualLayout>
-          <c:xMode val="edge"/>
-          <c:yMode val="edge"/>
-          <c:x val="0"/>
-          <c:y val="0.15340270050269597"/>
-          <c:w val="0.43290894704338428"/>
-          <c:h val="5.8908689045448263E-2"/>
-        </c:manualLayout>
-      </c:layout>
-      <c:overlay val="0"/>
-      <c:spPr>
-        <a:noFill/>
-        <a:ln>
-          <a:noFill/>
-        </a:ln>
-        <a:effectLst/>
-      </c:spPr>
-      <c:txPr>
-        <a:bodyPr rot="0" spcFirstLastPara="1" vertOverflow="ellipsis" vert="horz" wrap="square" anchor="ctr" anchorCtr="1"/>
-        <a:lstStyle/>
-        <a:p>
-          <a:pPr>
-            <a:defRPr sz="1200" b="0" i="0" u="none" strike="noStrike" kern="1200" baseline="0">
-              <a:solidFill>
-                <a:schemeClr val="tx1">
-                  <a:lumMod val="65000"/>
-                  <a:lumOff val="35000"/>
-                </a:schemeClr>
-              </a:solidFill>
-              <a:latin typeface="Arial" panose="020B0604020202020204" pitchFamily="34" charset="0"/>
-              <a:ea typeface="+mn-ea"/>
-              <a:cs typeface="Arial" panose="020B0604020202020204" pitchFamily="34" charset="0"/>
-            </a:defRPr>
-          </a:pPr>
-          <a:endParaRPr lang="en-US"/>
-        </a:p>
-      </c:txPr>
-    </c:legend>
-    <c:plotVisOnly val="1"/>
-    <c:dispBlanksAs val="gap"/>
-    <c:extLst>
-      <c:ext xmlns:c16r3="http://schemas.microsoft.com/office/drawing/2017/03/chart" uri="{56B9EC1D-385E-4148-901F-78D8002777C0}">
-        <c16r3:dataDisplayOptions16>
-          <c16r3:dispNaAsBlank val="1"/>
-        </c16r3:dataDisplayOptions16>
-      </c:ext>
-    </c:extLst>
-    <c:showDLblsOverMax val="0"/>
-  </c:chart>
-  <c:spPr>
-    <a:noFill/>
-    <a:ln>
-      <a:noFill/>
-    </a:ln>
-    <a:effectLst/>
-  </c:spPr>
-  <c:txPr>
-    <a:bodyPr/>
-    <a:lstStyle/>
-    <a:p>
-      <a:pPr>
-        <a:defRPr>
-          <a:latin typeface="Arial" panose="020B0604020202020204" pitchFamily="34" charset="0"/>
-          <a:cs typeface="Arial" panose="020B0604020202020204" pitchFamily="34" charset="0"/>
-        </a:defRPr>
-      </a:pPr>
-      <a:endParaRPr lang="en-US"/>
-    </a:p>
-  </c:txPr>
-  <c:externalData r:id="rId3">
-    <c:autoUpdate val="0"/>
-  </c:externalData>
-</c:chartSpace>
-</file>
-
-<file path=ppt/charts/chart6.xml><?xml version="1.0" encoding="utf-8"?>
 <c:chartSpace xmlns:c="http://schemas.openxmlformats.org/drawingml/2006/chart" xmlns:a="http://schemas.openxmlformats.org/drawingml/2006/main" xmlns:r="http://schemas.openxmlformats.org/officeDocument/2006/relationships" xmlns:c16r2="http://schemas.microsoft.com/office/drawing/2015/06/chart">
   <c:date1904 val="0"/>
   <c:lang val="en-US"/>
@@ -7045,706 +4210,6 @@
 </c:chartSpace>
 </file>
 
-<file path=ppt/charts/chart7.xml><?xml version="1.0" encoding="utf-8"?>
-<c:chartSpace xmlns:c="http://schemas.openxmlformats.org/drawingml/2006/chart" xmlns:a="http://schemas.openxmlformats.org/drawingml/2006/main" xmlns:r="http://schemas.openxmlformats.org/officeDocument/2006/relationships" xmlns:c16r2="http://schemas.microsoft.com/office/drawing/2015/06/chart">
-  <c:date1904 val="0"/>
-  <c:lang val="en-US"/>
-  <c:roundedCorners val="0"/>
-  <mc:AlternateContent xmlns:mc="http://schemas.openxmlformats.org/markup-compatibility/2006">
-    <mc:Choice xmlns:c14="http://schemas.microsoft.com/office/drawing/2007/8/2/chart" Requires="c14">
-      <c14:style val="102"/>
-    </mc:Choice>
-    <mc:Fallback>
-      <c:style val="2"/>
-    </mc:Fallback>
-  </mc:AlternateContent>
-  <c:chart>
-    <c:title>
-      <c:tx>
-        <c:rich>
-          <a:bodyPr rot="0" spcFirstLastPara="1" vertOverflow="ellipsis" vert="horz" wrap="square" anchor="ctr" anchorCtr="1"/>
-          <a:lstStyle/>
-          <a:p>
-            <a:pPr algn="l">
-              <a:defRPr sz="1400" b="1" i="0" u="none" strike="noStrike" kern="1200" spc="0" baseline="0">
-                <a:solidFill>
-                  <a:schemeClr val="tx1">
-                    <a:lumMod val="65000"/>
-                    <a:lumOff val="35000"/>
-                  </a:schemeClr>
-                </a:solidFill>
-                <a:latin typeface="Arial" panose="020B0604020202020204" pitchFamily="34" charset="0"/>
-                <a:ea typeface="+mn-ea"/>
-                <a:cs typeface="Arial" panose="020B0604020202020204" pitchFamily="34" charset="0"/>
-              </a:defRPr>
-            </a:pPr>
-            <a:r>
-              <a:rPr lang="en-GB" b="1"/>
-              <a:t>Businesses in sectors important to Night Time Economy</a:t>
-            </a:r>
-          </a:p>
-          <a:p>
-            <a:pPr algn="l">
-              <a:defRPr b="1"/>
-            </a:pPr>
-            <a:r>
-              <a:rPr lang="en-GB" b="0"/>
-              <a:t>Count of businesses,</a:t>
-            </a:r>
-            <a:r>
-              <a:rPr lang="en-GB" b="0" baseline="0"/>
-              <a:t> indexed (2015=100)</a:t>
-            </a:r>
-            <a:endParaRPr lang="en-GB" b="0"/>
-          </a:p>
-        </c:rich>
-      </c:tx>
-      <c:layout>
-        <c:manualLayout>
-          <c:xMode val="edge"/>
-          <c:yMode val="edge"/>
-          <c:x val="1.2036806476875963E-2"/>
-          <c:y val="2.1390374331550801E-2"/>
-        </c:manualLayout>
-      </c:layout>
-      <c:overlay val="0"/>
-      <c:spPr>
-        <a:noFill/>
-        <a:ln>
-          <a:noFill/>
-        </a:ln>
-        <a:effectLst/>
-      </c:spPr>
-      <c:txPr>
-        <a:bodyPr rot="0" spcFirstLastPara="1" vertOverflow="ellipsis" vert="horz" wrap="square" anchor="ctr" anchorCtr="1"/>
-        <a:lstStyle/>
-        <a:p>
-          <a:pPr algn="l">
-            <a:defRPr sz="1400" b="1" i="0" u="none" strike="noStrike" kern="1200" spc="0" baseline="0">
-              <a:solidFill>
-                <a:schemeClr val="tx1">
-                  <a:lumMod val="65000"/>
-                  <a:lumOff val="35000"/>
-                </a:schemeClr>
-              </a:solidFill>
-              <a:latin typeface="Arial" panose="020B0604020202020204" pitchFamily="34" charset="0"/>
-              <a:ea typeface="+mn-ea"/>
-              <a:cs typeface="Arial" panose="020B0604020202020204" pitchFamily="34" charset="0"/>
-            </a:defRPr>
-          </a:pPr>
-          <a:endParaRPr lang="en-US"/>
-        </a:p>
-      </c:txPr>
-    </c:title>
-    <c:autoTitleDeleted val="0"/>
-    <c:plotArea>
-      <c:layout/>
-      <c:lineChart>
-        <c:grouping val="standard"/>
-        <c:varyColors val="0"/>
-        <c:ser>
-          <c:idx val="0"/>
-          <c:order val="0"/>
-          <c:tx>
-            <c:strRef>
-              <c:f>'Summary count'!$E$16</c:f>
-              <c:strCache>
-                <c:ptCount val="1"/>
-                <c:pt idx="0">
-                  <c:v>Night time cultural and leisure activities</c:v>
-                </c:pt>
-              </c:strCache>
-            </c:strRef>
-          </c:tx>
-          <c:spPr>
-            <a:ln w="28575" cap="rnd">
-              <a:solidFill>
-                <a:schemeClr val="accent1"/>
-              </a:solidFill>
-              <a:round/>
-            </a:ln>
-            <a:effectLst/>
-          </c:spPr>
-          <c:marker>
-            <c:symbol val="none"/>
-          </c:marker>
-          <c:cat>
-            <c:numRef>
-              <c:f>'Summary count'!$F$7:$M$7</c:f>
-              <c:numCache>
-                <c:formatCode>General</c:formatCode>
-                <c:ptCount val="8"/>
-                <c:pt idx="0">
-                  <c:v>2015</c:v>
-                </c:pt>
-                <c:pt idx="1">
-                  <c:v>2016</c:v>
-                </c:pt>
-                <c:pt idx="2">
-                  <c:v>2017</c:v>
-                </c:pt>
-                <c:pt idx="3">
-                  <c:v>2018</c:v>
-                </c:pt>
-                <c:pt idx="4">
-                  <c:v>2019</c:v>
-                </c:pt>
-                <c:pt idx="5">
-                  <c:v>2020</c:v>
-                </c:pt>
-                <c:pt idx="6">
-                  <c:v>2021</c:v>
-                </c:pt>
-                <c:pt idx="7">
-                  <c:v>2022</c:v>
-                </c:pt>
-              </c:numCache>
-            </c:numRef>
-          </c:cat>
-          <c:val>
-            <c:numRef>
-              <c:f>'Summary count'!$F$16:$M$16</c:f>
-              <c:numCache>
-                <c:formatCode>#,##0</c:formatCode>
-                <c:ptCount val="8"/>
-                <c:pt idx="0">
-                  <c:v>100</c:v>
-                </c:pt>
-                <c:pt idx="1">
-                  <c:v>102.22019067519916</c:v>
-                </c:pt>
-                <c:pt idx="2">
-                  <c:v>105.18479822384745</c:v>
-                </c:pt>
-                <c:pt idx="3">
-                  <c:v>106.45161290322579</c:v>
-                </c:pt>
-                <c:pt idx="4">
-                  <c:v>109.72965913543162</c:v>
-                </c:pt>
-                <c:pt idx="5">
-                  <c:v>112.53754734230117</c:v>
-                </c:pt>
-                <c:pt idx="6">
-                  <c:v>115.39767532976362</c:v>
-                </c:pt>
-                <c:pt idx="7">
-                  <c:v>119.53767794175265</c:v>
-                </c:pt>
-              </c:numCache>
-            </c:numRef>
-          </c:val>
-          <c:smooth val="0"/>
-          <c:extLst>
-            <c:ext xmlns:c16="http://schemas.microsoft.com/office/drawing/2014/chart" uri="{C3380CC4-5D6E-409C-BE32-E72D297353CC}">
-              <c16:uniqueId val="{00000000-1C90-4825-B97D-AB5032FFF48C}"/>
-            </c:ext>
-          </c:extLst>
-        </c:ser>
-        <c:ser>
-          <c:idx val="1"/>
-          <c:order val="1"/>
-          <c:tx>
-            <c:strRef>
-              <c:f>'Summary count'!$E$17</c:f>
-              <c:strCache>
-                <c:ptCount val="1"/>
-                <c:pt idx="0">
-                  <c:v>Activities which support night time cultural and leisure activities</c:v>
-                </c:pt>
-              </c:strCache>
-            </c:strRef>
-          </c:tx>
-          <c:spPr>
-            <a:ln w="28575" cap="rnd">
-              <a:solidFill>
-                <a:schemeClr val="accent2"/>
-              </a:solidFill>
-              <a:round/>
-            </a:ln>
-            <a:effectLst/>
-          </c:spPr>
-          <c:marker>
-            <c:symbol val="none"/>
-          </c:marker>
-          <c:cat>
-            <c:numRef>
-              <c:f>'Summary count'!$F$7:$M$7</c:f>
-              <c:numCache>
-                <c:formatCode>General</c:formatCode>
-                <c:ptCount val="8"/>
-                <c:pt idx="0">
-                  <c:v>2015</c:v>
-                </c:pt>
-                <c:pt idx="1">
-                  <c:v>2016</c:v>
-                </c:pt>
-                <c:pt idx="2">
-                  <c:v>2017</c:v>
-                </c:pt>
-                <c:pt idx="3">
-                  <c:v>2018</c:v>
-                </c:pt>
-                <c:pt idx="4">
-                  <c:v>2019</c:v>
-                </c:pt>
-                <c:pt idx="5">
-                  <c:v>2020</c:v>
-                </c:pt>
-                <c:pt idx="6">
-                  <c:v>2021</c:v>
-                </c:pt>
-                <c:pt idx="7">
-                  <c:v>2022</c:v>
-                </c:pt>
-              </c:numCache>
-            </c:numRef>
-          </c:cat>
-          <c:val>
-            <c:numRef>
-              <c:f>'Summary count'!$F$17:$M$17</c:f>
-              <c:numCache>
-                <c:formatCode>#,##0</c:formatCode>
-                <c:ptCount val="8"/>
-                <c:pt idx="0">
-                  <c:v>100</c:v>
-                </c:pt>
-                <c:pt idx="1">
-                  <c:v>103.62523540489643</c:v>
-                </c:pt>
-                <c:pt idx="2">
-                  <c:v>106.26177024482108</c:v>
-                </c:pt>
-                <c:pt idx="3">
-                  <c:v>107.90960451977401</c:v>
-                </c:pt>
-                <c:pt idx="4">
-                  <c:v>110.02824858757063</c:v>
-                </c:pt>
-                <c:pt idx="5">
-                  <c:v>111.72316384180792</c:v>
-                </c:pt>
-                <c:pt idx="6">
-                  <c:v>117.60828625235405</c:v>
-                </c:pt>
-                <c:pt idx="7">
-                  <c:v>122.03389830508475</c:v>
-                </c:pt>
-              </c:numCache>
-            </c:numRef>
-          </c:val>
-          <c:smooth val="0"/>
-          <c:extLst>
-            <c:ext xmlns:c16="http://schemas.microsoft.com/office/drawing/2014/chart" uri="{C3380CC4-5D6E-409C-BE32-E72D297353CC}">
-              <c16:uniqueId val="{00000001-1C90-4825-B97D-AB5032FFF48C}"/>
-            </c:ext>
-          </c:extLst>
-        </c:ser>
-        <c:ser>
-          <c:idx val="2"/>
-          <c:order val="2"/>
-          <c:tx>
-            <c:strRef>
-              <c:f>'Summary count'!$E$18</c:f>
-              <c:strCache>
-                <c:ptCount val="1"/>
-                <c:pt idx="0">
-                  <c:v>24-hour health and personal social services</c:v>
-                </c:pt>
-              </c:strCache>
-            </c:strRef>
-          </c:tx>
-          <c:spPr>
-            <a:ln w="28575" cap="rnd">
-              <a:solidFill>
-                <a:schemeClr val="accent3"/>
-              </a:solidFill>
-              <a:round/>
-            </a:ln>
-            <a:effectLst/>
-          </c:spPr>
-          <c:marker>
-            <c:symbol val="none"/>
-          </c:marker>
-          <c:cat>
-            <c:numRef>
-              <c:f>'Summary count'!$F$7:$M$7</c:f>
-              <c:numCache>
-                <c:formatCode>General</c:formatCode>
-                <c:ptCount val="8"/>
-                <c:pt idx="0">
-                  <c:v>2015</c:v>
-                </c:pt>
-                <c:pt idx="1">
-                  <c:v>2016</c:v>
-                </c:pt>
-                <c:pt idx="2">
-                  <c:v>2017</c:v>
-                </c:pt>
-                <c:pt idx="3">
-                  <c:v>2018</c:v>
-                </c:pt>
-                <c:pt idx="4">
-                  <c:v>2019</c:v>
-                </c:pt>
-                <c:pt idx="5">
-                  <c:v>2020</c:v>
-                </c:pt>
-                <c:pt idx="6">
-                  <c:v>2021</c:v>
-                </c:pt>
-                <c:pt idx="7">
-                  <c:v>2022</c:v>
-                </c:pt>
-              </c:numCache>
-            </c:numRef>
-          </c:cat>
-          <c:val>
-            <c:numRef>
-              <c:f>'Summary count'!$F$18:$M$18</c:f>
-              <c:numCache>
-                <c:formatCode>#,##0</c:formatCode>
-                <c:ptCount val="8"/>
-                <c:pt idx="0">
-                  <c:v>100</c:v>
-                </c:pt>
-                <c:pt idx="1">
-                  <c:v>122.87735849056605</c:v>
-                </c:pt>
-                <c:pt idx="2">
-                  <c:v>139.70125786163524</c:v>
-                </c:pt>
-                <c:pt idx="3">
-                  <c:v>108.88364779874213</c:v>
-                </c:pt>
-                <c:pt idx="4">
-                  <c:v>94.654088050314471</c:v>
-                </c:pt>
-                <c:pt idx="5">
-                  <c:v>98.584905660377359</c:v>
-                </c:pt>
-                <c:pt idx="6">
-                  <c:v>101.57232704402517</c:v>
-                </c:pt>
-                <c:pt idx="7">
-                  <c:v>105.73899371069182</c:v>
-                </c:pt>
-              </c:numCache>
-            </c:numRef>
-          </c:val>
-          <c:smooth val="0"/>
-          <c:extLst>
-            <c:ext xmlns:c16="http://schemas.microsoft.com/office/drawing/2014/chart" uri="{C3380CC4-5D6E-409C-BE32-E72D297353CC}">
-              <c16:uniqueId val="{00000002-1C90-4825-B97D-AB5032FFF48C}"/>
-            </c:ext>
-          </c:extLst>
-        </c:ser>
-        <c:ser>
-          <c:idx val="3"/>
-          <c:order val="3"/>
-          <c:tx>
-            <c:strRef>
-              <c:f>'Summary count'!$E$19</c:f>
-              <c:strCache>
-                <c:ptCount val="1"/>
-                <c:pt idx="0">
-                  <c:v>All other</c:v>
-                </c:pt>
-              </c:strCache>
-            </c:strRef>
-          </c:tx>
-          <c:spPr>
-            <a:ln w="28575" cap="rnd">
-              <a:solidFill>
-                <a:schemeClr val="bg2"/>
-              </a:solidFill>
-              <a:round/>
-            </a:ln>
-            <a:effectLst/>
-          </c:spPr>
-          <c:marker>
-            <c:symbol val="none"/>
-          </c:marker>
-          <c:cat>
-            <c:numRef>
-              <c:f>'Summary count'!$F$7:$M$7</c:f>
-              <c:numCache>
-                <c:formatCode>General</c:formatCode>
-                <c:ptCount val="8"/>
-                <c:pt idx="0">
-                  <c:v>2015</c:v>
-                </c:pt>
-                <c:pt idx="1">
-                  <c:v>2016</c:v>
-                </c:pt>
-                <c:pt idx="2">
-                  <c:v>2017</c:v>
-                </c:pt>
-                <c:pt idx="3">
-                  <c:v>2018</c:v>
-                </c:pt>
-                <c:pt idx="4">
-                  <c:v>2019</c:v>
-                </c:pt>
-                <c:pt idx="5">
-                  <c:v>2020</c:v>
-                </c:pt>
-                <c:pt idx="6">
-                  <c:v>2021</c:v>
-                </c:pt>
-                <c:pt idx="7">
-                  <c:v>2022</c:v>
-                </c:pt>
-              </c:numCache>
-            </c:numRef>
-          </c:cat>
-          <c:val>
-            <c:numRef>
-              <c:f>'Summary count'!$F$19:$M$19</c:f>
-              <c:numCache>
-                <c:formatCode>#,##0</c:formatCode>
-                <c:ptCount val="8"/>
-                <c:pt idx="0">
-                  <c:v>100</c:v>
-                </c:pt>
-                <c:pt idx="1">
-                  <c:v>107.52685412148202</c:v>
-                </c:pt>
-                <c:pt idx="2">
-                  <c:v>114.26958072920009</c:v>
-                </c:pt>
-                <c:pt idx="3">
-                  <c:v>114.7495540354975</c:v>
-                </c:pt>
-                <c:pt idx="4">
-                  <c:v>118.72152564777146</c:v>
-                </c:pt>
-                <c:pt idx="5">
-                  <c:v>120.6581024370837</c:v>
-                </c:pt>
-                <c:pt idx="6">
-                  <c:v>121.01230733691817</c:v>
-                </c:pt>
-                <c:pt idx="7">
-                  <c:v>120.79542100332388</c:v>
-                </c:pt>
-              </c:numCache>
-            </c:numRef>
-          </c:val>
-          <c:smooth val="0"/>
-          <c:extLst>
-            <c:ext xmlns:c16="http://schemas.microsoft.com/office/drawing/2014/chart" uri="{C3380CC4-5D6E-409C-BE32-E72D297353CC}">
-              <c16:uniqueId val="{00000003-1C90-4825-B97D-AB5032FFF48C}"/>
-            </c:ext>
-          </c:extLst>
-        </c:ser>
-        <c:dLbls>
-          <c:showLegendKey val="0"/>
-          <c:showVal val="0"/>
-          <c:showCatName val="0"/>
-          <c:showSerName val="0"/>
-          <c:showPercent val="0"/>
-          <c:showBubbleSize val="0"/>
-        </c:dLbls>
-        <c:smooth val="0"/>
-        <c:axId val="427798088"/>
-        <c:axId val="427795464"/>
-      </c:lineChart>
-      <c:catAx>
-        <c:axId val="427798088"/>
-        <c:scaling>
-          <c:orientation val="minMax"/>
-        </c:scaling>
-        <c:delete val="0"/>
-        <c:axPos val="b"/>
-        <c:numFmt formatCode="General" sourceLinked="1"/>
-        <c:majorTickMark val="none"/>
-        <c:minorTickMark val="none"/>
-        <c:tickLblPos val="nextTo"/>
-        <c:spPr>
-          <a:noFill/>
-          <a:ln w="9525" cap="flat" cmpd="sng" algn="ctr">
-            <a:solidFill>
-              <a:schemeClr val="bg1">
-                <a:lumMod val="75000"/>
-              </a:schemeClr>
-            </a:solidFill>
-            <a:round/>
-          </a:ln>
-          <a:effectLst/>
-        </c:spPr>
-        <c:txPr>
-          <a:bodyPr rot="-60000000" spcFirstLastPara="1" vertOverflow="ellipsis" vert="horz" wrap="square" anchor="ctr" anchorCtr="1"/>
-          <a:lstStyle/>
-          <a:p>
-            <a:pPr>
-              <a:defRPr sz="900" b="0" i="0" u="none" strike="noStrike" kern="1200" baseline="0">
-                <a:solidFill>
-                  <a:schemeClr val="tx1">
-                    <a:lumMod val="65000"/>
-                    <a:lumOff val="35000"/>
-                  </a:schemeClr>
-                </a:solidFill>
-                <a:latin typeface="Arial" panose="020B0604020202020204" pitchFamily="34" charset="0"/>
-                <a:ea typeface="+mn-ea"/>
-                <a:cs typeface="Arial" panose="020B0604020202020204" pitchFamily="34" charset="0"/>
-              </a:defRPr>
-            </a:pPr>
-            <a:endParaRPr lang="en-US"/>
-          </a:p>
-        </c:txPr>
-        <c:crossAx val="427795464"/>
-        <c:crosses val="autoZero"/>
-        <c:auto val="1"/>
-        <c:lblAlgn val="ctr"/>
-        <c:lblOffset val="100"/>
-        <c:noMultiLvlLbl val="0"/>
-      </c:catAx>
-      <c:valAx>
-        <c:axId val="427795464"/>
-        <c:scaling>
-          <c:orientation val="minMax"/>
-          <c:max val="145"/>
-          <c:min val="85"/>
-        </c:scaling>
-        <c:delete val="0"/>
-        <c:axPos val="l"/>
-        <c:majorGridlines>
-          <c:spPr>
-            <a:ln w="9525" cap="flat" cmpd="sng" algn="ctr">
-              <a:solidFill>
-                <a:schemeClr val="tx1">
-                  <a:lumMod val="15000"/>
-                  <a:lumOff val="85000"/>
-                </a:schemeClr>
-              </a:solidFill>
-              <a:round/>
-            </a:ln>
-            <a:effectLst/>
-          </c:spPr>
-        </c:majorGridlines>
-        <c:numFmt formatCode="#,##0" sourceLinked="1"/>
-        <c:majorTickMark val="none"/>
-        <c:minorTickMark val="none"/>
-        <c:tickLblPos val="low"/>
-        <c:spPr>
-          <a:noFill/>
-          <a:ln>
-            <a:noFill/>
-          </a:ln>
-          <a:effectLst/>
-        </c:spPr>
-        <c:txPr>
-          <a:bodyPr rot="-60000000" spcFirstLastPara="1" vertOverflow="ellipsis" vert="horz" wrap="square" anchor="ctr" anchorCtr="1"/>
-          <a:lstStyle/>
-          <a:p>
-            <a:pPr>
-              <a:defRPr sz="900" b="0" i="0" u="none" strike="noStrike" kern="1200" baseline="0">
-                <a:solidFill>
-                  <a:schemeClr val="tx1">
-                    <a:lumMod val="65000"/>
-                    <a:lumOff val="35000"/>
-                  </a:schemeClr>
-                </a:solidFill>
-                <a:latin typeface="Arial" panose="020B0604020202020204" pitchFamily="34" charset="0"/>
-                <a:ea typeface="+mn-ea"/>
-                <a:cs typeface="Arial" panose="020B0604020202020204" pitchFamily="34" charset="0"/>
-              </a:defRPr>
-            </a:pPr>
-            <a:endParaRPr lang="en-US"/>
-          </a:p>
-        </c:txPr>
-        <c:crossAx val="427798088"/>
-        <c:crosses val="autoZero"/>
-        <c:crossBetween val="between"/>
-        <c:majorUnit val="15"/>
-      </c:valAx>
-      <c:spPr>
-        <a:noFill/>
-        <a:ln>
-          <a:noFill/>
-        </a:ln>
-        <a:effectLst/>
-      </c:spPr>
-    </c:plotArea>
-    <c:legend>
-      <c:legendPos val="t"/>
-      <c:layout>
-        <c:manualLayout>
-          <c:xMode val="edge"/>
-          <c:yMode val="edge"/>
-          <c:x val="1.182091369013656E-2"/>
-          <c:y val="0.10695583749182436"/>
-          <c:w val="0.93048242610977971"/>
-          <c:h val="0.10837452805030387"/>
-        </c:manualLayout>
-      </c:layout>
-      <c:overlay val="0"/>
-      <c:spPr>
-        <a:noFill/>
-        <a:ln>
-          <a:noFill/>
-        </a:ln>
-        <a:effectLst/>
-      </c:spPr>
-      <c:txPr>
-        <a:bodyPr rot="0" spcFirstLastPara="1" vertOverflow="ellipsis" vert="horz" wrap="square" anchor="ctr" anchorCtr="1"/>
-        <a:lstStyle/>
-        <a:p>
-          <a:pPr>
-            <a:defRPr sz="900" b="0" i="0" u="none" strike="noStrike" kern="1200" baseline="0">
-              <a:solidFill>
-                <a:schemeClr val="tx1">
-                  <a:lumMod val="65000"/>
-                  <a:lumOff val="35000"/>
-                </a:schemeClr>
-              </a:solidFill>
-              <a:latin typeface="Arial" panose="020B0604020202020204" pitchFamily="34" charset="0"/>
-              <a:ea typeface="+mn-ea"/>
-              <a:cs typeface="Arial" panose="020B0604020202020204" pitchFamily="34" charset="0"/>
-            </a:defRPr>
-          </a:pPr>
-          <a:endParaRPr lang="en-US"/>
-        </a:p>
-      </c:txPr>
-    </c:legend>
-    <c:plotVisOnly val="1"/>
-    <c:dispBlanksAs val="gap"/>
-    <c:extLst>
-      <c:ext xmlns:c16r3="http://schemas.microsoft.com/office/drawing/2017/03/chart" uri="{56B9EC1D-385E-4148-901F-78D8002777C0}">
-        <c16r3:dataDisplayOptions16>
-          <c16r3:dispNaAsBlank val="1"/>
-        </c16r3:dataDisplayOptions16>
-      </c:ext>
-    </c:extLst>
-    <c:showDLblsOverMax val="0"/>
-  </c:chart>
-  <c:spPr>
-    <a:noFill/>
-    <a:ln>
-      <a:noFill/>
-    </a:ln>
-    <a:effectLst/>
-  </c:spPr>
-  <c:txPr>
-    <a:bodyPr/>
-    <a:lstStyle/>
-    <a:p>
-      <a:pPr>
-        <a:defRPr>
-          <a:latin typeface="Arial" panose="020B0604020202020204" pitchFamily="34" charset="0"/>
-          <a:cs typeface="Arial" panose="020B0604020202020204" pitchFamily="34" charset="0"/>
-        </a:defRPr>
-      </a:pPr>
-      <a:endParaRPr lang="en-US"/>
-    </a:p>
-  </c:txPr>
-  <c:externalData r:id="rId3">
-    <c:autoUpdate val="0"/>
-  </c:externalData>
-</c:chartSpace>
-</file>
-
 <file path=ppt/charts/colors1.xml><?xml version="1.0" encoding="utf-8"?>
 <cs:colorStyle xmlns:cs="http://schemas.microsoft.com/office/drawing/2012/chartStyle" xmlns:a="http://schemas.openxmlformats.org/drawingml/2006/main" meth="cycle" id="10">
   <a:schemeClr val="accent1"/>
@@ -7906,86 +4371,6 @@
 </file>
 
 <file path=ppt/charts/colors5.xml><?xml version="1.0" encoding="utf-8"?>
-<cs:colorStyle xmlns:cs="http://schemas.microsoft.com/office/drawing/2012/chartStyle" xmlns:a="http://schemas.openxmlformats.org/drawingml/2006/main" meth="cycle" id="10">
-  <a:schemeClr val="accent1"/>
-  <a:schemeClr val="accent2"/>
-  <a:schemeClr val="accent3"/>
-  <a:schemeClr val="accent4"/>
-  <a:schemeClr val="accent5"/>
-  <a:schemeClr val="accent6"/>
-  <cs:variation/>
-  <cs:variation>
-    <a:lumMod val="60000"/>
-  </cs:variation>
-  <cs:variation>
-    <a:lumMod val="80000"/>
-    <a:lumOff val="20000"/>
-  </cs:variation>
-  <cs:variation>
-    <a:lumMod val="80000"/>
-  </cs:variation>
-  <cs:variation>
-    <a:lumMod val="60000"/>
-    <a:lumOff val="40000"/>
-  </cs:variation>
-  <cs:variation>
-    <a:lumMod val="50000"/>
-  </cs:variation>
-  <cs:variation>
-    <a:lumMod val="70000"/>
-    <a:lumOff val="30000"/>
-  </cs:variation>
-  <cs:variation>
-    <a:lumMod val="70000"/>
-  </cs:variation>
-  <cs:variation>
-    <a:lumMod val="50000"/>
-    <a:lumOff val="50000"/>
-  </cs:variation>
-</cs:colorStyle>
-</file>
-
-<file path=ppt/charts/colors6.xml><?xml version="1.0" encoding="utf-8"?>
-<cs:colorStyle xmlns:cs="http://schemas.microsoft.com/office/drawing/2012/chartStyle" xmlns:a="http://schemas.openxmlformats.org/drawingml/2006/main" meth="cycle" id="10">
-  <a:schemeClr val="accent1"/>
-  <a:schemeClr val="accent2"/>
-  <a:schemeClr val="accent3"/>
-  <a:schemeClr val="accent4"/>
-  <a:schemeClr val="accent5"/>
-  <a:schemeClr val="accent6"/>
-  <cs:variation/>
-  <cs:variation>
-    <a:lumMod val="60000"/>
-  </cs:variation>
-  <cs:variation>
-    <a:lumMod val="80000"/>
-    <a:lumOff val="20000"/>
-  </cs:variation>
-  <cs:variation>
-    <a:lumMod val="80000"/>
-  </cs:variation>
-  <cs:variation>
-    <a:lumMod val="60000"/>
-    <a:lumOff val="40000"/>
-  </cs:variation>
-  <cs:variation>
-    <a:lumMod val="50000"/>
-  </cs:variation>
-  <cs:variation>
-    <a:lumMod val="70000"/>
-    <a:lumOff val="30000"/>
-  </cs:variation>
-  <cs:variation>
-    <a:lumMod val="70000"/>
-  </cs:variation>
-  <cs:variation>
-    <a:lumMod val="50000"/>
-    <a:lumOff val="50000"/>
-  </cs:variation>
-</cs:colorStyle>
-</file>
-
-<file path=ppt/charts/colors7.xml><?xml version="1.0" encoding="utf-8"?>
 <cs:colorStyle xmlns:cs="http://schemas.microsoft.com/office/drawing/2012/chartStyle" xmlns:a="http://schemas.openxmlformats.org/drawingml/2006/main" meth="cycle" id="10">
   <a:schemeClr val="accent1"/>
   <a:schemeClr val="accent2"/>
@@ -9058,7 +5443,7 @@
 </file>
 
 <file path=ppt/charts/style3.xml><?xml version="1.0" encoding="utf-8"?>
-<cs:chartStyle xmlns:cs="http://schemas.microsoft.com/office/drawing/2012/chartStyle" xmlns:a="http://schemas.openxmlformats.org/drawingml/2006/main" id="216">
+<cs:chartStyle xmlns:cs="http://schemas.microsoft.com/office/drawing/2012/chartStyle" xmlns:a="http://schemas.openxmlformats.org/drawingml/2006/main" id="201">
   <cs:axisTitle>
     <cs:lnRef idx="0"/>
     <cs:fillRef idx="0"/>
@@ -9262,23 +5647,22 @@
     <cs:fillRef idx="0"/>
     <cs:effectRef idx="0"/>
     <cs:fontRef idx="minor">
-      <a:schemeClr val="tx1"/>
+      <a:schemeClr val="dk1"/>
     </cs:fontRef>
     <cs:spPr>
       <a:solidFill>
         <a:schemeClr val="dk1">
-          <a:lumMod val="75000"/>
-          <a:lumOff val="25000"/>
+          <a:lumMod val="65000"/>
+          <a:lumOff val="35000"/>
         </a:schemeClr>
       </a:solidFill>
-      <a:ln w="9525" cap="flat" cmpd="sng" algn="ctr">
+      <a:ln w="9525">
         <a:solidFill>
           <a:schemeClr val="tx1">
             <a:lumMod val="65000"/>
             <a:lumOff val="35000"/>
           </a:schemeClr>
         </a:solidFill>
-        <a:round/>
       </a:ln>
     </cs:spPr>
   </cs:downBar>
@@ -9383,8 +5767,8 @@
       <a:ln w="9525" cap="flat" cmpd="sng" algn="ctr">
         <a:solidFill>
           <a:schemeClr val="tx1">
-            <a:lumMod val="50000"/>
-            <a:lumOff val="50000"/>
+            <a:lumMod val="75000"/>
+            <a:lumOff val="25000"/>
           </a:schemeClr>
         </a:solidFill>
         <a:round/>
@@ -9516,20 +5900,19 @@
     <cs:fillRef idx="0"/>
     <cs:effectRef idx="0"/>
     <cs:fontRef idx="minor">
-      <a:schemeClr val="tx1"/>
+      <a:schemeClr val="dk1"/>
     </cs:fontRef>
     <cs:spPr>
       <a:solidFill>
         <a:schemeClr val="lt1"/>
       </a:solidFill>
-      <a:ln w="9525" cap="flat" cmpd="sng" algn="ctr">
+      <a:ln w="9525">
         <a:solidFill>
           <a:schemeClr val="tx1">
-            <a:lumMod val="65000"/>
-            <a:lumOff val="35000"/>
+            <a:lumMod val="15000"/>
+            <a:lumOff val="85000"/>
           </a:schemeClr>
         </a:solidFill>
-        <a:round/>
       </a:ln>
     </cs:spPr>
   </cs:upBar>
@@ -10583,1052 +6966,6 @@
 </cs:chartStyle>
 </file>
 
-<file path=ppt/charts/style6.xml><?xml version="1.0" encoding="utf-8"?>
-<cs:chartStyle xmlns:cs="http://schemas.microsoft.com/office/drawing/2012/chartStyle" xmlns:a="http://schemas.openxmlformats.org/drawingml/2006/main" id="227">
-  <cs:axisTitle>
-    <cs:lnRef idx="0"/>
-    <cs:fillRef idx="0"/>
-    <cs:effectRef idx="0"/>
-    <cs:fontRef idx="minor">
-      <a:schemeClr val="tx1">
-        <a:lumMod val="65000"/>
-        <a:lumOff val="35000"/>
-      </a:schemeClr>
-    </cs:fontRef>
-    <cs:defRPr sz="1000" kern="1200"/>
-  </cs:axisTitle>
-  <cs:categoryAxis>
-    <cs:lnRef idx="0"/>
-    <cs:fillRef idx="0"/>
-    <cs:effectRef idx="0"/>
-    <cs:fontRef idx="minor">
-      <a:schemeClr val="tx1">
-        <a:lumMod val="65000"/>
-        <a:lumOff val="35000"/>
-      </a:schemeClr>
-    </cs:fontRef>
-    <cs:spPr>
-      <a:ln w="9525" cap="flat" cmpd="sng" algn="ctr">
-        <a:solidFill>
-          <a:schemeClr val="tx1">
-            <a:lumMod val="15000"/>
-            <a:lumOff val="85000"/>
-          </a:schemeClr>
-        </a:solidFill>
-        <a:round/>
-      </a:ln>
-    </cs:spPr>
-    <cs:defRPr sz="900" kern="1200"/>
-  </cs:categoryAxis>
-  <cs:chartArea mods="allowNoFillOverride allowNoLineOverride">
-    <cs:lnRef idx="0"/>
-    <cs:fillRef idx="0"/>
-    <cs:effectRef idx="0"/>
-    <cs:fontRef idx="minor">
-      <a:schemeClr val="tx1"/>
-    </cs:fontRef>
-    <cs:spPr>
-      <a:solidFill>
-        <a:schemeClr val="bg1"/>
-      </a:solidFill>
-      <a:ln w="9525" cap="flat" cmpd="sng" algn="ctr">
-        <a:solidFill>
-          <a:schemeClr val="tx1">
-            <a:lumMod val="15000"/>
-            <a:lumOff val="85000"/>
-          </a:schemeClr>
-        </a:solidFill>
-        <a:round/>
-      </a:ln>
-    </cs:spPr>
-    <cs:defRPr sz="1000" kern="1200"/>
-  </cs:chartArea>
-  <cs:dataLabel>
-    <cs:lnRef idx="0"/>
-    <cs:fillRef idx="0"/>
-    <cs:effectRef idx="0"/>
-    <cs:fontRef idx="minor">
-      <a:schemeClr val="tx1">
-        <a:lumMod val="75000"/>
-        <a:lumOff val="25000"/>
-      </a:schemeClr>
-    </cs:fontRef>
-    <cs:defRPr sz="900" kern="1200"/>
-  </cs:dataLabel>
-  <cs:dataLabelCallout>
-    <cs:lnRef idx="0"/>
-    <cs:fillRef idx="0"/>
-    <cs:effectRef idx="0"/>
-    <cs:fontRef idx="minor">
-      <a:schemeClr val="dk1">
-        <a:lumMod val="65000"/>
-        <a:lumOff val="35000"/>
-      </a:schemeClr>
-    </cs:fontRef>
-    <cs:spPr>
-      <a:solidFill>
-        <a:schemeClr val="lt1"/>
-      </a:solidFill>
-      <a:ln>
-        <a:solidFill>
-          <a:schemeClr val="dk1">
-            <a:lumMod val="25000"/>
-            <a:lumOff val="75000"/>
-          </a:schemeClr>
-        </a:solidFill>
-      </a:ln>
-    </cs:spPr>
-    <cs:defRPr sz="900" kern="1200"/>
-    <cs:bodyPr rot="0" spcFirstLastPara="1" vertOverflow="clip" horzOverflow="clip" vert="horz" wrap="square" lIns="36576" tIns="18288" rIns="36576" bIns="18288" anchor="ctr" anchorCtr="1">
-      <a:spAutoFit/>
-    </cs:bodyPr>
-  </cs:dataLabelCallout>
-  <cs:dataPoint>
-    <cs:lnRef idx="0"/>
-    <cs:fillRef idx="1">
-      <cs:styleClr val="auto"/>
-    </cs:fillRef>
-    <cs:effectRef idx="0"/>
-    <cs:fontRef idx="minor">
-      <a:schemeClr val="tx1"/>
-    </cs:fontRef>
-    <cs:spPr>
-      <a:solidFill>
-        <a:schemeClr val="phClr"/>
-      </a:solidFill>
-    </cs:spPr>
-  </cs:dataPoint>
-  <cs:dataPoint3D>
-    <cs:lnRef idx="0"/>
-    <cs:fillRef idx="1">
-      <cs:styleClr val="auto"/>
-    </cs:fillRef>
-    <cs:effectRef idx="0"/>
-    <cs:fontRef idx="minor">
-      <a:schemeClr val="tx1"/>
-    </cs:fontRef>
-    <cs:spPr>
-      <a:solidFill>
-        <a:schemeClr val="phClr"/>
-      </a:solidFill>
-    </cs:spPr>
-  </cs:dataPoint3D>
-  <cs:dataPointLine>
-    <cs:lnRef idx="0">
-      <cs:styleClr val="auto"/>
-    </cs:lnRef>
-    <cs:fillRef idx="1"/>
-    <cs:effectRef idx="0"/>
-    <cs:fontRef idx="minor">
-      <a:schemeClr val="tx1"/>
-    </cs:fontRef>
-    <cs:spPr>
-      <a:ln w="28575" cap="rnd">
-        <a:solidFill>
-          <a:schemeClr val="phClr"/>
-        </a:solidFill>
-        <a:round/>
-      </a:ln>
-    </cs:spPr>
-  </cs:dataPointLine>
-  <cs:dataPointMarker>
-    <cs:lnRef idx="0">
-      <cs:styleClr val="auto"/>
-    </cs:lnRef>
-    <cs:fillRef idx="1">
-      <cs:styleClr val="auto"/>
-    </cs:fillRef>
-    <cs:effectRef idx="0"/>
-    <cs:fontRef idx="minor">
-      <a:schemeClr val="tx1"/>
-    </cs:fontRef>
-    <cs:spPr>
-      <a:solidFill>
-        <a:schemeClr val="phClr"/>
-      </a:solidFill>
-      <a:ln w="9525">
-        <a:solidFill>
-          <a:schemeClr val="phClr"/>
-        </a:solidFill>
-      </a:ln>
-    </cs:spPr>
-  </cs:dataPointMarker>
-  <cs:dataPointMarkerLayout symbol="circle" size="5"/>
-  <cs:dataPointWireframe>
-    <cs:lnRef idx="0">
-      <cs:styleClr val="auto"/>
-    </cs:lnRef>
-    <cs:fillRef idx="1"/>
-    <cs:effectRef idx="0"/>
-    <cs:fontRef idx="minor">
-      <a:schemeClr val="tx1"/>
-    </cs:fontRef>
-    <cs:spPr>
-      <a:ln w="9525" cap="rnd">
-        <a:solidFill>
-          <a:schemeClr val="phClr"/>
-        </a:solidFill>
-        <a:round/>
-      </a:ln>
-    </cs:spPr>
-  </cs:dataPointWireframe>
-  <cs:dataTable>
-    <cs:lnRef idx="0"/>
-    <cs:fillRef idx="0"/>
-    <cs:effectRef idx="0"/>
-    <cs:fontRef idx="minor">
-      <a:schemeClr val="tx1">
-        <a:lumMod val="65000"/>
-        <a:lumOff val="35000"/>
-      </a:schemeClr>
-    </cs:fontRef>
-    <cs:spPr>
-      <a:noFill/>
-      <a:ln w="9525" cap="flat" cmpd="sng" algn="ctr">
-        <a:solidFill>
-          <a:schemeClr val="tx1">
-            <a:lumMod val="15000"/>
-            <a:lumOff val="85000"/>
-          </a:schemeClr>
-        </a:solidFill>
-        <a:round/>
-      </a:ln>
-    </cs:spPr>
-    <cs:defRPr sz="900" kern="1200"/>
-  </cs:dataTable>
-  <cs:downBar>
-    <cs:lnRef idx="0"/>
-    <cs:fillRef idx="0"/>
-    <cs:effectRef idx="0"/>
-    <cs:fontRef idx="minor">
-      <a:schemeClr val="dk1"/>
-    </cs:fontRef>
-    <cs:spPr>
-      <a:solidFill>
-        <a:schemeClr val="dk1">
-          <a:lumMod val="65000"/>
-          <a:lumOff val="35000"/>
-        </a:schemeClr>
-      </a:solidFill>
-      <a:ln w="9525">
-        <a:solidFill>
-          <a:schemeClr val="tx1">
-            <a:lumMod val="65000"/>
-            <a:lumOff val="35000"/>
-          </a:schemeClr>
-        </a:solidFill>
-      </a:ln>
-    </cs:spPr>
-  </cs:downBar>
-  <cs:dropLine>
-    <cs:lnRef idx="0"/>
-    <cs:fillRef idx="0"/>
-    <cs:effectRef idx="0"/>
-    <cs:fontRef idx="minor">
-      <a:schemeClr val="tx1"/>
-    </cs:fontRef>
-    <cs:spPr>
-      <a:ln w="9525" cap="flat" cmpd="sng" algn="ctr">
-        <a:solidFill>
-          <a:schemeClr val="tx1">
-            <a:lumMod val="35000"/>
-            <a:lumOff val="65000"/>
-          </a:schemeClr>
-        </a:solidFill>
-        <a:round/>
-      </a:ln>
-    </cs:spPr>
-  </cs:dropLine>
-  <cs:errorBar>
-    <cs:lnRef idx="0"/>
-    <cs:fillRef idx="0"/>
-    <cs:effectRef idx="0"/>
-    <cs:fontRef idx="minor">
-      <a:schemeClr val="tx1"/>
-    </cs:fontRef>
-    <cs:spPr>
-      <a:ln w="9525" cap="flat" cmpd="sng" algn="ctr">
-        <a:solidFill>
-          <a:schemeClr val="tx1">
-            <a:lumMod val="65000"/>
-            <a:lumOff val="35000"/>
-          </a:schemeClr>
-        </a:solidFill>
-        <a:round/>
-      </a:ln>
-    </cs:spPr>
-  </cs:errorBar>
-  <cs:floor>
-    <cs:lnRef idx="0"/>
-    <cs:fillRef idx="0"/>
-    <cs:effectRef idx="0"/>
-    <cs:fontRef idx="minor">
-      <a:schemeClr val="tx1"/>
-    </cs:fontRef>
-    <cs:spPr>
-      <a:noFill/>
-      <a:ln>
-        <a:noFill/>
-      </a:ln>
-    </cs:spPr>
-  </cs:floor>
-  <cs:gridlineMajor>
-    <cs:lnRef idx="0"/>
-    <cs:fillRef idx="0"/>
-    <cs:effectRef idx="0"/>
-    <cs:fontRef idx="minor">
-      <a:schemeClr val="tx1"/>
-    </cs:fontRef>
-    <cs:spPr>
-      <a:ln w="9525" cap="flat" cmpd="sng" algn="ctr">
-        <a:solidFill>
-          <a:schemeClr val="tx1">
-            <a:lumMod val="15000"/>
-            <a:lumOff val="85000"/>
-          </a:schemeClr>
-        </a:solidFill>
-        <a:round/>
-      </a:ln>
-    </cs:spPr>
-  </cs:gridlineMajor>
-  <cs:gridlineMinor>
-    <cs:lnRef idx="0"/>
-    <cs:fillRef idx="0"/>
-    <cs:effectRef idx="0"/>
-    <cs:fontRef idx="minor">
-      <a:schemeClr val="tx1"/>
-    </cs:fontRef>
-    <cs:spPr>
-      <a:ln w="9525" cap="flat" cmpd="sng" algn="ctr">
-        <a:solidFill>
-          <a:schemeClr val="tx1">
-            <a:lumMod val="5000"/>
-            <a:lumOff val="95000"/>
-          </a:schemeClr>
-        </a:solidFill>
-        <a:round/>
-      </a:ln>
-    </cs:spPr>
-  </cs:gridlineMinor>
-  <cs:hiLoLine>
-    <cs:lnRef idx="0"/>
-    <cs:fillRef idx="0"/>
-    <cs:effectRef idx="0"/>
-    <cs:fontRef idx="minor">
-      <a:schemeClr val="tx1"/>
-    </cs:fontRef>
-    <cs:spPr>
-      <a:ln w="9525" cap="flat" cmpd="sng" algn="ctr">
-        <a:solidFill>
-          <a:schemeClr val="tx1">
-            <a:lumMod val="75000"/>
-            <a:lumOff val="25000"/>
-          </a:schemeClr>
-        </a:solidFill>
-        <a:round/>
-      </a:ln>
-    </cs:spPr>
-  </cs:hiLoLine>
-  <cs:leaderLine>
-    <cs:lnRef idx="0"/>
-    <cs:fillRef idx="0"/>
-    <cs:effectRef idx="0"/>
-    <cs:fontRef idx="minor">
-      <a:schemeClr val="tx1"/>
-    </cs:fontRef>
-    <cs:spPr>
-      <a:ln w="9525" cap="flat" cmpd="sng" algn="ctr">
-        <a:solidFill>
-          <a:schemeClr val="tx1">
-            <a:lumMod val="35000"/>
-            <a:lumOff val="65000"/>
-          </a:schemeClr>
-        </a:solidFill>
-        <a:round/>
-      </a:ln>
-    </cs:spPr>
-  </cs:leaderLine>
-  <cs:legend>
-    <cs:lnRef idx="0"/>
-    <cs:fillRef idx="0"/>
-    <cs:effectRef idx="0"/>
-    <cs:fontRef idx="minor">
-      <a:schemeClr val="tx1">
-        <a:lumMod val="65000"/>
-        <a:lumOff val="35000"/>
-      </a:schemeClr>
-    </cs:fontRef>
-    <cs:defRPr sz="900" kern="1200"/>
-  </cs:legend>
-  <cs:plotArea mods="allowNoFillOverride allowNoLineOverride">
-    <cs:lnRef idx="0"/>
-    <cs:fillRef idx="0"/>
-    <cs:effectRef idx="0"/>
-    <cs:fontRef idx="minor">
-      <a:schemeClr val="tx1"/>
-    </cs:fontRef>
-  </cs:plotArea>
-  <cs:plotArea3D mods="allowNoFillOverride allowNoLineOverride">
-    <cs:lnRef idx="0"/>
-    <cs:fillRef idx="0"/>
-    <cs:effectRef idx="0"/>
-    <cs:fontRef idx="minor">
-      <a:schemeClr val="tx1"/>
-    </cs:fontRef>
-  </cs:plotArea3D>
-  <cs:seriesAxis>
-    <cs:lnRef idx="0"/>
-    <cs:fillRef idx="0"/>
-    <cs:effectRef idx="0"/>
-    <cs:fontRef idx="minor">
-      <a:schemeClr val="tx1">
-        <a:lumMod val="65000"/>
-        <a:lumOff val="35000"/>
-      </a:schemeClr>
-    </cs:fontRef>
-    <cs:defRPr sz="900" kern="1200"/>
-  </cs:seriesAxis>
-  <cs:seriesLine>
-    <cs:lnRef idx="0"/>
-    <cs:fillRef idx="0"/>
-    <cs:effectRef idx="0"/>
-    <cs:fontRef idx="minor">
-      <a:schemeClr val="tx1"/>
-    </cs:fontRef>
-    <cs:spPr>
-      <a:ln w="9525" cap="flat" cmpd="sng" algn="ctr">
-        <a:solidFill>
-          <a:schemeClr val="tx1">
-            <a:lumMod val="35000"/>
-            <a:lumOff val="65000"/>
-          </a:schemeClr>
-        </a:solidFill>
-        <a:round/>
-      </a:ln>
-    </cs:spPr>
-  </cs:seriesLine>
-  <cs:title>
-    <cs:lnRef idx="0"/>
-    <cs:fillRef idx="0"/>
-    <cs:effectRef idx="0"/>
-    <cs:fontRef idx="minor">
-      <a:schemeClr val="tx1">
-        <a:lumMod val="65000"/>
-        <a:lumOff val="35000"/>
-      </a:schemeClr>
-    </cs:fontRef>
-    <cs:defRPr sz="1400" b="0" kern="1200" spc="0" baseline="0"/>
-  </cs:title>
-  <cs:trendline>
-    <cs:lnRef idx="0">
-      <cs:styleClr val="auto"/>
-    </cs:lnRef>
-    <cs:fillRef idx="0"/>
-    <cs:effectRef idx="0"/>
-    <cs:fontRef idx="minor">
-      <a:schemeClr val="tx1"/>
-    </cs:fontRef>
-    <cs:spPr>
-      <a:ln w="19050" cap="rnd">
-        <a:solidFill>
-          <a:schemeClr val="phClr"/>
-        </a:solidFill>
-        <a:prstDash val="sysDot"/>
-      </a:ln>
-    </cs:spPr>
-  </cs:trendline>
-  <cs:trendlineLabel>
-    <cs:lnRef idx="0"/>
-    <cs:fillRef idx="0"/>
-    <cs:effectRef idx="0"/>
-    <cs:fontRef idx="minor">
-      <a:schemeClr val="tx1">
-        <a:lumMod val="65000"/>
-        <a:lumOff val="35000"/>
-      </a:schemeClr>
-    </cs:fontRef>
-    <cs:defRPr sz="900" kern="1200"/>
-  </cs:trendlineLabel>
-  <cs:upBar>
-    <cs:lnRef idx="0"/>
-    <cs:fillRef idx="0"/>
-    <cs:effectRef idx="0"/>
-    <cs:fontRef idx="minor">
-      <a:schemeClr val="dk1"/>
-    </cs:fontRef>
-    <cs:spPr>
-      <a:solidFill>
-        <a:schemeClr val="lt1"/>
-      </a:solidFill>
-      <a:ln w="9525">
-        <a:solidFill>
-          <a:schemeClr val="tx1">
-            <a:lumMod val="15000"/>
-            <a:lumOff val="85000"/>
-          </a:schemeClr>
-        </a:solidFill>
-      </a:ln>
-    </cs:spPr>
-  </cs:upBar>
-  <cs:valueAxis>
-    <cs:lnRef idx="0"/>
-    <cs:fillRef idx="0"/>
-    <cs:effectRef idx="0"/>
-    <cs:fontRef idx="minor">
-      <a:schemeClr val="tx1">
-        <a:lumMod val="65000"/>
-        <a:lumOff val="35000"/>
-      </a:schemeClr>
-    </cs:fontRef>
-    <cs:defRPr sz="900" kern="1200"/>
-  </cs:valueAxis>
-  <cs:wall>
-    <cs:lnRef idx="0"/>
-    <cs:fillRef idx="0"/>
-    <cs:effectRef idx="0"/>
-    <cs:fontRef idx="minor">
-      <a:schemeClr val="tx1"/>
-    </cs:fontRef>
-    <cs:spPr>
-      <a:noFill/>
-      <a:ln>
-        <a:noFill/>
-      </a:ln>
-    </cs:spPr>
-  </cs:wall>
-</cs:chartStyle>
-</file>
-
-<file path=ppt/charts/style7.xml><?xml version="1.0" encoding="utf-8"?>
-<cs:chartStyle xmlns:cs="http://schemas.microsoft.com/office/drawing/2012/chartStyle" xmlns:a="http://schemas.openxmlformats.org/drawingml/2006/main" id="227">
-  <cs:axisTitle>
-    <cs:lnRef idx="0"/>
-    <cs:fillRef idx="0"/>
-    <cs:effectRef idx="0"/>
-    <cs:fontRef idx="minor">
-      <a:schemeClr val="tx1">
-        <a:lumMod val="65000"/>
-        <a:lumOff val="35000"/>
-      </a:schemeClr>
-    </cs:fontRef>
-    <cs:defRPr sz="1000" kern="1200"/>
-  </cs:axisTitle>
-  <cs:categoryAxis>
-    <cs:lnRef idx="0"/>
-    <cs:fillRef idx="0"/>
-    <cs:effectRef idx="0"/>
-    <cs:fontRef idx="minor">
-      <a:schemeClr val="tx1">
-        <a:lumMod val="65000"/>
-        <a:lumOff val="35000"/>
-      </a:schemeClr>
-    </cs:fontRef>
-    <cs:spPr>
-      <a:ln w="9525" cap="flat" cmpd="sng" algn="ctr">
-        <a:solidFill>
-          <a:schemeClr val="tx1">
-            <a:lumMod val="15000"/>
-            <a:lumOff val="85000"/>
-          </a:schemeClr>
-        </a:solidFill>
-        <a:round/>
-      </a:ln>
-    </cs:spPr>
-    <cs:defRPr sz="900" kern="1200"/>
-  </cs:categoryAxis>
-  <cs:chartArea mods="allowNoFillOverride allowNoLineOverride">
-    <cs:lnRef idx="0"/>
-    <cs:fillRef idx="0"/>
-    <cs:effectRef idx="0"/>
-    <cs:fontRef idx="minor">
-      <a:schemeClr val="tx1"/>
-    </cs:fontRef>
-    <cs:spPr>
-      <a:solidFill>
-        <a:schemeClr val="bg1"/>
-      </a:solidFill>
-      <a:ln w="9525" cap="flat" cmpd="sng" algn="ctr">
-        <a:solidFill>
-          <a:schemeClr val="tx1">
-            <a:lumMod val="15000"/>
-            <a:lumOff val="85000"/>
-          </a:schemeClr>
-        </a:solidFill>
-        <a:round/>
-      </a:ln>
-    </cs:spPr>
-    <cs:defRPr sz="1000" kern="1200"/>
-  </cs:chartArea>
-  <cs:dataLabel>
-    <cs:lnRef idx="0"/>
-    <cs:fillRef idx="0"/>
-    <cs:effectRef idx="0"/>
-    <cs:fontRef idx="minor">
-      <a:schemeClr val="tx1">
-        <a:lumMod val="75000"/>
-        <a:lumOff val="25000"/>
-      </a:schemeClr>
-    </cs:fontRef>
-    <cs:defRPr sz="900" kern="1200"/>
-  </cs:dataLabel>
-  <cs:dataLabelCallout>
-    <cs:lnRef idx="0"/>
-    <cs:fillRef idx="0"/>
-    <cs:effectRef idx="0"/>
-    <cs:fontRef idx="minor">
-      <a:schemeClr val="dk1">
-        <a:lumMod val="65000"/>
-        <a:lumOff val="35000"/>
-      </a:schemeClr>
-    </cs:fontRef>
-    <cs:spPr>
-      <a:solidFill>
-        <a:schemeClr val="lt1"/>
-      </a:solidFill>
-      <a:ln>
-        <a:solidFill>
-          <a:schemeClr val="dk1">
-            <a:lumMod val="25000"/>
-            <a:lumOff val="75000"/>
-          </a:schemeClr>
-        </a:solidFill>
-      </a:ln>
-    </cs:spPr>
-    <cs:defRPr sz="900" kern="1200"/>
-    <cs:bodyPr rot="0" spcFirstLastPara="1" vertOverflow="clip" horzOverflow="clip" vert="horz" wrap="square" lIns="36576" tIns="18288" rIns="36576" bIns="18288" anchor="ctr" anchorCtr="1">
-      <a:spAutoFit/>
-    </cs:bodyPr>
-  </cs:dataLabelCallout>
-  <cs:dataPoint>
-    <cs:lnRef idx="0"/>
-    <cs:fillRef idx="1">
-      <cs:styleClr val="auto"/>
-    </cs:fillRef>
-    <cs:effectRef idx="0"/>
-    <cs:fontRef idx="minor">
-      <a:schemeClr val="tx1"/>
-    </cs:fontRef>
-    <cs:spPr>
-      <a:solidFill>
-        <a:schemeClr val="phClr"/>
-      </a:solidFill>
-    </cs:spPr>
-  </cs:dataPoint>
-  <cs:dataPoint3D>
-    <cs:lnRef idx="0"/>
-    <cs:fillRef idx="1">
-      <cs:styleClr val="auto"/>
-    </cs:fillRef>
-    <cs:effectRef idx="0"/>
-    <cs:fontRef idx="minor">
-      <a:schemeClr val="tx1"/>
-    </cs:fontRef>
-    <cs:spPr>
-      <a:solidFill>
-        <a:schemeClr val="phClr"/>
-      </a:solidFill>
-    </cs:spPr>
-  </cs:dataPoint3D>
-  <cs:dataPointLine>
-    <cs:lnRef idx="0">
-      <cs:styleClr val="auto"/>
-    </cs:lnRef>
-    <cs:fillRef idx="1"/>
-    <cs:effectRef idx="0"/>
-    <cs:fontRef idx="minor">
-      <a:schemeClr val="tx1"/>
-    </cs:fontRef>
-    <cs:spPr>
-      <a:ln w="28575" cap="rnd">
-        <a:solidFill>
-          <a:schemeClr val="phClr"/>
-        </a:solidFill>
-        <a:round/>
-      </a:ln>
-    </cs:spPr>
-  </cs:dataPointLine>
-  <cs:dataPointMarker>
-    <cs:lnRef idx="0">
-      <cs:styleClr val="auto"/>
-    </cs:lnRef>
-    <cs:fillRef idx="1">
-      <cs:styleClr val="auto"/>
-    </cs:fillRef>
-    <cs:effectRef idx="0"/>
-    <cs:fontRef idx="minor">
-      <a:schemeClr val="tx1"/>
-    </cs:fontRef>
-    <cs:spPr>
-      <a:solidFill>
-        <a:schemeClr val="phClr"/>
-      </a:solidFill>
-      <a:ln w="9525">
-        <a:solidFill>
-          <a:schemeClr val="phClr"/>
-        </a:solidFill>
-      </a:ln>
-    </cs:spPr>
-  </cs:dataPointMarker>
-  <cs:dataPointMarkerLayout symbol="circle" size="5"/>
-  <cs:dataPointWireframe>
-    <cs:lnRef idx="0">
-      <cs:styleClr val="auto"/>
-    </cs:lnRef>
-    <cs:fillRef idx="1"/>
-    <cs:effectRef idx="0"/>
-    <cs:fontRef idx="minor">
-      <a:schemeClr val="tx1"/>
-    </cs:fontRef>
-    <cs:spPr>
-      <a:ln w="9525" cap="rnd">
-        <a:solidFill>
-          <a:schemeClr val="phClr"/>
-        </a:solidFill>
-        <a:round/>
-      </a:ln>
-    </cs:spPr>
-  </cs:dataPointWireframe>
-  <cs:dataTable>
-    <cs:lnRef idx="0"/>
-    <cs:fillRef idx="0"/>
-    <cs:effectRef idx="0"/>
-    <cs:fontRef idx="minor">
-      <a:schemeClr val="tx1">
-        <a:lumMod val="65000"/>
-        <a:lumOff val="35000"/>
-      </a:schemeClr>
-    </cs:fontRef>
-    <cs:spPr>
-      <a:noFill/>
-      <a:ln w="9525" cap="flat" cmpd="sng" algn="ctr">
-        <a:solidFill>
-          <a:schemeClr val="tx1">
-            <a:lumMod val="15000"/>
-            <a:lumOff val="85000"/>
-          </a:schemeClr>
-        </a:solidFill>
-        <a:round/>
-      </a:ln>
-    </cs:spPr>
-    <cs:defRPr sz="900" kern="1200"/>
-  </cs:dataTable>
-  <cs:downBar>
-    <cs:lnRef idx="0"/>
-    <cs:fillRef idx="0"/>
-    <cs:effectRef idx="0"/>
-    <cs:fontRef idx="minor">
-      <a:schemeClr val="dk1"/>
-    </cs:fontRef>
-    <cs:spPr>
-      <a:solidFill>
-        <a:schemeClr val="dk1">
-          <a:lumMod val="65000"/>
-          <a:lumOff val="35000"/>
-        </a:schemeClr>
-      </a:solidFill>
-      <a:ln w="9525">
-        <a:solidFill>
-          <a:schemeClr val="tx1">
-            <a:lumMod val="65000"/>
-            <a:lumOff val="35000"/>
-          </a:schemeClr>
-        </a:solidFill>
-      </a:ln>
-    </cs:spPr>
-  </cs:downBar>
-  <cs:dropLine>
-    <cs:lnRef idx="0"/>
-    <cs:fillRef idx="0"/>
-    <cs:effectRef idx="0"/>
-    <cs:fontRef idx="minor">
-      <a:schemeClr val="tx1"/>
-    </cs:fontRef>
-    <cs:spPr>
-      <a:ln w="9525" cap="flat" cmpd="sng" algn="ctr">
-        <a:solidFill>
-          <a:schemeClr val="tx1">
-            <a:lumMod val="35000"/>
-            <a:lumOff val="65000"/>
-          </a:schemeClr>
-        </a:solidFill>
-        <a:round/>
-      </a:ln>
-    </cs:spPr>
-  </cs:dropLine>
-  <cs:errorBar>
-    <cs:lnRef idx="0"/>
-    <cs:fillRef idx="0"/>
-    <cs:effectRef idx="0"/>
-    <cs:fontRef idx="minor">
-      <a:schemeClr val="tx1"/>
-    </cs:fontRef>
-    <cs:spPr>
-      <a:ln w="9525" cap="flat" cmpd="sng" algn="ctr">
-        <a:solidFill>
-          <a:schemeClr val="tx1">
-            <a:lumMod val="65000"/>
-            <a:lumOff val="35000"/>
-          </a:schemeClr>
-        </a:solidFill>
-        <a:round/>
-      </a:ln>
-    </cs:spPr>
-  </cs:errorBar>
-  <cs:floor>
-    <cs:lnRef idx="0"/>
-    <cs:fillRef idx="0"/>
-    <cs:effectRef idx="0"/>
-    <cs:fontRef idx="minor">
-      <a:schemeClr val="tx1"/>
-    </cs:fontRef>
-    <cs:spPr>
-      <a:noFill/>
-      <a:ln>
-        <a:noFill/>
-      </a:ln>
-    </cs:spPr>
-  </cs:floor>
-  <cs:gridlineMajor>
-    <cs:lnRef idx="0"/>
-    <cs:fillRef idx="0"/>
-    <cs:effectRef idx="0"/>
-    <cs:fontRef idx="minor">
-      <a:schemeClr val="tx1"/>
-    </cs:fontRef>
-    <cs:spPr>
-      <a:ln w="9525" cap="flat" cmpd="sng" algn="ctr">
-        <a:solidFill>
-          <a:schemeClr val="tx1">
-            <a:lumMod val="15000"/>
-            <a:lumOff val="85000"/>
-          </a:schemeClr>
-        </a:solidFill>
-        <a:round/>
-      </a:ln>
-    </cs:spPr>
-  </cs:gridlineMajor>
-  <cs:gridlineMinor>
-    <cs:lnRef idx="0"/>
-    <cs:fillRef idx="0"/>
-    <cs:effectRef idx="0"/>
-    <cs:fontRef idx="minor">
-      <a:schemeClr val="tx1"/>
-    </cs:fontRef>
-    <cs:spPr>
-      <a:ln w="9525" cap="flat" cmpd="sng" algn="ctr">
-        <a:solidFill>
-          <a:schemeClr val="tx1">
-            <a:lumMod val="5000"/>
-            <a:lumOff val="95000"/>
-          </a:schemeClr>
-        </a:solidFill>
-        <a:round/>
-      </a:ln>
-    </cs:spPr>
-  </cs:gridlineMinor>
-  <cs:hiLoLine>
-    <cs:lnRef idx="0"/>
-    <cs:fillRef idx="0"/>
-    <cs:effectRef idx="0"/>
-    <cs:fontRef idx="minor">
-      <a:schemeClr val="tx1"/>
-    </cs:fontRef>
-    <cs:spPr>
-      <a:ln w="9525" cap="flat" cmpd="sng" algn="ctr">
-        <a:solidFill>
-          <a:schemeClr val="tx1">
-            <a:lumMod val="75000"/>
-            <a:lumOff val="25000"/>
-          </a:schemeClr>
-        </a:solidFill>
-        <a:round/>
-      </a:ln>
-    </cs:spPr>
-  </cs:hiLoLine>
-  <cs:leaderLine>
-    <cs:lnRef idx="0"/>
-    <cs:fillRef idx="0"/>
-    <cs:effectRef idx="0"/>
-    <cs:fontRef idx="minor">
-      <a:schemeClr val="tx1"/>
-    </cs:fontRef>
-    <cs:spPr>
-      <a:ln w="9525" cap="flat" cmpd="sng" algn="ctr">
-        <a:solidFill>
-          <a:schemeClr val="tx1">
-            <a:lumMod val="35000"/>
-            <a:lumOff val="65000"/>
-          </a:schemeClr>
-        </a:solidFill>
-        <a:round/>
-      </a:ln>
-    </cs:spPr>
-  </cs:leaderLine>
-  <cs:legend>
-    <cs:lnRef idx="0"/>
-    <cs:fillRef idx="0"/>
-    <cs:effectRef idx="0"/>
-    <cs:fontRef idx="minor">
-      <a:schemeClr val="tx1">
-        <a:lumMod val="65000"/>
-        <a:lumOff val="35000"/>
-      </a:schemeClr>
-    </cs:fontRef>
-    <cs:defRPr sz="900" kern="1200"/>
-  </cs:legend>
-  <cs:plotArea mods="allowNoFillOverride allowNoLineOverride">
-    <cs:lnRef idx="0"/>
-    <cs:fillRef idx="0"/>
-    <cs:effectRef idx="0"/>
-    <cs:fontRef idx="minor">
-      <a:schemeClr val="tx1"/>
-    </cs:fontRef>
-  </cs:plotArea>
-  <cs:plotArea3D mods="allowNoFillOverride allowNoLineOverride">
-    <cs:lnRef idx="0"/>
-    <cs:fillRef idx="0"/>
-    <cs:effectRef idx="0"/>
-    <cs:fontRef idx="minor">
-      <a:schemeClr val="tx1"/>
-    </cs:fontRef>
-  </cs:plotArea3D>
-  <cs:seriesAxis>
-    <cs:lnRef idx="0"/>
-    <cs:fillRef idx="0"/>
-    <cs:effectRef idx="0"/>
-    <cs:fontRef idx="minor">
-      <a:schemeClr val="tx1">
-        <a:lumMod val="65000"/>
-        <a:lumOff val="35000"/>
-      </a:schemeClr>
-    </cs:fontRef>
-    <cs:defRPr sz="900" kern="1200"/>
-  </cs:seriesAxis>
-  <cs:seriesLine>
-    <cs:lnRef idx="0"/>
-    <cs:fillRef idx="0"/>
-    <cs:effectRef idx="0"/>
-    <cs:fontRef idx="minor">
-      <a:schemeClr val="tx1"/>
-    </cs:fontRef>
-    <cs:spPr>
-      <a:ln w="9525" cap="flat" cmpd="sng" algn="ctr">
-        <a:solidFill>
-          <a:schemeClr val="tx1">
-            <a:lumMod val="35000"/>
-            <a:lumOff val="65000"/>
-          </a:schemeClr>
-        </a:solidFill>
-        <a:round/>
-      </a:ln>
-    </cs:spPr>
-  </cs:seriesLine>
-  <cs:title>
-    <cs:lnRef idx="0"/>
-    <cs:fillRef idx="0"/>
-    <cs:effectRef idx="0"/>
-    <cs:fontRef idx="minor">
-      <a:schemeClr val="tx1">
-        <a:lumMod val="65000"/>
-        <a:lumOff val="35000"/>
-      </a:schemeClr>
-    </cs:fontRef>
-    <cs:defRPr sz="1400" b="0" kern="1200" spc="0" baseline="0"/>
-  </cs:title>
-  <cs:trendline>
-    <cs:lnRef idx="0">
-      <cs:styleClr val="auto"/>
-    </cs:lnRef>
-    <cs:fillRef idx="0"/>
-    <cs:effectRef idx="0"/>
-    <cs:fontRef idx="minor">
-      <a:schemeClr val="tx1"/>
-    </cs:fontRef>
-    <cs:spPr>
-      <a:ln w="19050" cap="rnd">
-        <a:solidFill>
-          <a:schemeClr val="phClr"/>
-        </a:solidFill>
-        <a:prstDash val="sysDot"/>
-      </a:ln>
-    </cs:spPr>
-  </cs:trendline>
-  <cs:trendlineLabel>
-    <cs:lnRef idx="0"/>
-    <cs:fillRef idx="0"/>
-    <cs:effectRef idx="0"/>
-    <cs:fontRef idx="minor">
-      <a:schemeClr val="tx1">
-        <a:lumMod val="65000"/>
-        <a:lumOff val="35000"/>
-      </a:schemeClr>
-    </cs:fontRef>
-    <cs:defRPr sz="900" kern="1200"/>
-  </cs:trendlineLabel>
-  <cs:upBar>
-    <cs:lnRef idx="0"/>
-    <cs:fillRef idx="0"/>
-    <cs:effectRef idx="0"/>
-    <cs:fontRef idx="minor">
-      <a:schemeClr val="dk1"/>
-    </cs:fontRef>
-    <cs:spPr>
-      <a:solidFill>
-        <a:schemeClr val="lt1"/>
-      </a:solidFill>
-      <a:ln w="9525">
-        <a:solidFill>
-          <a:schemeClr val="tx1">
-            <a:lumMod val="15000"/>
-            <a:lumOff val="85000"/>
-          </a:schemeClr>
-        </a:solidFill>
-      </a:ln>
-    </cs:spPr>
-  </cs:upBar>
-  <cs:valueAxis>
-    <cs:lnRef idx="0"/>
-    <cs:fillRef idx="0"/>
-    <cs:effectRef idx="0"/>
-    <cs:fontRef idx="minor">
-      <a:schemeClr val="tx1">
-        <a:lumMod val="65000"/>
-        <a:lumOff val="35000"/>
-      </a:schemeClr>
-    </cs:fontRef>
-    <cs:defRPr sz="900" kern="1200"/>
-  </cs:valueAxis>
-  <cs:wall>
-    <cs:lnRef idx="0"/>
-    <cs:fillRef idx="0"/>
-    <cs:effectRef idx="0"/>
-    <cs:fontRef idx="minor">
-      <a:schemeClr val="tx1"/>
-    </cs:fontRef>
-    <cs:spPr>
-      <a:noFill/>
-      <a:ln>
-        <a:noFill/>
-      </a:ln>
-    </cs:spPr>
-  </cs:wall>
-</cs:chartStyle>
-</file>
-
-<file path=ppt/comments/comment1.xml><?xml version="1.0" encoding="utf-8"?>
-<p:cmLst xmlns:a="http://schemas.openxmlformats.org/drawingml/2006/main" xmlns:r="http://schemas.openxmlformats.org/officeDocument/2006/relationships" xmlns:p="http://schemas.openxmlformats.org/presentationml/2006/main">
-  <p:cm authorId="1" dt="2023-01-06T11:43:13.061" idx="1">
-    <p:pos x="10" y="10"/>
-    <p:text>possibly to add: index of individual important sectors, e.g. pubs and restaurants</p:text>
-    <p:extLst>
-      <p:ext uri="{C676402C-5697-4E1C-873F-D02D1690AC5C}">
-        <p15:threadingInfo xmlns:p15="http://schemas.microsoft.com/office/powerpoint/2012/main" timeZoneBias="0"/>
-      </p:ext>
-    </p:extLst>
-  </p:cm>
-</p:cmLst>
-</file>
-
 <file path=ppt/notesMasters/notesMaster1.xml><?xml version="1.0" encoding="utf-8"?>
 <p:notesMaster xmlns:a="http://schemas.openxmlformats.org/drawingml/2006/main" xmlns:r="http://schemas.openxmlformats.org/officeDocument/2006/relationships" xmlns:p="http://schemas.openxmlformats.org/presentationml/2006/main">
   <p:cSld>
@@ -12066,253 +7403,6 @@
 </p:notes>
 </file>
 
-<file path=ppt/notesSlides/notesSlide10.xml><?xml version="1.0" encoding="utf-8"?>
-<p:notes xmlns:a="http://schemas.openxmlformats.org/drawingml/2006/main" xmlns:r="http://schemas.openxmlformats.org/officeDocument/2006/relationships" xmlns:p="http://schemas.openxmlformats.org/presentationml/2006/main">
-  <p:cSld>
-    <p:spTree>
-      <p:nvGrpSpPr>
-        <p:cNvPr id="1" name=""/>
-        <p:cNvGrpSpPr/>
-        <p:nvPr/>
-      </p:nvGrpSpPr>
-      <p:grpSpPr>
-        <a:xfrm>
-          <a:off x="0" y="0"/>
-          <a:ext cx="0" cy="0"/>
-          <a:chOff x="0" y="0"/>
-          <a:chExt cx="0" cy="0"/>
-        </a:xfrm>
-      </p:grpSpPr>
-      <p:sp>
-        <p:nvSpPr>
-          <p:cNvPr id="2" name="Slide Image Placeholder 1"/>
-          <p:cNvSpPr>
-            <a:spLocks noGrp="1" noRot="1" noChangeAspect="1"/>
-          </p:cNvSpPr>
-          <p:nvPr>
-            <p:ph type="sldImg"/>
-          </p:nvPr>
-        </p:nvSpPr>
-        <p:spPr/>
-      </p:sp>
-      <p:sp>
-        <p:nvSpPr>
-          <p:cNvPr id="3" name="Notes Placeholder 2"/>
-          <p:cNvSpPr>
-            <a:spLocks noGrp="1"/>
-          </p:cNvSpPr>
-          <p:nvPr>
-            <p:ph type="body" idx="1"/>
-          </p:nvPr>
-        </p:nvSpPr>
-        <p:spPr/>
-        <p:txBody>
-          <a:bodyPr/>
-          <a:lstStyle/>
-          <a:p>
-            <a:r>
-              <a:rPr lang="en-GB" dirty="0"/>
-              <a:t>Findings from a survey commissioned by GLA</a:t>
-            </a:r>
-          </a:p>
-          <a:p>
-            <a:endParaRPr lang="en-GB" dirty="0"/>
-          </a:p>
-          <a:p>
-            <a:pPr marL="0" marR="0" lvl="0" indent="0" algn="l" defTabSz="914400" rtl="0" eaLnBrk="1" fontAlgn="auto" latinLnBrk="0" hangingPunct="1">
-              <a:lnSpc>
-                <a:spcPct val="100000"/>
-              </a:lnSpc>
-              <a:spcBef>
-                <a:spcPts val="0"/>
-              </a:spcBef>
-              <a:spcAft>
-                <a:spcPts val="0"/>
-              </a:spcAft>
-              <a:buClrTx/>
-              <a:buSzTx/>
-              <a:buFontTx/>
-              <a:buNone/>
-              <a:tabLst/>
-              <a:defRPr/>
-            </a:pPr>
-            <a:r>
-              <a:rPr lang="en-GB" dirty="0"/>
-              <a:t>In contrast to data, more than 44% of surveyed NTE workers say they work more in night time than before pandemic </a:t>
-            </a:r>
-          </a:p>
-          <a:p>
-            <a:endParaRPr lang="en-GB" dirty="0"/>
-          </a:p>
-          <a:p>
-            <a:r>
-              <a:rPr lang="en-GB" dirty="0"/>
-              <a:t>34% of people say the work NTE, more than 26% suggested by data.</a:t>
-            </a:r>
-          </a:p>
-        </p:txBody>
-      </p:sp>
-      <p:sp>
-        <p:nvSpPr>
-          <p:cNvPr id="4" name="Slide Number Placeholder 3"/>
-          <p:cNvSpPr>
-            <a:spLocks noGrp="1"/>
-          </p:cNvSpPr>
-          <p:nvPr>
-            <p:ph type="sldNum" sz="quarter" idx="5"/>
-          </p:nvPr>
-        </p:nvSpPr>
-        <p:spPr/>
-        <p:txBody>
-          <a:bodyPr/>
-          <a:lstStyle/>
-          <a:p>
-            <a:fld id="{4D6EDD18-AA25-459A-BC5F-5B6E4EB8A722}" type="slidenum">
-              <a:rPr lang="en-GB" smtClean="0"/>
-              <a:t>10</a:t>
-            </a:fld>
-            <a:endParaRPr lang="en-GB"/>
-          </a:p>
-        </p:txBody>
-      </p:sp>
-    </p:spTree>
-    <p:extLst>
-      <p:ext uri="{BB962C8B-B14F-4D97-AF65-F5344CB8AC3E}">
-        <p14:creationId xmlns:p14="http://schemas.microsoft.com/office/powerpoint/2010/main" val="401733934"/>
-      </p:ext>
-    </p:extLst>
-  </p:cSld>
-  <p:clrMapOvr>
-    <a:masterClrMapping/>
-  </p:clrMapOvr>
-</p:notes>
-</file>
-
-<file path=ppt/notesSlides/notesSlide11.xml><?xml version="1.0" encoding="utf-8"?>
-<p:notes xmlns:a="http://schemas.openxmlformats.org/drawingml/2006/main" xmlns:r="http://schemas.openxmlformats.org/officeDocument/2006/relationships" xmlns:p="http://schemas.openxmlformats.org/presentationml/2006/main">
-  <p:cSld>
-    <p:spTree>
-      <p:nvGrpSpPr>
-        <p:cNvPr id="1" name=""/>
-        <p:cNvGrpSpPr/>
-        <p:nvPr/>
-      </p:nvGrpSpPr>
-      <p:grpSpPr>
-        <a:xfrm>
-          <a:off x="0" y="0"/>
-          <a:ext cx="0" cy="0"/>
-          <a:chOff x="0" y="0"/>
-          <a:chExt cx="0" cy="0"/>
-        </a:xfrm>
-      </p:grpSpPr>
-      <p:sp>
-        <p:nvSpPr>
-          <p:cNvPr id="2" name="Slide Image Placeholder 1"/>
-          <p:cNvSpPr>
-            <a:spLocks noGrp="1" noRot="1" noChangeAspect="1"/>
-          </p:cNvSpPr>
-          <p:nvPr>
-            <p:ph type="sldImg"/>
-          </p:nvPr>
-        </p:nvSpPr>
-        <p:spPr/>
-      </p:sp>
-      <p:sp>
-        <p:nvSpPr>
-          <p:cNvPr id="3" name="Notes Placeholder 2"/>
-          <p:cNvSpPr>
-            <a:spLocks noGrp="1"/>
-          </p:cNvSpPr>
-          <p:nvPr>
-            <p:ph type="body" idx="1"/>
-          </p:nvPr>
-        </p:nvSpPr>
-        <p:spPr/>
-        <p:txBody>
-          <a:bodyPr/>
-          <a:lstStyle/>
-          <a:p>
-            <a:pPr marL="171450" indent="-171450">
-              <a:buFont typeface="Arial" panose="020B0604020202020204" pitchFamily="34" charset="0"/>
-              <a:buChar char="•"/>
-            </a:pPr>
-            <a:r>
-              <a:rPr lang="en-GB" dirty="0"/>
-              <a:t>The evidence base released by GLAE in 2018 (</a:t>
-            </a:r>
-            <a:r>
-              <a:rPr lang="en-GB" sz="1800" b="0" i="0" dirty="0">
-                <a:solidFill>
-                  <a:srgbClr val="FFFFFF"/>
-                </a:solidFill>
-                <a:effectLst/>
-                <a:latin typeface="FoundryFormSans"/>
-              </a:rPr>
-              <a:t>London at night</a:t>
-            </a:r>
-            <a:r>
-              <a:rPr lang="en-GB" dirty="0"/>
-              <a:t> ) defined a number of industry segments as being particularly connected to the NTE in one of three categories [LISTED]. Using those definitions, we have estimated the number of businesses falling into those three categories since 2015 using ONS business count data. This does not mean all businesses counted are actually involved in the NTE but rather that they are in a sector which is more likely to be involved. This includes e.g. restaurants and private security companies.</a:t>
-            </a:r>
-          </a:p>
-          <a:p>
-            <a:pPr marL="171450" indent="-171450">
-              <a:buFont typeface="Arial" panose="020B0604020202020204" pitchFamily="34" charset="0"/>
-              <a:buChar char="•"/>
-            </a:pPr>
-            <a:endParaRPr lang="en-GB" dirty="0"/>
-          </a:p>
-          <a:p>
-            <a:pPr marL="171450" indent="-171450">
-              <a:buFont typeface="Arial" panose="020B0604020202020204" pitchFamily="34" charset="0"/>
-              <a:buChar char="•"/>
-            </a:pPr>
-            <a:r>
-              <a:rPr lang="en-GB" dirty="0"/>
-              <a:t>Based on these definitions, the number of businesses in NTE-related industries has been continually increasing, rising from 77k in 2015 to 92k in 2022. The growth was slower than the general growth of businesses otherwise</a:t>
-            </a:r>
-          </a:p>
-          <a:p>
-            <a:endParaRPr lang="en-GB" dirty="0"/>
-          </a:p>
-        </p:txBody>
-      </p:sp>
-      <p:sp>
-        <p:nvSpPr>
-          <p:cNvPr id="4" name="Slide Number Placeholder 3"/>
-          <p:cNvSpPr>
-            <a:spLocks noGrp="1"/>
-          </p:cNvSpPr>
-          <p:nvPr>
-            <p:ph type="sldNum" sz="quarter" idx="5"/>
-          </p:nvPr>
-        </p:nvSpPr>
-        <p:spPr/>
-        <p:txBody>
-          <a:bodyPr/>
-          <a:lstStyle/>
-          <a:p>
-            <a:fld id="{4D6EDD18-AA25-459A-BC5F-5B6E4EB8A722}" type="slidenum">
-              <a:rPr lang="en-GB" smtClean="0"/>
-              <a:t>11</a:t>
-            </a:fld>
-            <a:endParaRPr lang="en-GB"/>
-          </a:p>
-        </p:txBody>
-      </p:sp>
-    </p:spTree>
-    <p:extLst>
-      <p:ext uri="{BB962C8B-B14F-4D97-AF65-F5344CB8AC3E}">
-        <p14:creationId xmlns:p14="http://schemas.microsoft.com/office/powerpoint/2010/main" val="3533306481"/>
-      </p:ext>
-    </p:extLst>
-  </p:cSld>
-  <p:clrMapOvr>
-    <a:masterClrMapping/>
-  </p:clrMapOvr>
-</p:notes>
-</file>
-
 <file path=ppt/notesSlides/notesSlide2.xml><?xml version="1.0" encoding="utf-8"?>
 <p:notes xmlns:a="http://schemas.openxmlformats.org/drawingml/2006/main" xmlns:r="http://schemas.openxmlformats.org/officeDocument/2006/relationships" xmlns:p="http://schemas.openxmlformats.org/presentationml/2006/main">
   <p:cSld>
@@ -12711,7 +7801,7 @@
             </a:pPr>
             <a:r>
               <a:rPr lang="en-GB" dirty="0"/>
-              <a:t>More than half of NTE workers in 2022, around 776k, usually work both during the daytime and in the evenings, and a further third (around 440k) find themselves working across the entire day. Ultimately, only around a tenth do not work in the daytime at all.</a:t>
+              <a:t>More than half of NTE workers in 2022, around 776k or 57%, usually work both during the daytime and in the evenings, and a further third (around 440k, 32%) find themselves working across the entire day. Ultimately, only around a tenth do not work in the daytime at all.</a:t>
             </a:r>
           </a:p>
           <a:p>
@@ -12903,34 +7993,7 @@
           <a:bodyPr/>
           <a:lstStyle/>
           <a:p>
-            <a:r>
-              <a:rPr lang="en-GB" dirty="0"/>
-              <a:t>The pattern is not consistent across industries. </a:t>
-            </a:r>
-          </a:p>
-          <a:p>
-            <a:r>
-              <a:rPr lang="en-GB" dirty="0"/>
-              <a:t>-health: suggests that while workforce shrunk, the workers remaining began working more in the evenings and nights</a:t>
-            </a:r>
-          </a:p>
-          <a:p>
-            <a:r>
-              <a:rPr lang="en-GB" dirty="0"/>
-              <a:t>-ICT: sector growth, but perhaps not in roles requiring night-time work</a:t>
-            </a:r>
-          </a:p>
-          <a:p>
-            <a:r>
-              <a:rPr lang="en-GB" dirty="0"/>
-              <a:t>-hospitality and retail: declines in both sector overall and NTE, and it seems proportional, as we will discuss below</a:t>
-            </a:r>
-          </a:p>
-          <a:p>
-            <a:r>
-              <a:rPr lang="en-GB" dirty="0"/>
-              <a:t>-Professional: perhaps same trend as in ICT</a:t>
-            </a:r>
+            <a:endParaRPr lang="en-GB"/>
           </a:p>
         </p:txBody>
       </p:sp>
@@ -12960,7 +8023,7 @@
     </p:spTree>
     <p:extLst>
       <p:ext uri="{BB962C8B-B14F-4D97-AF65-F5344CB8AC3E}">
-        <p14:creationId xmlns:p14="http://schemas.microsoft.com/office/powerpoint/2010/main" val="216043300"/>
+        <p14:creationId xmlns:p14="http://schemas.microsoft.com/office/powerpoint/2010/main" val="1319082143"/>
       </p:ext>
     </p:extLst>
   </p:cSld>
@@ -13014,58 +8077,45 @@
           <a:bodyPr/>
           <a:lstStyle/>
           <a:p>
-            <a:pPr marL="171450" indent="-171450">
-              <a:buFont typeface="Arial" panose="020B0604020202020204" pitchFamily="34" charset="0"/>
-              <a:buChar char="•"/>
+            <a:r>
+              <a:rPr lang="en-GB" dirty="0"/>
+              <a:t>Findings from a survey commissioned by GLA</a:t>
+            </a:r>
+          </a:p>
+          <a:p>
+            <a:endParaRPr lang="en-GB" dirty="0"/>
+          </a:p>
+          <a:p>
+            <a:pPr marL="0" marR="0" lvl="0" indent="0" algn="l" defTabSz="914400" rtl="0" eaLnBrk="1" fontAlgn="auto" latinLnBrk="0" hangingPunct="1">
+              <a:lnSpc>
+                <a:spcPct val="100000"/>
+              </a:lnSpc>
+              <a:spcBef>
+                <a:spcPts val="0"/>
+              </a:spcBef>
+              <a:spcAft>
+                <a:spcPts val="0"/>
+              </a:spcAft>
+              <a:buClrTx/>
+              <a:buSzTx/>
+              <a:buFontTx/>
+              <a:buNone/>
+              <a:tabLst/>
+              <a:defRPr/>
             </a:pPr>
             <a:r>
-              <a:rPr lang="en-GB"/>
-              <a:t>Taking a look at the two sectors with the largest fall in number of NTE workers from 2017 and 2022, hospitality and retail.</a:t>
-            </a:r>
-          </a:p>
-          <a:p>
-            <a:endParaRPr lang="en-GB"/>
-          </a:p>
-          <a:p>
-            <a:pPr marL="171450" indent="-171450">
-              <a:buFont typeface="Arial" panose="020B0604020202020204" pitchFamily="34" charset="0"/>
-              <a:buChar char="•"/>
-            </a:pPr>
-            <a:r>
-              <a:rPr lang="en-GB"/>
-              <a:t>While each had 40k fall in NTE workers, only retail has seen a substantial shift in the share of workers in NTE from 2017, from 34% to 25%. The largest fall happening in 2021-2022, where workforce fell by 28k, of which 26k were NTE workers! </a:t>
-            </a:r>
-          </a:p>
-          <a:p>
-            <a:r>
-              <a:rPr lang="en-GB"/>
-              <a:t>[could this suggest people left night time work in the tight labour market as they had other opportunities?]</a:t>
-            </a:r>
-          </a:p>
-          <a:p>
-            <a:endParaRPr lang="en-GB"/>
-          </a:p>
-          <a:p>
-            <a:pPr marL="171450" indent="-171450">
-              <a:buFont typeface="Arial" panose="020B0604020202020204" pitchFamily="34" charset="0"/>
-              <a:buChar char="•"/>
-            </a:pPr>
-            <a:r>
-              <a:rPr lang="en-GB"/>
-              <a:t>Hospitality saw less of a long term change and levels in 2022 were very similar to those in 2015-2019. However, there was fluctuation during the years mostly impacted by the pandemic, 2020 and 2021, with both a low and a high of 47% and 60% respectively. </a:t>
-            </a:r>
-          </a:p>
-          <a:p>
-            <a:endParaRPr lang="en-GB"/>
-          </a:p>
-          <a:p>
-            <a:endParaRPr lang="en-GB"/>
-          </a:p>
-          <a:p>
-            <a:endParaRPr lang="en-GB"/>
-          </a:p>
-          <a:p>
-            <a:endParaRPr lang="en-GB"/>
+              <a:rPr lang="en-GB" dirty="0"/>
+              <a:t>In contrast to data, more than 44% of surveyed NTE workers say they work more in night time than before pandemic </a:t>
+            </a:r>
+          </a:p>
+          <a:p>
+            <a:endParaRPr lang="en-GB" dirty="0"/>
+          </a:p>
+          <a:p>
+            <a:r>
+              <a:rPr lang="en-GB" dirty="0"/>
+              <a:t>34% of people say the work NTE, more than 26% suggested by data.</a:t>
+            </a:r>
           </a:p>
         </p:txBody>
       </p:sp>
@@ -13095,91 +8145,7 @@
     </p:spTree>
     <p:extLst>
       <p:ext uri="{BB962C8B-B14F-4D97-AF65-F5344CB8AC3E}">
-        <p14:creationId xmlns:p14="http://schemas.microsoft.com/office/powerpoint/2010/main" val="358359831"/>
-      </p:ext>
-    </p:extLst>
-  </p:cSld>
-  <p:clrMapOvr>
-    <a:masterClrMapping/>
-  </p:clrMapOvr>
-</p:notes>
-</file>
-
-<file path=ppt/notesSlides/notesSlide9.xml><?xml version="1.0" encoding="utf-8"?>
-<p:notes xmlns:a="http://schemas.openxmlformats.org/drawingml/2006/main" xmlns:r="http://schemas.openxmlformats.org/officeDocument/2006/relationships" xmlns:p="http://schemas.openxmlformats.org/presentationml/2006/main">
-  <p:cSld>
-    <p:spTree>
-      <p:nvGrpSpPr>
-        <p:cNvPr id="1" name=""/>
-        <p:cNvGrpSpPr/>
-        <p:nvPr/>
-      </p:nvGrpSpPr>
-      <p:grpSpPr>
-        <a:xfrm>
-          <a:off x="0" y="0"/>
-          <a:ext cx="0" cy="0"/>
-          <a:chOff x="0" y="0"/>
-          <a:chExt cx="0" cy="0"/>
-        </a:xfrm>
-      </p:grpSpPr>
-      <p:sp>
-        <p:nvSpPr>
-          <p:cNvPr id="2" name="Slide Image Placeholder 1"/>
-          <p:cNvSpPr>
-            <a:spLocks noGrp="1" noRot="1" noChangeAspect="1"/>
-          </p:cNvSpPr>
-          <p:nvPr>
-            <p:ph type="sldImg"/>
-          </p:nvPr>
-        </p:nvSpPr>
-        <p:spPr/>
-      </p:sp>
-      <p:sp>
-        <p:nvSpPr>
-          <p:cNvPr id="3" name="Notes Placeholder 2"/>
-          <p:cNvSpPr>
-            <a:spLocks noGrp="1"/>
-          </p:cNvSpPr>
-          <p:nvPr>
-            <p:ph type="body" idx="1"/>
-          </p:nvPr>
-        </p:nvSpPr>
-        <p:spPr/>
-        <p:txBody>
-          <a:bodyPr/>
-          <a:lstStyle/>
-          <a:p>
-            <a:endParaRPr lang="en-GB"/>
-          </a:p>
-        </p:txBody>
-      </p:sp>
-      <p:sp>
-        <p:nvSpPr>
-          <p:cNvPr id="4" name="Slide Number Placeholder 3"/>
-          <p:cNvSpPr>
-            <a:spLocks noGrp="1"/>
-          </p:cNvSpPr>
-          <p:nvPr>
-            <p:ph type="sldNum" sz="quarter" idx="5"/>
-          </p:nvPr>
-        </p:nvSpPr>
-        <p:spPr/>
-        <p:txBody>
-          <a:bodyPr/>
-          <a:lstStyle/>
-          <a:p>
-            <a:fld id="{4D6EDD18-AA25-459A-BC5F-5B6E4EB8A722}" type="slidenum">
-              <a:rPr lang="en-GB" smtClean="0"/>
-              <a:t>9</a:t>
-            </a:fld>
-            <a:endParaRPr lang="en-GB"/>
-          </a:p>
-        </p:txBody>
-      </p:sp>
-    </p:spTree>
-    <p:extLst>
-      <p:ext uri="{BB962C8B-B14F-4D97-AF65-F5344CB8AC3E}">
-        <p14:creationId xmlns:p14="http://schemas.microsoft.com/office/powerpoint/2010/main" val="1319082143"/>
+        <p14:creationId xmlns:p14="http://schemas.microsoft.com/office/powerpoint/2010/main" val="401733934"/>
       </p:ext>
     </p:extLst>
   </p:cSld>
@@ -18965,7 +13931,7 @@
           <a:p>
             <a:r>
               <a:rPr lang="en-GB" dirty="0"/>
-              <a:t>Update on London’s night time workers</a:t>
+              <a:t>Update on Evening and Night workers in London</a:t>
             </a:r>
           </a:p>
         </p:txBody>
@@ -19002,295 +13968,6 @@
     <p:extLst>
       <p:ext uri="{BB962C8B-B14F-4D97-AF65-F5344CB8AC3E}">
         <p14:creationId xmlns:p14="http://schemas.microsoft.com/office/powerpoint/2010/main" val="2799171006"/>
-      </p:ext>
-    </p:extLst>
-  </p:cSld>
-  <p:clrMapOvr>
-    <a:masterClrMapping/>
-  </p:clrMapOvr>
-</p:sld>
-</file>
-
-<file path=ppt/slides/slide10.xml><?xml version="1.0" encoding="utf-8"?>
-<p:sld xmlns:a="http://schemas.openxmlformats.org/drawingml/2006/main" xmlns:r="http://schemas.openxmlformats.org/officeDocument/2006/relationships" xmlns:p="http://schemas.openxmlformats.org/presentationml/2006/main">
-  <p:cSld>
-    <p:spTree>
-      <p:nvGrpSpPr>
-        <p:cNvPr id="1" name=""/>
-        <p:cNvGrpSpPr/>
-        <p:nvPr/>
-      </p:nvGrpSpPr>
-      <p:grpSpPr>
-        <a:xfrm>
-          <a:off x="0" y="0"/>
-          <a:ext cx="0" cy="0"/>
-          <a:chOff x="0" y="0"/>
-          <a:chExt cx="0" cy="0"/>
-        </a:xfrm>
-      </p:grpSpPr>
-      <p:sp>
-        <p:nvSpPr>
-          <p:cNvPr id="6" name="Title 5">
-            <a:extLst>
-              <a:ext uri="{FF2B5EF4-FFF2-40B4-BE49-F238E27FC236}">
-                <a16:creationId xmlns:a16="http://schemas.microsoft.com/office/drawing/2014/main" id="{4A738471-722F-4D3A-B04B-5FD494B9EB72}"/>
-              </a:ext>
-            </a:extLst>
-          </p:cNvPr>
-          <p:cNvSpPr>
-            <a:spLocks noGrp="1"/>
-          </p:cNvSpPr>
-          <p:nvPr>
-            <p:ph type="title"/>
-          </p:nvPr>
-        </p:nvSpPr>
-        <p:spPr/>
-        <p:txBody>
-          <a:bodyPr/>
-          <a:lstStyle/>
-          <a:p>
-            <a:r>
-              <a:rPr lang="en-GB" dirty="0"/>
-              <a:t>More than a third of survey respondents work in Night Time Economy</a:t>
-            </a:r>
-          </a:p>
-        </p:txBody>
-      </p:sp>
-      <p:sp>
-        <p:nvSpPr>
-          <p:cNvPr id="4" name="Content Placeholder 3">
-            <a:extLst>
-              <a:ext uri="{FF2B5EF4-FFF2-40B4-BE49-F238E27FC236}">
-                <a16:creationId xmlns:a16="http://schemas.microsoft.com/office/drawing/2014/main" id="{90094C3F-47D3-4640-BB11-9D132B8C3C53}"/>
-              </a:ext>
-            </a:extLst>
-          </p:cNvPr>
-          <p:cNvSpPr>
-            <a:spLocks noGrp="1"/>
-          </p:cNvSpPr>
-          <p:nvPr>
-            <p:ph idx="1"/>
-          </p:nvPr>
-        </p:nvSpPr>
-        <p:spPr/>
-        <p:txBody>
-          <a:bodyPr>
-            <a:normAutofit fontScale="92500"/>
-          </a:bodyPr>
-          <a:lstStyle/>
-          <a:p>
-            <a:r>
-              <a:rPr lang="en-GB" sz="3200" dirty="0"/>
-              <a:t>Most NTE workers (55%) work less than half their hours in NTE</a:t>
-            </a:r>
-          </a:p>
-          <a:p>
-            <a:pPr lvl="1"/>
-            <a:r>
-              <a:rPr lang="en-GB" sz="2800" dirty="0"/>
-              <a:t>While 51% of NTE workers do early evenings (6-9PM) at least once a week, around 26% work past midnight that often</a:t>
-            </a:r>
-          </a:p>
-          <a:p>
-            <a:pPr marL="457200" lvl="1" indent="0">
-              <a:buNone/>
-            </a:pPr>
-            <a:endParaRPr lang="en-GB" sz="2800" dirty="0"/>
-          </a:p>
-          <a:p>
-            <a:r>
-              <a:rPr lang="en-GB" sz="3200" dirty="0"/>
-              <a:t>53% of NTE workers mostly do so from home</a:t>
-            </a:r>
-          </a:p>
-          <a:p>
-            <a:pPr marL="0" indent="0">
-              <a:buNone/>
-            </a:pPr>
-            <a:endParaRPr lang="en-GB" sz="3200" dirty="0"/>
-          </a:p>
-          <a:p>
-            <a:r>
-              <a:rPr lang="en-GB" sz="3200" dirty="0"/>
-              <a:t>Almost half of NTE workers like working nights* and 34% believe their experience has improved since the pandemic</a:t>
-            </a:r>
-          </a:p>
-          <a:p>
-            <a:endParaRPr lang="en-GB" sz="3200" dirty="0"/>
-          </a:p>
-        </p:txBody>
-      </p:sp>
-      <p:sp>
-        <p:nvSpPr>
-          <p:cNvPr id="5" name="TextBox 4">
-            <a:extLst>
-              <a:ext uri="{FF2B5EF4-FFF2-40B4-BE49-F238E27FC236}">
-                <a16:creationId xmlns:a16="http://schemas.microsoft.com/office/drawing/2014/main" id="{C6A3F50C-A361-470C-9717-E3E264C69367}"/>
-              </a:ext>
-            </a:extLst>
-          </p:cNvPr>
-          <p:cNvSpPr txBox="1"/>
-          <p:nvPr/>
-        </p:nvSpPr>
-        <p:spPr>
-          <a:xfrm>
-            <a:off x="838200" y="6267450"/>
-            <a:ext cx="8553450" cy="261610"/>
-          </a:xfrm>
-          <a:prstGeom prst="rect">
-            <a:avLst/>
-          </a:prstGeom>
-          <a:noFill/>
-        </p:spPr>
-        <p:txBody>
-          <a:bodyPr wrap="square" rtlCol="0">
-            <a:spAutoFit/>
-          </a:bodyPr>
-          <a:lstStyle/>
-          <a:p>
-            <a:r>
-              <a:rPr lang="en-GB" sz="1100" i="1">
-                <a:solidFill>
-                  <a:schemeClr val="bg2"/>
-                </a:solidFill>
-              </a:rPr>
-              <a:t>Source: Redfield and Wilton Strategies, survey commissioned by GLA.</a:t>
-            </a:r>
-          </a:p>
-        </p:txBody>
-      </p:sp>
-    </p:spTree>
-    <p:extLst>
-      <p:ext uri="{BB962C8B-B14F-4D97-AF65-F5344CB8AC3E}">
-        <p14:creationId xmlns:p14="http://schemas.microsoft.com/office/powerpoint/2010/main" val="2354753383"/>
-      </p:ext>
-    </p:extLst>
-  </p:cSld>
-  <p:clrMapOvr>
-    <a:masterClrMapping/>
-  </p:clrMapOvr>
-</p:sld>
-</file>
-
-<file path=ppt/slides/slide11.xml><?xml version="1.0" encoding="utf-8"?>
-<p:sld xmlns:a="http://schemas.openxmlformats.org/drawingml/2006/main" xmlns:r="http://schemas.openxmlformats.org/officeDocument/2006/relationships" xmlns:p="http://schemas.openxmlformats.org/presentationml/2006/main">
-  <p:cSld>
-    <p:spTree>
-      <p:nvGrpSpPr>
-        <p:cNvPr id="1" name=""/>
-        <p:cNvGrpSpPr/>
-        <p:nvPr/>
-      </p:nvGrpSpPr>
-      <p:grpSpPr>
-        <a:xfrm>
-          <a:off x="0" y="0"/>
-          <a:ext cx="0" cy="0"/>
-          <a:chOff x="0" y="0"/>
-          <a:chExt cx="0" cy="0"/>
-        </a:xfrm>
-      </p:grpSpPr>
-      <p:sp>
-        <p:nvSpPr>
-          <p:cNvPr id="2" name="Title 1">
-            <a:extLst>
-              <a:ext uri="{FF2B5EF4-FFF2-40B4-BE49-F238E27FC236}">
-                <a16:creationId xmlns:a16="http://schemas.microsoft.com/office/drawing/2014/main" id="{20FBCA0E-EB6F-4A73-A130-3EF43FDA7C82}"/>
-              </a:ext>
-            </a:extLst>
-          </p:cNvPr>
-          <p:cNvSpPr>
-            <a:spLocks noGrp="1"/>
-          </p:cNvSpPr>
-          <p:nvPr>
-            <p:ph type="title"/>
-          </p:nvPr>
-        </p:nvSpPr>
-        <p:spPr/>
-        <p:txBody>
-          <a:bodyPr/>
-          <a:lstStyle/>
-          <a:p>
-            <a:r>
-              <a:rPr lang="en-GB" dirty="0"/>
-              <a:t>Sectors important to the NTE have caught up to growth of other industries</a:t>
-            </a:r>
-          </a:p>
-        </p:txBody>
-      </p:sp>
-      <p:sp>
-        <p:nvSpPr>
-          <p:cNvPr id="8" name="TextBox 7">
-            <a:extLst>
-              <a:ext uri="{FF2B5EF4-FFF2-40B4-BE49-F238E27FC236}">
-                <a16:creationId xmlns:a16="http://schemas.microsoft.com/office/drawing/2014/main" id="{C0BB2580-6A34-45EE-A200-2F6E11D642F1}"/>
-              </a:ext>
-            </a:extLst>
-          </p:cNvPr>
-          <p:cNvSpPr txBox="1"/>
-          <p:nvPr/>
-        </p:nvSpPr>
-        <p:spPr>
-          <a:xfrm>
-            <a:off x="838200" y="6267450"/>
-            <a:ext cx="8553450" cy="261610"/>
-          </a:xfrm>
-          <a:prstGeom prst="rect">
-            <a:avLst/>
-          </a:prstGeom>
-          <a:noFill/>
-        </p:spPr>
-        <p:txBody>
-          <a:bodyPr wrap="square" rtlCol="0">
-            <a:spAutoFit/>
-          </a:bodyPr>
-          <a:lstStyle/>
-          <a:p>
-            <a:r>
-              <a:rPr lang="en-GB" sz="1100" i="1">
-                <a:solidFill>
-                  <a:schemeClr val="bg2"/>
-                </a:solidFill>
-              </a:rPr>
-              <a:t>Source: Business Counts 2015-2022, ONS.</a:t>
-            </a:r>
-          </a:p>
-        </p:txBody>
-      </p:sp>
-      <p:graphicFrame>
-        <p:nvGraphicFramePr>
-          <p:cNvPr id="9" name="Content Placeholder 8">
-            <a:extLst>
-              <a:ext uri="{FF2B5EF4-FFF2-40B4-BE49-F238E27FC236}">
-                <a16:creationId xmlns:a16="http://schemas.microsoft.com/office/drawing/2014/main" id="{227602D3-3BFE-461A-AC73-B24819A3BEB7}"/>
-              </a:ext>
-            </a:extLst>
-          </p:cNvPr>
-          <p:cNvGraphicFramePr>
-            <a:graphicFrameLocks noGrp="1"/>
-          </p:cNvGraphicFramePr>
-          <p:nvPr>
-            <p:ph idx="1"/>
-            <p:extLst>
-              <p:ext uri="{D42A27DB-BD31-4B8C-83A1-F6EECF244321}">
-                <p14:modId xmlns:p14="http://schemas.microsoft.com/office/powerpoint/2010/main" val="1972528739"/>
-              </p:ext>
-            </p:extLst>
-          </p:nvPr>
-        </p:nvGraphicFramePr>
-        <p:xfrm>
-          <a:off x="838200" y="1825625"/>
-          <a:ext cx="10515600" cy="4351338"/>
-        </p:xfrm>
-        <a:graphic>
-          <a:graphicData uri="http://schemas.openxmlformats.org/drawingml/2006/chart">
-            <c:chart xmlns:c="http://schemas.openxmlformats.org/drawingml/2006/chart" xmlns:r="http://schemas.openxmlformats.org/officeDocument/2006/relationships" r:id="rId3"/>
-          </a:graphicData>
-        </a:graphic>
-      </p:graphicFrame>
-    </p:spTree>
-    <p:extLst>
-      <p:ext uri="{BB962C8B-B14F-4D97-AF65-F5344CB8AC3E}">
-        <p14:creationId xmlns:p14="http://schemas.microsoft.com/office/powerpoint/2010/main" val="343650028"/>
       </p:ext>
     </p:extLst>
   </p:cSld>
@@ -19368,13 +14045,27 @@
           <a:p>
             <a:r>
               <a:rPr lang="en-GB" dirty="0"/>
-              <a:t>We define workers in the Night Time Economy (NTE) as people for whom it is usual to work evenings, nights, or both</a:t>
-            </a:r>
-          </a:p>
-          <a:p>
+              <a:t>We define Evening &amp; Night (</a:t>
+            </a:r>
+            <a:r>
+              <a:rPr lang="en-GB" b="1" dirty="0"/>
+              <a:t>E&amp;N</a:t>
+            </a:r>
             <a:r>
               <a:rPr lang="en-GB" dirty="0"/>
-              <a:t>1.37 million people worked in London’s NTE in 2022</a:t>
+              <a:t>) workers as people for whom it is usual to work evenings, nights, or both</a:t>
+            </a:r>
+          </a:p>
+          <a:p>
+            <a:r>
+              <a:rPr lang="en-GB" dirty="0"/>
+              <a:t>1.37 million people were E&amp;N workers in London in 2022</a:t>
+            </a:r>
+          </a:p>
+          <a:p>
+            <a:r>
+              <a:rPr lang="en-GB" dirty="0"/>
+              <a:t>Majority of them work, at least in part, during the daytime too</a:t>
             </a:r>
           </a:p>
           <a:p>
@@ -19382,25 +14073,6 @@
               <a:rPr lang="en-GB" dirty="0"/>
               <a:t>The share of the total workforce in London working evenings and/or nights has been decreasing for more than five years</a:t>
             </a:r>
-          </a:p>
-          <a:p>
-            <a:r>
-              <a:rPr lang="en-GB" dirty="0"/>
-              <a:t>The Health industry has the largest share of all NTE workers in London – Hospitality and Retail are 5</a:t>
-            </a:r>
-            <a:r>
-              <a:rPr lang="en-GB" baseline="30000" dirty="0"/>
-              <a:t>th</a:t>
-            </a:r>
-            <a:r>
-              <a:rPr lang="en-GB" dirty="0"/>
-              <a:t> and 6</a:t>
-            </a:r>
-            <a:r>
-              <a:rPr lang="en-GB" baseline="30000" dirty="0"/>
-              <a:t>th</a:t>
-            </a:r>
-            <a:endParaRPr lang="en-GB" dirty="0"/>
           </a:p>
           <a:p>
             <a:endParaRPr lang="en-GB" dirty="0"/>
@@ -19716,7 +14388,7 @@
           <a:p>
             <a:r>
               <a:rPr lang="en-GB" dirty="0"/>
-              <a:t>Most NTE workers do not work exclusively at night time</a:t>
+              <a:t>Most E&amp;N workers do not work exclusively evenings or nights</a:t>
             </a:r>
           </a:p>
         </p:txBody>
@@ -19734,12 +14406,14 @@
             <a:spLocks noGrp="1"/>
           </p:cNvSpPr>
           <p:nvPr>
-            <p:ph idx="1"/>
+            <p:ph sz="half" idx="1"/>
           </p:nvPr>
         </p:nvSpPr>
         <p:spPr/>
         <p:txBody>
-          <a:bodyPr/>
+          <a:bodyPr>
+            <a:normAutofit/>
+          </a:bodyPr>
           <a:lstStyle/>
           <a:p>
             <a:r>
@@ -19748,33 +14422,6 @@
             </a:r>
           </a:p>
           <a:p>
-            <a:r>
-              <a:rPr lang="en-GB" dirty="0"/>
-              <a:t>Among NTE workers in London in 2022: </a:t>
-            </a:r>
-          </a:p>
-          <a:p>
-            <a:pPr lvl="1"/>
-            <a:r>
-              <a:rPr lang="en-GB" dirty="0"/>
-              <a:t>57% usually worked both days and evenings;</a:t>
-            </a:r>
-          </a:p>
-          <a:p>
-            <a:pPr lvl="1"/>
-            <a:r>
-              <a:rPr lang="en-GB" dirty="0"/>
-              <a:t>32% usually worked days, evenings, and nights;</a:t>
-            </a:r>
-          </a:p>
-          <a:p>
-            <a:pPr lvl="1"/>
-            <a:r>
-              <a:rPr lang="en-GB" dirty="0"/>
-              <a:t>Only 11% exclusively worked a combination of evenings and nights</a:t>
-            </a:r>
-          </a:p>
-          <a:p>
             <a:pPr lvl="1"/>
             <a:endParaRPr lang="en-GB" dirty="0"/>
           </a:p>
@@ -19786,6 +14433,37 @@
           </a:p>
         </p:txBody>
       </p:sp>
+      <p:graphicFrame>
+        <p:nvGraphicFramePr>
+          <p:cNvPr id="5" name="Content Placeholder 4">
+            <a:extLst>
+              <a:ext uri="{FF2B5EF4-FFF2-40B4-BE49-F238E27FC236}">
+                <a16:creationId xmlns:a16="http://schemas.microsoft.com/office/drawing/2014/main" id="{22786D26-206D-40CE-9FB1-EAC6C1C589C8}"/>
+              </a:ext>
+            </a:extLst>
+          </p:cNvPr>
+          <p:cNvGraphicFramePr>
+            <a:graphicFrameLocks noGrp="1"/>
+          </p:cNvGraphicFramePr>
+          <p:nvPr>
+            <p:ph sz="half" idx="2"/>
+            <p:extLst>
+              <p:ext uri="{D42A27DB-BD31-4B8C-83A1-F6EECF244321}">
+                <p14:modId xmlns:p14="http://schemas.microsoft.com/office/powerpoint/2010/main" val="1193091176"/>
+              </p:ext>
+            </p:extLst>
+          </p:nvPr>
+        </p:nvGraphicFramePr>
+        <p:xfrm>
+          <a:off x="6172200" y="1825625"/>
+          <a:ext cx="5181600" cy="4351338"/>
+        </p:xfrm>
+        <a:graphic>
+          <a:graphicData uri="http://schemas.openxmlformats.org/drawingml/2006/chart">
+            <c:chart xmlns:c="http://schemas.openxmlformats.org/drawingml/2006/chart" xmlns:r="http://schemas.openxmlformats.org/officeDocument/2006/relationships" r:id="rId3"/>
+          </a:graphicData>
+        </a:graphic>
+      </p:graphicFrame>
     </p:spTree>
     <p:extLst>
       <p:ext uri="{BB962C8B-B14F-4D97-AF65-F5344CB8AC3E}">
@@ -20069,315 +14747,6 @@
           <p:cNvPr id="2" name="Title 1">
             <a:extLst>
               <a:ext uri="{FF2B5EF4-FFF2-40B4-BE49-F238E27FC236}">
-                <a16:creationId xmlns:a16="http://schemas.microsoft.com/office/drawing/2014/main" id="{3C058284-3CFF-4015-96E7-69DA19E1FFD7}"/>
-              </a:ext>
-            </a:extLst>
-          </p:cNvPr>
-          <p:cNvSpPr>
-            <a:spLocks noGrp="1"/>
-          </p:cNvSpPr>
-          <p:nvPr>
-            <p:ph type="title"/>
-          </p:nvPr>
-        </p:nvSpPr>
-        <p:spPr/>
-        <p:txBody>
-          <a:bodyPr>
-            <a:normAutofit/>
-          </a:bodyPr>
-          <a:lstStyle/>
-          <a:p>
-            <a:r>
-              <a:rPr lang="en-GB"/>
-              <a:t>Sector workforce changes were not always equal to changes in NTE workers</a:t>
-            </a:r>
-          </a:p>
-        </p:txBody>
-      </p:sp>
-      <p:sp>
-        <p:nvSpPr>
-          <p:cNvPr id="4" name="Content Placeholder 3">
-            <a:extLst>
-              <a:ext uri="{FF2B5EF4-FFF2-40B4-BE49-F238E27FC236}">
-                <a16:creationId xmlns:a16="http://schemas.microsoft.com/office/drawing/2014/main" id="{4FE9AC03-D1B9-4575-9871-CD34F629E1B9}"/>
-              </a:ext>
-            </a:extLst>
-          </p:cNvPr>
-          <p:cNvSpPr>
-            <a:spLocks noGrp="1"/>
-          </p:cNvSpPr>
-          <p:nvPr>
-            <p:ph sz="half" idx="2"/>
-          </p:nvPr>
-        </p:nvSpPr>
-        <p:spPr/>
-        <p:txBody>
-          <a:bodyPr>
-            <a:normAutofit fontScale="92500" lnSpcReduction="10000"/>
-          </a:bodyPr>
-          <a:lstStyle/>
-          <a:p>
-            <a:r>
-              <a:rPr lang="en-GB" dirty="0"/>
-              <a:t>Health saw increase in NTE workers but much larger fall in workers overall</a:t>
-            </a:r>
-          </a:p>
-          <a:p>
-            <a:r>
-              <a:rPr lang="en-GB" dirty="0"/>
-              <a:t>Info &amp; Comms did not experience NTE change though sector grew significantly</a:t>
-            </a:r>
-          </a:p>
-          <a:p>
-            <a:r>
-              <a:rPr lang="en-GB" dirty="0"/>
-              <a:t>Hospitality and Retail both saw lower decline in NTE than overall workers</a:t>
-            </a:r>
-          </a:p>
-          <a:p>
-            <a:r>
-              <a:rPr lang="en-GB" dirty="0"/>
-              <a:t>Professional instead saw fall in NTE but growth overall</a:t>
-            </a:r>
-          </a:p>
-        </p:txBody>
-      </p:sp>
-      <p:graphicFrame>
-        <p:nvGraphicFramePr>
-          <p:cNvPr id="10" name="Content Placeholder 9">
-            <a:extLst>
-              <a:ext uri="{FF2B5EF4-FFF2-40B4-BE49-F238E27FC236}">
-                <a16:creationId xmlns:a16="http://schemas.microsoft.com/office/drawing/2014/main" id="{9411C8FC-0916-4E48-83B2-CEA004E792D7}"/>
-              </a:ext>
-            </a:extLst>
-          </p:cNvPr>
-          <p:cNvGraphicFramePr>
-            <a:graphicFrameLocks noGrp="1"/>
-          </p:cNvGraphicFramePr>
-          <p:nvPr>
-            <p:ph sz="half" idx="1"/>
-            <p:extLst>
-              <p:ext uri="{D42A27DB-BD31-4B8C-83A1-F6EECF244321}">
-                <p14:modId xmlns:p14="http://schemas.microsoft.com/office/powerpoint/2010/main" val="3183982061"/>
-              </p:ext>
-            </p:extLst>
-          </p:nvPr>
-        </p:nvGraphicFramePr>
-        <p:xfrm>
-          <a:off x="838200" y="1825625"/>
-          <a:ext cx="5181600" cy="4351338"/>
-        </p:xfrm>
-        <a:graphic>
-          <a:graphicData uri="http://schemas.openxmlformats.org/drawingml/2006/chart">
-            <c:chart xmlns:c="http://schemas.openxmlformats.org/drawingml/2006/chart" xmlns:r="http://schemas.openxmlformats.org/officeDocument/2006/relationships" r:id="rId3"/>
-          </a:graphicData>
-        </a:graphic>
-      </p:graphicFrame>
-      <p:sp>
-        <p:nvSpPr>
-          <p:cNvPr id="5" name="TextBox 4">
-            <a:extLst>
-              <a:ext uri="{FF2B5EF4-FFF2-40B4-BE49-F238E27FC236}">
-                <a16:creationId xmlns:a16="http://schemas.microsoft.com/office/drawing/2014/main" id="{5468E8B5-D969-4925-9432-D28149F0E676}"/>
-              </a:ext>
-            </a:extLst>
-          </p:cNvPr>
-          <p:cNvSpPr txBox="1"/>
-          <p:nvPr/>
-        </p:nvSpPr>
-        <p:spPr>
-          <a:xfrm>
-            <a:off x="838200" y="6267450"/>
-            <a:ext cx="8553450" cy="261610"/>
-          </a:xfrm>
-          <a:prstGeom prst="rect">
-            <a:avLst/>
-          </a:prstGeom>
-          <a:noFill/>
-        </p:spPr>
-        <p:txBody>
-          <a:bodyPr wrap="square" rtlCol="0">
-            <a:spAutoFit/>
-          </a:bodyPr>
-          <a:lstStyle/>
-          <a:p>
-            <a:r>
-              <a:rPr lang="en-GB" sz="1100" i="1">
-                <a:solidFill>
-                  <a:schemeClr val="bg2"/>
-                </a:solidFill>
-              </a:rPr>
-              <a:t>Source: Labour Force Survey Apr-Jun 2015-2022, UK Data Service.</a:t>
-            </a:r>
-          </a:p>
-        </p:txBody>
-      </p:sp>
-    </p:spTree>
-    <p:extLst>
-      <p:ext uri="{BB962C8B-B14F-4D97-AF65-F5344CB8AC3E}">
-        <p14:creationId xmlns:p14="http://schemas.microsoft.com/office/powerpoint/2010/main" val="933122035"/>
-      </p:ext>
-    </p:extLst>
-  </p:cSld>
-  <p:clrMapOvr>
-    <a:masterClrMapping/>
-  </p:clrMapOvr>
-</p:sld>
-</file>
-
-<file path=ppt/slides/slide8.xml><?xml version="1.0" encoding="utf-8"?>
-<p:sld xmlns:a="http://schemas.openxmlformats.org/drawingml/2006/main" xmlns:r="http://schemas.openxmlformats.org/officeDocument/2006/relationships" xmlns:p="http://schemas.openxmlformats.org/presentationml/2006/main">
-  <p:cSld>
-    <p:spTree>
-      <p:nvGrpSpPr>
-        <p:cNvPr id="1" name=""/>
-        <p:cNvGrpSpPr/>
-        <p:nvPr/>
-      </p:nvGrpSpPr>
-      <p:grpSpPr>
-        <a:xfrm>
-          <a:off x="0" y="0"/>
-          <a:ext cx="0" cy="0"/>
-          <a:chOff x="0" y="0"/>
-          <a:chExt cx="0" cy="0"/>
-        </a:xfrm>
-      </p:grpSpPr>
-      <p:sp>
-        <p:nvSpPr>
-          <p:cNvPr id="2" name="Title 1">
-            <a:extLst>
-              <a:ext uri="{FF2B5EF4-FFF2-40B4-BE49-F238E27FC236}">
-                <a16:creationId xmlns:a16="http://schemas.microsoft.com/office/drawing/2014/main" id="{206989E3-D81C-4FCC-B9A9-0719837AD440}"/>
-              </a:ext>
-            </a:extLst>
-          </p:cNvPr>
-          <p:cNvSpPr>
-            <a:spLocks noGrp="1"/>
-          </p:cNvSpPr>
-          <p:nvPr>
-            <p:ph type="title"/>
-          </p:nvPr>
-        </p:nvSpPr>
-        <p:spPr/>
-        <p:txBody>
-          <a:bodyPr/>
-          <a:lstStyle/>
-          <a:p>
-            <a:r>
-              <a:rPr lang="en-GB" dirty="0"/>
-              <a:t>Decline in NTE workers in Hospitality and Retail follow overall workforce decrease</a:t>
-            </a:r>
-          </a:p>
-        </p:txBody>
-      </p:sp>
-      <p:sp>
-        <p:nvSpPr>
-          <p:cNvPr id="4" name="Content Placeholder 3">
-            <a:extLst>
-              <a:ext uri="{FF2B5EF4-FFF2-40B4-BE49-F238E27FC236}">
-                <a16:creationId xmlns:a16="http://schemas.microsoft.com/office/drawing/2014/main" id="{5355BDF4-2A3C-407D-89C1-1B54A09C5072}"/>
-              </a:ext>
-            </a:extLst>
-          </p:cNvPr>
-          <p:cNvSpPr>
-            <a:spLocks noGrp="1"/>
-          </p:cNvSpPr>
-          <p:nvPr>
-            <p:ph sz="half" idx="2"/>
-          </p:nvPr>
-        </p:nvSpPr>
-        <p:spPr/>
-        <p:txBody>
-          <a:bodyPr>
-            <a:normAutofit/>
-          </a:bodyPr>
-          <a:lstStyle/>
-          <a:p>
-            <a:r>
-              <a:rPr lang="en-GB" sz="2600" dirty="0"/>
-              <a:t>Both Hospitality and Retail saw falls in both total and NTE workforce</a:t>
-            </a:r>
-          </a:p>
-          <a:p>
-            <a:r>
-              <a:rPr lang="en-GB" sz="2600" dirty="0"/>
-              <a:t>Retail has seen drop in share of workers in NTE, especially from 2021 (from 34% to 25%)</a:t>
-            </a:r>
-          </a:p>
-          <a:p>
-            <a:r>
-              <a:rPr lang="en-GB" sz="2600" dirty="0"/>
-              <a:t>Hospitality seen less change from 2017 to 2022 (from 57% to 54%), though fluctuating in 2020-2021</a:t>
-            </a:r>
-          </a:p>
-        </p:txBody>
-      </p:sp>
-      <p:graphicFrame>
-        <p:nvGraphicFramePr>
-          <p:cNvPr id="5" name="Content Placeholder 4">
-            <a:extLst>
-              <a:ext uri="{FF2B5EF4-FFF2-40B4-BE49-F238E27FC236}">
-                <a16:creationId xmlns:a16="http://schemas.microsoft.com/office/drawing/2014/main" id="{72363BF4-EEFB-4325-8FEE-80B16FB6FFF5}"/>
-              </a:ext>
-            </a:extLst>
-          </p:cNvPr>
-          <p:cNvGraphicFramePr>
-            <a:graphicFrameLocks noGrp="1"/>
-          </p:cNvGraphicFramePr>
-          <p:nvPr>
-            <p:ph sz="half" idx="1"/>
-            <p:extLst>
-              <p:ext uri="{D42A27DB-BD31-4B8C-83A1-F6EECF244321}">
-                <p14:modId xmlns:p14="http://schemas.microsoft.com/office/powerpoint/2010/main" val="2544907473"/>
-              </p:ext>
-            </p:extLst>
-          </p:nvPr>
-        </p:nvGraphicFramePr>
-        <p:xfrm>
-          <a:off x="838200" y="1825625"/>
-          <a:ext cx="5181600" cy="4351338"/>
-        </p:xfrm>
-        <a:graphic>
-          <a:graphicData uri="http://schemas.openxmlformats.org/drawingml/2006/chart">
-            <c:chart xmlns:c="http://schemas.openxmlformats.org/drawingml/2006/chart" xmlns:r="http://schemas.openxmlformats.org/officeDocument/2006/relationships" r:id="rId3"/>
-          </a:graphicData>
-        </a:graphic>
-      </p:graphicFrame>
-    </p:spTree>
-    <p:extLst>
-      <p:ext uri="{BB962C8B-B14F-4D97-AF65-F5344CB8AC3E}">
-        <p14:creationId xmlns:p14="http://schemas.microsoft.com/office/powerpoint/2010/main" val="1389166271"/>
-      </p:ext>
-    </p:extLst>
-  </p:cSld>
-  <p:clrMapOvr>
-    <a:masterClrMapping/>
-  </p:clrMapOvr>
-</p:sld>
-</file>
-
-<file path=ppt/slides/slide9.xml><?xml version="1.0" encoding="utf-8"?>
-<p:sld xmlns:a="http://schemas.openxmlformats.org/drawingml/2006/main" xmlns:r="http://schemas.openxmlformats.org/officeDocument/2006/relationships" xmlns:p="http://schemas.openxmlformats.org/presentationml/2006/main">
-  <p:cSld>
-    <p:spTree>
-      <p:nvGrpSpPr>
-        <p:cNvPr id="1" name=""/>
-        <p:cNvGrpSpPr/>
-        <p:nvPr/>
-      </p:nvGrpSpPr>
-      <p:grpSpPr>
-        <a:xfrm>
-          <a:off x="0" y="0"/>
-          <a:ext cx="0" cy="0"/>
-          <a:chOff x="0" y="0"/>
-          <a:chExt cx="0" cy="0"/>
-        </a:xfrm>
-      </p:grpSpPr>
-      <p:sp>
-        <p:nvSpPr>
-          <p:cNvPr id="2" name="Title 1">
-            <a:extLst>
-              <a:ext uri="{FF2B5EF4-FFF2-40B4-BE49-F238E27FC236}">
                 <a16:creationId xmlns:a16="http://schemas.microsoft.com/office/drawing/2014/main" id="{7389FEF0-0074-40CE-8B82-EF6E4FB74860}"/>
               </a:ext>
             </a:extLst>
@@ -20516,6 +14885,167 @@
     <p:extLst>
       <p:ext uri="{BB962C8B-B14F-4D97-AF65-F5344CB8AC3E}">
         <p14:creationId xmlns:p14="http://schemas.microsoft.com/office/powerpoint/2010/main" val="24189730"/>
+      </p:ext>
+    </p:extLst>
+  </p:cSld>
+  <p:clrMapOvr>
+    <a:masterClrMapping/>
+  </p:clrMapOvr>
+</p:sld>
+</file>
+
+<file path=ppt/slides/slide8.xml><?xml version="1.0" encoding="utf-8"?>
+<p:sld xmlns:a="http://schemas.openxmlformats.org/drawingml/2006/main" xmlns:r="http://schemas.openxmlformats.org/officeDocument/2006/relationships" xmlns:p="http://schemas.openxmlformats.org/presentationml/2006/main">
+  <p:cSld>
+    <p:spTree>
+      <p:nvGrpSpPr>
+        <p:cNvPr id="1" name=""/>
+        <p:cNvGrpSpPr/>
+        <p:nvPr/>
+      </p:nvGrpSpPr>
+      <p:grpSpPr>
+        <a:xfrm>
+          <a:off x="0" y="0"/>
+          <a:ext cx="0" cy="0"/>
+          <a:chOff x="0" y="0"/>
+          <a:chExt cx="0" cy="0"/>
+        </a:xfrm>
+      </p:grpSpPr>
+      <p:sp>
+        <p:nvSpPr>
+          <p:cNvPr id="6" name="Title 5">
+            <a:extLst>
+              <a:ext uri="{FF2B5EF4-FFF2-40B4-BE49-F238E27FC236}">
+                <a16:creationId xmlns:a16="http://schemas.microsoft.com/office/drawing/2014/main" id="{4A738471-722F-4D3A-B04B-5FD494B9EB72}"/>
+              </a:ext>
+            </a:extLst>
+          </p:cNvPr>
+          <p:cNvSpPr>
+            <a:spLocks noGrp="1"/>
+          </p:cNvSpPr>
+          <p:nvPr>
+            <p:ph type="title"/>
+          </p:nvPr>
+        </p:nvSpPr>
+        <p:spPr/>
+        <p:txBody>
+          <a:bodyPr/>
+          <a:lstStyle/>
+          <a:p>
+            <a:r>
+              <a:rPr lang="en-GB" dirty="0"/>
+              <a:t>More than a third of survey respondents work in Night Time Economy</a:t>
+            </a:r>
+          </a:p>
+        </p:txBody>
+      </p:sp>
+      <p:sp>
+        <p:nvSpPr>
+          <p:cNvPr id="4" name="Content Placeholder 3">
+            <a:extLst>
+              <a:ext uri="{FF2B5EF4-FFF2-40B4-BE49-F238E27FC236}">
+                <a16:creationId xmlns:a16="http://schemas.microsoft.com/office/drawing/2014/main" id="{90094C3F-47D3-4640-BB11-9D132B8C3C53}"/>
+              </a:ext>
+            </a:extLst>
+          </p:cNvPr>
+          <p:cNvSpPr>
+            <a:spLocks noGrp="1"/>
+          </p:cNvSpPr>
+          <p:nvPr>
+            <p:ph idx="1"/>
+          </p:nvPr>
+        </p:nvSpPr>
+        <p:spPr/>
+        <p:txBody>
+          <a:bodyPr>
+            <a:normAutofit fontScale="92500"/>
+          </a:bodyPr>
+          <a:lstStyle/>
+          <a:p>
+            <a:r>
+              <a:rPr lang="en-GB" sz="3200" dirty="0"/>
+              <a:t>Most NTE workers (55%) work less than half their hours in NTE</a:t>
+            </a:r>
+          </a:p>
+          <a:p>
+            <a:pPr lvl="1"/>
+            <a:r>
+              <a:rPr lang="en-GB" sz="2800" dirty="0"/>
+              <a:t>While 51% of NTE workers do early evenings (6-9PM) at least once a week, around 26% work past midnight that often</a:t>
+            </a:r>
+          </a:p>
+          <a:p>
+            <a:pPr marL="457200" lvl="1" indent="0">
+              <a:buNone/>
+            </a:pPr>
+            <a:endParaRPr lang="en-GB" sz="2800" dirty="0"/>
+          </a:p>
+          <a:p>
+            <a:r>
+              <a:rPr lang="en-GB" sz="3200" dirty="0"/>
+              <a:t>53% of NTE workers mostly do so from home</a:t>
+            </a:r>
+          </a:p>
+          <a:p>
+            <a:pPr marL="0" indent="0">
+              <a:buNone/>
+            </a:pPr>
+            <a:endParaRPr lang="en-GB" sz="3200" dirty="0"/>
+          </a:p>
+          <a:p>
+            <a:r>
+              <a:rPr lang="en-GB" sz="3200" dirty="0"/>
+              <a:t>Almost half of NTE workers like working nights* and 34% believe their experience has improved since the pandemic</a:t>
+            </a:r>
+          </a:p>
+          <a:p>
+            <a:endParaRPr lang="en-GB" sz="3200" dirty="0"/>
+          </a:p>
+        </p:txBody>
+      </p:sp>
+      <p:sp>
+        <p:nvSpPr>
+          <p:cNvPr id="5" name="TextBox 4">
+            <a:extLst>
+              <a:ext uri="{FF2B5EF4-FFF2-40B4-BE49-F238E27FC236}">
+                <a16:creationId xmlns:a16="http://schemas.microsoft.com/office/drawing/2014/main" id="{C6A3F50C-A361-470C-9717-E3E264C69367}"/>
+              </a:ext>
+            </a:extLst>
+          </p:cNvPr>
+          <p:cNvSpPr txBox="1"/>
+          <p:nvPr/>
+        </p:nvSpPr>
+        <p:spPr>
+          <a:xfrm>
+            <a:off x="838200" y="6267450"/>
+            <a:ext cx="8553450" cy="261610"/>
+          </a:xfrm>
+          <a:prstGeom prst="rect">
+            <a:avLst/>
+          </a:prstGeom>
+          <a:noFill/>
+        </p:spPr>
+        <p:txBody>
+          <a:bodyPr wrap="square" rtlCol="0">
+            <a:spAutoFit/>
+          </a:bodyPr>
+          <a:lstStyle/>
+          <a:p>
+            <a:r>
+              <a:rPr lang="en-GB" sz="1100" i="1">
+                <a:solidFill>
+                  <a:schemeClr val="bg2"/>
+                </a:solidFill>
+              </a:rPr>
+              <a:t>Source: Redfield and Wilton Strategies, survey commissioned by GLA.</a:t>
+            </a:r>
+          </a:p>
+        </p:txBody>
+      </p:sp>
+    </p:spTree>
+    <p:extLst>
+      <p:ext uri="{BB962C8B-B14F-4D97-AF65-F5344CB8AC3E}">
+        <p14:creationId xmlns:p14="http://schemas.microsoft.com/office/powerpoint/2010/main" val="2354753383"/>
       </p:ext>
     </p:extLst>
   </p:cSld>
@@ -21116,6 +15646,15 @@
 </file>
 
 <file path=customXml/item1.xml><?xml version="1.0" encoding="utf-8"?>
+<?mso-contentType ?>
+<FormTemplates xmlns="http://schemas.microsoft.com/sharepoint/v3/contenttype/forms">
+  <Display>DocumentLibraryForm</Display>
+  <Edit>DocumentLibraryForm</Edit>
+  <New>DocumentLibraryForm</New>
+</FormTemplates>
+</file>
+
+<file path=customXml/item2.xml><?xml version="1.0" encoding="utf-8"?>
 <p:properties xmlns:p="http://schemas.microsoft.com/office/2006/metadata/properties" xmlns:xsi="http://www.w3.org/2001/XMLSchema-instance" xmlns:pc="http://schemas.microsoft.com/office/infopath/2007/PartnerControls">
   <documentManagement>
     <lcf76f155ced4ddcb4097134ff3c332f xmlns="7fc9ebc1-6786-4aad-aee1-fdcde6e01ff9">
@@ -21124,15 +15663,6 @@
     <TaxCatchAll xmlns="fd7425d0-09b7-49b7-b351-1ad2162dc0d7" xsi:nil="true"/>
   </documentManagement>
 </p:properties>
-</file>
-
-<file path=customXml/item2.xml><?xml version="1.0" encoding="utf-8"?>
-<?mso-contentType ?>
-<FormTemplates xmlns="http://schemas.microsoft.com/sharepoint/v3/contenttype/forms">
-  <Display>DocumentLibraryForm</Display>
-  <Edit>DocumentLibraryForm</Edit>
-  <New>DocumentLibraryForm</New>
-</FormTemplates>
 </file>
 
 <file path=customXml/item3.xml><?xml version="1.0" encoding="utf-8"?>
@@ -21373,20 +15903,20 @@
 </file>
 
 <file path=customXml/itemProps1.xml><?xml version="1.0" encoding="utf-8"?>
+<ds:datastoreItem xmlns:ds="http://schemas.openxmlformats.org/officeDocument/2006/customXml" ds:itemID="{347FFC60-E0E8-42D1-9FE3-814F082879C3}">
+  <ds:schemaRefs>
+    <ds:schemaRef ds:uri="http://schemas.microsoft.com/sharepoint/v3/contenttype/forms"/>
+  </ds:schemaRefs>
+</ds:datastoreItem>
+</file>
+
+<file path=customXml/itemProps2.xml><?xml version="1.0" encoding="utf-8"?>
 <ds:datastoreItem xmlns:ds="http://schemas.openxmlformats.org/officeDocument/2006/customXml" ds:itemID="{CC45FBEE-25CF-4B8B-8790-829A60393ACC}">
   <ds:schemaRefs>
     <ds:schemaRef ds:uri="7fc9ebc1-6786-4aad-aee1-fdcde6e01ff9"/>
     <ds:schemaRef ds:uri="fd7425d0-09b7-49b7-b351-1ad2162dc0d7"/>
     <ds:schemaRef ds:uri="http://schemas.microsoft.com/office/2006/metadata/properties"/>
     <ds:schemaRef ds:uri="http://schemas.microsoft.com/office/infopath/2007/PartnerControls"/>
-  </ds:schemaRefs>
-</ds:datastoreItem>
-</file>
-
-<file path=customXml/itemProps2.xml><?xml version="1.0" encoding="utf-8"?>
-<ds:datastoreItem xmlns:ds="http://schemas.openxmlformats.org/officeDocument/2006/customXml" ds:itemID="{347FFC60-E0E8-42D1-9FE3-814F082879C3}">
-  <ds:schemaRefs>
-    <ds:schemaRef ds:uri="http://schemas.microsoft.com/sharepoint/v3/contenttype/forms"/>
   </ds:schemaRefs>
 </ds:datastoreItem>
 </file>

--- a/Non-R/NTE Presentation, GLAE (DRAFT).pptx
+++ b/Non-R/NTE Presentation, GLAE (DRAFT).pptx
@@ -5,17 +5,15 @@
     <p:sldMasterId id="2147483650" r:id="rId4"/>
   </p:sldMasterIdLst>
   <p:notesMasterIdLst>
-    <p:notesMasterId r:id="rId13"/>
+    <p:notesMasterId r:id="rId11"/>
   </p:notesMasterIdLst>
   <p:sldIdLst>
     <p:sldId id="256" r:id="rId5"/>
     <p:sldId id="267" r:id="rId6"/>
     <p:sldId id="257" r:id="rId7"/>
-    <p:sldId id="258" r:id="rId8"/>
-    <p:sldId id="268" r:id="rId9"/>
-    <p:sldId id="259" r:id="rId10"/>
-    <p:sldId id="260" r:id="rId11"/>
-    <p:sldId id="261" r:id="rId12"/>
+    <p:sldId id="268" r:id="rId8"/>
+    <p:sldId id="259" r:id="rId9"/>
+    <p:sldId id="260" r:id="rId10"/>
   </p:sldIdLst>
   <p:sldSz cx="12192000" cy="6858000"/>
   <p:notesSz cx="6858000" cy="9144000"/>
@@ -137,7 +135,7 @@
 <file path=ppt/revisionInfo.xml><?xml version="1.0" encoding="utf-8"?>
 <p1510:revInfo xmlns:a="http://schemas.openxmlformats.org/drawingml/2006/main" xmlns:r="http://schemas.openxmlformats.org/officeDocument/2006/relationships" xmlns:p1510="http://schemas.microsoft.com/office/powerpoint/2015/10/main">
   <p1510:revLst>
-    <p1510:client id="{540EEA64-C51A-4621-A832-21F1BC562D6D}" v="3512" dt="2023-01-11T16:25:47.810"/>
+    <p1510:client id="{540EEA64-C51A-4621-A832-21F1BC562D6D}" v="3605" dt="2023-01-12T16:52:29.015"/>
   </p1510:revLst>
 </p1510:revInfo>
 </file>
@@ -147,7 +145,7 @@
   <pc:docChgLst>
     <pc:chgData name="Ammar Ljubijankic" userId="a00b5204-d72f-418c-8b5e-7555aa3641ec" providerId="ADAL" clId="{540EEA64-C51A-4621-A832-21F1BC562D6D}"/>
     <pc:docChg chg="undo custSel addSld delSld modSld sldOrd">
-      <pc:chgData name="Ammar Ljubijankic" userId="a00b5204-d72f-418c-8b5e-7555aa3641ec" providerId="ADAL" clId="{540EEA64-C51A-4621-A832-21F1BC562D6D}" dt="2023-01-11T16:32:19.663" v="12248" actId="27918"/>
+      <pc:chgData name="Ammar Ljubijankic" userId="a00b5204-d72f-418c-8b5e-7555aa3641ec" providerId="ADAL" clId="{540EEA64-C51A-4621-A832-21F1BC562D6D}" dt="2023-01-12T17:10:41.226" v="13857" actId="27918"/>
       <pc:docMkLst>
         <pc:docMk/>
       </pc:docMkLst>
@@ -175,13 +173,13 @@
         </pc:spChg>
       </pc:sldChg>
       <pc:sldChg chg="addSp delSp modSp new mod modClrScheme chgLayout modNotesTx">
-        <pc:chgData name="Ammar Ljubijankic" userId="a00b5204-d72f-418c-8b5e-7555aa3641ec" providerId="ADAL" clId="{540EEA64-C51A-4621-A832-21F1BC562D6D}" dt="2023-01-11T13:52:38.956" v="11696" actId="12"/>
+        <pc:chgData name="Ammar Ljubijankic" userId="a00b5204-d72f-418c-8b5e-7555aa3641ec" providerId="ADAL" clId="{540EEA64-C51A-4621-A832-21F1BC562D6D}" dt="2023-01-12T14:25:39.831" v="13752" actId="27918"/>
         <pc:sldMkLst>
           <pc:docMk/>
           <pc:sldMk cId="1081200937" sldId="257"/>
         </pc:sldMkLst>
         <pc:spChg chg="mod ord">
-          <ac:chgData name="Ammar Ljubijankic" userId="a00b5204-d72f-418c-8b5e-7555aa3641ec" providerId="ADAL" clId="{540EEA64-C51A-4621-A832-21F1BC562D6D}" dt="2023-01-09T14:41:33.118" v="10942" actId="20577"/>
+          <ac:chgData name="Ammar Ljubijankic" userId="a00b5204-d72f-418c-8b5e-7555aa3641ec" providerId="ADAL" clId="{540EEA64-C51A-4621-A832-21F1BC562D6D}" dt="2023-01-12T12:25:52.199" v="12285" actId="20577"/>
           <ac:spMkLst>
             <pc:docMk/>
             <pc:sldMk cId="1081200937" sldId="257"/>
@@ -204,17 +202,33 @@
             <ac:spMk id="3" creationId="{F90C6494-F2C1-4D23-B4BC-9AD061E58CDF}"/>
           </ac:spMkLst>
         </pc:spChg>
-        <pc:graphicFrameChg chg="add mod ord">
-          <ac:chgData name="Ammar Ljubijankic" userId="a00b5204-d72f-418c-8b5e-7555aa3641ec" providerId="ADAL" clId="{540EEA64-C51A-4621-A832-21F1BC562D6D}" dt="2022-12-22T13:04:08.077" v="67"/>
+        <pc:spChg chg="add del mod">
+          <ac:chgData name="Ammar Ljubijankic" userId="a00b5204-d72f-418c-8b5e-7555aa3641ec" providerId="ADAL" clId="{540EEA64-C51A-4621-A832-21F1BC562D6D}" dt="2023-01-12T12:25:05.233" v="12258"/>
+          <ac:spMkLst>
+            <pc:docMk/>
+            <pc:sldMk cId="1081200937" sldId="257"/>
+            <ac:spMk id="6" creationId="{DE7F4A01-47C7-44B9-9A52-B227FDB8D62D}"/>
+          </ac:spMkLst>
+        </pc:spChg>
+        <pc:graphicFrameChg chg="add del mod ord">
+          <ac:chgData name="Ammar Ljubijankic" userId="a00b5204-d72f-418c-8b5e-7555aa3641ec" providerId="ADAL" clId="{540EEA64-C51A-4621-A832-21F1BC562D6D}" dt="2023-01-12T12:25:03.895" v="12256" actId="478"/>
           <ac:graphicFrameMkLst>
             <pc:docMk/>
             <pc:sldMk cId="1081200937" sldId="257"/>
             <ac:graphicFrameMk id="4" creationId="{C8A8581A-FD78-4971-B4E3-A35AACC2C6FC}"/>
           </ac:graphicFrameMkLst>
         </pc:graphicFrameChg>
+        <pc:graphicFrameChg chg="add mod">
+          <ac:chgData name="Ammar Ljubijankic" userId="a00b5204-d72f-418c-8b5e-7555aa3641ec" providerId="ADAL" clId="{540EEA64-C51A-4621-A832-21F1BC562D6D}" dt="2023-01-12T12:25:34.747" v="12277" actId="403"/>
+          <ac:graphicFrameMkLst>
+            <pc:docMk/>
+            <pc:sldMk cId="1081200937" sldId="257"/>
+            <ac:graphicFrameMk id="7" creationId="{C8A8581A-FD78-4971-B4E3-A35AACC2C6FC}"/>
+          </ac:graphicFrameMkLst>
+        </pc:graphicFrameChg>
       </pc:sldChg>
-      <pc:sldChg chg="addSp delSp modSp new mod modNotesTx">
-        <pc:chgData name="Ammar Ljubijankic" userId="a00b5204-d72f-418c-8b5e-7555aa3641ec" providerId="ADAL" clId="{540EEA64-C51A-4621-A832-21F1BC562D6D}" dt="2023-01-11T13:53:13.426" v="11706" actId="20577"/>
+      <pc:sldChg chg="addSp delSp modSp new del mod modNotesTx">
+        <pc:chgData name="Ammar Ljubijankic" userId="a00b5204-d72f-418c-8b5e-7555aa3641ec" providerId="ADAL" clId="{540EEA64-C51A-4621-A832-21F1BC562D6D}" dt="2023-01-12T12:26:59.997" v="12288" actId="47"/>
         <pc:sldMkLst>
           <pc:docMk/>
           <pc:sldMk cId="1939810192" sldId="258"/>
@@ -277,7 +291,7 @@
         </pc:graphicFrameChg>
       </pc:sldChg>
       <pc:sldChg chg="addSp delSp modSp new mod modClrScheme chgLayout modNotesTx">
-        <pc:chgData name="Ammar Ljubijankic" userId="a00b5204-d72f-418c-8b5e-7555aa3641ec" providerId="ADAL" clId="{540EEA64-C51A-4621-A832-21F1BC562D6D}" dt="2023-01-11T14:00:39.927" v="11906" actId="403"/>
+        <pc:chgData name="Ammar Ljubijankic" userId="a00b5204-d72f-418c-8b5e-7555aa3641ec" providerId="ADAL" clId="{540EEA64-C51A-4621-A832-21F1BC562D6D}" dt="2023-01-12T15:33:41.828" v="13785" actId="20577"/>
         <pc:sldMkLst>
           <pc:docMk/>
           <pc:sldMk cId="3136133071" sldId="259"/>
@@ -314,8 +328,16 @@
             <ac:spMk id="4" creationId="{0B4270E1-9D1D-43F3-9FE0-FD4CC11E4C2A}"/>
           </ac:spMkLst>
         </pc:spChg>
+        <pc:spChg chg="add del mod">
+          <ac:chgData name="Ammar Ljubijankic" userId="a00b5204-d72f-418c-8b5e-7555aa3641ec" providerId="ADAL" clId="{540EEA64-C51A-4621-A832-21F1BC562D6D}" dt="2023-01-12T14:06:07.864" v="13644"/>
+          <ac:spMkLst>
+            <pc:docMk/>
+            <pc:sldMk cId="3136133071" sldId="259"/>
+            <ac:spMk id="4" creationId="{9DFDFC6C-E3D6-4976-A93C-51C6FC5D61EB}"/>
+          </ac:spMkLst>
+        </pc:spChg>
         <pc:spChg chg="add mod ord">
-          <ac:chgData name="Ammar Ljubijankic" userId="a00b5204-d72f-418c-8b5e-7555aa3641ec" providerId="ADAL" clId="{540EEA64-C51A-4621-A832-21F1BC562D6D}" dt="2023-01-06T13:31:13.126" v="7756" actId="27636"/>
+          <ac:chgData name="Ammar Ljubijankic" userId="a00b5204-d72f-418c-8b5e-7555aa3641ec" providerId="ADAL" clId="{540EEA64-C51A-4621-A832-21F1BC562D6D}" dt="2023-01-12T15:33:41.828" v="13785" actId="20577"/>
           <ac:spMkLst>
             <pc:docMk/>
             <pc:sldMk cId="3136133071" sldId="259"/>
@@ -328,6 +350,14 @@
             <pc:docMk/>
             <pc:sldMk cId="3136133071" sldId="259"/>
             <ac:spMk id="6" creationId="{49A122BF-92D8-4424-9EF8-1C0BA64B4830}"/>
+          </ac:spMkLst>
+        </pc:spChg>
+        <pc:spChg chg="add del mod">
+          <ac:chgData name="Ammar Ljubijankic" userId="a00b5204-d72f-418c-8b5e-7555aa3641ec" providerId="ADAL" clId="{540EEA64-C51A-4621-A832-21F1BC562D6D}" dt="2023-01-12T14:07:12.251" v="13661"/>
+          <ac:spMkLst>
+            <pc:docMk/>
+            <pc:sldMk cId="3136133071" sldId="259"/>
+            <ac:spMk id="10" creationId="{D42596CA-A3DE-4BF9-88D3-070008443C41}"/>
           </ac:spMkLst>
         </pc:spChg>
         <pc:graphicFrameChg chg="add mod">
@@ -354,31 +384,39 @@
             <ac:graphicFrameMk id="8" creationId="{A7A82BCE-B429-4175-B015-69E3DEB044F0}"/>
           </ac:graphicFrameMkLst>
         </pc:graphicFrameChg>
-        <pc:graphicFrameChg chg="add mod">
-          <ac:chgData name="Ammar Ljubijankic" userId="a00b5204-d72f-418c-8b5e-7555aa3641ec" providerId="ADAL" clId="{540EEA64-C51A-4621-A832-21F1BC562D6D}" dt="2022-12-23T13:25:13.778" v="3112"/>
+        <pc:graphicFrameChg chg="add del mod">
+          <ac:chgData name="Ammar Ljubijankic" userId="a00b5204-d72f-418c-8b5e-7555aa3641ec" providerId="ADAL" clId="{540EEA64-C51A-4621-A832-21F1BC562D6D}" dt="2023-01-12T14:07:10.963" v="13659" actId="478"/>
           <ac:graphicFrameMkLst>
             <pc:docMk/>
             <pc:sldMk cId="3136133071" sldId="259"/>
             <ac:graphicFrameMk id="8" creationId="{DE3293CF-E542-46A0-8059-1CB8F5360B80}"/>
           </ac:graphicFrameMkLst>
         </pc:graphicFrameChg>
-        <pc:graphicFrameChg chg="add mod">
-          <ac:chgData name="Ammar Ljubijankic" userId="a00b5204-d72f-418c-8b5e-7555aa3641ec" providerId="ADAL" clId="{540EEA64-C51A-4621-A832-21F1BC562D6D}" dt="2023-01-11T14:00:39.927" v="11906" actId="403"/>
+        <pc:graphicFrameChg chg="add del mod">
+          <ac:chgData name="Ammar Ljubijankic" userId="a00b5204-d72f-418c-8b5e-7555aa3641ec" providerId="ADAL" clId="{540EEA64-C51A-4621-A832-21F1BC562D6D}" dt="2023-01-12T14:06:05.207" v="13642" actId="478"/>
           <ac:graphicFrameMkLst>
             <pc:docMk/>
             <pc:sldMk cId="3136133071" sldId="259"/>
             <ac:graphicFrameMk id="9" creationId="{DE3293CF-E542-46A0-8059-1CB8F5360B80}"/>
           </ac:graphicFrameMkLst>
         </pc:graphicFrameChg>
+        <pc:graphicFrameChg chg="add mod">
+          <ac:chgData name="Ammar Ljubijankic" userId="a00b5204-d72f-418c-8b5e-7555aa3641ec" providerId="ADAL" clId="{540EEA64-C51A-4621-A832-21F1BC562D6D}" dt="2023-01-12T14:21:31.224" v="13697" actId="20577"/>
+          <ac:graphicFrameMkLst>
+            <pc:docMk/>
+            <pc:sldMk cId="3136133071" sldId="259"/>
+            <ac:graphicFrameMk id="11" creationId="{DE3293CF-E542-46A0-8059-1CB8F5360B80}"/>
+          </ac:graphicFrameMkLst>
+        </pc:graphicFrameChg>
       </pc:sldChg>
       <pc:sldChg chg="addSp delSp modSp add mod">
-        <pc:chgData name="Ammar Ljubijankic" userId="a00b5204-d72f-418c-8b5e-7555aa3641ec" providerId="ADAL" clId="{540EEA64-C51A-4621-A832-21F1BC562D6D}" dt="2023-01-11T13:58:02.238" v="11770" actId="20577"/>
+        <pc:chgData name="Ammar Ljubijankic" userId="a00b5204-d72f-418c-8b5e-7555aa3641ec" providerId="ADAL" clId="{540EEA64-C51A-4621-A832-21F1BC562D6D}" dt="2023-01-12T14:47:52.171" v="13759" actId="27918"/>
         <pc:sldMkLst>
           <pc:docMk/>
           <pc:sldMk cId="24189730" sldId="260"/>
         </pc:sldMkLst>
         <pc:spChg chg="mod">
-          <ac:chgData name="Ammar Ljubijankic" userId="a00b5204-d72f-418c-8b5e-7555aa3641ec" providerId="ADAL" clId="{540EEA64-C51A-4621-A832-21F1BC562D6D}" dt="2022-12-22T15:50:16.199" v="1776" actId="20577"/>
+          <ac:chgData name="Ammar Ljubijankic" userId="a00b5204-d72f-418c-8b5e-7555aa3641ec" providerId="ADAL" clId="{540EEA64-C51A-4621-A832-21F1BC562D6D}" dt="2023-01-12T14:22:55.304" v="13751" actId="20577"/>
           <ac:spMkLst>
             <pc:docMk/>
             <pc:sldMk cId="24189730" sldId="260"/>
@@ -391,6 +429,14 @@
             <pc:docMk/>
             <pc:sldMk cId="24189730" sldId="260"/>
             <ac:spMk id="4" creationId="{29064483-6E3A-4962-82DC-E74F4C2FA49D}"/>
+          </ac:spMkLst>
+        </pc:spChg>
+        <pc:spChg chg="add del mod">
+          <ac:chgData name="Ammar Ljubijankic" userId="a00b5204-d72f-418c-8b5e-7555aa3641ec" providerId="ADAL" clId="{540EEA64-C51A-4621-A832-21F1BC562D6D}" dt="2023-01-12T14:21:02.856" v="13673"/>
+          <ac:spMkLst>
+            <pc:docMk/>
+            <pc:sldMk cId="24189730" sldId="260"/>
+            <ac:spMk id="4" creationId="{7916867F-4AF1-4529-9E0E-08A81A278ED8}"/>
           </ac:spMkLst>
         </pc:spChg>
         <pc:spChg chg="mod">
@@ -417,17 +463,25 @@
             <ac:graphicFrameMk id="7" creationId="{DE3293CF-E542-46A0-8059-1CB8F5360B80}"/>
           </ac:graphicFrameMkLst>
         </pc:graphicFrameChg>
-        <pc:graphicFrameChg chg="add mod">
-          <ac:chgData name="Ammar Ljubijankic" userId="a00b5204-d72f-418c-8b5e-7555aa3641ec" providerId="ADAL" clId="{540EEA64-C51A-4621-A832-21F1BC562D6D}" dt="2023-01-11T13:57:41.058" v="11750" actId="403"/>
+        <pc:graphicFrameChg chg="add del mod">
+          <ac:chgData name="Ammar Ljubijankic" userId="a00b5204-d72f-418c-8b5e-7555aa3641ec" providerId="ADAL" clId="{540EEA64-C51A-4621-A832-21F1BC562D6D}" dt="2023-01-12T14:20:59.630" v="13671" actId="478"/>
           <ac:graphicFrameMkLst>
             <pc:docMk/>
             <pc:sldMk cId="24189730" sldId="260"/>
             <ac:graphicFrameMk id="8" creationId="{E9F9F476-8D7C-4B35-B83F-4E898167A44F}"/>
           </ac:graphicFrameMkLst>
         </pc:graphicFrameChg>
+        <pc:graphicFrameChg chg="add mod">
+          <ac:chgData name="Ammar Ljubijankic" userId="a00b5204-d72f-418c-8b5e-7555aa3641ec" providerId="ADAL" clId="{540EEA64-C51A-4621-A832-21F1BC562D6D}" dt="2023-01-12T14:22:22.189" v="13701" actId="207"/>
+          <ac:graphicFrameMkLst>
+            <pc:docMk/>
+            <pc:sldMk cId="24189730" sldId="260"/>
+            <ac:graphicFrameMk id="9" creationId="{F2FB654C-65F1-4FF3-996B-531B98E1B80A}"/>
+          </ac:graphicFrameMkLst>
+        </pc:graphicFrameChg>
       </pc:sldChg>
-      <pc:sldChg chg="addSp delSp modSp new mod modClrScheme chgLayout modNotesTx">
-        <pc:chgData name="Ammar Ljubijankic" userId="a00b5204-d72f-418c-8b5e-7555aa3641ec" providerId="ADAL" clId="{540EEA64-C51A-4621-A832-21F1BC562D6D}" dt="2023-01-11T14:05:23.431" v="11911" actId="27636"/>
+      <pc:sldChg chg="addSp delSp modSp new del mod modClrScheme chgLayout modNotesTx">
+        <pc:chgData name="Ammar Ljubijankic" userId="a00b5204-d72f-418c-8b5e-7555aa3641ec" providerId="ADAL" clId="{540EEA64-C51A-4621-A832-21F1BC562D6D}" dt="2023-01-12T14:25:39.853" v="13754" actId="47"/>
         <pc:sldMkLst>
           <pc:docMk/>
           <pc:sldMk cId="2354753383" sldId="261"/>
@@ -733,7 +787,7 @@
         </pc:graphicFrameChg>
       </pc:sldChg>
       <pc:sldChg chg="modSp new mod modNotesTx">
-        <pc:chgData name="Ammar Ljubijankic" userId="a00b5204-d72f-418c-8b5e-7555aa3641ec" providerId="ADAL" clId="{540EEA64-C51A-4621-A832-21F1BC562D6D}" dt="2023-01-11T16:28:40.837" v="12242" actId="20577"/>
+        <pc:chgData name="Ammar Ljubijankic" userId="a00b5204-d72f-418c-8b5e-7555aa3641ec" providerId="ADAL" clId="{540EEA64-C51A-4621-A832-21F1BC562D6D}" dt="2023-01-12T12:39:12.015" v="13264" actId="20577"/>
         <pc:sldMkLst>
           <pc:docMk/>
           <pc:sldMk cId="2553511309" sldId="267"/>
@@ -747,7 +801,7 @@
           </ac:spMkLst>
         </pc:spChg>
         <pc:spChg chg="mod">
-          <ac:chgData name="Ammar Ljubijankic" userId="a00b5204-d72f-418c-8b5e-7555aa3641ec" providerId="ADAL" clId="{540EEA64-C51A-4621-A832-21F1BC562D6D}" dt="2023-01-11T16:28:40.837" v="12242" actId="20577"/>
+          <ac:chgData name="Ammar Ljubijankic" userId="a00b5204-d72f-418c-8b5e-7555aa3641ec" providerId="ADAL" clId="{540EEA64-C51A-4621-A832-21F1BC562D6D}" dt="2023-01-12T12:39:12.015" v="13264" actId="20577"/>
           <ac:spMkLst>
             <pc:docMk/>
             <pc:sldMk cId="2553511309" sldId="267"/>
@@ -756,13 +810,13 @@
         </pc:spChg>
       </pc:sldChg>
       <pc:sldChg chg="addSp delSp modSp new mod modClrScheme chgLayout modNotesTx">
-        <pc:chgData name="Ammar Ljubijankic" userId="a00b5204-d72f-418c-8b5e-7555aa3641ec" providerId="ADAL" clId="{540EEA64-C51A-4621-A832-21F1BC562D6D}" dt="2023-01-11T16:32:19.663" v="12248" actId="27918"/>
+        <pc:chgData name="Ammar Ljubijankic" userId="a00b5204-d72f-418c-8b5e-7555aa3641ec" providerId="ADAL" clId="{540EEA64-C51A-4621-A832-21F1BC562D6D}" dt="2023-01-12T17:10:41.226" v="13857" actId="27918"/>
         <pc:sldMkLst>
           <pc:docMk/>
           <pc:sldMk cId="202257740" sldId="268"/>
         </pc:sldMkLst>
         <pc:spChg chg="mod ord">
-          <ac:chgData name="Ammar Ljubijankic" userId="a00b5204-d72f-418c-8b5e-7555aa3641ec" providerId="ADAL" clId="{540EEA64-C51A-4621-A832-21F1BC562D6D}" dt="2023-01-11T16:26:55.445" v="12083" actId="20577"/>
+          <ac:chgData name="Ammar Ljubijankic" userId="a00b5204-d72f-418c-8b5e-7555aa3641ec" providerId="ADAL" clId="{540EEA64-C51A-4621-A832-21F1BC562D6D}" dt="2023-01-12T12:30:43.242" v="12401" actId="20577"/>
           <ac:spMkLst>
             <pc:docMk/>
             <pc:sldMk cId="202257740" sldId="268"/>
@@ -770,7 +824,7 @@
           </ac:spMkLst>
         </pc:spChg>
         <pc:spChg chg="mod ord">
-          <ac:chgData name="Ammar Ljubijankic" userId="a00b5204-d72f-418c-8b5e-7555aa3641ec" providerId="ADAL" clId="{540EEA64-C51A-4621-A832-21F1BC562D6D}" dt="2023-01-11T16:26:28.236" v="12062" actId="20577"/>
+          <ac:chgData name="Ammar Ljubijankic" userId="a00b5204-d72f-418c-8b5e-7555aa3641ec" providerId="ADAL" clId="{540EEA64-C51A-4621-A832-21F1BC562D6D}" dt="2023-01-12T13:58:51.916" v="13641" actId="20577"/>
           <ac:spMkLst>
             <pc:docMk/>
             <pc:sldMk cId="202257740" sldId="268"/>
@@ -785,12 +839,28 @@
             <ac:spMk id="4" creationId="{D12F4CDC-0547-44C5-8BB7-0AABE61D9D2E}"/>
           </ac:spMkLst>
         </pc:spChg>
-        <pc:graphicFrameChg chg="add mod">
-          <ac:chgData name="Ammar Ljubijankic" userId="a00b5204-d72f-418c-8b5e-7555aa3641ec" providerId="ADAL" clId="{540EEA64-C51A-4621-A832-21F1BC562D6D}" dt="2023-01-11T16:25:47.810" v="12047"/>
+        <pc:spChg chg="add del mod">
+          <ac:chgData name="Ammar Ljubijankic" userId="a00b5204-d72f-418c-8b5e-7555aa3641ec" providerId="ADAL" clId="{540EEA64-C51A-4621-A832-21F1BC562D6D}" dt="2023-01-12T16:51:38.431" v="13788"/>
+          <ac:spMkLst>
+            <pc:docMk/>
+            <pc:sldMk cId="202257740" sldId="268"/>
+            <ac:spMk id="6" creationId="{74C17B29-4AC3-42CB-AF61-590CD3BD91C4}"/>
+          </ac:spMkLst>
+        </pc:spChg>
+        <pc:graphicFrameChg chg="add del mod">
+          <ac:chgData name="Ammar Ljubijankic" userId="a00b5204-d72f-418c-8b5e-7555aa3641ec" providerId="ADAL" clId="{540EEA64-C51A-4621-A832-21F1BC562D6D}" dt="2023-01-12T16:51:36.921" v="13786" actId="478"/>
           <ac:graphicFrameMkLst>
             <pc:docMk/>
             <pc:sldMk cId="202257740" sldId="268"/>
             <ac:graphicFrameMk id="5" creationId="{22786D26-206D-40CE-9FB1-EAC6C1C589C8}"/>
+          </ac:graphicFrameMkLst>
+        </pc:graphicFrameChg>
+        <pc:graphicFrameChg chg="add mod">
+          <ac:chgData name="Ammar Ljubijankic" userId="a00b5204-d72f-418c-8b5e-7555aa3641ec" providerId="ADAL" clId="{540EEA64-C51A-4621-A832-21F1BC562D6D}" dt="2023-01-12T16:52:29.014" v="13795" actId="404"/>
+          <ac:graphicFrameMkLst>
+            <pc:docMk/>
+            <pc:sldMk cId="202257740" sldId="268"/>
+            <ac:graphicFrameMk id="7" creationId="{22786D26-206D-40CE-9FB1-EAC6C1C589C8}"/>
           </ac:graphicFrameMkLst>
         </pc:graphicFrameChg>
       </pc:sldChg>
@@ -835,7 +905,7 @@
           <a:lstStyle/>
           <a:p>
             <a:pPr algn="l">
-              <a:defRPr sz="1400" b="0" i="0" u="none" strike="noStrike" kern="1200" spc="0" baseline="0">
+              <a:defRPr sz="1800" b="0" i="0" u="none" strike="noStrike" kern="1200" spc="0" baseline="0">
                 <a:solidFill>
                   <a:schemeClr val="tx1">
                     <a:lumMod val="65000"/>
@@ -848,16 +918,24 @@
               </a:defRPr>
             </a:pPr>
             <a:r>
-              <a:rPr lang="en-GB" b="1"/>
-              <a:t>Night Time Economy workers in London</a:t>
+              <a:rPr lang="en-GB" sz="1800" b="1"/>
+              <a:t>Evening</a:t>
+            </a:r>
+            <a:r>
+              <a:rPr lang="en-GB" sz="1800" b="1" baseline="0"/>
+              <a:t> &amp; Night </a:t>
+            </a:r>
+            <a:r>
+              <a:rPr lang="en-GB" sz="1800" b="1"/>
+              <a:t>workers in London</a:t>
             </a:r>
           </a:p>
           <a:p>
             <a:pPr algn="l">
-              <a:defRPr/>
+              <a:defRPr sz="1800"/>
             </a:pPr>
             <a:r>
-              <a:rPr lang="en-GB">
+              <a:rPr lang="en-GB" sz="1800">
                 <a:solidFill>
                   <a:schemeClr val="accent1"/>
                 </a:solidFill>
@@ -865,7 +943,7 @@
               <a:t>Number of workers </a:t>
             </a:r>
             <a:r>
-              <a:rPr lang="en-GB" sz="1400" b="0" i="0" u="none" strike="noStrike" kern="1200" spc="0" baseline="0">
+              <a:rPr lang="en-GB" sz="1800" b="0" i="0" u="none" strike="noStrike" kern="1200" spc="0" baseline="0">
                 <a:solidFill>
                   <a:srgbClr val="000000">
                     <a:lumMod val="65000"/>
@@ -879,11 +957,11 @@
               <a:t>(LHS) </a:t>
             </a:r>
             <a:r>
-              <a:rPr lang="en-GB"/>
+              <a:rPr lang="en-GB" sz="1800"/>
               <a:t>and </a:t>
             </a:r>
             <a:r>
-              <a:rPr lang="en-GB">
+              <a:rPr lang="en-GB" sz="1800">
                 <a:solidFill>
                   <a:schemeClr val="accent2"/>
                 </a:solidFill>
@@ -891,7 +969,7 @@
               <a:t>share of total </a:t>
             </a:r>
             <a:r>
-              <a:rPr lang="en-GB"/>
+              <a:rPr lang="en-GB" sz="1800"/>
               <a:t>(%, RHS)</a:t>
             </a:r>
           </a:p>
@@ -918,7 +996,7 @@
         <a:lstStyle/>
         <a:p>
           <a:pPr algn="l">
-            <a:defRPr sz="1400" b="0" i="0" u="none" strike="noStrike" kern="1200" spc="0" baseline="0">
+            <a:defRPr sz="1800" b="0" i="0" u="none" strike="noStrike" kern="1200" spc="0" baseline="0">
               <a:solidFill>
                 <a:schemeClr val="tx1">
                   <a:lumMod val="65000"/>
@@ -1035,7 +1113,7 @@
           <c:smooth val="0"/>
           <c:extLst>
             <c:ext xmlns:c16="http://schemas.microsoft.com/office/drawing/2014/chart" uri="{C3380CC4-5D6E-409C-BE32-E72D297353CC}">
-              <c16:uniqueId val="{00000000-44C3-43B2-8B73-E89D208016C4}"/>
+              <c16:uniqueId val="{00000000-A511-47FB-BE9C-176A2A70FEAD}"/>
             </c:ext>
           </c:extLst>
         </c:ser>
@@ -1150,7 +1228,7 @@
           <c:smooth val="0"/>
           <c:extLst>
             <c:ext xmlns:c16="http://schemas.microsoft.com/office/drawing/2014/chart" uri="{C3380CC4-5D6E-409C-BE32-E72D297353CC}">
-              <c16:uniqueId val="{00000001-44C3-43B2-8B73-E89D208016C4}"/>
+              <c16:uniqueId val="{00000001-A511-47FB-BE9C-176A2A70FEAD}"/>
             </c:ext>
           </c:extLst>
         </c:ser>
@@ -1196,7 +1274,7 @@
           <a:lstStyle/>
           <a:p>
             <a:pPr>
-              <a:defRPr sz="900" b="0" i="0" u="none" strike="noStrike" kern="1200" baseline="0">
+              <a:defRPr sz="1200" b="0" i="0" u="none" strike="noStrike" kern="1200" baseline="0">
                 <a:solidFill>
                   <a:schemeClr val="tx1">
                     <a:lumMod val="65000"/>
@@ -1257,7 +1335,7 @@
           <a:lstStyle/>
           <a:p>
             <a:pPr>
-              <a:defRPr sz="900" b="0" i="0" u="none" strike="noStrike" kern="1200" baseline="0">
+              <a:defRPr sz="1200" b="0" i="0" u="none" strike="noStrike" kern="1200" baseline="0">
                 <a:solidFill>
                   <a:schemeClr val="tx1">
                     <a:lumMod val="65000"/>
@@ -1301,7 +1379,7 @@
           <a:lstStyle/>
           <a:p>
             <a:pPr>
-              <a:defRPr sz="900" b="0" i="0" u="none" strike="noStrike" kern="1200" baseline="0">
+              <a:defRPr sz="1200" b="0" i="0" u="none" strike="noStrike" kern="1200" baseline="0">
                 <a:solidFill>
                   <a:schemeClr val="tx1">
                     <a:lumMod val="65000"/>
@@ -1354,7 +1432,7 @@
           <c:xMode val="edge"/>
           <c:yMode val="edge"/>
           <c:x val="2.0565921107687624E-2"/>
-          <c:y val="0.1221858655889292"/>
+          <c:y val="0.13677907806748177"/>
           <c:w val="0.46901312335958006"/>
           <c:h val="7.4486980158771018E-2"/>
         </c:manualLayout>
@@ -1372,7 +1450,7 @@
         <a:lstStyle/>
         <a:p>
           <a:pPr>
-            <a:defRPr sz="900" b="0" i="0" u="none" strike="noStrike" kern="1200" baseline="0">
+            <a:defRPr sz="1100" b="0" i="0" u="none" strike="noStrike" kern="1200" baseline="0">
               <a:solidFill>
                 <a:schemeClr val="tx1">
                   <a:lumMod val="65000"/>
@@ -1449,7 +1527,7 @@
           <a:lstStyle/>
           <a:p>
             <a:pPr algn="l">
-              <a:defRPr sz="1400" b="0" i="0" u="none" strike="noStrike" kern="1200" spc="0" baseline="0">
+              <a:defRPr sz="1800" b="0" i="0" u="none" strike="noStrike" kern="1200" spc="0" baseline="0">
                 <a:solidFill>
                   <a:schemeClr val="tx1">
                     <a:lumMod val="65000"/>
@@ -1462,23 +1540,18 @@
               </a:defRPr>
             </a:pPr>
             <a:r>
-              <a:rPr lang="en-GB" b="1" dirty="0"/>
-              <a:t>Night Time Economy workers in London</a:t>
+              <a:rPr lang="en-US" sz="1800" b="1"/>
+              <a:t>Night &amp; Evening workers in 2022</a:t>
             </a:r>
           </a:p>
           <a:p>
             <a:pPr algn="l">
-              <a:defRPr/>
+              <a:defRPr sz="1800"/>
             </a:pPr>
             <a:r>
-              <a:rPr lang="en-GB" b="0" dirty="0"/>
-              <a:t>Usual</a:t>
-            </a:r>
-            <a:r>
-              <a:rPr lang="en-GB" b="0" baseline="0" dirty="0"/>
-              <a:t> work pattern of NTE workers</a:t>
-            </a:r>
-            <a:endParaRPr lang="en-GB" b="0" dirty="0"/>
+              <a:rPr lang="en-US" sz="1800"/>
+              <a:t>Number of workers who usually work…</a:t>
+            </a:r>
           </a:p>
         </c:rich>
       </c:tx>
@@ -1486,8 +1559,8 @@
         <c:manualLayout>
           <c:xMode val="edge"/>
           <c:yMode val="edge"/>
-          <c:x val="1.6476815398075242E-2"/>
-          <c:y val="3.8585195977687427E-2"/>
+          <c:x val="2.1222222222222222E-2"/>
+          <c:y val="2.7671015591636816E-2"/>
         </c:manualLayout>
       </c:layout>
       <c:overlay val="0"/>
@@ -1503,7 +1576,7 @@
         <a:lstStyle/>
         <a:p>
           <a:pPr algn="l">
-            <a:defRPr sz="1400" b="0" i="0" u="none" strike="noStrike" kern="1200" spc="0" baseline="0">
+            <a:defRPr sz="1800" b="0" i="0" u="none" strike="noStrike" kern="1200" spc="0" baseline="0">
               <a:solidFill>
                 <a:schemeClr val="tx1">
                   <a:lumMod val="65000"/>
@@ -1522,320 +1595,192 @@
     <c:autoTitleDeleted val="0"/>
     <c:plotArea>
       <c:layout/>
-      <c:lineChart>
-        <c:grouping val="standard"/>
+      <c:barChart>
+        <c:barDir val="col"/>
+        <c:grouping val="clustered"/>
         <c:varyColors val="0"/>
         <c:ser>
           <c:idx val="0"/>
           <c:order val="0"/>
           <c:tx>
             <c:strRef>
-              <c:f>'Summary (detail)'!$F$13</c:f>
+              <c:f>'Summary (combi)'!$F$12</c:f>
               <c:strCache>
                 <c:ptCount val="1"/>
                 <c:pt idx="0">
-                  <c:v>during evenings</c:v>
+                  <c:v>Number of workers who usually work…</c:v>
                 </c:pt>
               </c:strCache>
             </c:strRef>
           </c:tx>
           <c:spPr>
-            <a:ln w="19050" cap="rnd">
-              <a:solidFill>
-                <a:schemeClr val="accent1"/>
-              </a:solidFill>
-              <a:round/>
+            <a:solidFill>
+              <a:schemeClr val="accent1"/>
+            </a:solidFill>
+            <a:ln>
+              <a:noFill/>
             </a:ln>
             <a:effectLst/>
           </c:spPr>
-          <c:marker>
-            <c:symbol val="none"/>
-          </c:marker>
+          <c:invertIfNegative val="0"/>
+          <c:dPt>
+            <c:idx val="5"/>
+            <c:invertIfNegative val="0"/>
+            <c:bubble3D val="0"/>
+            <c:spPr>
+              <a:solidFill>
+                <a:schemeClr val="accent2"/>
+              </a:solidFill>
+              <a:ln>
+                <a:noFill/>
+              </a:ln>
+              <a:effectLst/>
+            </c:spPr>
+            <c:extLst>
+              <c:ext xmlns:c16="http://schemas.microsoft.com/office/drawing/2014/chart" uri="{C3380CC4-5D6E-409C-BE32-E72D297353CC}">
+                <c16:uniqueId val="{00000001-E003-4517-98BC-741490E502EE}"/>
+              </c:ext>
+            </c:extLst>
+          </c:dPt>
+          <c:dLbls>
+            <c:spPr>
+              <a:noFill/>
+              <a:ln>
+                <a:noFill/>
+              </a:ln>
+              <a:effectLst/>
+            </c:spPr>
+            <c:txPr>
+              <a:bodyPr rot="0" spcFirstLastPara="1" vertOverflow="ellipsis" vert="horz" wrap="square" lIns="38100" tIns="19050" rIns="38100" bIns="19050" anchor="ctr" anchorCtr="1">
+                <a:spAutoFit/>
+              </a:bodyPr>
+              <a:lstStyle/>
+              <a:p>
+                <a:pPr>
+                  <a:defRPr sz="1200" b="0" i="0" u="none" strike="noStrike" kern="1200" baseline="0">
+                    <a:solidFill>
+                      <a:schemeClr val="tx1">
+                        <a:lumMod val="75000"/>
+                        <a:lumOff val="25000"/>
+                      </a:schemeClr>
+                    </a:solidFill>
+                    <a:latin typeface="Arial" panose="020B0604020202020204" pitchFamily="34" charset="0"/>
+                    <a:ea typeface="+mn-ea"/>
+                    <a:cs typeface="Arial" panose="020B0604020202020204" pitchFamily="34" charset="0"/>
+                  </a:defRPr>
+                </a:pPr>
+                <a:endParaRPr lang="en-US"/>
+              </a:p>
+            </c:txPr>
+            <c:dLblPos val="outEnd"/>
+            <c:showLegendKey val="0"/>
+            <c:showVal val="1"/>
+            <c:showCatName val="0"/>
+            <c:showSerName val="0"/>
+            <c:showPercent val="0"/>
+            <c:showBubbleSize val="0"/>
+            <c:showLeaderLines val="0"/>
+            <c:extLst>
+              <c:ext xmlns:c15="http://schemas.microsoft.com/office/drawing/2012/chart" uri="{CE6537A1-D6FC-4f65-9D91-7224C49458BB}">
+                <c15:showLeaderLines val="1"/>
+                <c15:leaderLines>
+                  <c:spPr>
+                    <a:ln w="9525" cap="flat" cmpd="sng" algn="ctr">
+                      <a:solidFill>
+                        <a:schemeClr val="tx1">
+                          <a:lumMod val="35000"/>
+                          <a:lumOff val="65000"/>
+                        </a:schemeClr>
+                      </a:solidFill>
+                      <a:round/>
+                    </a:ln>
+                    <a:effectLst/>
+                  </c:spPr>
+                </c15:leaderLines>
+              </c:ext>
+            </c:extLst>
+          </c:dLbls>
           <c:cat>
-            <c:numRef>
-              <c:f>'Summary (detail)'!$E$14:$E$21</c:f>
-              <c:numCache>
-                <c:formatCode>General</c:formatCode>
-                <c:ptCount val="8"/>
+            <c:strRef>
+              <c:f>'Summary (combi)'!$F$32:$F$38</c:f>
+              <c:strCache>
+                <c:ptCount val="7"/>
                 <c:pt idx="0">
-                  <c:v>2015</c:v>
+                  <c:v>evenings and nights</c:v>
                 </c:pt>
                 <c:pt idx="1">
-                  <c:v>2016</c:v>
+                  <c:v>days and nights</c:v>
                 </c:pt>
                 <c:pt idx="2">
-                  <c:v>2017</c:v>
+                  <c:v>nights only</c:v>
                 </c:pt>
                 <c:pt idx="3">
-                  <c:v>2018</c:v>
+                  <c:v>evenings only</c:v>
                 </c:pt>
                 <c:pt idx="4">
-                  <c:v>2019</c:v>
+                  <c:v>days, evenings and nights</c:v>
                 </c:pt>
                 <c:pt idx="5">
-                  <c:v>2020</c:v>
+                  <c:v>any nights</c:v>
                 </c:pt>
                 <c:pt idx="6">
-                  <c:v>2021</c:v>
+                  <c:v>days and evenings</c:v>
                 </c:pt>
-                <c:pt idx="7">
-                  <c:v>2022</c:v>
-                </c:pt>
-              </c:numCache>
-            </c:numRef>
+              </c:strCache>
+            </c:strRef>
           </c:cat>
           <c:val>
             <c:numRef>
-              <c:f>'Summary (detail)'!$F$14:$F$21</c:f>
+              <c:f>'Summary (combi)'!$G$32:$G$38</c:f>
               <c:numCache>
                 <c:formatCode>_-* #,##0_-;\-* #,##0_-;_-* "-"??_-;_-@_-</c:formatCode>
-                <c:ptCount val="8"/>
+                <c:ptCount val="7"/>
                 <c:pt idx="0">
-                  <c:v>900000</c:v>
+                  <c:v>18000</c:v>
                 </c:pt>
                 <c:pt idx="1">
-                  <c:v>921000</c:v>
+                  <c:v>33000</c:v>
                 </c:pt>
                 <c:pt idx="2">
-                  <c:v>990000</c:v>
+                  <c:v>51000</c:v>
                 </c:pt>
                 <c:pt idx="3">
-                  <c:v>884000</c:v>
+                  <c:v>54000</c:v>
                 </c:pt>
                 <c:pt idx="4">
-                  <c:v>896000</c:v>
+                  <c:v>439000</c:v>
                 </c:pt>
                 <c:pt idx="5">
-                  <c:v>920000</c:v>
+                  <c:v>541000</c:v>
                 </c:pt>
                 <c:pt idx="6">
-                  <c:v>935000</c:v>
-                </c:pt>
-                <c:pt idx="7">
-                  <c:v>831000</c:v>
+                  <c:v>776000</c:v>
                 </c:pt>
               </c:numCache>
             </c:numRef>
           </c:val>
-          <c:smooth val="0"/>
           <c:extLst>
             <c:ext xmlns:c16="http://schemas.microsoft.com/office/drawing/2014/chart" uri="{C3380CC4-5D6E-409C-BE32-E72D297353CC}">
-              <c16:uniqueId val="{00000000-268F-4637-B397-8F4DA823D03E}"/>
-            </c:ext>
-          </c:extLst>
-        </c:ser>
-        <c:ser>
-          <c:idx val="1"/>
-          <c:order val="1"/>
-          <c:tx>
-            <c:strRef>
-              <c:f>'Summary (detail)'!$G$13</c:f>
-              <c:strCache>
-                <c:ptCount val="1"/>
-                <c:pt idx="0">
-                  <c:v>during nights</c:v>
-                </c:pt>
-              </c:strCache>
-            </c:strRef>
-          </c:tx>
-          <c:spPr>
-            <a:ln w="19050" cap="rnd">
-              <a:solidFill>
-                <a:schemeClr val="accent2"/>
-              </a:solidFill>
-              <a:round/>
-            </a:ln>
-            <a:effectLst/>
-          </c:spPr>
-          <c:marker>
-            <c:symbol val="none"/>
-          </c:marker>
-          <c:cat>
-            <c:numRef>
-              <c:f>'Summary (detail)'!$E$14:$E$21</c:f>
-              <c:numCache>
-                <c:formatCode>General</c:formatCode>
-                <c:ptCount val="8"/>
-                <c:pt idx="0">
-                  <c:v>2015</c:v>
-                </c:pt>
-                <c:pt idx="1">
-                  <c:v>2016</c:v>
-                </c:pt>
-                <c:pt idx="2">
-                  <c:v>2017</c:v>
-                </c:pt>
-                <c:pt idx="3">
-                  <c:v>2018</c:v>
-                </c:pt>
-                <c:pt idx="4">
-                  <c:v>2019</c:v>
-                </c:pt>
-                <c:pt idx="5">
-                  <c:v>2020</c:v>
-                </c:pt>
-                <c:pt idx="6">
-                  <c:v>2021</c:v>
-                </c:pt>
-                <c:pt idx="7">
-                  <c:v>2022</c:v>
-                </c:pt>
-              </c:numCache>
-            </c:numRef>
-          </c:cat>
-          <c:val>
-            <c:numRef>
-              <c:f>'Summary (detail)'!$G$14:$G$21</c:f>
-              <c:numCache>
-                <c:formatCode>_-* #,##0_-;\-* #,##0_-;_-* "-"??_-;_-@_-</c:formatCode>
-                <c:ptCount val="8"/>
-                <c:pt idx="0">
-                  <c:v>84000</c:v>
-                </c:pt>
-                <c:pt idx="1">
-                  <c:v>78000</c:v>
-                </c:pt>
-                <c:pt idx="2">
-                  <c:v>72000</c:v>
-                </c:pt>
-                <c:pt idx="3">
-                  <c:v>98000</c:v>
-                </c:pt>
-                <c:pt idx="4">
-                  <c:v>103000</c:v>
-                </c:pt>
-                <c:pt idx="5">
-                  <c:v>78000</c:v>
-                </c:pt>
-                <c:pt idx="6">
-                  <c:v>65000</c:v>
-                </c:pt>
-                <c:pt idx="7">
-                  <c:v>84000</c:v>
-                </c:pt>
-              </c:numCache>
-            </c:numRef>
-          </c:val>
-          <c:smooth val="0"/>
-          <c:extLst>
-            <c:ext xmlns:c16="http://schemas.microsoft.com/office/drawing/2014/chart" uri="{C3380CC4-5D6E-409C-BE32-E72D297353CC}">
-              <c16:uniqueId val="{00000001-268F-4637-B397-8F4DA823D03E}"/>
-            </c:ext>
-          </c:extLst>
-        </c:ser>
-        <c:ser>
-          <c:idx val="2"/>
-          <c:order val="2"/>
-          <c:tx>
-            <c:strRef>
-              <c:f>'Summary (detail)'!$H$13</c:f>
-              <c:strCache>
-                <c:ptCount val="1"/>
-                <c:pt idx="0">
-                  <c:v>both evenings and nights</c:v>
-                </c:pt>
-              </c:strCache>
-            </c:strRef>
-          </c:tx>
-          <c:spPr>
-            <a:ln w="19050" cap="rnd">
-              <a:solidFill>
-                <a:schemeClr val="accent3"/>
-              </a:solidFill>
-              <a:round/>
-            </a:ln>
-            <a:effectLst/>
-          </c:spPr>
-          <c:marker>
-            <c:symbol val="none"/>
-          </c:marker>
-          <c:cat>
-            <c:numRef>
-              <c:f>'Summary (detail)'!$E$14:$E$21</c:f>
-              <c:numCache>
-                <c:formatCode>General</c:formatCode>
-                <c:ptCount val="8"/>
-                <c:pt idx="0">
-                  <c:v>2015</c:v>
-                </c:pt>
-                <c:pt idx="1">
-                  <c:v>2016</c:v>
-                </c:pt>
-                <c:pt idx="2">
-                  <c:v>2017</c:v>
-                </c:pt>
-                <c:pt idx="3">
-                  <c:v>2018</c:v>
-                </c:pt>
-                <c:pt idx="4">
-                  <c:v>2019</c:v>
-                </c:pt>
-                <c:pt idx="5">
-                  <c:v>2020</c:v>
-                </c:pt>
-                <c:pt idx="6">
-                  <c:v>2021</c:v>
-                </c:pt>
-                <c:pt idx="7">
-                  <c:v>2022</c:v>
-                </c:pt>
-              </c:numCache>
-            </c:numRef>
-          </c:cat>
-          <c:val>
-            <c:numRef>
-              <c:f>'Summary (detail)'!$H$14:$H$21</c:f>
-              <c:numCache>
-                <c:formatCode>_-* #,##0_-;\-* #,##0_-;_-* "-"??_-;_-@_-</c:formatCode>
-                <c:ptCount val="8"/>
-                <c:pt idx="0">
-                  <c:v>532000</c:v>
-                </c:pt>
-                <c:pt idx="1">
-                  <c:v>545000</c:v>
-                </c:pt>
-                <c:pt idx="2">
-                  <c:v>535000</c:v>
-                </c:pt>
-                <c:pt idx="3">
-                  <c:v>478000</c:v>
-                </c:pt>
-                <c:pt idx="4">
-                  <c:v>527000</c:v>
-                </c:pt>
-                <c:pt idx="5">
-                  <c:v>457000</c:v>
-                </c:pt>
-                <c:pt idx="6">
-                  <c:v>468000</c:v>
-                </c:pt>
-                <c:pt idx="7">
-                  <c:v>457000</c:v>
-                </c:pt>
-              </c:numCache>
-            </c:numRef>
-          </c:val>
-          <c:smooth val="0"/>
-          <c:extLst>
-            <c:ext xmlns:c16="http://schemas.microsoft.com/office/drawing/2014/chart" uri="{C3380CC4-5D6E-409C-BE32-E72D297353CC}">
-              <c16:uniqueId val="{00000002-268F-4637-B397-8F4DA823D03E}"/>
+              <c16:uniqueId val="{00000002-E003-4517-98BC-741490E502EE}"/>
             </c:ext>
           </c:extLst>
         </c:ser>
         <c:dLbls>
+          <c:dLblPos val="outEnd"/>
           <c:showLegendKey val="0"/>
-          <c:showVal val="0"/>
+          <c:showVal val="1"/>
           <c:showCatName val="0"/>
           <c:showSerName val="0"/>
           <c:showPercent val="0"/>
           <c:showBubbleSize val="0"/>
         </c:dLbls>
-        <c:smooth val="0"/>
-        <c:axId val="621885272"/>
-        <c:axId val="621883632"/>
-      </c:lineChart>
+        <c:gapWidth val="219"/>
+        <c:overlap val="-27"/>
+        <c:axId val="394862896"/>
+        <c:axId val="394865848"/>
+      </c:barChart>
       <c:catAx>
-        <c:axId val="621885272"/>
+        <c:axId val="394862896"/>
         <c:scaling>
           <c:orientation val="minMax"/>
         </c:scaling>
@@ -1850,8 +1795,8 @@
           <a:ln w="9525" cap="flat" cmpd="sng" algn="ctr">
             <a:solidFill>
               <a:schemeClr val="tx1">
-                <a:lumMod val="25000"/>
-                <a:lumOff val="75000"/>
+                <a:lumMod val="15000"/>
+                <a:lumOff val="85000"/>
               </a:schemeClr>
             </a:solidFill>
             <a:round/>
@@ -1859,11 +1804,11 @@
           <a:effectLst/>
         </c:spPr>
         <c:txPr>
-          <a:bodyPr rot="-60000000" spcFirstLastPara="1" vertOverflow="ellipsis" vert="horz" wrap="square" anchor="ctr" anchorCtr="1"/>
+          <a:bodyPr rot="0" spcFirstLastPara="1" vertOverflow="ellipsis" wrap="square" anchor="ctr" anchorCtr="1"/>
           <a:lstStyle/>
           <a:p>
             <a:pPr>
-              <a:defRPr sz="900" b="0" i="0" u="none" strike="noStrike" kern="1200" baseline="0">
+              <a:defRPr sz="1100" b="0" i="0" u="none" strike="noStrike" kern="1200" baseline="0">
                 <a:solidFill>
                   <a:schemeClr val="tx1">
                     <a:lumMod val="65000"/>
@@ -1878,19 +1823,18 @@
             <a:endParaRPr lang="en-US"/>
           </a:p>
         </c:txPr>
-        <c:crossAx val="621883632"/>
+        <c:crossAx val="394865848"/>
         <c:crosses val="autoZero"/>
         <c:auto val="1"/>
         <c:lblAlgn val="ctr"/>
         <c:lblOffset val="100"/>
-        <c:noMultiLvlLbl val="1"/>
+        <c:noMultiLvlLbl val="0"/>
       </c:catAx>
       <c:valAx>
-        <c:axId val="621883632"/>
+        <c:axId val="394865848"/>
         <c:scaling>
           <c:orientation val="minMax"/>
-          <c:max val="1000000"/>
-          <c:min val="0"/>
+          <c:max val="800000"/>
         </c:scaling>
         <c:delete val="0"/>
         <c:axPos val="l"/>
@@ -1914,9 +1858,8 @@
         <c:tickLblPos val="nextTo"/>
         <c:spPr>
           <a:noFill/>
-          <a:ln w="9525" cap="flat" cmpd="sng" algn="ctr">
+          <a:ln>
             <a:noFill/>
-            <a:round/>
           </a:ln>
           <a:effectLst/>
         </c:spPr>
@@ -1925,7 +1868,7 @@
           <a:lstStyle/>
           <a:p>
             <a:pPr>
-              <a:defRPr sz="900" b="0" i="0" u="none" strike="noStrike" kern="1200" baseline="0">
+              <a:defRPr sz="1200" b="0" i="0" u="none" strike="noStrike" kern="1200" baseline="0">
                 <a:solidFill>
                   <a:schemeClr val="tx1">
                     <a:lumMod val="65000"/>
@@ -1940,10 +1883,10 @@
             <a:endParaRPr lang="en-US"/>
           </a:p>
         </c:txPr>
-        <c:crossAx val="621885272"/>
+        <c:crossAx val="394862896"/>
         <c:crosses val="autoZero"/>
         <c:crossBetween val="between"/>
-        <c:majorUnit val="250000"/>
+        <c:majorUnit val="200000"/>
       </c:valAx>
       <c:spPr>
         <a:noFill/>
@@ -1953,47 +1896,6 @@
         <a:effectLst/>
       </c:spPr>
     </c:plotArea>
-    <c:legend>
-      <c:legendPos val="t"/>
-      <c:layout>
-        <c:manualLayout>
-          <c:xMode val="edge"/>
-          <c:yMode val="edge"/>
-          <c:x val="2.1379189014416673E-2"/>
-          <c:y val="0.14203378363160943"/>
-          <c:w val="0.55207926468020507"/>
-          <c:h val="7.4486980158771018E-2"/>
-        </c:manualLayout>
-      </c:layout>
-      <c:overlay val="0"/>
-      <c:spPr>
-        <a:noFill/>
-        <a:ln>
-          <a:noFill/>
-        </a:ln>
-        <a:effectLst/>
-      </c:spPr>
-      <c:txPr>
-        <a:bodyPr rot="0" spcFirstLastPara="1" vertOverflow="ellipsis" vert="horz" wrap="square" anchor="ctr" anchorCtr="1"/>
-        <a:lstStyle/>
-        <a:p>
-          <a:pPr>
-            <a:defRPr sz="900" b="0" i="0" u="none" strike="noStrike" kern="1200" baseline="0">
-              <a:solidFill>
-                <a:schemeClr val="tx1">
-                  <a:lumMod val="65000"/>
-                  <a:lumOff val="35000"/>
-                </a:schemeClr>
-              </a:solidFill>
-              <a:latin typeface="Arial" panose="020B0604020202020204" pitchFamily="34" charset="0"/>
-              <a:ea typeface="+mn-ea"/>
-              <a:cs typeface="Arial" panose="020B0604020202020204" pitchFamily="34" charset="0"/>
-            </a:defRPr>
-          </a:pPr>
-          <a:endParaRPr lang="en-US"/>
-        </a:p>
-      </c:txPr>
-    </c:legend>
     <c:plotVisOnly val="1"/>
     <c:dispBlanksAs val="gap"/>
     <c:extLst>
@@ -2055,411 +1957,6 @@
           <a:lstStyle/>
           <a:p>
             <a:pPr algn="l">
-              <a:defRPr sz="1400" b="0" i="0" u="none" strike="noStrike" kern="1200" spc="0" baseline="0">
-                <a:solidFill>
-                  <a:schemeClr val="tx1">
-                    <a:lumMod val="65000"/>
-                    <a:lumOff val="35000"/>
-                  </a:schemeClr>
-                </a:solidFill>
-                <a:latin typeface="Arial" panose="020B0604020202020204" pitchFamily="34" charset="0"/>
-                <a:ea typeface="+mn-ea"/>
-                <a:cs typeface="Arial" panose="020B0604020202020204" pitchFamily="34" charset="0"/>
-              </a:defRPr>
-            </a:pPr>
-            <a:r>
-              <a:rPr lang="en-US" b="1"/>
-              <a:t>Night &amp; Evening workers in 2022</a:t>
-            </a:r>
-          </a:p>
-          <a:p>
-            <a:pPr algn="l">
-              <a:defRPr/>
-            </a:pPr>
-            <a:r>
-              <a:rPr lang="en-US"/>
-              <a:t>Number of workers who usually work…</a:t>
-            </a:r>
-          </a:p>
-        </c:rich>
-      </c:tx>
-      <c:layout>
-        <c:manualLayout>
-          <c:xMode val="edge"/>
-          <c:yMode val="edge"/>
-          <c:x val="2.1222222222222222E-2"/>
-          <c:y val="2.7671015591636816E-2"/>
-        </c:manualLayout>
-      </c:layout>
-      <c:overlay val="0"/>
-      <c:spPr>
-        <a:noFill/>
-        <a:ln>
-          <a:noFill/>
-        </a:ln>
-        <a:effectLst/>
-      </c:spPr>
-      <c:txPr>
-        <a:bodyPr rot="0" spcFirstLastPara="1" vertOverflow="ellipsis" vert="horz" wrap="square" anchor="ctr" anchorCtr="1"/>
-        <a:lstStyle/>
-        <a:p>
-          <a:pPr algn="l">
-            <a:defRPr sz="1400" b="0" i="0" u="none" strike="noStrike" kern="1200" spc="0" baseline="0">
-              <a:solidFill>
-                <a:schemeClr val="tx1">
-                  <a:lumMod val="65000"/>
-                  <a:lumOff val="35000"/>
-                </a:schemeClr>
-              </a:solidFill>
-              <a:latin typeface="Arial" panose="020B0604020202020204" pitchFamily="34" charset="0"/>
-              <a:ea typeface="+mn-ea"/>
-              <a:cs typeface="Arial" panose="020B0604020202020204" pitchFamily="34" charset="0"/>
-            </a:defRPr>
-          </a:pPr>
-          <a:endParaRPr lang="en-US"/>
-        </a:p>
-      </c:txPr>
-    </c:title>
-    <c:autoTitleDeleted val="0"/>
-    <c:plotArea>
-      <c:layout/>
-      <c:barChart>
-        <c:barDir val="col"/>
-        <c:grouping val="clustered"/>
-        <c:varyColors val="0"/>
-        <c:ser>
-          <c:idx val="0"/>
-          <c:order val="0"/>
-          <c:tx>
-            <c:strRef>
-              <c:f>'Summary (combi)'!$F$12</c:f>
-              <c:strCache>
-                <c:ptCount val="1"/>
-                <c:pt idx="0">
-                  <c:v>Number of workers who usually work…</c:v>
-                </c:pt>
-              </c:strCache>
-            </c:strRef>
-          </c:tx>
-          <c:spPr>
-            <a:solidFill>
-              <a:schemeClr val="accent1"/>
-            </a:solidFill>
-            <a:ln>
-              <a:noFill/>
-            </a:ln>
-            <a:effectLst/>
-          </c:spPr>
-          <c:invertIfNegative val="0"/>
-          <c:dLbls>
-            <c:spPr>
-              <a:noFill/>
-              <a:ln>
-                <a:noFill/>
-              </a:ln>
-              <a:effectLst/>
-            </c:spPr>
-            <c:txPr>
-              <a:bodyPr rot="0" spcFirstLastPara="1" vertOverflow="ellipsis" vert="horz" wrap="square" lIns="38100" tIns="19050" rIns="38100" bIns="19050" anchor="ctr" anchorCtr="1">
-                <a:spAutoFit/>
-              </a:bodyPr>
-              <a:lstStyle/>
-              <a:p>
-                <a:pPr>
-                  <a:defRPr sz="900" b="0" i="0" u="none" strike="noStrike" kern="1200" baseline="0">
-                    <a:solidFill>
-                      <a:schemeClr val="tx1">
-                        <a:lumMod val="75000"/>
-                        <a:lumOff val="25000"/>
-                      </a:schemeClr>
-                    </a:solidFill>
-                    <a:latin typeface="Arial" panose="020B0604020202020204" pitchFamily="34" charset="0"/>
-                    <a:ea typeface="+mn-ea"/>
-                    <a:cs typeface="Arial" panose="020B0604020202020204" pitchFamily="34" charset="0"/>
-                  </a:defRPr>
-                </a:pPr>
-                <a:endParaRPr lang="en-US"/>
-              </a:p>
-            </c:txPr>
-            <c:dLblPos val="outEnd"/>
-            <c:showLegendKey val="0"/>
-            <c:showVal val="1"/>
-            <c:showCatName val="0"/>
-            <c:showSerName val="0"/>
-            <c:showPercent val="0"/>
-            <c:showBubbleSize val="0"/>
-            <c:showLeaderLines val="0"/>
-            <c:extLst>
-              <c:ext xmlns:c15="http://schemas.microsoft.com/office/drawing/2012/chart" uri="{CE6537A1-D6FC-4f65-9D91-7224C49458BB}">
-                <c15:showLeaderLines val="1"/>
-                <c15:leaderLines>
-                  <c:spPr>
-                    <a:ln w="9525" cap="flat" cmpd="sng" algn="ctr">
-                      <a:solidFill>
-                        <a:schemeClr val="tx1">
-                          <a:lumMod val="35000"/>
-                          <a:lumOff val="65000"/>
-                        </a:schemeClr>
-                      </a:solidFill>
-                      <a:round/>
-                    </a:ln>
-                    <a:effectLst/>
-                  </c:spPr>
-                </c15:leaderLines>
-              </c:ext>
-            </c:extLst>
-          </c:dLbls>
-          <c:cat>
-            <c:strRef>
-              <c:f>'Summary (combi)'!$F$32:$F$37</c:f>
-              <c:strCache>
-                <c:ptCount val="6"/>
-                <c:pt idx="0">
-                  <c:v>evenings and nights</c:v>
-                </c:pt>
-                <c:pt idx="1">
-                  <c:v>days and nights</c:v>
-                </c:pt>
-                <c:pt idx="2">
-                  <c:v>nights only</c:v>
-                </c:pt>
-                <c:pt idx="3">
-                  <c:v>evenings only</c:v>
-                </c:pt>
-                <c:pt idx="4">
-                  <c:v>day, evening and night</c:v>
-                </c:pt>
-                <c:pt idx="5">
-                  <c:v>days and evenings</c:v>
-                </c:pt>
-              </c:strCache>
-            </c:strRef>
-          </c:cat>
-          <c:val>
-            <c:numRef>
-              <c:f>'Summary (combi)'!$G$32:$G$37</c:f>
-              <c:numCache>
-                <c:formatCode>_-* #,##0_-;\-* #,##0_-;_-* "-"??_-;_-@_-</c:formatCode>
-                <c:ptCount val="6"/>
-                <c:pt idx="0">
-                  <c:v>18000</c:v>
-                </c:pt>
-                <c:pt idx="1">
-                  <c:v>33000</c:v>
-                </c:pt>
-                <c:pt idx="2">
-                  <c:v>51000</c:v>
-                </c:pt>
-                <c:pt idx="3">
-                  <c:v>54000</c:v>
-                </c:pt>
-                <c:pt idx="4">
-                  <c:v>439000</c:v>
-                </c:pt>
-                <c:pt idx="5">
-                  <c:v>776000</c:v>
-                </c:pt>
-              </c:numCache>
-            </c:numRef>
-          </c:val>
-          <c:extLst>
-            <c:ext xmlns:c16="http://schemas.microsoft.com/office/drawing/2014/chart" uri="{C3380CC4-5D6E-409C-BE32-E72D297353CC}">
-              <c16:uniqueId val="{00000000-6C26-48CE-8BFB-B8B3409932B6}"/>
-            </c:ext>
-          </c:extLst>
-        </c:ser>
-        <c:dLbls>
-          <c:dLblPos val="outEnd"/>
-          <c:showLegendKey val="0"/>
-          <c:showVal val="1"/>
-          <c:showCatName val="0"/>
-          <c:showSerName val="0"/>
-          <c:showPercent val="0"/>
-          <c:showBubbleSize val="0"/>
-        </c:dLbls>
-        <c:gapWidth val="219"/>
-        <c:overlap val="-27"/>
-        <c:axId val="394862896"/>
-        <c:axId val="394865848"/>
-      </c:barChart>
-      <c:catAx>
-        <c:axId val="394862896"/>
-        <c:scaling>
-          <c:orientation val="minMax"/>
-        </c:scaling>
-        <c:delete val="0"/>
-        <c:axPos val="b"/>
-        <c:numFmt formatCode="General" sourceLinked="1"/>
-        <c:majorTickMark val="none"/>
-        <c:minorTickMark val="none"/>
-        <c:tickLblPos val="nextTo"/>
-        <c:spPr>
-          <a:noFill/>
-          <a:ln w="9525" cap="flat" cmpd="sng" algn="ctr">
-            <a:solidFill>
-              <a:schemeClr val="tx1">
-                <a:lumMod val="15000"/>
-                <a:lumOff val="85000"/>
-              </a:schemeClr>
-            </a:solidFill>
-            <a:round/>
-          </a:ln>
-          <a:effectLst/>
-        </c:spPr>
-        <c:txPr>
-          <a:bodyPr rot="-60000000" spcFirstLastPara="1" vertOverflow="ellipsis" vert="horz" wrap="square" anchor="ctr" anchorCtr="1"/>
-          <a:lstStyle/>
-          <a:p>
-            <a:pPr>
-              <a:defRPr sz="900" b="0" i="0" u="none" strike="noStrike" kern="1200" baseline="0">
-                <a:solidFill>
-                  <a:schemeClr val="tx1">
-                    <a:lumMod val="65000"/>
-                    <a:lumOff val="35000"/>
-                  </a:schemeClr>
-                </a:solidFill>
-                <a:latin typeface="Arial" panose="020B0604020202020204" pitchFamily="34" charset="0"/>
-                <a:ea typeface="+mn-ea"/>
-                <a:cs typeface="Arial" panose="020B0604020202020204" pitchFamily="34" charset="0"/>
-              </a:defRPr>
-            </a:pPr>
-            <a:endParaRPr lang="en-US"/>
-          </a:p>
-        </c:txPr>
-        <c:crossAx val="394865848"/>
-        <c:crosses val="autoZero"/>
-        <c:auto val="1"/>
-        <c:lblAlgn val="ctr"/>
-        <c:lblOffset val="100"/>
-        <c:noMultiLvlLbl val="0"/>
-      </c:catAx>
-      <c:valAx>
-        <c:axId val="394865848"/>
-        <c:scaling>
-          <c:orientation val="minMax"/>
-          <c:max val="800000"/>
-        </c:scaling>
-        <c:delete val="0"/>
-        <c:axPos val="l"/>
-        <c:majorGridlines>
-          <c:spPr>
-            <a:ln w="9525" cap="flat" cmpd="sng" algn="ctr">
-              <a:solidFill>
-                <a:schemeClr val="tx1">
-                  <a:lumMod val="15000"/>
-                  <a:lumOff val="85000"/>
-                </a:schemeClr>
-              </a:solidFill>
-              <a:round/>
-            </a:ln>
-            <a:effectLst/>
-          </c:spPr>
-        </c:majorGridlines>
-        <c:numFmt formatCode="_-* #,##0_-;\-* #,##0_-;_-* &quot;-&quot;??_-;_-@_-" sourceLinked="1"/>
-        <c:majorTickMark val="none"/>
-        <c:minorTickMark val="none"/>
-        <c:tickLblPos val="nextTo"/>
-        <c:spPr>
-          <a:noFill/>
-          <a:ln>
-            <a:noFill/>
-          </a:ln>
-          <a:effectLst/>
-        </c:spPr>
-        <c:txPr>
-          <a:bodyPr rot="-60000000" spcFirstLastPara="1" vertOverflow="ellipsis" vert="horz" wrap="square" anchor="ctr" anchorCtr="1"/>
-          <a:lstStyle/>
-          <a:p>
-            <a:pPr>
-              <a:defRPr sz="900" b="0" i="0" u="none" strike="noStrike" kern="1200" baseline="0">
-                <a:solidFill>
-                  <a:schemeClr val="tx1">
-                    <a:lumMod val="65000"/>
-                    <a:lumOff val="35000"/>
-                  </a:schemeClr>
-                </a:solidFill>
-                <a:latin typeface="Arial" panose="020B0604020202020204" pitchFamily="34" charset="0"/>
-                <a:ea typeface="+mn-ea"/>
-                <a:cs typeface="Arial" panose="020B0604020202020204" pitchFamily="34" charset="0"/>
-              </a:defRPr>
-            </a:pPr>
-            <a:endParaRPr lang="en-US"/>
-          </a:p>
-        </c:txPr>
-        <c:crossAx val="394862896"/>
-        <c:crosses val="autoZero"/>
-        <c:crossBetween val="between"/>
-        <c:majorUnit val="200000"/>
-      </c:valAx>
-      <c:spPr>
-        <a:noFill/>
-        <a:ln>
-          <a:noFill/>
-        </a:ln>
-        <a:effectLst/>
-      </c:spPr>
-    </c:plotArea>
-    <c:plotVisOnly val="1"/>
-    <c:dispBlanksAs val="gap"/>
-    <c:extLst>
-      <c:ext xmlns:c16r3="http://schemas.microsoft.com/office/drawing/2017/03/chart" uri="{56B9EC1D-385E-4148-901F-78D8002777C0}">
-        <c16r3:dataDisplayOptions16>
-          <c16r3:dispNaAsBlank val="1"/>
-        </c16r3:dataDisplayOptions16>
-      </c:ext>
-    </c:extLst>
-    <c:showDLblsOverMax val="0"/>
-  </c:chart>
-  <c:spPr>
-    <a:solidFill>
-      <a:schemeClr val="bg1"/>
-    </a:solidFill>
-    <a:ln w="9525" cap="flat" cmpd="sng" algn="ctr">
-      <a:noFill/>
-      <a:round/>
-    </a:ln>
-    <a:effectLst/>
-  </c:spPr>
-  <c:txPr>
-    <a:bodyPr/>
-    <a:lstStyle/>
-    <a:p>
-      <a:pPr>
-        <a:defRPr>
-          <a:latin typeface="Arial" panose="020B0604020202020204" pitchFamily="34" charset="0"/>
-          <a:cs typeface="Arial" panose="020B0604020202020204" pitchFamily="34" charset="0"/>
-        </a:defRPr>
-      </a:pPr>
-      <a:endParaRPr lang="en-US"/>
-    </a:p>
-  </c:txPr>
-  <c:externalData r:id="rId3">
-    <c:autoUpdate val="0"/>
-  </c:externalData>
-</c:chartSpace>
-</file>
-
-<file path=ppt/charts/chart4.xml><?xml version="1.0" encoding="utf-8"?>
-<c:chartSpace xmlns:c="http://schemas.openxmlformats.org/drawingml/2006/chart" xmlns:a="http://schemas.openxmlformats.org/drawingml/2006/main" xmlns:r="http://schemas.openxmlformats.org/officeDocument/2006/relationships" xmlns:c16r2="http://schemas.microsoft.com/office/drawing/2015/06/chart">
-  <c:date1904 val="0"/>
-  <c:lang val="en-US"/>
-  <c:roundedCorners val="0"/>
-  <mc:AlternateContent xmlns:mc="http://schemas.openxmlformats.org/markup-compatibility/2006">
-    <mc:Choice xmlns:c14="http://schemas.microsoft.com/office/drawing/2007/8/2/chart" Requires="c14">
-      <c14:style val="102"/>
-    </mc:Choice>
-    <mc:Fallback>
-      <c:style val="2"/>
-    </mc:Fallback>
-  </mc:AlternateContent>
-  <c:chart>
-    <c:title>
-      <c:tx>
-        <c:rich>
-          <a:bodyPr rot="0" spcFirstLastPara="1" vertOverflow="ellipsis" vert="horz" wrap="square" anchor="ctr" anchorCtr="1"/>
-          <a:lstStyle/>
-          <a:p>
-            <a:pPr algn="l">
               <a:defRPr sz="1800" b="0" i="0" u="none" strike="noStrike" kern="1200" spc="0" baseline="0">
                 <a:solidFill>
                   <a:schemeClr val="tx1">
@@ -2474,7 +1971,7 @@
             </a:pPr>
             <a:r>
               <a:rPr lang="en-GB" sz="1800" b="1" dirty="0"/>
-              <a:t>NTE workers by industry sector</a:t>
+              <a:t>E&amp;N workers by industry</a:t>
             </a:r>
           </a:p>
           <a:p>
@@ -2537,7 +2034,7 @@
           <c:order val="0"/>
           <c:tx>
             <c:strRef>
-              <c:f>Industry!$M$11</c:f>
+              <c:f>Industry!$H$43</c:f>
               <c:strCache>
                 <c:ptCount val="1"/>
                 <c:pt idx="0">
@@ -2558,25 +2055,28 @@
           <c:invertIfNegative val="0"/>
           <c:cat>
             <c:strRef>
-              <c:f>(Industry!$E$18:$E$21,Industry!$E$24,Industry!$E$28)</c:f>
+              <c:f>(Industry!$F$44:$F$45,Industry!$F$47:$F$51)</c:f>
               <c:strCache>
-                <c:ptCount val="6"/>
+                <c:ptCount val="7"/>
                 <c:pt idx="0">
                   <c:v>Retail </c:v>
                 </c:pt>
                 <c:pt idx="1">
-                  <c:v>Transport and storage </c:v>
+                  <c:v>Arts &amp; recreation, Other services</c:v>
                 </c:pt>
                 <c:pt idx="2">
                   <c:v>Hospitality </c:v>
                 </c:pt>
                 <c:pt idx="3">
+                  <c:v>Transport and storage </c:v>
+                </c:pt>
+                <c:pt idx="4">
                   <c:v>Information and communication </c:v>
                 </c:pt>
-                <c:pt idx="4">
+                <c:pt idx="5">
                   <c:v>Professional and scientific </c:v>
                 </c:pt>
-                <c:pt idx="5">
+                <c:pt idx="6">
                   <c:v>Health </c:v>
                 </c:pt>
               </c:strCache>
@@ -2585,26 +2085,29 @@
           </c:cat>
           <c:val>
             <c:numRef>
-              <c:f>(Industry!$M$18:$M$21,Industry!$M$24,Industry!$M$28)</c:f>
+              <c:f>(Industry!$H$44:$H$45,Industry!$H$47:$H$51)</c:f>
               <c:numCache>
                 <c:formatCode>_-* #,##0_-;\-* #,##0_-;_-* "-"??_-;_-@_-</c:formatCode>
-                <c:ptCount val="6"/>
+                <c:ptCount val="7"/>
                 <c:pt idx="0">
                   <c:v>104000</c:v>
                 </c:pt>
                 <c:pt idx="1">
-                  <c:v>111000</c:v>
+                  <c:v>106000</c:v>
                 </c:pt>
                 <c:pt idx="2">
                   <c:v>110000</c:v>
                 </c:pt>
                 <c:pt idx="3">
+                  <c:v>111000</c:v>
+                </c:pt>
+                <c:pt idx="4">
                   <c:v>124000</c:v>
                 </c:pt>
-                <c:pt idx="4">
+                <c:pt idx="5">
                   <c:v>141000</c:v>
                 </c:pt>
-                <c:pt idx="5">
+                <c:pt idx="6">
                   <c:v>208000</c:v>
                 </c:pt>
               </c:numCache>
@@ -2613,7 +2116,7 @@
           </c:val>
           <c:extLst>
             <c:ext xmlns:c16="http://schemas.microsoft.com/office/drawing/2014/chart" uri="{C3380CC4-5D6E-409C-BE32-E72D297353CC}">
-              <c16:uniqueId val="{00000000-BCFC-4057-811E-7C752943DA58}"/>
+              <c16:uniqueId val="{00000000-0B2E-40BB-9030-04B4CB2A3642}"/>
             </c:ext>
           </c:extLst>
         </c:ser>
@@ -2622,7 +2125,7 @@
           <c:order val="1"/>
           <c:tx>
             <c:strRef>
-              <c:f>Industry!$H$11</c:f>
+              <c:f>Industry!$I$43</c:f>
               <c:strCache>
                 <c:ptCount val="1"/>
                 <c:pt idx="0">
@@ -2645,25 +2148,28 @@
           <c:invertIfNegative val="0"/>
           <c:cat>
             <c:strRef>
-              <c:f>(Industry!$E$18:$E$21,Industry!$E$24,Industry!$E$28)</c:f>
+              <c:f>(Industry!$F$44:$F$45,Industry!$F$47:$F$51)</c:f>
               <c:strCache>
-                <c:ptCount val="6"/>
+                <c:ptCount val="7"/>
                 <c:pt idx="0">
                   <c:v>Retail </c:v>
                 </c:pt>
                 <c:pt idx="1">
-                  <c:v>Transport and storage </c:v>
+                  <c:v>Arts &amp; recreation, Other services</c:v>
                 </c:pt>
                 <c:pt idx="2">
                   <c:v>Hospitality </c:v>
                 </c:pt>
                 <c:pt idx="3">
+                  <c:v>Transport and storage </c:v>
+                </c:pt>
+                <c:pt idx="4">
                   <c:v>Information and communication </c:v>
                 </c:pt>
-                <c:pt idx="4">
+                <c:pt idx="5">
                   <c:v>Professional and scientific </c:v>
                 </c:pt>
-                <c:pt idx="5">
+                <c:pt idx="6">
                   <c:v>Health </c:v>
                 </c:pt>
               </c:strCache>
@@ -2672,26 +2178,29 @@
           </c:cat>
           <c:val>
             <c:numRef>
-              <c:f>(Industry!$H$18:$H$21,Industry!$H$24,Industry!$H$28)</c:f>
+              <c:f>(Industry!$I$44:$I$45,Industry!$I$47:$I$51)</c:f>
               <c:numCache>
                 <c:formatCode>_-* #,##0_-;\-* #,##0_-;_-* "-"??_-;_-@_-</c:formatCode>
-                <c:ptCount val="6"/>
+                <c:ptCount val="7"/>
                 <c:pt idx="0">
                   <c:v>144000</c:v>
                 </c:pt>
                 <c:pt idx="1">
-                  <c:v>143000</c:v>
+                  <c:v>120000</c:v>
                 </c:pt>
                 <c:pt idx="2">
                   <c:v>150000</c:v>
                 </c:pt>
                 <c:pt idx="3">
+                  <c:v>143000</c:v>
+                </c:pt>
+                <c:pt idx="4">
                   <c:v>123000</c:v>
                 </c:pt>
-                <c:pt idx="4">
+                <c:pt idx="5">
                   <c:v>176000</c:v>
                 </c:pt>
-                <c:pt idx="5">
+                <c:pt idx="6">
                   <c:v>190000</c:v>
                 </c:pt>
               </c:numCache>
@@ -2700,7 +2209,7 @@
           </c:val>
           <c:extLst>
             <c:ext xmlns:c16="http://schemas.microsoft.com/office/drawing/2014/chart" uri="{C3380CC4-5D6E-409C-BE32-E72D297353CC}">
-              <c16:uniqueId val="{00000001-BCFC-4057-811E-7C752943DA58}"/>
+              <c16:uniqueId val="{00000001-0B2E-40BB-9030-04B4CB2A3642}"/>
             </c:ext>
           </c:extLst>
         </c:ser>
@@ -2822,7 +2331,6 @@
         <c:crossAx val="97953968"/>
         <c:crosses val="autoZero"/>
         <c:crossBetween val="between"/>
-        <c:majorUnit val="75000"/>
       </c:valAx>
       <c:spPr>
         <a:noFill/>
@@ -2838,9 +2346,9 @@
         <c:manualLayout>
           <c:xMode val="edge"/>
           <c:yMode val="edge"/>
-          <c:x val="3.1571715300293346E-2"/>
-          <c:y val="0.22667855266586967"/>
-          <c:w val="0.538500849158561"/>
+          <c:x val="3.4022695692450207E-2"/>
+          <c:y val="0.24127176514442225"/>
+          <c:w val="0.41350084915856106"/>
           <c:h val="5.754515979620195E-2"/>
         </c:manualLayout>
       </c:layout>
@@ -2896,7 +2404,7 @@
     <a:lstStyle/>
     <a:p>
       <a:pPr>
-        <a:defRPr sz="1000">
+        <a:defRPr>
           <a:latin typeface="Arial" panose="020B0604020202020204" pitchFamily="34" charset="0"/>
           <a:cs typeface="Arial" panose="020B0604020202020204" pitchFamily="34" charset="0"/>
         </a:defRPr>
@@ -2910,7 +2418,7 @@
 </c:chartSpace>
 </file>
 
-<file path=ppt/charts/chart5.xml><?xml version="1.0" encoding="utf-8"?>
+<file path=ppt/charts/chart4.xml><?xml version="1.0" encoding="utf-8"?>
 <c:chartSpace xmlns:c="http://schemas.openxmlformats.org/drawingml/2006/chart" xmlns:a="http://schemas.openxmlformats.org/drawingml/2006/main" xmlns:r="http://schemas.openxmlformats.org/officeDocument/2006/relationships" xmlns:c16r2="http://schemas.microsoft.com/office/drawing/2015/06/chart">
   <c:date1904 val="0"/>
   <c:lang val="en-US"/>
@@ -2944,8 +2452,8 @@
               </a:defRPr>
             </a:pPr>
             <a:r>
-              <a:rPr lang="en-GB" sz="1800" b="1"/>
-              <a:t>NTE workers by occupation group</a:t>
+              <a:rPr lang="en-GB" sz="1800" b="1" dirty="0"/>
+              <a:t>E&amp;N workers by occupation group</a:t>
             </a:r>
           </a:p>
           <a:p>
@@ -2953,8 +2461,8 @@
               <a:defRPr sz="1800"/>
             </a:pPr>
             <a:r>
-              <a:rPr lang="en-GB" sz="1800" b="0"/>
-              <a:t>Selected occupations</a:t>
+              <a:rPr lang="en-GB" sz="1800" dirty="0"/>
+              <a:t>Workers in 2017 and 2020, selected occupations</a:t>
             </a:r>
           </a:p>
         </c:rich>
@@ -2963,8 +2471,8 @@
         <c:manualLayout>
           <c:xMode val="edge"/>
           <c:yMode val="edge"/>
-          <c:x val="3.0690095992796936E-2"/>
-          <c:y val="2.1192050033262064E-2"/>
+          <c:x val="1.9208223972003502E-2"/>
+          <c:y val="3.2407407407407406E-2"/>
         </c:manualLayout>
       </c:layout>
       <c:overlay val="0"/>
@@ -2999,193 +2507,92 @@
     <c:autoTitleDeleted val="0"/>
     <c:plotArea>
       <c:layout/>
-      <c:lineChart>
-        <c:grouping val="standard"/>
+      <c:barChart>
+        <c:barDir val="bar"/>
+        <c:grouping val="clustered"/>
         <c:varyColors val="0"/>
         <c:ser>
-          <c:idx val="0"/>
+          <c:idx val="1"/>
           <c:order val="0"/>
           <c:tx>
             <c:strRef>
-              <c:f>Occupation!$E$12</c:f>
+              <c:f>Occupation!$H$30</c:f>
               <c:strCache>
                 <c:ptCount val="1"/>
                 <c:pt idx="0">
-                  <c:v>Managers, Directors And Senior Officials</c:v>
+                  <c:v>2022</c:v>
                 </c:pt>
               </c:strCache>
             </c:strRef>
           </c:tx>
           <c:spPr>
-            <a:ln w="28575" cap="rnd">
-              <a:solidFill>
-                <a:schemeClr val="accent1"/>
-              </a:solidFill>
-              <a:round/>
+            <a:solidFill>
+              <a:schemeClr val="accent1"/>
+            </a:solidFill>
+            <a:ln>
+              <a:noFill/>
             </a:ln>
             <a:effectLst/>
           </c:spPr>
-          <c:marker>
-            <c:symbol val="none"/>
-          </c:marker>
+          <c:invertIfNegative val="0"/>
           <c:cat>
-            <c:numRef>
-              <c:f>Occupation!$F$11:$M$11</c:f>
-              <c:numCache>
-                <c:formatCode>General</c:formatCode>
+            <c:strRef>
+              <c:f>Occupation!$F$31:$F$38</c:f>
+              <c:strCache>
                 <c:ptCount val="8"/>
                 <c:pt idx="0">
-                  <c:v>2015</c:v>
+                  <c:v>Skilled Trades Occupations</c:v>
                 </c:pt>
                 <c:pt idx="1">
-                  <c:v>2016</c:v>
+                  <c:v>Administrative And Secretarial Occupations</c:v>
                 </c:pt>
                 <c:pt idx="2">
-                  <c:v>2017</c:v>
+                  <c:v>Process, Plant And Machine Operatives</c:v>
                 </c:pt>
                 <c:pt idx="3">
-                  <c:v>2018</c:v>
+                  <c:v>Caring, Leisure And Other Service Occupations</c:v>
                 </c:pt>
                 <c:pt idx="4">
-                  <c:v>2019</c:v>
+                  <c:v>Elementary Occupations</c:v>
                 </c:pt>
                 <c:pt idx="5">
-                  <c:v>2020</c:v>
+                  <c:v>Managers, Directors And Senior Officials</c:v>
                 </c:pt>
                 <c:pt idx="6">
-                  <c:v>2021</c:v>
+                  <c:v>Associate Professional Occupations</c:v>
                 </c:pt>
                 <c:pt idx="7">
-                  <c:v>2022</c:v>
+                  <c:v>Professional Occupations</c:v>
                 </c:pt>
-              </c:numCache>
-            </c:numRef>
+              </c:strCache>
+            </c:strRef>
           </c:cat>
           <c:val>
             <c:numRef>
-              <c:f>Occupation!$F$12:$M$12</c:f>
+              <c:f>Occupation!$H$31:$H$38</c:f>
               <c:numCache>
                 <c:formatCode>_-* #,##0_-;\-* #,##0_-;_-* "-"??_-;_-@_-</c:formatCode>
                 <c:ptCount val="8"/>
                 <c:pt idx="0">
-                  <c:v>225000</c:v>
+                  <c:v>66000</c:v>
                 </c:pt>
                 <c:pt idx="1">
-                  <c:v>244000</c:v>
+                  <c:v>74000</c:v>
                 </c:pt>
                 <c:pt idx="2">
-                  <c:v>260000</c:v>
+                  <c:v>78000</c:v>
                 </c:pt>
                 <c:pt idx="3">
-                  <c:v>196000</c:v>
+                  <c:v>136000</c:v>
                 </c:pt>
                 <c:pt idx="4">
-                  <c:v>250000</c:v>
+                  <c:v>158000</c:v>
                 </c:pt>
                 <c:pt idx="5">
-                  <c:v>207000</c:v>
+                  <c:v>162000</c:v>
                 </c:pt>
                 <c:pt idx="6">
-                  <c:v>197000</c:v>
-                </c:pt>
-                <c:pt idx="7">
-                  <c:v>162000</c:v>
-                </c:pt>
-              </c:numCache>
-            </c:numRef>
-          </c:val>
-          <c:smooth val="0"/>
-          <c:extLst>
-            <c:ext xmlns:c16="http://schemas.microsoft.com/office/drawing/2014/chart" uri="{C3380CC4-5D6E-409C-BE32-E72D297353CC}">
-              <c16:uniqueId val="{00000000-0468-4A1D-A2B0-BAA62F359132}"/>
-            </c:ext>
-          </c:extLst>
-        </c:ser>
-        <c:ser>
-          <c:idx val="1"/>
-          <c:order val="1"/>
-          <c:tx>
-            <c:strRef>
-              <c:f>Occupation!$E$13</c:f>
-              <c:strCache>
-                <c:ptCount val="1"/>
-                <c:pt idx="0">
-                  <c:v>Professional Occupations</c:v>
-                </c:pt>
-              </c:strCache>
-            </c:strRef>
-          </c:tx>
-          <c:spPr>
-            <a:ln w="28575" cap="rnd">
-              <a:solidFill>
-                <a:schemeClr val="accent2"/>
-              </a:solidFill>
-              <a:round/>
-            </a:ln>
-            <a:effectLst/>
-          </c:spPr>
-          <c:marker>
-            <c:symbol val="none"/>
-          </c:marker>
-          <c:cat>
-            <c:numRef>
-              <c:f>Occupation!$F$11:$M$11</c:f>
-              <c:numCache>
-                <c:formatCode>General</c:formatCode>
-                <c:ptCount val="8"/>
-                <c:pt idx="0">
-                  <c:v>2015</c:v>
-                </c:pt>
-                <c:pt idx="1">
-                  <c:v>2016</c:v>
-                </c:pt>
-                <c:pt idx="2">
-                  <c:v>2017</c:v>
-                </c:pt>
-                <c:pt idx="3">
-                  <c:v>2018</c:v>
-                </c:pt>
-                <c:pt idx="4">
-                  <c:v>2019</c:v>
-                </c:pt>
-                <c:pt idx="5">
-                  <c:v>2020</c:v>
-                </c:pt>
-                <c:pt idx="6">
-                  <c:v>2021</c:v>
-                </c:pt>
-                <c:pt idx="7">
-                  <c:v>2022</c:v>
-                </c:pt>
-              </c:numCache>
-            </c:numRef>
-          </c:cat>
-          <c:val>
-            <c:numRef>
-              <c:f>Occupation!$F$13:$M$13</c:f>
-              <c:numCache>
-                <c:formatCode>_-* #,##0_-;\-* #,##0_-;_-* "-"??_-;_-@_-</c:formatCode>
-                <c:ptCount val="8"/>
-                <c:pt idx="0">
-                  <c:v>314000</c:v>
-                </c:pt>
-                <c:pt idx="1">
-                  <c:v>389000</c:v>
-                </c:pt>
-                <c:pt idx="2">
-                  <c:v>382000</c:v>
-                </c:pt>
-                <c:pt idx="3">
-                  <c:v>368000</c:v>
-                </c:pt>
-                <c:pt idx="4">
-                  <c:v>377000</c:v>
-                </c:pt>
-                <c:pt idx="5">
-                  <c:v>425000</c:v>
-                </c:pt>
-                <c:pt idx="6">
-                  <c:v>455000</c:v>
+                  <c:v>206000</c:v>
                 </c:pt>
                 <c:pt idx="7">
                   <c:v>430000</c:v>
@@ -3193,208 +2600,106 @@
               </c:numCache>
             </c:numRef>
           </c:val>
-          <c:smooth val="0"/>
           <c:extLst>
             <c:ext xmlns:c16="http://schemas.microsoft.com/office/drawing/2014/chart" uri="{C3380CC4-5D6E-409C-BE32-E72D297353CC}">
-              <c16:uniqueId val="{00000001-0468-4A1D-A2B0-BAA62F359132}"/>
+              <c16:uniqueId val="{00000000-5641-4E48-866D-844EB3ACF0C0}"/>
             </c:ext>
           </c:extLst>
         </c:ser>
         <c:ser>
-          <c:idx val="2"/>
-          <c:order val="2"/>
+          <c:idx val="0"/>
+          <c:order val="1"/>
           <c:tx>
             <c:strRef>
-              <c:f>Occupation!$E$14</c:f>
+              <c:f>Occupation!$I$30</c:f>
               <c:strCache>
                 <c:ptCount val="1"/>
                 <c:pt idx="0">
-                  <c:v>Associate Professional Occupations</c:v>
+                  <c:v>2017</c:v>
                 </c:pt>
               </c:strCache>
             </c:strRef>
           </c:tx>
           <c:spPr>
-            <a:ln w="28575" cap="rnd">
-              <a:solidFill>
-                <a:schemeClr val="accent3"/>
-              </a:solidFill>
-              <a:round/>
+            <a:solidFill>
+              <a:schemeClr val="bg1">
+                <a:lumMod val="75000"/>
+              </a:schemeClr>
+            </a:solidFill>
+            <a:ln>
+              <a:noFill/>
             </a:ln>
             <a:effectLst/>
           </c:spPr>
-          <c:marker>
-            <c:symbol val="none"/>
-          </c:marker>
+          <c:invertIfNegative val="0"/>
           <c:cat>
-            <c:numRef>
-              <c:f>Occupation!$F$11:$M$11</c:f>
-              <c:numCache>
-                <c:formatCode>General</c:formatCode>
+            <c:strRef>
+              <c:f>Occupation!$F$31:$F$38</c:f>
+              <c:strCache>
                 <c:ptCount val="8"/>
                 <c:pt idx="0">
-                  <c:v>2015</c:v>
+                  <c:v>Skilled Trades Occupations</c:v>
                 </c:pt>
                 <c:pt idx="1">
-                  <c:v>2016</c:v>
+                  <c:v>Administrative And Secretarial Occupations</c:v>
                 </c:pt>
                 <c:pt idx="2">
-                  <c:v>2017</c:v>
+                  <c:v>Process, Plant And Machine Operatives</c:v>
                 </c:pt>
                 <c:pt idx="3">
-                  <c:v>2018</c:v>
+                  <c:v>Caring, Leisure And Other Service Occupations</c:v>
                 </c:pt>
                 <c:pt idx="4">
-                  <c:v>2019</c:v>
+                  <c:v>Elementary Occupations</c:v>
                 </c:pt>
                 <c:pt idx="5">
-                  <c:v>2020</c:v>
+                  <c:v>Managers, Directors And Senior Officials</c:v>
                 </c:pt>
                 <c:pt idx="6">
-                  <c:v>2021</c:v>
+                  <c:v>Associate Professional Occupations</c:v>
                 </c:pt>
                 <c:pt idx="7">
-                  <c:v>2022</c:v>
+                  <c:v>Professional Occupations</c:v>
                 </c:pt>
-              </c:numCache>
-            </c:numRef>
+              </c:strCache>
+            </c:strRef>
           </c:cat>
           <c:val>
             <c:numRef>
-              <c:f>Occupation!$F$14:$M$14</c:f>
+              <c:f>Occupation!$I$31:$I$38</c:f>
               <c:numCache>
                 <c:formatCode>_-* #,##0_-;\-* #,##0_-;_-* "-"??_-;_-@_-</c:formatCode>
                 <c:ptCount val="8"/>
                 <c:pt idx="0">
-                  <c:v>305000</c:v>
+                  <c:v>103000</c:v>
                 </c:pt>
                 <c:pt idx="1">
-                  <c:v>255000</c:v>
+                  <c:v>76000</c:v>
                 </c:pt>
                 <c:pt idx="2">
+                  <c:v>106000</c:v>
+                </c:pt>
+                <c:pt idx="3">
+                  <c:v>126000</c:v>
+                </c:pt>
+                <c:pt idx="4">
+                  <c:v>145000</c:v>
+                </c:pt>
+                <c:pt idx="5">
+                  <c:v>260000</c:v>
+                </c:pt>
+                <c:pt idx="6">
                   <c:v>294000</c:v>
                 </c:pt>
-                <c:pt idx="3">
-                  <c:v>258000</c:v>
-                </c:pt>
-                <c:pt idx="4">
-                  <c:v>270000</c:v>
-                </c:pt>
-                <c:pt idx="5">
-                  <c:v>287000</c:v>
-                </c:pt>
-                <c:pt idx="6">
-                  <c:v>248000</c:v>
-                </c:pt>
                 <c:pt idx="7">
-                  <c:v>206000</c:v>
+                  <c:v>382000</c:v>
                 </c:pt>
               </c:numCache>
             </c:numRef>
           </c:val>
-          <c:smooth val="0"/>
           <c:extLst>
             <c:ext xmlns:c16="http://schemas.microsoft.com/office/drawing/2014/chart" uri="{C3380CC4-5D6E-409C-BE32-E72D297353CC}">
-              <c16:uniqueId val="{00000002-0468-4A1D-A2B0-BAA62F359132}"/>
-            </c:ext>
-          </c:extLst>
-        </c:ser>
-        <c:ser>
-          <c:idx val="8"/>
-          <c:order val="8"/>
-          <c:tx>
-            <c:strRef>
-              <c:f>Occupation!$E$20</c:f>
-              <c:strCache>
-                <c:ptCount val="1"/>
-                <c:pt idx="0">
-                  <c:v>Elementary Occupations</c:v>
-                </c:pt>
-              </c:strCache>
-            </c:strRef>
-          </c:tx>
-          <c:spPr>
-            <a:ln w="28575" cap="rnd">
-              <a:solidFill>
-                <a:schemeClr val="accent6"/>
-              </a:solidFill>
-              <a:round/>
-            </a:ln>
-            <a:effectLst/>
-          </c:spPr>
-          <c:marker>
-            <c:symbol val="none"/>
-          </c:marker>
-          <c:cat>
-            <c:numRef>
-              <c:f>Occupation!$F$11:$M$11</c:f>
-              <c:numCache>
-                <c:formatCode>General</c:formatCode>
-                <c:ptCount val="8"/>
-                <c:pt idx="0">
-                  <c:v>2015</c:v>
-                </c:pt>
-                <c:pt idx="1">
-                  <c:v>2016</c:v>
-                </c:pt>
-                <c:pt idx="2">
-                  <c:v>2017</c:v>
-                </c:pt>
-                <c:pt idx="3">
-                  <c:v>2018</c:v>
-                </c:pt>
-                <c:pt idx="4">
-                  <c:v>2019</c:v>
-                </c:pt>
-                <c:pt idx="5">
-                  <c:v>2020</c:v>
-                </c:pt>
-                <c:pt idx="6">
-                  <c:v>2021</c:v>
-                </c:pt>
-                <c:pt idx="7">
-                  <c:v>2022</c:v>
-                </c:pt>
-              </c:numCache>
-            </c:numRef>
-          </c:cat>
-          <c:val>
-            <c:numRef>
-              <c:f>Occupation!$F$20:$M$20</c:f>
-              <c:numCache>
-                <c:formatCode>_-* #,##0_-;\-* #,##0_-;_-* "-"??_-;_-@_-</c:formatCode>
-                <c:ptCount val="8"/>
-                <c:pt idx="0">
-                  <c:v>175000</c:v>
-                </c:pt>
-                <c:pt idx="1">
-                  <c:v>161000</c:v>
-                </c:pt>
-                <c:pt idx="2">
-                  <c:v>145000</c:v>
-                </c:pt>
-                <c:pt idx="3">
-                  <c:v>162000</c:v>
-                </c:pt>
-                <c:pt idx="4">
-                  <c:v>166000</c:v>
-                </c:pt>
-                <c:pt idx="5">
-                  <c:v>123000</c:v>
-                </c:pt>
-                <c:pt idx="6">
-                  <c:v>125000</c:v>
-                </c:pt>
-                <c:pt idx="7">
-                  <c:v>158000</c:v>
-                </c:pt>
-              </c:numCache>
-            </c:numRef>
-          </c:val>
-          <c:smooth val="0"/>
-          <c:extLst>
-            <c:ext xmlns:c16="http://schemas.microsoft.com/office/drawing/2014/chart" uri="{C3380CC4-5D6E-409C-BE32-E72D297353CC}">
-              <c16:uniqueId val="{00000003-0468-4A1D-A2B0-BAA62F359132}"/>
+              <c16:uniqueId val="{00000001-5641-4E48-866D-844EB3ACF0C0}"/>
             </c:ext>
           </c:extLst>
         </c:ser>
@@ -3406,620 +2711,17 @@
           <c:showPercent val="0"/>
           <c:showBubbleSize val="0"/>
         </c:dLbls>
-        <c:smooth val="0"/>
-        <c:axId val="605682824"/>
-        <c:axId val="605671016"/>
-        <c:extLst>
-          <c:ext xmlns:c15="http://schemas.microsoft.com/office/drawing/2012/chart" uri="{02D57815-91ED-43cb-92C2-25804820EDAC}">
-            <c15:filteredLineSeries>
-              <c15:ser>
-                <c:idx val="3"/>
-                <c:order val="3"/>
-                <c:tx>
-                  <c:strRef>
-                    <c:extLst>
-                      <c:ext uri="{02D57815-91ED-43cb-92C2-25804820EDAC}">
-                        <c15:formulaRef>
-                          <c15:sqref>Occupation!$E$15</c15:sqref>
-                        </c15:formulaRef>
-                      </c:ext>
-                    </c:extLst>
-                    <c:strCache>
-                      <c:ptCount val="1"/>
-                      <c:pt idx="0">
-                        <c:v>Administrative And Secretarial Occupations</c:v>
-                      </c:pt>
-                    </c:strCache>
-                  </c:strRef>
-                </c:tx>
-                <c:spPr>
-                  <a:ln w="28575" cap="rnd">
-                    <a:solidFill>
-                      <a:schemeClr val="accent4"/>
-                    </a:solidFill>
-                    <a:round/>
-                  </a:ln>
-                  <a:effectLst/>
-                </c:spPr>
-                <c:marker>
-                  <c:symbol val="none"/>
-                </c:marker>
-                <c:cat>
-                  <c:numRef>
-                    <c:extLst>
-                      <c:ext uri="{02D57815-91ED-43cb-92C2-25804820EDAC}">
-                        <c15:formulaRef>
-                          <c15:sqref>Occupation!$F$11:$M$11</c15:sqref>
-                        </c15:formulaRef>
-                      </c:ext>
-                    </c:extLst>
-                    <c:numCache>
-                      <c:formatCode>General</c:formatCode>
-                      <c:ptCount val="8"/>
-                      <c:pt idx="0">
-                        <c:v>2015</c:v>
-                      </c:pt>
-                      <c:pt idx="1">
-                        <c:v>2016</c:v>
-                      </c:pt>
-                      <c:pt idx="2">
-                        <c:v>2017</c:v>
-                      </c:pt>
-                      <c:pt idx="3">
-                        <c:v>2018</c:v>
-                      </c:pt>
-                      <c:pt idx="4">
-                        <c:v>2019</c:v>
-                      </c:pt>
-                      <c:pt idx="5">
-                        <c:v>2020</c:v>
-                      </c:pt>
-                      <c:pt idx="6">
-                        <c:v>2021</c:v>
-                      </c:pt>
-                      <c:pt idx="7">
-                        <c:v>2022</c:v>
-                      </c:pt>
-                    </c:numCache>
-                  </c:numRef>
-                </c:cat>
-                <c:val>
-                  <c:numRef>
-                    <c:extLst>
-                      <c:ext uri="{02D57815-91ED-43cb-92C2-25804820EDAC}">
-                        <c15:formulaRef>
-                          <c15:sqref>Occupation!$F$15:$M$15</c15:sqref>
-                        </c15:formulaRef>
-                      </c:ext>
-                    </c:extLst>
-                    <c:numCache>
-                      <c:formatCode>_-* #,##0_-;\-* #,##0_-;_-* "-"??_-;_-@_-</c:formatCode>
-                      <c:ptCount val="8"/>
-                      <c:pt idx="0">
-                        <c:v>72000</c:v>
-                      </c:pt>
-                      <c:pt idx="1">
-                        <c:v>63000</c:v>
-                      </c:pt>
-                      <c:pt idx="2">
-                        <c:v>76000</c:v>
-                      </c:pt>
-                      <c:pt idx="3">
-                        <c:v>55000</c:v>
-                      </c:pt>
-                      <c:pt idx="4">
-                        <c:v>54000</c:v>
-                      </c:pt>
-                      <c:pt idx="5">
-                        <c:v>56000</c:v>
-                      </c:pt>
-                      <c:pt idx="6">
-                        <c:v>73000</c:v>
-                      </c:pt>
-                      <c:pt idx="7">
-                        <c:v>74000</c:v>
-                      </c:pt>
-                    </c:numCache>
-                  </c:numRef>
-                </c:val>
-                <c:smooth val="0"/>
-                <c:extLst>
-                  <c:ext xmlns:c16="http://schemas.microsoft.com/office/drawing/2014/chart" uri="{C3380CC4-5D6E-409C-BE32-E72D297353CC}">
-                    <c16:uniqueId val="{00000004-0468-4A1D-A2B0-BAA62F359132}"/>
-                  </c:ext>
-                </c:extLst>
-              </c15:ser>
-            </c15:filteredLineSeries>
-            <c15:filteredLineSeries>
-              <c15:ser>
-                <c:idx val="4"/>
-                <c:order val="4"/>
-                <c:tx>
-                  <c:strRef>
-                    <c:extLst xmlns:c15="http://schemas.microsoft.com/office/drawing/2012/chart">
-                      <c:ext xmlns:c15="http://schemas.microsoft.com/office/drawing/2012/chart" uri="{02D57815-91ED-43cb-92C2-25804820EDAC}">
-                        <c15:formulaRef>
-                          <c15:sqref>Occupation!$E$16</c15:sqref>
-                        </c15:formulaRef>
-                      </c:ext>
-                    </c:extLst>
-                    <c:strCache>
-                      <c:ptCount val="1"/>
-                      <c:pt idx="0">
-                        <c:v>Skilled Trades Occupations</c:v>
-                      </c:pt>
-                    </c:strCache>
-                  </c:strRef>
-                </c:tx>
-                <c:spPr>
-                  <a:ln w="28575" cap="rnd">
-                    <a:solidFill>
-                      <a:schemeClr val="accent5"/>
-                    </a:solidFill>
-                    <a:round/>
-                  </a:ln>
-                  <a:effectLst/>
-                </c:spPr>
-                <c:marker>
-                  <c:symbol val="none"/>
-                </c:marker>
-                <c:cat>
-                  <c:numRef>
-                    <c:extLst xmlns:c15="http://schemas.microsoft.com/office/drawing/2012/chart">
-                      <c:ext xmlns:c15="http://schemas.microsoft.com/office/drawing/2012/chart" uri="{02D57815-91ED-43cb-92C2-25804820EDAC}">
-                        <c15:formulaRef>
-                          <c15:sqref>Occupation!$F$11:$M$11</c15:sqref>
-                        </c15:formulaRef>
-                      </c:ext>
-                    </c:extLst>
-                    <c:numCache>
-                      <c:formatCode>General</c:formatCode>
-                      <c:ptCount val="8"/>
-                      <c:pt idx="0">
-                        <c:v>2015</c:v>
-                      </c:pt>
-                      <c:pt idx="1">
-                        <c:v>2016</c:v>
-                      </c:pt>
-                      <c:pt idx="2">
-                        <c:v>2017</c:v>
-                      </c:pt>
-                      <c:pt idx="3">
-                        <c:v>2018</c:v>
-                      </c:pt>
-                      <c:pt idx="4">
-                        <c:v>2019</c:v>
-                      </c:pt>
-                      <c:pt idx="5">
-                        <c:v>2020</c:v>
-                      </c:pt>
-                      <c:pt idx="6">
-                        <c:v>2021</c:v>
-                      </c:pt>
-                      <c:pt idx="7">
-                        <c:v>2022</c:v>
-                      </c:pt>
-                    </c:numCache>
-                  </c:numRef>
-                </c:cat>
-                <c:val>
-                  <c:numRef>
-                    <c:extLst xmlns:c15="http://schemas.microsoft.com/office/drawing/2012/chart">
-                      <c:ext xmlns:c15="http://schemas.microsoft.com/office/drawing/2012/chart" uri="{02D57815-91ED-43cb-92C2-25804820EDAC}">
-                        <c15:formulaRef>
-                          <c15:sqref>Occupation!$F$16:$M$16</c15:sqref>
-                        </c15:formulaRef>
-                      </c:ext>
-                    </c:extLst>
-                    <c:numCache>
-                      <c:formatCode>_-* #,##0_-;\-* #,##0_-;_-* "-"??_-;_-@_-</c:formatCode>
-                      <c:ptCount val="8"/>
-                      <c:pt idx="0">
-                        <c:v>99000</c:v>
-                      </c:pt>
-                      <c:pt idx="1">
-                        <c:v>87000</c:v>
-                      </c:pt>
-                      <c:pt idx="2">
-                        <c:v>103000</c:v>
-                      </c:pt>
-                      <c:pt idx="3">
-                        <c:v>95000</c:v>
-                      </c:pt>
-                      <c:pt idx="4">
-                        <c:v>75000</c:v>
-                      </c:pt>
-                      <c:pt idx="5">
-                        <c:v>71000</c:v>
-                      </c:pt>
-                      <c:pt idx="6">
-                        <c:v>101000</c:v>
-                      </c:pt>
-                      <c:pt idx="7">
-                        <c:v>66000</c:v>
-                      </c:pt>
-                    </c:numCache>
-                  </c:numRef>
-                </c:val>
-                <c:smooth val="0"/>
-                <c:extLst xmlns:c15="http://schemas.microsoft.com/office/drawing/2012/chart">
-                  <c:ext xmlns:c16="http://schemas.microsoft.com/office/drawing/2014/chart" uri="{C3380CC4-5D6E-409C-BE32-E72D297353CC}">
-                    <c16:uniqueId val="{00000005-0468-4A1D-A2B0-BAA62F359132}"/>
-                  </c:ext>
-                </c:extLst>
-              </c15:ser>
-            </c15:filteredLineSeries>
-            <c15:filteredLineSeries>
-              <c15:ser>
-                <c:idx val="5"/>
-                <c:order val="5"/>
-                <c:tx>
-                  <c:strRef>
-                    <c:extLst xmlns:c15="http://schemas.microsoft.com/office/drawing/2012/chart">
-                      <c:ext xmlns:c15="http://schemas.microsoft.com/office/drawing/2012/chart" uri="{02D57815-91ED-43cb-92C2-25804820EDAC}">
-                        <c15:formulaRef>
-                          <c15:sqref>Occupation!$E$17</c15:sqref>
-                        </c15:formulaRef>
-                      </c:ext>
-                    </c:extLst>
-                    <c:strCache>
-                      <c:ptCount val="1"/>
-                      <c:pt idx="0">
-                        <c:v>Caring, Leisure And Other Service Occupations</c:v>
-                      </c:pt>
-                    </c:strCache>
-                  </c:strRef>
-                </c:tx>
-                <c:spPr>
-                  <a:ln w="28575" cap="rnd">
-                    <a:solidFill>
-                      <a:schemeClr val="accent6"/>
-                    </a:solidFill>
-                    <a:round/>
-                  </a:ln>
-                  <a:effectLst/>
-                </c:spPr>
-                <c:marker>
-                  <c:symbol val="none"/>
-                </c:marker>
-                <c:cat>
-                  <c:numRef>
-                    <c:extLst xmlns:c15="http://schemas.microsoft.com/office/drawing/2012/chart">
-                      <c:ext xmlns:c15="http://schemas.microsoft.com/office/drawing/2012/chart" uri="{02D57815-91ED-43cb-92C2-25804820EDAC}">
-                        <c15:formulaRef>
-                          <c15:sqref>Occupation!$F$11:$M$11</c15:sqref>
-                        </c15:formulaRef>
-                      </c:ext>
-                    </c:extLst>
-                    <c:numCache>
-                      <c:formatCode>General</c:formatCode>
-                      <c:ptCount val="8"/>
-                      <c:pt idx="0">
-                        <c:v>2015</c:v>
-                      </c:pt>
-                      <c:pt idx="1">
-                        <c:v>2016</c:v>
-                      </c:pt>
-                      <c:pt idx="2">
-                        <c:v>2017</c:v>
-                      </c:pt>
-                      <c:pt idx="3">
-                        <c:v>2018</c:v>
-                      </c:pt>
-                      <c:pt idx="4">
-                        <c:v>2019</c:v>
-                      </c:pt>
-                      <c:pt idx="5">
-                        <c:v>2020</c:v>
-                      </c:pt>
-                      <c:pt idx="6">
-                        <c:v>2021</c:v>
-                      </c:pt>
-                      <c:pt idx="7">
-                        <c:v>2022</c:v>
-                      </c:pt>
-                    </c:numCache>
-                  </c:numRef>
-                </c:cat>
-                <c:val>
-                  <c:numRef>
-                    <c:extLst xmlns:c15="http://schemas.microsoft.com/office/drawing/2012/chart">
-                      <c:ext xmlns:c15="http://schemas.microsoft.com/office/drawing/2012/chart" uri="{02D57815-91ED-43cb-92C2-25804820EDAC}">
-                        <c15:formulaRef>
-                          <c15:sqref>Occupation!$F$17:$M$17</c15:sqref>
-                        </c15:formulaRef>
-                      </c:ext>
-                    </c:extLst>
-                    <c:numCache>
-                      <c:formatCode>_-* #,##0_-;\-* #,##0_-;_-* "-"??_-;_-@_-</c:formatCode>
-                      <c:ptCount val="8"/>
-                      <c:pt idx="0">
-                        <c:v>117000</c:v>
-                      </c:pt>
-                      <c:pt idx="1">
-                        <c:v>129000</c:v>
-                      </c:pt>
-                      <c:pt idx="2">
-                        <c:v>126000</c:v>
-                      </c:pt>
-                      <c:pt idx="3">
-                        <c:v>132000</c:v>
-                      </c:pt>
-                      <c:pt idx="4">
-                        <c:v>132000</c:v>
-                      </c:pt>
-                      <c:pt idx="5">
-                        <c:v>106000</c:v>
-                      </c:pt>
-                      <c:pt idx="6">
-                        <c:v>115000</c:v>
-                      </c:pt>
-                      <c:pt idx="7">
-                        <c:v>136000</c:v>
-                      </c:pt>
-                    </c:numCache>
-                  </c:numRef>
-                </c:val>
-                <c:smooth val="0"/>
-                <c:extLst xmlns:c15="http://schemas.microsoft.com/office/drawing/2012/chart">
-                  <c:ext xmlns:c16="http://schemas.microsoft.com/office/drawing/2014/chart" uri="{C3380CC4-5D6E-409C-BE32-E72D297353CC}">
-                    <c16:uniqueId val="{00000006-0468-4A1D-A2B0-BAA62F359132}"/>
-                  </c:ext>
-                </c:extLst>
-              </c15:ser>
-            </c15:filteredLineSeries>
-            <c15:filteredLineSeries>
-              <c15:ser>
-                <c:idx val="6"/>
-                <c:order val="6"/>
-                <c:tx>
-                  <c:strRef>
-                    <c:extLst xmlns:c15="http://schemas.microsoft.com/office/drawing/2012/chart">
-                      <c:ext xmlns:c15="http://schemas.microsoft.com/office/drawing/2012/chart" uri="{02D57815-91ED-43cb-92C2-25804820EDAC}">
-                        <c15:formulaRef>
-                          <c15:sqref>Occupation!$E$18</c15:sqref>
-                        </c15:formulaRef>
-                      </c:ext>
-                    </c:extLst>
-                    <c:strCache>
-                      <c:ptCount val="1"/>
-                      <c:pt idx="0">
-                        <c:v>Sales And Customer Service Occupations</c:v>
-                      </c:pt>
-                    </c:strCache>
-                  </c:strRef>
-                </c:tx>
-                <c:spPr>
-                  <a:ln w="28575" cap="rnd">
-                    <a:solidFill>
-                      <a:schemeClr val="accent1">
-                        <a:lumMod val="60000"/>
-                      </a:schemeClr>
-                    </a:solidFill>
-                    <a:round/>
-                  </a:ln>
-                  <a:effectLst/>
-                </c:spPr>
-                <c:marker>
-                  <c:symbol val="none"/>
-                </c:marker>
-                <c:cat>
-                  <c:numRef>
-                    <c:extLst xmlns:c15="http://schemas.microsoft.com/office/drawing/2012/chart">
-                      <c:ext xmlns:c15="http://schemas.microsoft.com/office/drawing/2012/chart" uri="{02D57815-91ED-43cb-92C2-25804820EDAC}">
-                        <c15:formulaRef>
-                          <c15:sqref>Occupation!$F$11:$M$11</c15:sqref>
-                        </c15:formulaRef>
-                      </c:ext>
-                    </c:extLst>
-                    <c:numCache>
-                      <c:formatCode>General</c:formatCode>
-                      <c:ptCount val="8"/>
-                      <c:pt idx="0">
-                        <c:v>2015</c:v>
-                      </c:pt>
-                      <c:pt idx="1">
-                        <c:v>2016</c:v>
-                      </c:pt>
-                      <c:pt idx="2">
-                        <c:v>2017</c:v>
-                      </c:pt>
-                      <c:pt idx="3">
-                        <c:v>2018</c:v>
-                      </c:pt>
-                      <c:pt idx="4">
-                        <c:v>2019</c:v>
-                      </c:pt>
-                      <c:pt idx="5">
-                        <c:v>2020</c:v>
-                      </c:pt>
-                      <c:pt idx="6">
-                        <c:v>2021</c:v>
-                      </c:pt>
-                      <c:pt idx="7">
-                        <c:v>2022</c:v>
-                      </c:pt>
-                    </c:numCache>
-                  </c:numRef>
-                </c:cat>
-                <c:val>
-                  <c:numRef>
-                    <c:extLst xmlns:c15="http://schemas.microsoft.com/office/drawing/2012/chart">
-                      <c:ext xmlns:c15="http://schemas.microsoft.com/office/drawing/2012/chart" uri="{02D57815-91ED-43cb-92C2-25804820EDAC}">
-                        <c15:formulaRef>
-                          <c15:sqref>Occupation!$F$18:$M$18</c15:sqref>
-                        </c15:formulaRef>
-                      </c:ext>
-                    </c:extLst>
-                    <c:numCache>
-                      <c:formatCode>_-* #,##0_-;\-* #,##0_-;_-* "-"??_-;_-@_-</c:formatCode>
-                      <c:ptCount val="8"/>
-                      <c:pt idx="0">
-                        <c:v>107000</c:v>
-                      </c:pt>
-                      <c:pt idx="1">
-                        <c:v>101000</c:v>
-                      </c:pt>
-                      <c:pt idx="2">
-                        <c:v>105000</c:v>
-                      </c:pt>
-                      <c:pt idx="3">
-                        <c:v>96000</c:v>
-                      </c:pt>
-                      <c:pt idx="4">
-                        <c:v>95000</c:v>
-                      </c:pt>
-                      <c:pt idx="5">
-                        <c:v>111000</c:v>
-                      </c:pt>
-                      <c:pt idx="6">
-                        <c:v>87000</c:v>
-                      </c:pt>
-                      <c:pt idx="7">
-                        <c:v>62000</c:v>
-                      </c:pt>
-                    </c:numCache>
-                  </c:numRef>
-                </c:val>
-                <c:smooth val="0"/>
-                <c:extLst xmlns:c15="http://schemas.microsoft.com/office/drawing/2012/chart">
-                  <c:ext xmlns:c16="http://schemas.microsoft.com/office/drawing/2014/chart" uri="{C3380CC4-5D6E-409C-BE32-E72D297353CC}">
-                    <c16:uniqueId val="{00000007-0468-4A1D-A2B0-BAA62F359132}"/>
-                  </c:ext>
-                </c:extLst>
-              </c15:ser>
-            </c15:filteredLineSeries>
-            <c15:filteredLineSeries>
-              <c15:ser>
-                <c:idx val="7"/>
-                <c:order val="7"/>
-                <c:tx>
-                  <c:strRef>
-                    <c:extLst xmlns:c15="http://schemas.microsoft.com/office/drawing/2012/chart">
-                      <c:ext xmlns:c15="http://schemas.microsoft.com/office/drawing/2012/chart" uri="{02D57815-91ED-43cb-92C2-25804820EDAC}">
-                        <c15:formulaRef>
-                          <c15:sqref>Occupation!$E$19</c15:sqref>
-                        </c15:formulaRef>
-                      </c:ext>
-                    </c:extLst>
-                    <c:strCache>
-                      <c:ptCount val="1"/>
-                      <c:pt idx="0">
-                        <c:v>Process, Plant And Machine Operatives</c:v>
-                      </c:pt>
-                    </c:strCache>
-                  </c:strRef>
-                </c:tx>
-                <c:spPr>
-                  <a:ln w="28575" cap="rnd">
-                    <a:solidFill>
-                      <a:schemeClr val="accent2">
-                        <a:lumMod val="60000"/>
-                      </a:schemeClr>
-                    </a:solidFill>
-                    <a:round/>
-                  </a:ln>
-                  <a:effectLst/>
-                </c:spPr>
-                <c:marker>
-                  <c:symbol val="none"/>
-                </c:marker>
-                <c:cat>
-                  <c:numRef>
-                    <c:extLst xmlns:c15="http://schemas.microsoft.com/office/drawing/2012/chart">
-                      <c:ext xmlns:c15="http://schemas.microsoft.com/office/drawing/2012/chart" uri="{02D57815-91ED-43cb-92C2-25804820EDAC}">
-                        <c15:formulaRef>
-                          <c15:sqref>Occupation!$F$11:$M$11</c15:sqref>
-                        </c15:formulaRef>
-                      </c:ext>
-                    </c:extLst>
-                    <c:numCache>
-                      <c:formatCode>General</c:formatCode>
-                      <c:ptCount val="8"/>
-                      <c:pt idx="0">
-                        <c:v>2015</c:v>
-                      </c:pt>
-                      <c:pt idx="1">
-                        <c:v>2016</c:v>
-                      </c:pt>
-                      <c:pt idx="2">
-                        <c:v>2017</c:v>
-                      </c:pt>
-                      <c:pt idx="3">
-                        <c:v>2018</c:v>
-                      </c:pt>
-                      <c:pt idx="4">
-                        <c:v>2019</c:v>
-                      </c:pt>
-                      <c:pt idx="5">
-                        <c:v>2020</c:v>
-                      </c:pt>
-                      <c:pt idx="6">
-                        <c:v>2021</c:v>
-                      </c:pt>
-                      <c:pt idx="7">
-                        <c:v>2022</c:v>
-                      </c:pt>
-                    </c:numCache>
-                  </c:numRef>
-                </c:cat>
-                <c:val>
-                  <c:numRef>
-                    <c:extLst xmlns:c15="http://schemas.microsoft.com/office/drawing/2012/chart">
-                      <c:ext xmlns:c15="http://schemas.microsoft.com/office/drawing/2012/chart" uri="{02D57815-91ED-43cb-92C2-25804820EDAC}">
-                        <c15:formulaRef>
-                          <c15:sqref>Occupation!$F$19:$M$19</c15:sqref>
-                        </c15:formulaRef>
-                      </c:ext>
-                    </c:extLst>
-                    <c:numCache>
-                      <c:formatCode>_-* #,##0_-;\-* #,##0_-;_-* "-"??_-;_-@_-</c:formatCode>
-                      <c:ptCount val="8"/>
-                      <c:pt idx="0">
-                        <c:v>100000</c:v>
-                      </c:pt>
-                      <c:pt idx="1">
-                        <c:v>115000</c:v>
-                      </c:pt>
-                      <c:pt idx="2">
-                        <c:v>106000</c:v>
-                      </c:pt>
-                      <c:pt idx="3">
-                        <c:v>97000</c:v>
-                      </c:pt>
-                      <c:pt idx="4">
-                        <c:v>106000</c:v>
-                      </c:pt>
-                      <c:pt idx="5">
-                        <c:v>69000</c:v>
-                      </c:pt>
-                      <c:pt idx="6">
-                        <c:v>60000</c:v>
-                      </c:pt>
-                      <c:pt idx="7">
-                        <c:v>78000</c:v>
-                      </c:pt>
-                    </c:numCache>
-                  </c:numRef>
-                </c:val>
-                <c:smooth val="0"/>
-                <c:extLst xmlns:c15="http://schemas.microsoft.com/office/drawing/2012/chart">
-                  <c:ext xmlns:c16="http://schemas.microsoft.com/office/drawing/2014/chart" uri="{C3380CC4-5D6E-409C-BE32-E72D297353CC}">
-                    <c16:uniqueId val="{00000008-0468-4A1D-A2B0-BAA62F359132}"/>
-                  </c:ext>
-                </c:extLst>
-              </c15:ser>
-            </c15:filteredLineSeries>
-          </c:ext>
-        </c:extLst>
-      </c:lineChart>
+        <c:gapWidth val="182"/>
+        <c:axId val="97953968"/>
+        <c:axId val="97952656"/>
+      </c:barChart>
       <c:catAx>
-        <c:axId val="605682824"/>
+        <c:axId val="97953968"/>
         <c:scaling>
           <c:orientation val="minMax"/>
         </c:scaling>
         <c:delete val="0"/>
-        <c:axPos val="b"/>
+        <c:axPos val="l"/>
         <c:numFmt formatCode="General" sourceLinked="1"/>
         <c:majorTickMark val="none"/>
         <c:minorTickMark val="none"/>
@@ -4057,7 +2759,7 @@
             <a:endParaRPr lang="en-US"/>
           </a:p>
         </c:txPr>
-        <c:crossAx val="605671016"/>
+        <c:crossAx val="97952656"/>
         <c:crosses val="autoZero"/>
         <c:auto val="1"/>
         <c:lblAlgn val="ctr"/>
@@ -4065,12 +2767,13 @@
         <c:noMultiLvlLbl val="0"/>
       </c:catAx>
       <c:valAx>
-        <c:axId val="605671016"/>
+        <c:axId val="97952656"/>
         <c:scaling>
           <c:orientation val="minMax"/>
+          <c:max val="450000"/>
         </c:scaling>
         <c:delete val="0"/>
-        <c:axPos val="l"/>
+        <c:axPos val="b"/>
         <c:majorGridlines>
           <c:spPr>
             <a:ln w="9525" cap="flat" cmpd="sng" algn="ctr">
@@ -4101,7 +2804,7 @@
           <a:lstStyle/>
           <a:p>
             <a:pPr>
-              <a:defRPr sz="1100" b="0" i="0" u="none" strike="noStrike" kern="1200" baseline="0">
+              <a:defRPr sz="1200" b="0" i="0" u="none" strike="noStrike" kern="1200" baseline="0">
                 <a:solidFill>
                   <a:schemeClr val="tx1">
                     <a:lumMod val="65000"/>
@@ -4116,10 +2819,10 @@
             <a:endParaRPr lang="en-US"/>
           </a:p>
         </c:txPr>
-        <c:crossAx val="605682824"/>
+        <c:crossAx val="97953968"/>
         <c:crosses val="autoZero"/>
         <c:crossBetween val="between"/>
-        <c:majorUnit val="100000"/>
+        <c:majorUnit val="150000"/>
       </c:valAx>
       <c:spPr>
         <a:noFill/>
@@ -4135,10 +2838,10 @@
         <c:manualLayout>
           <c:xMode val="edge"/>
           <c:yMode val="edge"/>
-          <c:x val="2.2182961601038401E-2"/>
-          <c:y val="0.15540836691058846"/>
-          <c:w val="0.89999992411893681"/>
-          <c:h val="9.1357646774394452E-2"/>
+          <c:x val="4.8728578045391373E-2"/>
+          <c:y val="0.24189617078700851"/>
+          <c:w val="0.31531090782769799"/>
+          <c:h val="6.8558069248119594E-2"/>
         </c:manualLayout>
       </c:layout>
       <c:overlay val="0"/>
@@ -4154,7 +2857,7 @@
         <a:lstStyle/>
         <a:p>
           <a:pPr>
-            <a:defRPr sz="1100" b="0" i="0" u="none" strike="noStrike" kern="1200" baseline="0">
+            <a:defRPr sz="1200" b="0" i="0" u="none" strike="noStrike" kern="1200" baseline="0">
               <a:solidFill>
                 <a:schemeClr val="tx1">
                   <a:lumMod val="65000"/>
@@ -4182,12 +2885,9 @@
     <c:showDLblsOverMax val="0"/>
   </c:chart>
   <c:spPr>
-    <a:solidFill>
-      <a:schemeClr val="bg1"/>
-    </a:solidFill>
-    <a:ln w="9525" cap="flat" cmpd="sng" algn="ctr">
+    <a:noFill/>
+    <a:ln>
       <a:noFill/>
-      <a:round/>
     </a:ln>
     <a:effectLst/>
   </c:spPr>
@@ -4331,46 +3031,6 @@
 </file>
 
 <file path=ppt/charts/colors4.xml><?xml version="1.0" encoding="utf-8"?>
-<cs:colorStyle xmlns:cs="http://schemas.microsoft.com/office/drawing/2012/chartStyle" xmlns:a="http://schemas.openxmlformats.org/drawingml/2006/main" meth="cycle" id="10">
-  <a:schemeClr val="accent1"/>
-  <a:schemeClr val="accent2"/>
-  <a:schemeClr val="accent3"/>
-  <a:schemeClr val="accent4"/>
-  <a:schemeClr val="accent5"/>
-  <a:schemeClr val="accent6"/>
-  <cs:variation/>
-  <cs:variation>
-    <a:lumMod val="60000"/>
-  </cs:variation>
-  <cs:variation>
-    <a:lumMod val="80000"/>
-    <a:lumOff val="20000"/>
-  </cs:variation>
-  <cs:variation>
-    <a:lumMod val="80000"/>
-  </cs:variation>
-  <cs:variation>
-    <a:lumMod val="60000"/>
-    <a:lumOff val="40000"/>
-  </cs:variation>
-  <cs:variation>
-    <a:lumMod val="50000"/>
-  </cs:variation>
-  <cs:variation>
-    <a:lumMod val="70000"/>
-    <a:lumOff val="30000"/>
-  </cs:variation>
-  <cs:variation>
-    <a:lumMod val="70000"/>
-  </cs:variation>
-  <cs:variation>
-    <a:lumMod val="50000"/>
-    <a:lumOff val="50000"/>
-  </cs:variation>
-</cs:colorStyle>
-</file>
-
-<file path=ppt/charts/colors5.xml><?xml version="1.0" encoding="utf-8"?>
 <cs:colorStyle xmlns:cs="http://schemas.microsoft.com/office/drawing/2012/chartStyle" xmlns:a="http://schemas.openxmlformats.org/drawingml/2006/main" meth="cycle" id="10">
   <a:schemeClr val="accent1"/>
   <a:schemeClr val="accent2"/>
@@ -4927,522 +3587,6 @@
 </file>
 
 <file path=ppt/charts/style2.xml><?xml version="1.0" encoding="utf-8"?>
-<cs:chartStyle xmlns:cs="http://schemas.microsoft.com/office/drawing/2012/chartStyle" xmlns:a="http://schemas.openxmlformats.org/drawingml/2006/main" id="240">
-  <cs:axisTitle>
-    <cs:lnRef idx="0"/>
-    <cs:fillRef idx="0"/>
-    <cs:effectRef idx="0"/>
-    <cs:fontRef idx="minor">
-      <a:schemeClr val="tx1">
-        <a:lumMod val="65000"/>
-        <a:lumOff val="35000"/>
-      </a:schemeClr>
-    </cs:fontRef>
-    <cs:defRPr sz="1000" kern="1200"/>
-  </cs:axisTitle>
-  <cs:categoryAxis>
-    <cs:lnRef idx="0"/>
-    <cs:fillRef idx="0"/>
-    <cs:effectRef idx="0"/>
-    <cs:fontRef idx="minor">
-      <a:schemeClr val="tx1">
-        <a:lumMod val="65000"/>
-        <a:lumOff val="35000"/>
-      </a:schemeClr>
-    </cs:fontRef>
-    <cs:spPr>
-      <a:ln w="9525" cap="flat" cmpd="sng" algn="ctr">
-        <a:solidFill>
-          <a:schemeClr val="tx1">
-            <a:lumMod val="25000"/>
-            <a:lumOff val="75000"/>
-          </a:schemeClr>
-        </a:solidFill>
-        <a:round/>
-      </a:ln>
-    </cs:spPr>
-    <cs:defRPr sz="900" kern="1200"/>
-  </cs:categoryAxis>
-  <cs:chartArea mods="allowNoFillOverride allowNoLineOverride">
-    <cs:lnRef idx="0"/>
-    <cs:fillRef idx="0"/>
-    <cs:effectRef idx="0"/>
-    <cs:fontRef idx="minor">
-      <a:schemeClr val="tx1"/>
-    </cs:fontRef>
-    <cs:spPr>
-      <a:solidFill>
-        <a:schemeClr val="bg1"/>
-      </a:solidFill>
-      <a:ln w="9525" cap="flat" cmpd="sng" algn="ctr">
-        <a:solidFill>
-          <a:schemeClr val="tx1">
-            <a:lumMod val="15000"/>
-            <a:lumOff val="85000"/>
-          </a:schemeClr>
-        </a:solidFill>
-        <a:round/>
-      </a:ln>
-    </cs:spPr>
-    <cs:defRPr sz="1000" kern="1200"/>
-  </cs:chartArea>
-  <cs:dataLabel>
-    <cs:lnRef idx="0"/>
-    <cs:fillRef idx="0"/>
-    <cs:effectRef idx="0"/>
-    <cs:fontRef idx="minor">
-      <a:schemeClr val="tx1">
-        <a:lumMod val="75000"/>
-        <a:lumOff val="25000"/>
-      </a:schemeClr>
-    </cs:fontRef>
-    <cs:defRPr sz="900" kern="1200"/>
-  </cs:dataLabel>
-  <cs:dataLabelCallout>
-    <cs:lnRef idx="0"/>
-    <cs:fillRef idx="0"/>
-    <cs:effectRef idx="0"/>
-    <cs:fontRef idx="minor">
-      <a:schemeClr val="dk1">
-        <a:lumMod val="65000"/>
-        <a:lumOff val="35000"/>
-      </a:schemeClr>
-    </cs:fontRef>
-    <cs:spPr>
-      <a:solidFill>
-        <a:schemeClr val="lt1"/>
-      </a:solidFill>
-      <a:ln>
-        <a:solidFill>
-          <a:schemeClr val="dk1">
-            <a:lumMod val="25000"/>
-            <a:lumOff val="75000"/>
-          </a:schemeClr>
-        </a:solidFill>
-      </a:ln>
-    </cs:spPr>
-    <cs:defRPr sz="900" kern="1200"/>
-    <cs:bodyPr rot="0" spcFirstLastPara="1" vertOverflow="clip" horzOverflow="clip" vert="horz" wrap="square" lIns="36576" tIns="18288" rIns="36576" bIns="18288" anchor="ctr" anchorCtr="1">
-      <a:spAutoFit/>
-    </cs:bodyPr>
-  </cs:dataLabelCallout>
-  <cs:dataPoint>
-    <cs:lnRef idx="0"/>
-    <cs:fillRef idx="1">
-      <cs:styleClr val="auto"/>
-    </cs:fillRef>
-    <cs:effectRef idx="0"/>
-    <cs:fontRef idx="minor">
-      <a:schemeClr val="tx1"/>
-    </cs:fontRef>
-  </cs:dataPoint>
-  <cs:dataPoint3D>
-    <cs:lnRef idx="0"/>
-    <cs:fillRef idx="1">
-      <cs:styleClr val="auto"/>
-    </cs:fillRef>
-    <cs:effectRef idx="0"/>
-    <cs:fontRef idx="minor">
-      <a:schemeClr val="tx1"/>
-    </cs:fontRef>
-  </cs:dataPoint3D>
-  <cs:dataPointLine>
-    <cs:lnRef idx="0">
-      <cs:styleClr val="auto"/>
-    </cs:lnRef>
-    <cs:fillRef idx="1"/>
-    <cs:effectRef idx="0"/>
-    <cs:fontRef idx="minor">
-      <a:schemeClr val="tx1"/>
-    </cs:fontRef>
-    <cs:spPr>
-      <a:ln w="19050" cap="rnd">
-        <a:solidFill>
-          <a:schemeClr val="phClr"/>
-        </a:solidFill>
-        <a:round/>
-      </a:ln>
-    </cs:spPr>
-  </cs:dataPointLine>
-  <cs:dataPointMarker>
-    <cs:lnRef idx="0">
-      <cs:styleClr val="auto"/>
-    </cs:lnRef>
-    <cs:fillRef idx="1">
-      <cs:styleClr val="auto"/>
-    </cs:fillRef>
-    <cs:effectRef idx="0"/>
-    <cs:fontRef idx="minor">
-      <a:schemeClr val="tx1"/>
-    </cs:fontRef>
-    <cs:spPr>
-      <a:ln w="9525">
-        <a:solidFill>
-          <a:schemeClr val="phClr"/>
-        </a:solidFill>
-      </a:ln>
-    </cs:spPr>
-  </cs:dataPointMarker>
-  <cs:dataPointMarkerLayout symbol="circle" size="5"/>
-  <cs:dataPointWireframe>
-    <cs:lnRef idx="0">
-      <cs:styleClr val="auto"/>
-    </cs:lnRef>
-    <cs:fillRef idx="0"/>
-    <cs:effectRef idx="0"/>
-    <cs:fontRef idx="minor">
-      <a:schemeClr val="dk1"/>
-    </cs:fontRef>
-    <cs:spPr>
-      <a:ln w="9525" cap="rnd">
-        <a:solidFill>
-          <a:schemeClr val="phClr"/>
-        </a:solidFill>
-        <a:round/>
-      </a:ln>
-    </cs:spPr>
-  </cs:dataPointWireframe>
-  <cs:dataTable>
-    <cs:lnRef idx="0"/>
-    <cs:fillRef idx="0"/>
-    <cs:effectRef idx="0"/>
-    <cs:fontRef idx="minor">
-      <a:schemeClr val="tx1">
-        <a:lumMod val="65000"/>
-        <a:lumOff val="35000"/>
-      </a:schemeClr>
-    </cs:fontRef>
-    <cs:spPr>
-      <a:noFill/>
-      <a:ln w="9525" cap="flat" cmpd="sng" algn="ctr">
-        <a:solidFill>
-          <a:schemeClr val="tx1">
-            <a:lumMod val="15000"/>
-            <a:lumOff val="85000"/>
-          </a:schemeClr>
-        </a:solidFill>
-        <a:round/>
-      </a:ln>
-    </cs:spPr>
-    <cs:defRPr sz="900" kern="1200"/>
-  </cs:dataTable>
-  <cs:downBar>
-    <cs:lnRef idx="0"/>
-    <cs:fillRef idx="0"/>
-    <cs:effectRef idx="0"/>
-    <cs:fontRef idx="minor">
-      <a:schemeClr val="tx1"/>
-    </cs:fontRef>
-    <cs:spPr>
-      <a:solidFill>
-        <a:schemeClr val="dk1">
-          <a:lumMod val="75000"/>
-          <a:lumOff val="25000"/>
-        </a:schemeClr>
-      </a:solidFill>
-      <a:ln w="9525" cap="flat" cmpd="sng" algn="ctr">
-        <a:solidFill>
-          <a:schemeClr val="tx1">
-            <a:lumMod val="65000"/>
-            <a:lumOff val="35000"/>
-          </a:schemeClr>
-        </a:solidFill>
-        <a:round/>
-      </a:ln>
-    </cs:spPr>
-  </cs:downBar>
-  <cs:dropLine>
-    <cs:lnRef idx="0"/>
-    <cs:fillRef idx="0"/>
-    <cs:effectRef idx="0"/>
-    <cs:fontRef idx="minor">
-      <a:schemeClr val="tx1"/>
-    </cs:fontRef>
-    <cs:spPr>
-      <a:ln w="9525" cap="flat" cmpd="sng" algn="ctr">
-        <a:solidFill>
-          <a:schemeClr val="tx1">
-            <a:lumMod val="35000"/>
-            <a:lumOff val="65000"/>
-          </a:schemeClr>
-        </a:solidFill>
-        <a:round/>
-      </a:ln>
-    </cs:spPr>
-  </cs:dropLine>
-  <cs:errorBar>
-    <cs:lnRef idx="0"/>
-    <cs:fillRef idx="0"/>
-    <cs:effectRef idx="0"/>
-    <cs:fontRef idx="minor">
-      <a:schemeClr val="tx1"/>
-    </cs:fontRef>
-    <cs:spPr>
-      <a:ln w="9525" cap="flat" cmpd="sng" algn="ctr">
-        <a:solidFill>
-          <a:schemeClr val="tx1">
-            <a:lumMod val="65000"/>
-            <a:lumOff val="35000"/>
-          </a:schemeClr>
-        </a:solidFill>
-        <a:round/>
-      </a:ln>
-    </cs:spPr>
-  </cs:errorBar>
-  <cs:floor>
-    <cs:lnRef idx="0"/>
-    <cs:fillRef idx="0"/>
-    <cs:effectRef idx="0"/>
-    <cs:fontRef idx="minor">
-      <a:schemeClr val="tx1"/>
-    </cs:fontRef>
-    <cs:spPr>
-      <a:noFill/>
-      <a:ln>
-        <a:noFill/>
-      </a:ln>
-    </cs:spPr>
-  </cs:floor>
-  <cs:gridlineMajor>
-    <cs:lnRef idx="0"/>
-    <cs:fillRef idx="0"/>
-    <cs:effectRef idx="0"/>
-    <cs:fontRef idx="minor">
-      <a:schemeClr val="tx1"/>
-    </cs:fontRef>
-    <cs:spPr>
-      <a:ln w="9525" cap="flat" cmpd="sng" algn="ctr">
-        <a:solidFill>
-          <a:schemeClr val="tx1">
-            <a:lumMod val="15000"/>
-            <a:lumOff val="85000"/>
-          </a:schemeClr>
-        </a:solidFill>
-        <a:round/>
-      </a:ln>
-    </cs:spPr>
-  </cs:gridlineMajor>
-  <cs:gridlineMinor>
-    <cs:lnRef idx="0"/>
-    <cs:fillRef idx="0"/>
-    <cs:effectRef idx="0"/>
-    <cs:fontRef idx="minor">
-      <a:schemeClr val="tx1"/>
-    </cs:fontRef>
-    <cs:spPr>
-      <a:ln w="9525" cap="flat" cmpd="sng" algn="ctr">
-        <a:solidFill>
-          <a:schemeClr val="tx1">
-            <a:lumMod val="5000"/>
-            <a:lumOff val="95000"/>
-          </a:schemeClr>
-        </a:solidFill>
-        <a:round/>
-      </a:ln>
-    </cs:spPr>
-  </cs:gridlineMinor>
-  <cs:hiLoLine>
-    <cs:lnRef idx="0"/>
-    <cs:fillRef idx="0"/>
-    <cs:effectRef idx="0"/>
-    <cs:fontRef idx="minor">
-      <a:schemeClr val="tx1"/>
-    </cs:fontRef>
-    <cs:spPr>
-      <a:ln w="9525" cap="flat" cmpd="sng" algn="ctr">
-        <a:solidFill>
-          <a:schemeClr val="tx1">
-            <a:lumMod val="50000"/>
-            <a:lumOff val="50000"/>
-          </a:schemeClr>
-        </a:solidFill>
-        <a:round/>
-      </a:ln>
-    </cs:spPr>
-  </cs:hiLoLine>
-  <cs:leaderLine>
-    <cs:lnRef idx="0"/>
-    <cs:fillRef idx="0"/>
-    <cs:effectRef idx="0"/>
-    <cs:fontRef idx="minor">
-      <a:schemeClr val="tx1"/>
-    </cs:fontRef>
-    <cs:spPr>
-      <a:ln w="9525" cap="flat" cmpd="sng" algn="ctr">
-        <a:solidFill>
-          <a:schemeClr val="tx1">
-            <a:lumMod val="35000"/>
-            <a:lumOff val="65000"/>
-          </a:schemeClr>
-        </a:solidFill>
-        <a:round/>
-      </a:ln>
-    </cs:spPr>
-  </cs:leaderLine>
-  <cs:legend>
-    <cs:lnRef idx="0"/>
-    <cs:fillRef idx="0"/>
-    <cs:effectRef idx="0"/>
-    <cs:fontRef idx="minor">
-      <a:schemeClr val="tx1">
-        <a:lumMod val="65000"/>
-        <a:lumOff val="35000"/>
-      </a:schemeClr>
-    </cs:fontRef>
-    <cs:defRPr sz="900" kern="1200"/>
-  </cs:legend>
-  <cs:plotArea mods="allowNoFillOverride allowNoLineOverride">
-    <cs:lnRef idx="0"/>
-    <cs:fillRef idx="0"/>
-    <cs:effectRef idx="0"/>
-    <cs:fontRef idx="minor">
-      <a:schemeClr val="tx1"/>
-    </cs:fontRef>
-  </cs:plotArea>
-  <cs:plotArea3D mods="allowNoFillOverride allowNoLineOverride">
-    <cs:lnRef idx="0"/>
-    <cs:fillRef idx="0"/>
-    <cs:effectRef idx="0"/>
-    <cs:fontRef idx="minor">
-      <a:schemeClr val="tx1"/>
-    </cs:fontRef>
-  </cs:plotArea3D>
-  <cs:seriesAxis>
-    <cs:lnRef idx="0"/>
-    <cs:fillRef idx="0"/>
-    <cs:effectRef idx="0"/>
-    <cs:fontRef idx="minor">
-      <a:schemeClr val="tx1">
-        <a:lumMod val="65000"/>
-        <a:lumOff val="35000"/>
-      </a:schemeClr>
-    </cs:fontRef>
-    <cs:defRPr sz="900" kern="1200"/>
-  </cs:seriesAxis>
-  <cs:seriesLine>
-    <cs:lnRef idx="0"/>
-    <cs:fillRef idx="0"/>
-    <cs:effectRef idx="0"/>
-    <cs:fontRef idx="minor">
-      <a:schemeClr val="tx1"/>
-    </cs:fontRef>
-    <cs:spPr>
-      <a:ln w="9525" cap="flat" cmpd="sng" algn="ctr">
-        <a:solidFill>
-          <a:schemeClr val="tx1">
-            <a:lumMod val="35000"/>
-            <a:lumOff val="65000"/>
-          </a:schemeClr>
-        </a:solidFill>
-        <a:round/>
-      </a:ln>
-    </cs:spPr>
-  </cs:seriesLine>
-  <cs:title>
-    <cs:lnRef idx="0"/>
-    <cs:fillRef idx="0"/>
-    <cs:effectRef idx="0"/>
-    <cs:fontRef idx="minor">
-      <a:schemeClr val="tx1">
-        <a:lumMod val="65000"/>
-        <a:lumOff val="35000"/>
-      </a:schemeClr>
-    </cs:fontRef>
-    <cs:defRPr sz="1400" b="0" kern="1200" spc="0" baseline="0"/>
-  </cs:title>
-  <cs:trendline>
-    <cs:lnRef idx="0">
-      <cs:styleClr val="auto"/>
-    </cs:lnRef>
-    <cs:fillRef idx="0"/>
-    <cs:effectRef idx="0"/>
-    <cs:fontRef idx="minor">
-      <a:schemeClr val="tx1"/>
-    </cs:fontRef>
-    <cs:spPr>
-      <a:ln w="19050" cap="rnd">
-        <a:solidFill>
-          <a:schemeClr val="phClr"/>
-        </a:solidFill>
-        <a:prstDash val="sysDot"/>
-      </a:ln>
-    </cs:spPr>
-  </cs:trendline>
-  <cs:trendlineLabel>
-    <cs:lnRef idx="0"/>
-    <cs:fillRef idx="0"/>
-    <cs:effectRef idx="0"/>
-    <cs:fontRef idx="minor">
-      <a:schemeClr val="tx1">
-        <a:lumMod val="65000"/>
-        <a:lumOff val="35000"/>
-      </a:schemeClr>
-    </cs:fontRef>
-    <cs:defRPr sz="900" kern="1200"/>
-  </cs:trendlineLabel>
-  <cs:upBar>
-    <cs:lnRef idx="0"/>
-    <cs:fillRef idx="0"/>
-    <cs:effectRef idx="0"/>
-    <cs:fontRef idx="minor">
-      <a:schemeClr val="tx1"/>
-    </cs:fontRef>
-    <cs:spPr>
-      <a:solidFill>
-        <a:schemeClr val="lt1"/>
-      </a:solidFill>
-      <a:ln w="9525" cap="flat" cmpd="sng" algn="ctr">
-        <a:solidFill>
-          <a:schemeClr val="tx1">
-            <a:lumMod val="65000"/>
-            <a:lumOff val="35000"/>
-          </a:schemeClr>
-        </a:solidFill>
-        <a:round/>
-      </a:ln>
-    </cs:spPr>
-  </cs:upBar>
-  <cs:valueAxis>
-    <cs:lnRef idx="0"/>
-    <cs:fillRef idx="0"/>
-    <cs:effectRef idx="0"/>
-    <cs:fontRef idx="minor">
-      <a:schemeClr val="tx1">
-        <a:lumMod val="65000"/>
-        <a:lumOff val="35000"/>
-      </a:schemeClr>
-    </cs:fontRef>
-    <cs:spPr>
-      <a:ln w="9525" cap="flat" cmpd="sng" algn="ctr">
-        <a:solidFill>
-          <a:schemeClr val="tx1">
-            <a:lumMod val="25000"/>
-            <a:lumOff val="75000"/>
-          </a:schemeClr>
-        </a:solidFill>
-        <a:round/>
-      </a:ln>
-    </cs:spPr>
-    <cs:defRPr sz="900" kern="1200"/>
-  </cs:valueAxis>
-  <cs:wall>
-    <cs:lnRef idx="0"/>
-    <cs:fillRef idx="0"/>
-    <cs:effectRef idx="0"/>
-    <cs:fontRef idx="minor">
-      <a:schemeClr val="tx1"/>
-    </cs:fontRef>
-    <cs:spPr>
-      <a:noFill/>
-      <a:ln>
-        <a:noFill/>
-      </a:ln>
-    </cs:spPr>
-  </cs:wall>
-</cs:chartStyle>
-</file>
-
-<file path=ppt/charts/style3.xml><?xml version="1.0" encoding="utf-8"?>
 <cs:chartStyle xmlns:cs="http://schemas.microsoft.com/office/drawing/2012/chartStyle" xmlns:a="http://schemas.openxmlformats.org/drawingml/2006/main" id="201">
   <cs:axisTitle>
     <cs:lnRef idx="0"/>
@@ -5913,6 +4057,511 @@
             <a:lumOff val="85000"/>
           </a:schemeClr>
         </a:solidFill>
+      </a:ln>
+    </cs:spPr>
+  </cs:upBar>
+  <cs:valueAxis>
+    <cs:lnRef idx="0"/>
+    <cs:fillRef idx="0"/>
+    <cs:effectRef idx="0"/>
+    <cs:fontRef idx="minor">
+      <a:schemeClr val="tx1">
+        <a:lumMod val="65000"/>
+        <a:lumOff val="35000"/>
+      </a:schemeClr>
+    </cs:fontRef>
+    <cs:defRPr sz="900" kern="1200"/>
+  </cs:valueAxis>
+  <cs:wall>
+    <cs:lnRef idx="0"/>
+    <cs:fillRef idx="0"/>
+    <cs:effectRef idx="0"/>
+    <cs:fontRef idx="minor">
+      <a:schemeClr val="tx1"/>
+    </cs:fontRef>
+    <cs:spPr>
+      <a:noFill/>
+      <a:ln>
+        <a:noFill/>
+      </a:ln>
+    </cs:spPr>
+  </cs:wall>
+</cs:chartStyle>
+</file>
+
+<file path=ppt/charts/style3.xml><?xml version="1.0" encoding="utf-8"?>
+<cs:chartStyle xmlns:cs="http://schemas.microsoft.com/office/drawing/2012/chartStyle" xmlns:a="http://schemas.openxmlformats.org/drawingml/2006/main" id="216">
+  <cs:axisTitle>
+    <cs:lnRef idx="0"/>
+    <cs:fillRef idx="0"/>
+    <cs:effectRef idx="0"/>
+    <cs:fontRef idx="minor">
+      <a:schemeClr val="tx1">
+        <a:lumMod val="65000"/>
+        <a:lumOff val="35000"/>
+      </a:schemeClr>
+    </cs:fontRef>
+    <cs:defRPr sz="1000" kern="1200"/>
+  </cs:axisTitle>
+  <cs:categoryAxis>
+    <cs:lnRef idx="0"/>
+    <cs:fillRef idx="0"/>
+    <cs:effectRef idx="0"/>
+    <cs:fontRef idx="minor">
+      <a:schemeClr val="tx1">
+        <a:lumMod val="65000"/>
+        <a:lumOff val="35000"/>
+      </a:schemeClr>
+    </cs:fontRef>
+    <cs:spPr>
+      <a:ln w="9525" cap="flat" cmpd="sng" algn="ctr">
+        <a:solidFill>
+          <a:schemeClr val="tx1">
+            <a:lumMod val="15000"/>
+            <a:lumOff val="85000"/>
+          </a:schemeClr>
+        </a:solidFill>
+        <a:round/>
+      </a:ln>
+    </cs:spPr>
+    <cs:defRPr sz="900" kern="1200"/>
+  </cs:categoryAxis>
+  <cs:chartArea mods="allowNoFillOverride allowNoLineOverride">
+    <cs:lnRef idx="0"/>
+    <cs:fillRef idx="0"/>
+    <cs:effectRef idx="0"/>
+    <cs:fontRef idx="minor">
+      <a:schemeClr val="tx1"/>
+    </cs:fontRef>
+    <cs:spPr>
+      <a:solidFill>
+        <a:schemeClr val="bg1"/>
+      </a:solidFill>
+      <a:ln w="9525" cap="flat" cmpd="sng" algn="ctr">
+        <a:solidFill>
+          <a:schemeClr val="tx1">
+            <a:lumMod val="15000"/>
+            <a:lumOff val="85000"/>
+          </a:schemeClr>
+        </a:solidFill>
+        <a:round/>
+      </a:ln>
+    </cs:spPr>
+    <cs:defRPr sz="1000" kern="1200"/>
+  </cs:chartArea>
+  <cs:dataLabel>
+    <cs:lnRef idx="0"/>
+    <cs:fillRef idx="0"/>
+    <cs:effectRef idx="0"/>
+    <cs:fontRef idx="minor">
+      <a:schemeClr val="tx1">
+        <a:lumMod val="75000"/>
+        <a:lumOff val="25000"/>
+      </a:schemeClr>
+    </cs:fontRef>
+    <cs:defRPr sz="900" kern="1200"/>
+  </cs:dataLabel>
+  <cs:dataLabelCallout>
+    <cs:lnRef idx="0"/>
+    <cs:fillRef idx="0"/>
+    <cs:effectRef idx="0"/>
+    <cs:fontRef idx="minor">
+      <a:schemeClr val="dk1">
+        <a:lumMod val="65000"/>
+        <a:lumOff val="35000"/>
+      </a:schemeClr>
+    </cs:fontRef>
+    <cs:spPr>
+      <a:solidFill>
+        <a:schemeClr val="lt1"/>
+      </a:solidFill>
+      <a:ln>
+        <a:solidFill>
+          <a:schemeClr val="dk1">
+            <a:lumMod val="25000"/>
+            <a:lumOff val="75000"/>
+          </a:schemeClr>
+        </a:solidFill>
+      </a:ln>
+    </cs:spPr>
+    <cs:defRPr sz="900" kern="1200"/>
+    <cs:bodyPr rot="0" spcFirstLastPara="1" vertOverflow="clip" horzOverflow="clip" vert="horz" wrap="square" lIns="36576" tIns="18288" rIns="36576" bIns="18288" anchor="ctr" anchorCtr="1">
+      <a:spAutoFit/>
+    </cs:bodyPr>
+  </cs:dataLabelCallout>
+  <cs:dataPoint>
+    <cs:lnRef idx="0"/>
+    <cs:fillRef idx="1">
+      <cs:styleClr val="auto"/>
+    </cs:fillRef>
+    <cs:effectRef idx="0"/>
+    <cs:fontRef idx="minor">
+      <a:schemeClr val="tx1"/>
+    </cs:fontRef>
+  </cs:dataPoint>
+  <cs:dataPoint3D>
+    <cs:lnRef idx="0"/>
+    <cs:fillRef idx="1">
+      <cs:styleClr val="auto"/>
+    </cs:fillRef>
+    <cs:effectRef idx="0"/>
+    <cs:fontRef idx="minor">
+      <a:schemeClr val="tx1"/>
+    </cs:fontRef>
+  </cs:dataPoint3D>
+  <cs:dataPointLine>
+    <cs:lnRef idx="0">
+      <cs:styleClr val="auto"/>
+    </cs:lnRef>
+    <cs:fillRef idx="1"/>
+    <cs:effectRef idx="0"/>
+    <cs:fontRef idx="minor">
+      <a:schemeClr val="tx1"/>
+    </cs:fontRef>
+    <cs:spPr>
+      <a:ln w="28575" cap="rnd">
+        <a:solidFill>
+          <a:schemeClr val="phClr"/>
+        </a:solidFill>
+        <a:round/>
+      </a:ln>
+    </cs:spPr>
+  </cs:dataPointLine>
+  <cs:dataPointMarker>
+    <cs:lnRef idx="0">
+      <cs:styleClr val="auto"/>
+    </cs:lnRef>
+    <cs:fillRef idx="1">
+      <cs:styleClr val="auto"/>
+    </cs:fillRef>
+    <cs:effectRef idx="0"/>
+    <cs:fontRef idx="minor">
+      <a:schemeClr val="tx1"/>
+    </cs:fontRef>
+    <cs:spPr>
+      <a:ln w="9525">
+        <a:solidFill>
+          <a:schemeClr val="phClr"/>
+        </a:solidFill>
+      </a:ln>
+    </cs:spPr>
+  </cs:dataPointMarker>
+  <cs:dataPointMarkerLayout symbol="circle" size="5"/>
+  <cs:dataPointWireframe>
+    <cs:lnRef idx="0">
+      <cs:styleClr val="auto"/>
+    </cs:lnRef>
+    <cs:fillRef idx="1"/>
+    <cs:effectRef idx="0"/>
+    <cs:fontRef idx="minor">
+      <a:schemeClr val="tx1"/>
+    </cs:fontRef>
+    <cs:spPr>
+      <a:ln w="9525" cap="rnd">
+        <a:solidFill>
+          <a:schemeClr val="phClr"/>
+        </a:solidFill>
+        <a:round/>
+      </a:ln>
+    </cs:spPr>
+  </cs:dataPointWireframe>
+  <cs:dataTable>
+    <cs:lnRef idx="0"/>
+    <cs:fillRef idx="0"/>
+    <cs:effectRef idx="0"/>
+    <cs:fontRef idx="minor">
+      <a:schemeClr val="tx1">
+        <a:lumMod val="65000"/>
+        <a:lumOff val="35000"/>
+      </a:schemeClr>
+    </cs:fontRef>
+    <cs:spPr>
+      <a:noFill/>
+      <a:ln w="9525" cap="flat" cmpd="sng" algn="ctr">
+        <a:solidFill>
+          <a:schemeClr val="tx1">
+            <a:lumMod val="15000"/>
+            <a:lumOff val="85000"/>
+          </a:schemeClr>
+        </a:solidFill>
+        <a:round/>
+      </a:ln>
+    </cs:spPr>
+    <cs:defRPr sz="900" kern="1200"/>
+  </cs:dataTable>
+  <cs:downBar>
+    <cs:lnRef idx="0"/>
+    <cs:fillRef idx="0"/>
+    <cs:effectRef idx="0"/>
+    <cs:fontRef idx="minor">
+      <a:schemeClr val="tx1"/>
+    </cs:fontRef>
+    <cs:spPr>
+      <a:solidFill>
+        <a:schemeClr val="dk1">
+          <a:lumMod val="75000"/>
+          <a:lumOff val="25000"/>
+        </a:schemeClr>
+      </a:solidFill>
+      <a:ln w="9525" cap="flat" cmpd="sng" algn="ctr">
+        <a:solidFill>
+          <a:schemeClr val="tx1">
+            <a:lumMod val="65000"/>
+            <a:lumOff val="35000"/>
+          </a:schemeClr>
+        </a:solidFill>
+        <a:round/>
+      </a:ln>
+    </cs:spPr>
+  </cs:downBar>
+  <cs:dropLine>
+    <cs:lnRef idx="0"/>
+    <cs:fillRef idx="0"/>
+    <cs:effectRef idx="0"/>
+    <cs:fontRef idx="minor">
+      <a:schemeClr val="tx1"/>
+    </cs:fontRef>
+    <cs:spPr>
+      <a:ln w="9525" cap="flat" cmpd="sng" algn="ctr">
+        <a:solidFill>
+          <a:schemeClr val="tx1">
+            <a:lumMod val="35000"/>
+            <a:lumOff val="65000"/>
+          </a:schemeClr>
+        </a:solidFill>
+        <a:round/>
+      </a:ln>
+    </cs:spPr>
+  </cs:dropLine>
+  <cs:errorBar>
+    <cs:lnRef idx="0"/>
+    <cs:fillRef idx="0"/>
+    <cs:effectRef idx="0"/>
+    <cs:fontRef idx="minor">
+      <a:schemeClr val="tx1"/>
+    </cs:fontRef>
+    <cs:spPr>
+      <a:ln w="9525" cap="flat" cmpd="sng" algn="ctr">
+        <a:solidFill>
+          <a:schemeClr val="tx1">
+            <a:lumMod val="65000"/>
+            <a:lumOff val="35000"/>
+          </a:schemeClr>
+        </a:solidFill>
+        <a:round/>
+      </a:ln>
+    </cs:spPr>
+  </cs:errorBar>
+  <cs:floor>
+    <cs:lnRef idx="0"/>
+    <cs:fillRef idx="0"/>
+    <cs:effectRef idx="0"/>
+    <cs:fontRef idx="minor">
+      <a:schemeClr val="tx1"/>
+    </cs:fontRef>
+    <cs:spPr>
+      <a:noFill/>
+      <a:ln>
+        <a:noFill/>
+      </a:ln>
+    </cs:spPr>
+  </cs:floor>
+  <cs:gridlineMajor>
+    <cs:lnRef idx="0"/>
+    <cs:fillRef idx="0"/>
+    <cs:effectRef idx="0"/>
+    <cs:fontRef idx="minor">
+      <a:schemeClr val="tx1"/>
+    </cs:fontRef>
+    <cs:spPr>
+      <a:ln w="9525" cap="flat" cmpd="sng" algn="ctr">
+        <a:solidFill>
+          <a:schemeClr val="tx1">
+            <a:lumMod val="15000"/>
+            <a:lumOff val="85000"/>
+          </a:schemeClr>
+        </a:solidFill>
+        <a:round/>
+      </a:ln>
+    </cs:spPr>
+  </cs:gridlineMajor>
+  <cs:gridlineMinor>
+    <cs:lnRef idx="0"/>
+    <cs:fillRef idx="0"/>
+    <cs:effectRef idx="0"/>
+    <cs:fontRef idx="minor">
+      <a:schemeClr val="tx1"/>
+    </cs:fontRef>
+    <cs:spPr>
+      <a:ln w="9525" cap="flat" cmpd="sng" algn="ctr">
+        <a:solidFill>
+          <a:schemeClr val="tx1">
+            <a:lumMod val="5000"/>
+            <a:lumOff val="95000"/>
+          </a:schemeClr>
+        </a:solidFill>
+        <a:round/>
+      </a:ln>
+    </cs:spPr>
+  </cs:gridlineMinor>
+  <cs:hiLoLine>
+    <cs:lnRef idx="0"/>
+    <cs:fillRef idx="0"/>
+    <cs:effectRef idx="0"/>
+    <cs:fontRef idx="minor">
+      <a:schemeClr val="tx1"/>
+    </cs:fontRef>
+    <cs:spPr>
+      <a:ln w="9525" cap="flat" cmpd="sng" algn="ctr">
+        <a:solidFill>
+          <a:schemeClr val="tx1">
+            <a:lumMod val="50000"/>
+            <a:lumOff val="50000"/>
+          </a:schemeClr>
+        </a:solidFill>
+        <a:round/>
+      </a:ln>
+    </cs:spPr>
+  </cs:hiLoLine>
+  <cs:leaderLine>
+    <cs:lnRef idx="0"/>
+    <cs:fillRef idx="0"/>
+    <cs:effectRef idx="0"/>
+    <cs:fontRef idx="minor">
+      <a:schemeClr val="tx1"/>
+    </cs:fontRef>
+    <cs:spPr>
+      <a:ln w="9525" cap="flat" cmpd="sng" algn="ctr">
+        <a:solidFill>
+          <a:schemeClr val="tx1">
+            <a:lumMod val="35000"/>
+            <a:lumOff val="65000"/>
+          </a:schemeClr>
+        </a:solidFill>
+        <a:round/>
+      </a:ln>
+    </cs:spPr>
+  </cs:leaderLine>
+  <cs:legend>
+    <cs:lnRef idx="0"/>
+    <cs:fillRef idx="0"/>
+    <cs:effectRef idx="0"/>
+    <cs:fontRef idx="minor">
+      <a:schemeClr val="tx1">
+        <a:lumMod val="65000"/>
+        <a:lumOff val="35000"/>
+      </a:schemeClr>
+    </cs:fontRef>
+    <cs:defRPr sz="900" kern="1200"/>
+  </cs:legend>
+  <cs:plotArea mods="allowNoFillOverride allowNoLineOverride">
+    <cs:lnRef idx="0"/>
+    <cs:fillRef idx="0"/>
+    <cs:effectRef idx="0"/>
+    <cs:fontRef idx="minor">
+      <a:schemeClr val="tx1"/>
+    </cs:fontRef>
+  </cs:plotArea>
+  <cs:plotArea3D mods="allowNoFillOverride allowNoLineOverride">
+    <cs:lnRef idx="0"/>
+    <cs:fillRef idx="0"/>
+    <cs:effectRef idx="0"/>
+    <cs:fontRef idx="minor">
+      <a:schemeClr val="tx1"/>
+    </cs:fontRef>
+  </cs:plotArea3D>
+  <cs:seriesAxis>
+    <cs:lnRef idx="0"/>
+    <cs:fillRef idx="0"/>
+    <cs:effectRef idx="0"/>
+    <cs:fontRef idx="minor">
+      <a:schemeClr val="tx1">
+        <a:lumMod val="65000"/>
+        <a:lumOff val="35000"/>
+      </a:schemeClr>
+    </cs:fontRef>
+    <cs:defRPr sz="900" kern="1200"/>
+  </cs:seriesAxis>
+  <cs:seriesLine>
+    <cs:lnRef idx="0"/>
+    <cs:fillRef idx="0"/>
+    <cs:effectRef idx="0"/>
+    <cs:fontRef idx="minor">
+      <a:schemeClr val="tx1"/>
+    </cs:fontRef>
+    <cs:spPr>
+      <a:ln w="9525" cap="flat" cmpd="sng" algn="ctr">
+        <a:solidFill>
+          <a:schemeClr val="tx1">
+            <a:lumMod val="35000"/>
+            <a:lumOff val="65000"/>
+          </a:schemeClr>
+        </a:solidFill>
+        <a:round/>
+      </a:ln>
+    </cs:spPr>
+  </cs:seriesLine>
+  <cs:title>
+    <cs:lnRef idx="0"/>
+    <cs:fillRef idx="0"/>
+    <cs:effectRef idx="0"/>
+    <cs:fontRef idx="minor">
+      <a:schemeClr val="tx1">
+        <a:lumMod val="65000"/>
+        <a:lumOff val="35000"/>
+      </a:schemeClr>
+    </cs:fontRef>
+    <cs:defRPr sz="1400" b="0" kern="1200" spc="0" baseline="0"/>
+  </cs:title>
+  <cs:trendline>
+    <cs:lnRef idx="0">
+      <cs:styleClr val="auto"/>
+    </cs:lnRef>
+    <cs:fillRef idx="0"/>
+    <cs:effectRef idx="0"/>
+    <cs:fontRef idx="minor">
+      <a:schemeClr val="tx1"/>
+    </cs:fontRef>
+    <cs:spPr>
+      <a:ln w="19050" cap="rnd">
+        <a:solidFill>
+          <a:schemeClr val="phClr"/>
+        </a:solidFill>
+        <a:prstDash val="sysDot"/>
+      </a:ln>
+    </cs:spPr>
+  </cs:trendline>
+  <cs:trendlineLabel>
+    <cs:lnRef idx="0"/>
+    <cs:fillRef idx="0"/>
+    <cs:effectRef idx="0"/>
+    <cs:fontRef idx="minor">
+      <a:schemeClr val="tx1">
+        <a:lumMod val="65000"/>
+        <a:lumOff val="35000"/>
+      </a:schemeClr>
+    </cs:fontRef>
+    <cs:defRPr sz="900" kern="1200"/>
+  </cs:trendlineLabel>
+  <cs:upBar>
+    <cs:lnRef idx="0"/>
+    <cs:fillRef idx="0"/>
+    <cs:effectRef idx="0"/>
+    <cs:fontRef idx="minor">
+      <a:schemeClr val="tx1"/>
+    </cs:fontRef>
+    <cs:spPr>
+      <a:solidFill>
+        <a:schemeClr val="lt1"/>
+      </a:solidFill>
+      <a:ln w="9525" cap="flat" cmpd="sng" algn="ctr">
+        <a:solidFill>
+          <a:schemeClr val="tx1">
+            <a:lumMod val="65000"/>
+            <a:lumOff val="35000"/>
+          </a:schemeClr>
+        </a:solidFill>
+        <a:round/>
       </a:ln>
     </cs:spPr>
   </cs:upBar>
@@ -6450,522 +5099,6 @@
 </cs:chartStyle>
 </file>
 
-<file path=ppt/charts/style5.xml><?xml version="1.0" encoding="utf-8"?>
-<cs:chartStyle xmlns:cs="http://schemas.microsoft.com/office/drawing/2012/chartStyle" xmlns:a="http://schemas.openxmlformats.org/drawingml/2006/main" id="227">
-  <cs:axisTitle>
-    <cs:lnRef idx="0"/>
-    <cs:fillRef idx="0"/>
-    <cs:effectRef idx="0"/>
-    <cs:fontRef idx="minor">
-      <a:schemeClr val="tx1">
-        <a:lumMod val="65000"/>
-        <a:lumOff val="35000"/>
-      </a:schemeClr>
-    </cs:fontRef>
-    <cs:defRPr sz="1000" kern="1200"/>
-  </cs:axisTitle>
-  <cs:categoryAxis>
-    <cs:lnRef idx="0"/>
-    <cs:fillRef idx="0"/>
-    <cs:effectRef idx="0"/>
-    <cs:fontRef idx="minor">
-      <a:schemeClr val="tx1">
-        <a:lumMod val="65000"/>
-        <a:lumOff val="35000"/>
-      </a:schemeClr>
-    </cs:fontRef>
-    <cs:spPr>
-      <a:ln w="9525" cap="flat" cmpd="sng" algn="ctr">
-        <a:solidFill>
-          <a:schemeClr val="tx1">
-            <a:lumMod val="15000"/>
-            <a:lumOff val="85000"/>
-          </a:schemeClr>
-        </a:solidFill>
-        <a:round/>
-      </a:ln>
-    </cs:spPr>
-    <cs:defRPr sz="900" kern="1200"/>
-  </cs:categoryAxis>
-  <cs:chartArea mods="allowNoFillOverride allowNoLineOverride">
-    <cs:lnRef idx="0"/>
-    <cs:fillRef idx="0"/>
-    <cs:effectRef idx="0"/>
-    <cs:fontRef idx="minor">
-      <a:schemeClr val="tx1"/>
-    </cs:fontRef>
-    <cs:spPr>
-      <a:solidFill>
-        <a:schemeClr val="bg1"/>
-      </a:solidFill>
-      <a:ln w="9525" cap="flat" cmpd="sng" algn="ctr">
-        <a:solidFill>
-          <a:schemeClr val="tx1">
-            <a:lumMod val="15000"/>
-            <a:lumOff val="85000"/>
-          </a:schemeClr>
-        </a:solidFill>
-        <a:round/>
-      </a:ln>
-    </cs:spPr>
-    <cs:defRPr sz="1000" kern="1200"/>
-  </cs:chartArea>
-  <cs:dataLabel>
-    <cs:lnRef idx="0"/>
-    <cs:fillRef idx="0"/>
-    <cs:effectRef idx="0"/>
-    <cs:fontRef idx="minor">
-      <a:schemeClr val="tx1">
-        <a:lumMod val="75000"/>
-        <a:lumOff val="25000"/>
-      </a:schemeClr>
-    </cs:fontRef>
-    <cs:defRPr sz="900" kern="1200"/>
-  </cs:dataLabel>
-  <cs:dataLabelCallout>
-    <cs:lnRef idx="0"/>
-    <cs:fillRef idx="0"/>
-    <cs:effectRef idx="0"/>
-    <cs:fontRef idx="minor">
-      <a:schemeClr val="dk1">
-        <a:lumMod val="65000"/>
-        <a:lumOff val="35000"/>
-      </a:schemeClr>
-    </cs:fontRef>
-    <cs:spPr>
-      <a:solidFill>
-        <a:schemeClr val="lt1"/>
-      </a:solidFill>
-      <a:ln>
-        <a:solidFill>
-          <a:schemeClr val="dk1">
-            <a:lumMod val="25000"/>
-            <a:lumOff val="75000"/>
-          </a:schemeClr>
-        </a:solidFill>
-      </a:ln>
-    </cs:spPr>
-    <cs:defRPr sz="900" kern="1200"/>
-    <cs:bodyPr rot="0" spcFirstLastPara="1" vertOverflow="clip" horzOverflow="clip" vert="horz" wrap="square" lIns="36576" tIns="18288" rIns="36576" bIns="18288" anchor="ctr" anchorCtr="1">
-      <a:spAutoFit/>
-    </cs:bodyPr>
-  </cs:dataLabelCallout>
-  <cs:dataPoint>
-    <cs:lnRef idx="0"/>
-    <cs:fillRef idx="1">
-      <cs:styleClr val="auto"/>
-    </cs:fillRef>
-    <cs:effectRef idx="0"/>
-    <cs:fontRef idx="minor">
-      <a:schemeClr val="tx1"/>
-    </cs:fontRef>
-    <cs:spPr>
-      <a:solidFill>
-        <a:schemeClr val="phClr"/>
-      </a:solidFill>
-    </cs:spPr>
-  </cs:dataPoint>
-  <cs:dataPoint3D>
-    <cs:lnRef idx="0"/>
-    <cs:fillRef idx="1">
-      <cs:styleClr val="auto"/>
-    </cs:fillRef>
-    <cs:effectRef idx="0"/>
-    <cs:fontRef idx="minor">
-      <a:schemeClr val="tx1"/>
-    </cs:fontRef>
-    <cs:spPr>
-      <a:solidFill>
-        <a:schemeClr val="phClr"/>
-      </a:solidFill>
-    </cs:spPr>
-  </cs:dataPoint3D>
-  <cs:dataPointLine>
-    <cs:lnRef idx="0">
-      <cs:styleClr val="auto"/>
-    </cs:lnRef>
-    <cs:fillRef idx="1"/>
-    <cs:effectRef idx="0"/>
-    <cs:fontRef idx="minor">
-      <a:schemeClr val="tx1"/>
-    </cs:fontRef>
-    <cs:spPr>
-      <a:ln w="28575" cap="rnd">
-        <a:solidFill>
-          <a:schemeClr val="phClr"/>
-        </a:solidFill>
-        <a:round/>
-      </a:ln>
-    </cs:spPr>
-  </cs:dataPointLine>
-  <cs:dataPointMarker>
-    <cs:lnRef idx="0">
-      <cs:styleClr val="auto"/>
-    </cs:lnRef>
-    <cs:fillRef idx="1">
-      <cs:styleClr val="auto"/>
-    </cs:fillRef>
-    <cs:effectRef idx="0"/>
-    <cs:fontRef idx="minor">
-      <a:schemeClr val="tx1"/>
-    </cs:fontRef>
-    <cs:spPr>
-      <a:solidFill>
-        <a:schemeClr val="phClr"/>
-      </a:solidFill>
-      <a:ln w="9525">
-        <a:solidFill>
-          <a:schemeClr val="phClr"/>
-        </a:solidFill>
-      </a:ln>
-    </cs:spPr>
-  </cs:dataPointMarker>
-  <cs:dataPointMarkerLayout symbol="circle" size="5"/>
-  <cs:dataPointWireframe>
-    <cs:lnRef idx="0">
-      <cs:styleClr val="auto"/>
-    </cs:lnRef>
-    <cs:fillRef idx="1"/>
-    <cs:effectRef idx="0"/>
-    <cs:fontRef idx="minor">
-      <a:schemeClr val="tx1"/>
-    </cs:fontRef>
-    <cs:spPr>
-      <a:ln w="9525" cap="rnd">
-        <a:solidFill>
-          <a:schemeClr val="phClr"/>
-        </a:solidFill>
-        <a:round/>
-      </a:ln>
-    </cs:spPr>
-  </cs:dataPointWireframe>
-  <cs:dataTable>
-    <cs:lnRef idx="0"/>
-    <cs:fillRef idx="0"/>
-    <cs:effectRef idx="0"/>
-    <cs:fontRef idx="minor">
-      <a:schemeClr val="tx1">
-        <a:lumMod val="65000"/>
-        <a:lumOff val="35000"/>
-      </a:schemeClr>
-    </cs:fontRef>
-    <cs:spPr>
-      <a:noFill/>
-      <a:ln w="9525" cap="flat" cmpd="sng" algn="ctr">
-        <a:solidFill>
-          <a:schemeClr val="tx1">
-            <a:lumMod val="15000"/>
-            <a:lumOff val="85000"/>
-          </a:schemeClr>
-        </a:solidFill>
-        <a:round/>
-      </a:ln>
-    </cs:spPr>
-    <cs:defRPr sz="900" kern="1200"/>
-  </cs:dataTable>
-  <cs:downBar>
-    <cs:lnRef idx="0"/>
-    <cs:fillRef idx="0"/>
-    <cs:effectRef idx="0"/>
-    <cs:fontRef idx="minor">
-      <a:schemeClr val="dk1"/>
-    </cs:fontRef>
-    <cs:spPr>
-      <a:solidFill>
-        <a:schemeClr val="dk1">
-          <a:lumMod val="65000"/>
-          <a:lumOff val="35000"/>
-        </a:schemeClr>
-      </a:solidFill>
-      <a:ln w="9525">
-        <a:solidFill>
-          <a:schemeClr val="tx1">
-            <a:lumMod val="65000"/>
-            <a:lumOff val="35000"/>
-          </a:schemeClr>
-        </a:solidFill>
-      </a:ln>
-    </cs:spPr>
-  </cs:downBar>
-  <cs:dropLine>
-    <cs:lnRef idx="0"/>
-    <cs:fillRef idx="0"/>
-    <cs:effectRef idx="0"/>
-    <cs:fontRef idx="minor">
-      <a:schemeClr val="tx1"/>
-    </cs:fontRef>
-    <cs:spPr>
-      <a:ln w="9525" cap="flat" cmpd="sng" algn="ctr">
-        <a:solidFill>
-          <a:schemeClr val="tx1">
-            <a:lumMod val="35000"/>
-            <a:lumOff val="65000"/>
-          </a:schemeClr>
-        </a:solidFill>
-        <a:round/>
-      </a:ln>
-    </cs:spPr>
-  </cs:dropLine>
-  <cs:errorBar>
-    <cs:lnRef idx="0"/>
-    <cs:fillRef idx="0"/>
-    <cs:effectRef idx="0"/>
-    <cs:fontRef idx="minor">
-      <a:schemeClr val="tx1"/>
-    </cs:fontRef>
-    <cs:spPr>
-      <a:ln w="9525" cap="flat" cmpd="sng" algn="ctr">
-        <a:solidFill>
-          <a:schemeClr val="tx1">
-            <a:lumMod val="65000"/>
-            <a:lumOff val="35000"/>
-          </a:schemeClr>
-        </a:solidFill>
-        <a:round/>
-      </a:ln>
-    </cs:spPr>
-  </cs:errorBar>
-  <cs:floor>
-    <cs:lnRef idx="0"/>
-    <cs:fillRef idx="0"/>
-    <cs:effectRef idx="0"/>
-    <cs:fontRef idx="minor">
-      <a:schemeClr val="tx1"/>
-    </cs:fontRef>
-    <cs:spPr>
-      <a:noFill/>
-      <a:ln>
-        <a:noFill/>
-      </a:ln>
-    </cs:spPr>
-  </cs:floor>
-  <cs:gridlineMajor>
-    <cs:lnRef idx="0"/>
-    <cs:fillRef idx="0"/>
-    <cs:effectRef idx="0"/>
-    <cs:fontRef idx="minor">
-      <a:schemeClr val="tx1"/>
-    </cs:fontRef>
-    <cs:spPr>
-      <a:ln w="9525" cap="flat" cmpd="sng" algn="ctr">
-        <a:solidFill>
-          <a:schemeClr val="tx1">
-            <a:lumMod val="15000"/>
-            <a:lumOff val="85000"/>
-          </a:schemeClr>
-        </a:solidFill>
-        <a:round/>
-      </a:ln>
-    </cs:spPr>
-  </cs:gridlineMajor>
-  <cs:gridlineMinor>
-    <cs:lnRef idx="0"/>
-    <cs:fillRef idx="0"/>
-    <cs:effectRef idx="0"/>
-    <cs:fontRef idx="minor">
-      <a:schemeClr val="tx1"/>
-    </cs:fontRef>
-    <cs:spPr>
-      <a:ln w="9525" cap="flat" cmpd="sng" algn="ctr">
-        <a:solidFill>
-          <a:schemeClr val="tx1">
-            <a:lumMod val="5000"/>
-            <a:lumOff val="95000"/>
-          </a:schemeClr>
-        </a:solidFill>
-        <a:round/>
-      </a:ln>
-    </cs:spPr>
-  </cs:gridlineMinor>
-  <cs:hiLoLine>
-    <cs:lnRef idx="0"/>
-    <cs:fillRef idx="0"/>
-    <cs:effectRef idx="0"/>
-    <cs:fontRef idx="minor">
-      <a:schemeClr val="tx1"/>
-    </cs:fontRef>
-    <cs:spPr>
-      <a:ln w="9525" cap="flat" cmpd="sng" algn="ctr">
-        <a:solidFill>
-          <a:schemeClr val="tx1">
-            <a:lumMod val="75000"/>
-            <a:lumOff val="25000"/>
-          </a:schemeClr>
-        </a:solidFill>
-        <a:round/>
-      </a:ln>
-    </cs:spPr>
-  </cs:hiLoLine>
-  <cs:leaderLine>
-    <cs:lnRef idx="0"/>
-    <cs:fillRef idx="0"/>
-    <cs:effectRef idx="0"/>
-    <cs:fontRef idx="minor">
-      <a:schemeClr val="tx1"/>
-    </cs:fontRef>
-    <cs:spPr>
-      <a:ln w="9525" cap="flat" cmpd="sng" algn="ctr">
-        <a:solidFill>
-          <a:schemeClr val="tx1">
-            <a:lumMod val="35000"/>
-            <a:lumOff val="65000"/>
-          </a:schemeClr>
-        </a:solidFill>
-        <a:round/>
-      </a:ln>
-    </cs:spPr>
-  </cs:leaderLine>
-  <cs:legend>
-    <cs:lnRef idx="0"/>
-    <cs:fillRef idx="0"/>
-    <cs:effectRef idx="0"/>
-    <cs:fontRef idx="minor">
-      <a:schemeClr val="tx1">
-        <a:lumMod val="65000"/>
-        <a:lumOff val="35000"/>
-      </a:schemeClr>
-    </cs:fontRef>
-    <cs:defRPr sz="900" kern="1200"/>
-  </cs:legend>
-  <cs:plotArea mods="allowNoFillOverride allowNoLineOverride">
-    <cs:lnRef idx="0"/>
-    <cs:fillRef idx="0"/>
-    <cs:effectRef idx="0"/>
-    <cs:fontRef idx="minor">
-      <a:schemeClr val="tx1"/>
-    </cs:fontRef>
-  </cs:plotArea>
-  <cs:plotArea3D mods="allowNoFillOverride allowNoLineOverride">
-    <cs:lnRef idx="0"/>
-    <cs:fillRef idx="0"/>
-    <cs:effectRef idx="0"/>
-    <cs:fontRef idx="minor">
-      <a:schemeClr val="tx1"/>
-    </cs:fontRef>
-  </cs:plotArea3D>
-  <cs:seriesAxis>
-    <cs:lnRef idx="0"/>
-    <cs:fillRef idx="0"/>
-    <cs:effectRef idx="0"/>
-    <cs:fontRef idx="minor">
-      <a:schemeClr val="tx1">
-        <a:lumMod val="65000"/>
-        <a:lumOff val="35000"/>
-      </a:schemeClr>
-    </cs:fontRef>
-    <cs:defRPr sz="900" kern="1200"/>
-  </cs:seriesAxis>
-  <cs:seriesLine>
-    <cs:lnRef idx="0"/>
-    <cs:fillRef idx="0"/>
-    <cs:effectRef idx="0"/>
-    <cs:fontRef idx="minor">
-      <a:schemeClr val="tx1"/>
-    </cs:fontRef>
-    <cs:spPr>
-      <a:ln w="9525" cap="flat" cmpd="sng" algn="ctr">
-        <a:solidFill>
-          <a:schemeClr val="tx1">
-            <a:lumMod val="35000"/>
-            <a:lumOff val="65000"/>
-          </a:schemeClr>
-        </a:solidFill>
-        <a:round/>
-      </a:ln>
-    </cs:spPr>
-  </cs:seriesLine>
-  <cs:title>
-    <cs:lnRef idx="0"/>
-    <cs:fillRef idx="0"/>
-    <cs:effectRef idx="0"/>
-    <cs:fontRef idx="minor">
-      <a:schemeClr val="tx1">
-        <a:lumMod val="65000"/>
-        <a:lumOff val="35000"/>
-      </a:schemeClr>
-    </cs:fontRef>
-    <cs:defRPr sz="1400" b="0" kern="1200" spc="0" baseline="0"/>
-  </cs:title>
-  <cs:trendline>
-    <cs:lnRef idx="0">
-      <cs:styleClr val="auto"/>
-    </cs:lnRef>
-    <cs:fillRef idx="0"/>
-    <cs:effectRef idx="0"/>
-    <cs:fontRef idx="minor">
-      <a:schemeClr val="tx1"/>
-    </cs:fontRef>
-    <cs:spPr>
-      <a:ln w="19050" cap="rnd">
-        <a:solidFill>
-          <a:schemeClr val="phClr"/>
-        </a:solidFill>
-        <a:prstDash val="sysDot"/>
-      </a:ln>
-    </cs:spPr>
-  </cs:trendline>
-  <cs:trendlineLabel>
-    <cs:lnRef idx="0"/>
-    <cs:fillRef idx="0"/>
-    <cs:effectRef idx="0"/>
-    <cs:fontRef idx="minor">
-      <a:schemeClr val="tx1">
-        <a:lumMod val="65000"/>
-        <a:lumOff val="35000"/>
-      </a:schemeClr>
-    </cs:fontRef>
-    <cs:defRPr sz="900" kern="1200"/>
-  </cs:trendlineLabel>
-  <cs:upBar>
-    <cs:lnRef idx="0"/>
-    <cs:fillRef idx="0"/>
-    <cs:effectRef idx="0"/>
-    <cs:fontRef idx="minor">
-      <a:schemeClr val="dk1"/>
-    </cs:fontRef>
-    <cs:spPr>
-      <a:solidFill>
-        <a:schemeClr val="lt1"/>
-      </a:solidFill>
-      <a:ln w="9525">
-        <a:solidFill>
-          <a:schemeClr val="tx1">
-            <a:lumMod val="15000"/>
-            <a:lumOff val="85000"/>
-          </a:schemeClr>
-        </a:solidFill>
-      </a:ln>
-    </cs:spPr>
-  </cs:upBar>
-  <cs:valueAxis>
-    <cs:lnRef idx="0"/>
-    <cs:fillRef idx="0"/>
-    <cs:effectRef idx="0"/>
-    <cs:fontRef idx="minor">
-      <a:schemeClr val="tx1">
-        <a:lumMod val="65000"/>
-        <a:lumOff val="35000"/>
-      </a:schemeClr>
-    </cs:fontRef>
-    <cs:defRPr sz="900" kern="1200"/>
-  </cs:valueAxis>
-  <cs:wall>
-    <cs:lnRef idx="0"/>
-    <cs:fillRef idx="0"/>
-    <cs:effectRef idx="0"/>
-    <cs:fontRef idx="minor">
-      <a:schemeClr val="tx1"/>
-    </cs:fontRef>
-    <cs:spPr>
-      <a:noFill/>
-      <a:ln>
-        <a:noFill/>
-      </a:ln>
-    </cs:spPr>
-  </cs:wall>
-</cs:chartStyle>
-</file>
-
 <file path=ppt/notesMasters/notesMaster1.xml><?xml version="1.0" encoding="utf-8"?>
 <p:notesMaster xmlns:a="http://schemas.openxmlformats.org/drawingml/2006/main" xmlns:r="http://schemas.openxmlformats.org/officeDocument/2006/relationships" xmlns:p="http://schemas.openxmlformats.org/presentationml/2006/main">
   <p:cSld>
@@ -7048,7 +5181,7 @@
           <a:p>
             <a:fld id="{F1690195-1A6F-432C-B466-651AF0758A22}" type="datetimeFigureOut">
               <a:rPr lang="en-GB" smtClean="0"/>
-              <a:t>11/01/2023</a:t>
+              <a:t>12/01/2023</a:t>
             </a:fld>
             <a:endParaRPr lang="en-GB"/>
           </a:p>
@@ -7569,6 +5702,16 @@
               <a:t>Change from 1.6m to 1.37m is a drop of  more than 14% from 2017 to 2022, or 226k. During the same period, the number of NTE workers in the rest of the UK declined from 7.8m to 7.3m, a decrease of 6% - less than half of the relative decline in London.</a:t>
             </a:r>
           </a:p>
+          <a:p>
+            <a:pPr marL="171450" indent="-171450">
+              <a:buFont typeface="Arial" panose="020B0604020202020204" pitchFamily="34" charset="0"/>
+              <a:buChar char="•"/>
+            </a:pPr>
+            <a:r>
+              <a:rPr lang="en-GB" dirty="0"/>
+              <a:t>The decline should not necessarily be thought of as jobs or workers disappearing, but most likely a shift in work patterns. It is the decrease in the share of people working E&amp;N which made the most significant impact, as the number of people working in London increased slightly across this period.</a:t>
+            </a:r>
+          </a:p>
         </p:txBody>
       </p:sp>
       <p:sp>
@@ -7657,7 +5800,7 @@
             </a:pPr>
             <a:r>
               <a:rPr lang="en-GB" dirty="0"/>
-              <a:t>The vast majority of NTE workers reported they usually worked evenings, around 60% across all years. In contrast, 5-7% report usually working during the night and the remaining third report working both evenings and night. </a:t>
+              <a:t>More than 90% of all E&amp;N workers also work during the day time, so it is clearly not people who exclusively work during later times of day. So only a tenth exclusively work evenings and nights.</a:t>
             </a:r>
           </a:p>
           <a:p>
@@ -7667,15 +5810,7 @@
             </a:pPr>
             <a:r>
               <a:rPr lang="en-GB" dirty="0"/>
-              <a:t>As the chart shows, the largest fall in the </a:t>
-            </a:r>
-            <a:r>
-              <a:rPr lang="en-GB" b="1" dirty="0"/>
-              <a:t>number</a:t>
-            </a:r>
-            <a:r>
-              <a:rPr lang="en-GB" b="0" dirty="0"/>
-              <a:t> of NTE workers is among those who work evenings, by around 160k (out of 226k). </a:t>
+              <a:t>The majority of the decline in E&amp;N workers has also been among those who work days</a:t>
             </a:r>
           </a:p>
           <a:p>
@@ -7684,8 +5819,16 @@
               <a:buChar char="•"/>
             </a:pPr>
             <a:r>
-              <a:rPr lang="en-GB" b="0" dirty="0"/>
-              <a:t>Also, around 206k of the total decrease are from people for whom it is also usual to work during the day!</a:t>
+              <a:rPr lang="en-GB" dirty="0"/>
+              <a:t>Further, of all the workers who usually work both during the day and in either evenings or nights (or both), almost two thirds never work shifts. This implies that when they do work in the </a:t>
+            </a:r>
+            <a:r>
+              <a:rPr lang="en-GB" dirty="0" err="1"/>
+              <a:t>e&amp;n</a:t>
+            </a:r>
+            <a:r>
+              <a:rPr lang="en-GB" dirty="0"/>
+              <a:t>, it is part of their usual working day, which could mean they need to work late. (Around 32% or 435k of all E&amp;N workers mostly work shifts, with 5% or 69k occasionally working shifts)</a:t>
             </a:r>
           </a:p>
           <a:p>
@@ -7694,6 +5837,33 @@
               <a:buChar char="•"/>
             </a:pPr>
             <a:r>
+              <a:rPr lang="en-GB" dirty="0"/>
+              <a:t>As a result, the kind of workers we find in the N&amp;E are therefore quite varied and not necessarily those who work in, say, service-oriented businesses which serve customers at night.</a:t>
+            </a:r>
+          </a:p>
+          <a:p>
+            <a:pPr marL="171450" indent="-171450">
+              <a:buFont typeface="Arial" panose="020B0604020202020204" pitchFamily="34" charset="0"/>
+              <a:buChar char="•"/>
+            </a:pPr>
+            <a:endParaRPr lang="en-GB" dirty="0"/>
+          </a:p>
+          <a:p>
+            <a:pPr marL="171450" indent="-171450">
+              <a:buFont typeface="Arial" panose="020B0604020202020204" pitchFamily="34" charset="0"/>
+              <a:buChar char="•"/>
+            </a:pPr>
+            <a:r>
+              <a:rPr lang="en-GB" b="0" dirty="0"/>
+              <a:t>Around 206k of the total decrease are from people for whom it is also usual to work during the day!</a:t>
+            </a:r>
+          </a:p>
+          <a:p>
+            <a:pPr marL="171450" indent="-171450">
+              <a:buFont typeface="Arial" panose="020B0604020202020204" pitchFamily="34" charset="0"/>
+              <a:buChar char="•"/>
+            </a:pPr>
+            <a:r>
               <a:rPr lang="en-GB" b="0" dirty="0"/>
               <a:t>This overall means that the fall in the number of NTE workers is due to fall in share of people who partially work both in day time and evening/night. </a:t>
             </a:r>
@@ -7701,6 +5871,13 @@
               <a:rPr lang="en-GB" b="1" dirty="0"/>
               <a:t>Not necessarily decrease in people employed but more likely shift in working pattern so more people only work during day time.</a:t>
             </a:r>
+            <a:endParaRPr lang="en-GB" dirty="0"/>
+          </a:p>
+          <a:p>
+            <a:pPr marL="171450" indent="-171450">
+              <a:buFont typeface="Arial" panose="020B0604020202020204" pitchFamily="34" charset="0"/>
+              <a:buChar char="•"/>
+            </a:pPr>
             <a:endParaRPr lang="en-GB" dirty="0"/>
           </a:p>
         </p:txBody>
@@ -7731,7 +5908,7 @@
     </p:spTree>
     <p:extLst>
       <p:ext uri="{BB962C8B-B14F-4D97-AF65-F5344CB8AC3E}">
-        <p14:creationId xmlns:p14="http://schemas.microsoft.com/office/powerpoint/2010/main" val="3563282559"/>
+        <p14:creationId xmlns:p14="http://schemas.microsoft.com/office/powerpoint/2010/main" val="2924073941"/>
       </p:ext>
     </p:extLst>
   </p:cSld>
@@ -7785,44 +5962,104 @@
           <a:bodyPr/>
           <a:lstStyle/>
           <a:p>
-            <a:pPr marL="171450" indent="-171450">
-              <a:buFont typeface="Arial" panose="020B0604020202020204" pitchFamily="34" charset="0"/>
-              <a:buChar char="•"/>
+            <a:r>
+              <a:rPr lang="en-GB" dirty="0"/>
+              <a:t>The four industries with the largest falls (as listed) in total make up a decrease of 147k, more than half of the total decrease of 226k between 2017 and 2022. </a:t>
+            </a:r>
+          </a:p>
+          <a:p>
+            <a:endParaRPr lang="en-GB" dirty="0"/>
+          </a:p>
+          <a:p>
+            <a:pPr>
+              <a:lnSpc>
+                <a:spcPct val="120000"/>
+              </a:lnSpc>
             </a:pPr>
             <a:r>
               <a:rPr lang="en-GB" dirty="0"/>
-              <a:t>Returning to the definition of night time workers, I previously said that being a NTE worker does not mean you exclusively work in evenings or nights. In fact, most workers only do part of their job later in the day.</a:t>
-            </a:r>
-          </a:p>
-          <a:p>
-            <a:pPr marL="171450" indent="-171450">
-              <a:buFont typeface="Arial" panose="020B0604020202020204" pitchFamily="34" charset="0"/>
-              <a:buChar char="•"/>
+              <a:t>Health had the largest share of NTE workers throughout, and saw numbers increase (18k, 9%)</a:t>
+            </a:r>
+          </a:p>
+          <a:p>
+            <a:pPr>
+              <a:lnSpc>
+                <a:spcPct val="120000"/>
+              </a:lnSpc>
             </a:pPr>
             <a:r>
               <a:rPr lang="en-GB" dirty="0"/>
-              <a:t>More than half of NTE workers in 2022, around 776k or 57%, usually work both during the daytime and in the evenings, and a further third (around 440k, 32%) find themselves working across the entire day. Ultimately, only around a tenth do not work in the daytime at all.</a:t>
-            </a:r>
-          </a:p>
-          <a:p>
-            <a:pPr marL="171450" indent="-171450">
-              <a:buFont typeface="Arial" panose="020B0604020202020204" pitchFamily="34" charset="0"/>
-              <a:buChar char="•"/>
+              <a:t>Most significant falls within: </a:t>
+            </a:r>
+          </a:p>
+          <a:p>
+            <a:pPr lvl="1">
+              <a:lnSpc>
+                <a:spcPct val="120000"/>
+              </a:lnSpc>
             </a:pPr>
             <a:r>
               <a:rPr lang="en-GB" dirty="0"/>
-              <a:t>Further, of all the workers who usually work both during the day and in either evenings or nights (or both), almost two thirds never work shifts. This implies that when they do work in the NTE, it is part of their usual working day, which could mean they need to work late. </a:t>
-            </a:r>
-          </a:p>
-          <a:p>
-            <a:pPr marL="171450" indent="-171450">
-              <a:buFont typeface="Arial" panose="020B0604020202020204" pitchFamily="34" charset="0"/>
-              <a:buChar char="•"/>
+              <a:t>Retail (40k, 28%); </a:t>
+            </a:r>
+          </a:p>
+          <a:p>
+            <a:pPr lvl="1">
+              <a:lnSpc>
+                <a:spcPct val="120000"/>
+              </a:lnSpc>
             </a:pPr>
             <a:r>
               <a:rPr lang="en-GB" dirty="0"/>
-              <a:t>As a result, the kind of workers we find in the NTE are therefore quite varied and not necessarily those who work in, say, service-oriented businesses which serve customers at night.</a:t>
-            </a:r>
+              <a:t>Hospitality (40k, 27%); </a:t>
+            </a:r>
+          </a:p>
+          <a:p>
+            <a:pPr lvl="1">
+              <a:lnSpc>
+                <a:spcPct val="120000"/>
+              </a:lnSpc>
+            </a:pPr>
+            <a:r>
+              <a:rPr lang="en-GB" dirty="0"/>
+              <a:t>Prof. services (35k, 20%); and </a:t>
+            </a:r>
+          </a:p>
+          <a:p>
+            <a:pPr lvl="1">
+              <a:lnSpc>
+                <a:spcPct val="120000"/>
+              </a:lnSpc>
+            </a:pPr>
+            <a:r>
+              <a:rPr lang="en-GB" dirty="0"/>
+              <a:t>Transport (32k, 22%)</a:t>
+            </a:r>
+          </a:p>
+          <a:p>
+            <a:pPr>
+              <a:lnSpc>
+                <a:spcPct val="120000"/>
+              </a:lnSpc>
+            </a:pPr>
+            <a:r>
+              <a:rPr lang="en-GB" dirty="0"/>
+              <a:t>Almost all decline in Retail (40k) and Hospitality (31k) from people working during evenings</a:t>
+            </a:r>
+          </a:p>
+          <a:p>
+            <a:pPr>
+              <a:lnSpc>
+                <a:spcPct val="120000"/>
+              </a:lnSpc>
+            </a:pPr>
+            <a:r>
+              <a:rPr lang="en-GB" dirty="0"/>
+              <a:t>Health saw large increase in people working both evenings and nights (25k)</a:t>
+            </a:r>
+          </a:p>
+          <a:p>
+            <a:endParaRPr lang="en-GB" dirty="0"/>
           </a:p>
         </p:txBody>
       </p:sp>
@@ -7852,7 +6089,7 @@
     </p:spTree>
     <p:extLst>
       <p:ext uri="{BB962C8B-B14F-4D97-AF65-F5344CB8AC3E}">
-        <p14:creationId xmlns:p14="http://schemas.microsoft.com/office/powerpoint/2010/main" val="2924073941"/>
+        <p14:creationId xmlns:p14="http://schemas.microsoft.com/office/powerpoint/2010/main" val="395415078"/>
       </p:ext>
     </p:extLst>
   </p:cSld>
@@ -7906,10 +6143,7 @@
           <a:bodyPr/>
           <a:lstStyle/>
           <a:p>
-            <a:r>
-              <a:rPr lang="en-GB" dirty="0"/>
-              <a:t>The four industries with the largest falls (as listed) in total make up a decrease of 147k, more than half of the total decrease of 226k between 2017 and 2022. </a:t>
-            </a:r>
+            <a:endParaRPr lang="en-GB"/>
           </a:p>
         </p:txBody>
       </p:sp>
@@ -7939,213 +6173,7 @@
     </p:spTree>
     <p:extLst>
       <p:ext uri="{BB962C8B-B14F-4D97-AF65-F5344CB8AC3E}">
-        <p14:creationId xmlns:p14="http://schemas.microsoft.com/office/powerpoint/2010/main" val="395415078"/>
-      </p:ext>
-    </p:extLst>
-  </p:cSld>
-  <p:clrMapOvr>
-    <a:masterClrMapping/>
-  </p:clrMapOvr>
-</p:notes>
-</file>
-
-<file path=ppt/notesSlides/notesSlide7.xml><?xml version="1.0" encoding="utf-8"?>
-<p:notes xmlns:a="http://schemas.openxmlformats.org/drawingml/2006/main" xmlns:r="http://schemas.openxmlformats.org/officeDocument/2006/relationships" xmlns:p="http://schemas.openxmlformats.org/presentationml/2006/main">
-  <p:cSld>
-    <p:spTree>
-      <p:nvGrpSpPr>
-        <p:cNvPr id="1" name=""/>
-        <p:cNvGrpSpPr/>
-        <p:nvPr/>
-      </p:nvGrpSpPr>
-      <p:grpSpPr>
-        <a:xfrm>
-          <a:off x="0" y="0"/>
-          <a:ext cx="0" cy="0"/>
-          <a:chOff x="0" y="0"/>
-          <a:chExt cx="0" cy="0"/>
-        </a:xfrm>
-      </p:grpSpPr>
-      <p:sp>
-        <p:nvSpPr>
-          <p:cNvPr id="2" name="Slide Image Placeholder 1"/>
-          <p:cNvSpPr>
-            <a:spLocks noGrp="1" noRot="1" noChangeAspect="1"/>
-          </p:cNvSpPr>
-          <p:nvPr>
-            <p:ph type="sldImg"/>
-          </p:nvPr>
-        </p:nvSpPr>
-        <p:spPr/>
-      </p:sp>
-      <p:sp>
-        <p:nvSpPr>
-          <p:cNvPr id="3" name="Notes Placeholder 2"/>
-          <p:cNvSpPr>
-            <a:spLocks noGrp="1"/>
-          </p:cNvSpPr>
-          <p:nvPr>
-            <p:ph type="body" idx="1"/>
-          </p:nvPr>
-        </p:nvSpPr>
-        <p:spPr/>
-        <p:txBody>
-          <a:bodyPr/>
-          <a:lstStyle/>
-          <a:p>
-            <a:endParaRPr lang="en-GB"/>
-          </a:p>
-        </p:txBody>
-      </p:sp>
-      <p:sp>
-        <p:nvSpPr>
-          <p:cNvPr id="4" name="Slide Number Placeholder 3"/>
-          <p:cNvSpPr>
-            <a:spLocks noGrp="1"/>
-          </p:cNvSpPr>
-          <p:nvPr>
-            <p:ph type="sldNum" sz="quarter" idx="5"/>
-          </p:nvPr>
-        </p:nvSpPr>
-        <p:spPr/>
-        <p:txBody>
-          <a:bodyPr/>
-          <a:lstStyle/>
-          <a:p>
-            <a:fld id="{4D6EDD18-AA25-459A-BC5F-5B6E4EB8A722}" type="slidenum">
-              <a:rPr lang="en-GB" smtClean="0"/>
-              <a:t>7</a:t>
-            </a:fld>
-            <a:endParaRPr lang="en-GB"/>
-          </a:p>
-        </p:txBody>
-      </p:sp>
-    </p:spTree>
-    <p:extLst>
-      <p:ext uri="{BB962C8B-B14F-4D97-AF65-F5344CB8AC3E}">
         <p14:creationId xmlns:p14="http://schemas.microsoft.com/office/powerpoint/2010/main" val="1319082143"/>
-      </p:ext>
-    </p:extLst>
-  </p:cSld>
-  <p:clrMapOvr>
-    <a:masterClrMapping/>
-  </p:clrMapOvr>
-</p:notes>
-</file>
-
-<file path=ppt/notesSlides/notesSlide8.xml><?xml version="1.0" encoding="utf-8"?>
-<p:notes xmlns:a="http://schemas.openxmlformats.org/drawingml/2006/main" xmlns:r="http://schemas.openxmlformats.org/officeDocument/2006/relationships" xmlns:p="http://schemas.openxmlformats.org/presentationml/2006/main">
-  <p:cSld>
-    <p:spTree>
-      <p:nvGrpSpPr>
-        <p:cNvPr id="1" name=""/>
-        <p:cNvGrpSpPr/>
-        <p:nvPr/>
-      </p:nvGrpSpPr>
-      <p:grpSpPr>
-        <a:xfrm>
-          <a:off x="0" y="0"/>
-          <a:ext cx="0" cy="0"/>
-          <a:chOff x="0" y="0"/>
-          <a:chExt cx="0" cy="0"/>
-        </a:xfrm>
-      </p:grpSpPr>
-      <p:sp>
-        <p:nvSpPr>
-          <p:cNvPr id="2" name="Slide Image Placeholder 1"/>
-          <p:cNvSpPr>
-            <a:spLocks noGrp="1" noRot="1" noChangeAspect="1"/>
-          </p:cNvSpPr>
-          <p:nvPr>
-            <p:ph type="sldImg"/>
-          </p:nvPr>
-        </p:nvSpPr>
-        <p:spPr/>
-      </p:sp>
-      <p:sp>
-        <p:nvSpPr>
-          <p:cNvPr id="3" name="Notes Placeholder 2"/>
-          <p:cNvSpPr>
-            <a:spLocks noGrp="1"/>
-          </p:cNvSpPr>
-          <p:nvPr>
-            <p:ph type="body" idx="1"/>
-          </p:nvPr>
-        </p:nvSpPr>
-        <p:spPr/>
-        <p:txBody>
-          <a:bodyPr/>
-          <a:lstStyle/>
-          <a:p>
-            <a:r>
-              <a:rPr lang="en-GB" dirty="0"/>
-              <a:t>Findings from a survey commissioned by GLA</a:t>
-            </a:r>
-          </a:p>
-          <a:p>
-            <a:endParaRPr lang="en-GB" dirty="0"/>
-          </a:p>
-          <a:p>
-            <a:pPr marL="0" marR="0" lvl="0" indent="0" algn="l" defTabSz="914400" rtl="0" eaLnBrk="1" fontAlgn="auto" latinLnBrk="0" hangingPunct="1">
-              <a:lnSpc>
-                <a:spcPct val="100000"/>
-              </a:lnSpc>
-              <a:spcBef>
-                <a:spcPts val="0"/>
-              </a:spcBef>
-              <a:spcAft>
-                <a:spcPts val="0"/>
-              </a:spcAft>
-              <a:buClrTx/>
-              <a:buSzTx/>
-              <a:buFontTx/>
-              <a:buNone/>
-              <a:tabLst/>
-              <a:defRPr/>
-            </a:pPr>
-            <a:r>
-              <a:rPr lang="en-GB" dirty="0"/>
-              <a:t>In contrast to data, more than 44% of surveyed NTE workers say they work more in night time than before pandemic </a:t>
-            </a:r>
-          </a:p>
-          <a:p>
-            <a:endParaRPr lang="en-GB" dirty="0"/>
-          </a:p>
-          <a:p>
-            <a:r>
-              <a:rPr lang="en-GB" dirty="0"/>
-              <a:t>34% of people say the work NTE, more than 26% suggested by data.</a:t>
-            </a:r>
-          </a:p>
-        </p:txBody>
-      </p:sp>
-      <p:sp>
-        <p:nvSpPr>
-          <p:cNvPr id="4" name="Slide Number Placeholder 3"/>
-          <p:cNvSpPr>
-            <a:spLocks noGrp="1"/>
-          </p:cNvSpPr>
-          <p:nvPr>
-            <p:ph type="sldNum" sz="quarter" idx="5"/>
-          </p:nvPr>
-        </p:nvSpPr>
-        <p:spPr/>
-        <p:txBody>
-          <a:bodyPr/>
-          <a:lstStyle/>
-          <a:p>
-            <a:fld id="{4D6EDD18-AA25-459A-BC5F-5B6E4EB8A722}" type="slidenum">
-              <a:rPr lang="en-GB" smtClean="0"/>
-              <a:t>8</a:t>
-            </a:fld>
-            <a:endParaRPr lang="en-GB"/>
-          </a:p>
-        </p:txBody>
-      </p:sp>
-    </p:spTree>
-    <p:extLst>
-      <p:ext uri="{BB962C8B-B14F-4D97-AF65-F5344CB8AC3E}">
-        <p14:creationId xmlns:p14="http://schemas.microsoft.com/office/powerpoint/2010/main" val="401733934"/>
       </p:ext>
     </p:extLst>
   </p:cSld>
@@ -14065,13 +12093,25 @@
           <a:p>
             <a:r>
               <a:rPr lang="en-GB" dirty="0"/>
-              <a:t>Majority of them work, at least in part, during the daytime too</a:t>
+              <a:t>Majority of them work, at least in part, during the daytime </a:t>
             </a:r>
           </a:p>
           <a:p>
             <a:r>
               <a:rPr lang="en-GB" dirty="0"/>
-              <a:t>The share of the total workforce in London working evenings and/or nights has been decreasing for more than five years</a:t>
+              <a:t>Decline in E&amp;N workers likely due to shifting work patterns</a:t>
+            </a:r>
+          </a:p>
+          <a:p>
+            <a:r>
+              <a:rPr lang="en-GB" dirty="0"/>
+              <a:t>Only Health saw large increase in E&amp;N workers, all other sectors saw declines or stagnation</a:t>
+            </a:r>
+          </a:p>
+          <a:p>
+            <a:r>
+              <a:rPr lang="en-GB" dirty="0"/>
+              <a:t>Most E&amp;N workers are in Professional occupations</a:t>
             </a:r>
           </a:p>
           <a:p>
@@ -14132,42 +12172,11 @@
           <a:p>
             <a:r>
               <a:rPr lang="en-GB" dirty="0"/>
-              <a:t>1.37 million people work in London’s NTE, down from 1.6 million in 2017</a:t>
+              <a:t>1.37 million E&amp;N workers in London in 2022, down from 1.6 million in 2017</a:t>
             </a:r>
           </a:p>
         </p:txBody>
       </p:sp>
-      <p:graphicFrame>
-        <p:nvGraphicFramePr>
-          <p:cNvPr id="4" name="Content Placeholder 3">
-            <a:extLst>
-              <a:ext uri="{FF2B5EF4-FFF2-40B4-BE49-F238E27FC236}">
-                <a16:creationId xmlns:a16="http://schemas.microsoft.com/office/drawing/2014/main" id="{C8A8581A-FD78-4971-B4E3-A35AACC2C6FC}"/>
-              </a:ext>
-            </a:extLst>
-          </p:cNvPr>
-          <p:cNvGraphicFramePr>
-            <a:graphicFrameLocks noGrp="1"/>
-          </p:cNvGraphicFramePr>
-          <p:nvPr>
-            <p:ph idx="1"/>
-            <p:extLst>
-              <p:ext uri="{D42A27DB-BD31-4B8C-83A1-F6EECF244321}">
-                <p14:modId xmlns:p14="http://schemas.microsoft.com/office/powerpoint/2010/main" val="2137013835"/>
-              </p:ext>
-            </p:extLst>
-          </p:nvPr>
-        </p:nvGraphicFramePr>
-        <p:xfrm>
-          <a:off x="838200" y="1825625"/>
-          <a:ext cx="10515600" cy="4351338"/>
-        </p:xfrm>
-        <a:graphic>
-          <a:graphicData uri="http://schemas.openxmlformats.org/drawingml/2006/chart">
-            <c:chart xmlns:c="http://schemas.openxmlformats.org/drawingml/2006/chart" xmlns:r="http://schemas.openxmlformats.org/officeDocument/2006/relationships" r:id="rId3"/>
-          </a:graphicData>
-        </a:graphic>
-      </p:graphicFrame>
       <p:sp>
         <p:nvSpPr>
           <p:cNvPr id="3" name="TextBox 2">
@@ -14207,109 +12216,12 @@
           </a:p>
         </p:txBody>
       </p:sp>
-    </p:spTree>
-    <p:extLst>
-      <p:ext uri="{BB962C8B-B14F-4D97-AF65-F5344CB8AC3E}">
-        <p14:creationId xmlns:p14="http://schemas.microsoft.com/office/powerpoint/2010/main" val="1081200937"/>
-      </p:ext>
-    </p:extLst>
-  </p:cSld>
-  <p:clrMapOvr>
-    <a:masterClrMapping/>
-  </p:clrMapOvr>
-</p:sld>
-</file>
-
-<file path=ppt/slides/slide4.xml><?xml version="1.0" encoding="utf-8"?>
-<p:sld xmlns:a="http://schemas.openxmlformats.org/drawingml/2006/main" xmlns:r="http://schemas.openxmlformats.org/officeDocument/2006/relationships" xmlns:p="http://schemas.openxmlformats.org/presentationml/2006/main">
-  <p:cSld>
-    <p:spTree>
-      <p:nvGrpSpPr>
-        <p:cNvPr id="1" name=""/>
-        <p:cNvGrpSpPr/>
-        <p:nvPr/>
-      </p:nvGrpSpPr>
-      <p:grpSpPr>
-        <a:xfrm>
-          <a:off x="0" y="0"/>
-          <a:ext cx="0" cy="0"/>
-          <a:chOff x="0" y="0"/>
-          <a:chExt cx="0" cy="0"/>
-        </a:xfrm>
-      </p:grpSpPr>
-      <p:sp>
-        <p:nvSpPr>
-          <p:cNvPr id="2" name="Title 1">
-            <a:extLst>
-              <a:ext uri="{FF2B5EF4-FFF2-40B4-BE49-F238E27FC236}">
-                <a16:creationId xmlns:a16="http://schemas.microsoft.com/office/drawing/2014/main" id="{8992C19C-A3C9-484B-B427-1D5AFC12A2A1}"/>
-              </a:ext>
-            </a:extLst>
-          </p:cNvPr>
-          <p:cNvSpPr>
-            <a:spLocks noGrp="1"/>
-          </p:cNvSpPr>
-          <p:nvPr>
-            <p:ph type="title"/>
-          </p:nvPr>
-        </p:nvSpPr>
-        <p:spPr/>
-        <p:txBody>
-          <a:bodyPr/>
-          <a:lstStyle/>
-          <a:p>
-            <a:r>
-              <a:rPr lang="en-GB" dirty="0"/>
-              <a:t>Decline mostly among people working evenings</a:t>
-            </a:r>
-          </a:p>
-        </p:txBody>
-      </p:sp>
-      <p:sp>
-        <p:nvSpPr>
-          <p:cNvPr id="4" name="TextBox 3">
-            <a:extLst>
-              <a:ext uri="{FF2B5EF4-FFF2-40B4-BE49-F238E27FC236}">
-                <a16:creationId xmlns:a16="http://schemas.microsoft.com/office/drawing/2014/main" id="{B066D66D-D0F9-419F-99CF-A809CB1D1AEB}"/>
-              </a:ext>
-            </a:extLst>
-          </p:cNvPr>
-          <p:cNvSpPr txBox="1"/>
-          <p:nvPr/>
-        </p:nvSpPr>
-        <p:spPr>
-          <a:xfrm>
-            <a:off x="838200" y="6267450"/>
-            <a:ext cx="8553450" cy="261610"/>
-          </a:xfrm>
-          <a:prstGeom prst="rect">
-            <a:avLst/>
-          </a:prstGeom>
-          <a:noFill/>
-        </p:spPr>
-        <p:txBody>
-          <a:bodyPr wrap="square" rtlCol="0">
-            <a:spAutoFit/>
-          </a:bodyPr>
-          <a:lstStyle/>
-          <a:p>
-            <a:r>
-              <a:rPr lang="en-GB" sz="1100" i="1">
-                <a:solidFill>
-                  <a:schemeClr val="bg2"/>
-                </a:solidFill>
-              </a:rPr>
-              <a:t>Source: Labour Force Survey Apr-Jun 2015-2022, UK Data Service.</a:t>
-            </a:r>
-          </a:p>
-        </p:txBody>
-      </p:sp>
       <p:graphicFrame>
         <p:nvGraphicFramePr>
           <p:cNvPr id="7" name="Content Placeholder 6">
             <a:extLst>
               <a:ext uri="{FF2B5EF4-FFF2-40B4-BE49-F238E27FC236}">
-                <a16:creationId xmlns:a16="http://schemas.microsoft.com/office/drawing/2014/main" id="{781A5F60-BB25-40CB-8212-C6366C87D470}"/>
+                <a16:creationId xmlns:a16="http://schemas.microsoft.com/office/drawing/2014/main" id="{C8A8581A-FD78-4971-B4E3-A35AACC2C6FC}"/>
               </a:ext>
             </a:extLst>
           </p:cNvPr>
@@ -14320,7 +12232,7 @@
             <p:ph idx="1"/>
             <p:extLst>
               <p:ext uri="{D42A27DB-BD31-4B8C-83A1-F6EECF244321}">
-                <p14:modId xmlns:p14="http://schemas.microsoft.com/office/powerpoint/2010/main" val="14742776"/>
+                <p14:modId xmlns:p14="http://schemas.microsoft.com/office/powerpoint/2010/main" val="1184927801"/>
               </p:ext>
             </p:extLst>
           </p:nvPr>
@@ -14338,7 +12250,7 @@
     </p:spTree>
     <p:extLst>
       <p:ext uri="{BB962C8B-B14F-4D97-AF65-F5344CB8AC3E}">
-        <p14:creationId xmlns:p14="http://schemas.microsoft.com/office/powerpoint/2010/main" val="1939810192"/>
+        <p14:creationId xmlns:p14="http://schemas.microsoft.com/office/powerpoint/2010/main" val="1081200937"/>
       </p:ext>
     </p:extLst>
   </p:cSld>
@@ -14348,7 +12260,7 @@
 </p:sld>
 </file>
 
-<file path=ppt/slides/slide5.xml><?xml version="1.0" encoding="utf-8"?>
+<file path=ppt/slides/slide4.xml><?xml version="1.0" encoding="utf-8"?>
 <p:sld xmlns:a="http://schemas.openxmlformats.org/drawingml/2006/main" xmlns:r="http://schemas.openxmlformats.org/officeDocument/2006/relationships" xmlns:p="http://schemas.openxmlformats.org/presentationml/2006/main">
   <p:cSld>
     <p:spTree>
@@ -14388,7 +12300,7 @@
           <a:p>
             <a:r>
               <a:rPr lang="en-GB" dirty="0"/>
-              <a:t>Most E&amp;N workers do not work exclusively evenings or nights</a:t>
+              <a:t>Nearly all E&amp;N workers also work during daytime</a:t>
             </a:r>
           </a:p>
         </p:txBody>
@@ -14418,24 +12330,47 @@
           <a:p>
             <a:r>
               <a:rPr lang="en-GB" dirty="0"/>
-              <a:t>Most NTE workers likely only work in evenings and nights in part</a:t>
+              <a:t>Across all E&amp;N workers:</a:t>
             </a:r>
           </a:p>
           <a:p>
             <a:pPr lvl="1"/>
+            <a:r>
+              <a:rPr lang="en-GB" dirty="0"/>
+              <a:t>91% work during daytime</a:t>
+            </a:r>
+          </a:p>
+          <a:p>
+            <a:pPr lvl="1"/>
+            <a:r>
+              <a:rPr lang="en-GB" dirty="0"/>
+              <a:t>94% work evenings</a:t>
+            </a:r>
+          </a:p>
+          <a:p>
+            <a:pPr lvl="1"/>
+            <a:r>
+              <a:rPr lang="en-GB" dirty="0"/>
+              <a:t>39% work nights</a:t>
+            </a:r>
+          </a:p>
+          <a:p>
+            <a:pPr marL="457200" lvl="1" indent="0">
+              <a:buNone/>
+            </a:pPr>
             <a:endParaRPr lang="en-GB" dirty="0"/>
           </a:p>
           <a:p>
             <a:r>
               <a:rPr lang="en-GB" dirty="0"/>
-              <a:t>Nearly two thirds of NTE workers who also work during the daytime never work shifts</a:t>
+              <a:t>Nearly two thirds of NTE workers, who also work during the daytime, never work shifts</a:t>
             </a:r>
           </a:p>
         </p:txBody>
       </p:sp>
       <p:graphicFrame>
         <p:nvGraphicFramePr>
-          <p:cNvPr id="5" name="Content Placeholder 4">
+          <p:cNvPr id="7" name="Content Placeholder 6">
             <a:extLst>
               <a:ext uri="{FF2B5EF4-FFF2-40B4-BE49-F238E27FC236}">
                 <a16:creationId xmlns:a16="http://schemas.microsoft.com/office/drawing/2014/main" id="{22786D26-206D-40CE-9FB1-EAC6C1C589C8}"/>
@@ -14449,7 +12384,7 @@
             <p:ph sz="half" idx="2"/>
             <p:extLst>
               <p:ext uri="{D42A27DB-BD31-4B8C-83A1-F6EECF244321}">
-                <p14:modId xmlns:p14="http://schemas.microsoft.com/office/powerpoint/2010/main" val="1193091176"/>
+                <p14:modId xmlns:p14="http://schemas.microsoft.com/office/powerpoint/2010/main" val="649649730"/>
               </p:ext>
             </p:extLst>
           </p:nvPr>
@@ -14468,6 +12403,246 @@
     <p:extLst>
       <p:ext uri="{BB962C8B-B14F-4D97-AF65-F5344CB8AC3E}">
         <p14:creationId xmlns:p14="http://schemas.microsoft.com/office/powerpoint/2010/main" val="202257740"/>
+      </p:ext>
+    </p:extLst>
+  </p:cSld>
+  <p:clrMapOvr>
+    <a:masterClrMapping/>
+  </p:clrMapOvr>
+</p:sld>
+</file>
+
+<file path=ppt/slides/slide5.xml><?xml version="1.0" encoding="utf-8"?>
+<p:sld xmlns:a="http://schemas.openxmlformats.org/drawingml/2006/main" xmlns:r="http://schemas.openxmlformats.org/officeDocument/2006/relationships" xmlns:p="http://schemas.openxmlformats.org/presentationml/2006/main">
+  <p:cSld>
+    <p:spTree>
+      <p:nvGrpSpPr>
+        <p:cNvPr id="1" name=""/>
+        <p:cNvGrpSpPr/>
+        <p:nvPr/>
+      </p:nvGrpSpPr>
+      <p:grpSpPr>
+        <a:xfrm>
+          <a:off x="0" y="0"/>
+          <a:ext cx="0" cy="0"/>
+          <a:chOff x="0" y="0"/>
+          <a:chExt cx="0" cy="0"/>
+        </a:xfrm>
+      </p:grpSpPr>
+      <p:sp>
+        <p:nvSpPr>
+          <p:cNvPr id="2" name="Title 1">
+            <a:extLst>
+              <a:ext uri="{FF2B5EF4-FFF2-40B4-BE49-F238E27FC236}">
+                <a16:creationId xmlns:a16="http://schemas.microsoft.com/office/drawing/2014/main" id="{7389FEF0-0074-40CE-8B82-EF6E4FB74860}"/>
+              </a:ext>
+            </a:extLst>
+          </p:cNvPr>
+          <p:cNvSpPr>
+            <a:spLocks noGrp="1"/>
+          </p:cNvSpPr>
+          <p:nvPr>
+            <p:ph type="title"/>
+          </p:nvPr>
+        </p:nvSpPr>
+        <p:spPr/>
+        <p:txBody>
+          <a:bodyPr/>
+          <a:lstStyle/>
+          <a:p>
+            <a:r>
+              <a:rPr lang="en-GB" dirty="0"/>
+              <a:t>Health and ICT saw the only increases in NTE workforce size from 2017</a:t>
+            </a:r>
+          </a:p>
+        </p:txBody>
+      </p:sp>
+      <p:sp>
+        <p:nvSpPr>
+          <p:cNvPr id="5" name="Content Placeholder 4">
+            <a:extLst>
+              <a:ext uri="{FF2B5EF4-FFF2-40B4-BE49-F238E27FC236}">
+                <a16:creationId xmlns:a16="http://schemas.microsoft.com/office/drawing/2014/main" id="{EB1678EB-2C75-4668-99CE-22280194724A}"/>
+              </a:ext>
+            </a:extLst>
+          </p:cNvPr>
+          <p:cNvSpPr>
+            <a:spLocks noGrp="1"/>
+          </p:cNvSpPr>
+          <p:nvPr>
+            <p:ph sz="half" idx="2"/>
+          </p:nvPr>
+        </p:nvSpPr>
+        <p:spPr/>
+        <p:txBody>
+          <a:bodyPr>
+            <a:normAutofit fontScale="70000" lnSpcReduction="20000"/>
+          </a:bodyPr>
+          <a:lstStyle/>
+          <a:p>
+            <a:pPr>
+              <a:lnSpc>
+                <a:spcPct val="120000"/>
+              </a:lnSpc>
+            </a:pPr>
+            <a:r>
+              <a:rPr lang="en-GB" dirty="0"/>
+              <a:t>Health had the largest share of NTE workers throughout, and saw numbers increase </a:t>
+            </a:r>
+          </a:p>
+          <a:p>
+            <a:pPr>
+              <a:lnSpc>
+                <a:spcPct val="120000"/>
+              </a:lnSpc>
+            </a:pPr>
+            <a:r>
+              <a:rPr lang="en-GB" dirty="0"/>
+              <a:t>Most significant falls within: </a:t>
+            </a:r>
+          </a:p>
+          <a:p>
+            <a:pPr lvl="1">
+              <a:lnSpc>
+                <a:spcPct val="120000"/>
+              </a:lnSpc>
+            </a:pPr>
+            <a:r>
+              <a:rPr lang="en-GB" dirty="0"/>
+              <a:t>Retail; </a:t>
+            </a:r>
+          </a:p>
+          <a:p>
+            <a:pPr lvl="1">
+              <a:lnSpc>
+                <a:spcPct val="120000"/>
+              </a:lnSpc>
+            </a:pPr>
+            <a:r>
+              <a:rPr lang="en-GB" dirty="0"/>
+              <a:t>Hospitality; </a:t>
+            </a:r>
+          </a:p>
+          <a:p>
+            <a:pPr lvl="1">
+              <a:lnSpc>
+                <a:spcPct val="120000"/>
+              </a:lnSpc>
+            </a:pPr>
+            <a:r>
+              <a:rPr lang="en-GB" dirty="0"/>
+              <a:t>Prof. services; and </a:t>
+            </a:r>
+          </a:p>
+          <a:p>
+            <a:pPr lvl="1">
+              <a:lnSpc>
+                <a:spcPct val="120000"/>
+              </a:lnSpc>
+            </a:pPr>
+            <a:r>
+              <a:rPr lang="en-GB" dirty="0"/>
+              <a:t>Transport</a:t>
+            </a:r>
+          </a:p>
+          <a:p>
+            <a:pPr>
+              <a:lnSpc>
+                <a:spcPct val="120000"/>
+              </a:lnSpc>
+            </a:pPr>
+            <a:r>
+              <a:rPr lang="en-GB" dirty="0"/>
+              <a:t>Almost all decline in Retail and Hospitality from people working during evenings</a:t>
+            </a:r>
+          </a:p>
+          <a:p>
+            <a:pPr>
+              <a:lnSpc>
+                <a:spcPct val="120000"/>
+              </a:lnSpc>
+            </a:pPr>
+            <a:r>
+              <a:rPr lang="en-GB" dirty="0"/>
+              <a:t>Health saw large increase in people working both evenings and nights</a:t>
+            </a:r>
+          </a:p>
+        </p:txBody>
+      </p:sp>
+      <p:sp>
+        <p:nvSpPr>
+          <p:cNvPr id="6" name="TextBox 5">
+            <a:extLst>
+              <a:ext uri="{FF2B5EF4-FFF2-40B4-BE49-F238E27FC236}">
+                <a16:creationId xmlns:a16="http://schemas.microsoft.com/office/drawing/2014/main" id="{49A122BF-92D8-4424-9EF8-1C0BA64B4830}"/>
+              </a:ext>
+            </a:extLst>
+          </p:cNvPr>
+          <p:cNvSpPr txBox="1"/>
+          <p:nvPr/>
+        </p:nvSpPr>
+        <p:spPr>
+          <a:xfrm>
+            <a:off x="838200" y="6267450"/>
+            <a:ext cx="8553450" cy="261610"/>
+          </a:xfrm>
+          <a:prstGeom prst="rect">
+            <a:avLst/>
+          </a:prstGeom>
+          <a:noFill/>
+        </p:spPr>
+        <p:txBody>
+          <a:bodyPr wrap="square" rtlCol="0">
+            <a:spAutoFit/>
+          </a:bodyPr>
+          <a:lstStyle/>
+          <a:p>
+            <a:r>
+              <a:rPr lang="en-GB" sz="1100" i="1">
+                <a:solidFill>
+                  <a:schemeClr val="bg2"/>
+                </a:solidFill>
+              </a:rPr>
+              <a:t>Source: Labour Force Survey Apr-Jun 2015-2022, UK Data Service.</a:t>
+            </a:r>
+          </a:p>
+        </p:txBody>
+      </p:sp>
+      <p:graphicFrame>
+        <p:nvGraphicFramePr>
+          <p:cNvPr id="11" name="Content Placeholder 10">
+            <a:extLst>
+              <a:ext uri="{FF2B5EF4-FFF2-40B4-BE49-F238E27FC236}">
+                <a16:creationId xmlns:a16="http://schemas.microsoft.com/office/drawing/2014/main" id="{DE3293CF-E542-46A0-8059-1CB8F5360B80}"/>
+              </a:ext>
+            </a:extLst>
+          </p:cNvPr>
+          <p:cNvGraphicFramePr>
+            <a:graphicFrameLocks noGrp="1"/>
+          </p:cNvGraphicFramePr>
+          <p:nvPr>
+            <p:ph sz="half" idx="1"/>
+            <p:extLst>
+              <p:ext uri="{D42A27DB-BD31-4B8C-83A1-F6EECF244321}">
+                <p14:modId xmlns:p14="http://schemas.microsoft.com/office/powerpoint/2010/main" val="2541641259"/>
+              </p:ext>
+            </p:extLst>
+          </p:nvPr>
+        </p:nvGraphicFramePr>
+        <p:xfrm>
+          <a:off x="838200" y="1825625"/>
+          <a:ext cx="5181600" cy="4351338"/>
+        </p:xfrm>
+        <a:graphic>
+          <a:graphicData uri="http://schemas.openxmlformats.org/drawingml/2006/chart">
+            <c:chart xmlns:c="http://schemas.openxmlformats.org/drawingml/2006/chart" xmlns:r="http://schemas.openxmlformats.org/officeDocument/2006/relationships" r:id="rId3"/>
+          </a:graphicData>
+        </a:graphic>
+      </p:graphicFrame>
+    </p:spTree>
+    <p:extLst>
+      <p:ext uri="{BB962C8B-B14F-4D97-AF65-F5344CB8AC3E}">
+        <p14:creationId xmlns:p14="http://schemas.microsoft.com/office/powerpoint/2010/main" val="3136133071"/>
       </p:ext>
     </p:extLst>
   </p:cSld>
@@ -14517,255 +12692,7 @@
           <a:p>
             <a:r>
               <a:rPr lang="en-GB" dirty="0"/>
-              <a:t>Health and ICT saw the only increases in NTE workforce size from 2017</a:t>
-            </a:r>
-          </a:p>
-        </p:txBody>
-      </p:sp>
-      <p:sp>
-        <p:nvSpPr>
-          <p:cNvPr id="5" name="Content Placeholder 4">
-            <a:extLst>
-              <a:ext uri="{FF2B5EF4-FFF2-40B4-BE49-F238E27FC236}">
-                <a16:creationId xmlns:a16="http://schemas.microsoft.com/office/drawing/2014/main" id="{EB1678EB-2C75-4668-99CE-22280194724A}"/>
-              </a:ext>
-            </a:extLst>
-          </p:cNvPr>
-          <p:cNvSpPr>
-            <a:spLocks noGrp="1"/>
-          </p:cNvSpPr>
-          <p:nvPr>
-            <p:ph sz="half" idx="2"/>
-          </p:nvPr>
-        </p:nvSpPr>
-        <p:spPr/>
-        <p:txBody>
-          <a:bodyPr>
-            <a:normAutofit fontScale="62500" lnSpcReduction="20000"/>
-          </a:bodyPr>
-          <a:lstStyle/>
-          <a:p>
-            <a:pPr>
-              <a:lnSpc>
-                <a:spcPct val="120000"/>
-              </a:lnSpc>
-            </a:pPr>
-            <a:r>
-              <a:rPr lang="en-GB" dirty="0"/>
-              <a:t>Health had the largest share of NTE workers throughout, and saw numbers increase (18k, 9%)</a:t>
-            </a:r>
-          </a:p>
-          <a:p>
-            <a:pPr>
-              <a:lnSpc>
-                <a:spcPct val="120000"/>
-              </a:lnSpc>
-            </a:pPr>
-            <a:r>
-              <a:rPr lang="en-GB" dirty="0"/>
-              <a:t>Most significant falls within: </a:t>
-            </a:r>
-          </a:p>
-          <a:p>
-            <a:pPr lvl="1">
-              <a:lnSpc>
-                <a:spcPct val="120000"/>
-              </a:lnSpc>
-            </a:pPr>
-            <a:r>
-              <a:rPr lang="en-GB" dirty="0"/>
-              <a:t>Retail (40k, 28%); </a:t>
-            </a:r>
-          </a:p>
-          <a:p>
-            <a:pPr lvl="1">
-              <a:lnSpc>
-                <a:spcPct val="120000"/>
-              </a:lnSpc>
-            </a:pPr>
-            <a:r>
-              <a:rPr lang="en-GB" dirty="0"/>
-              <a:t>Hospitality (40k, 27%); </a:t>
-            </a:r>
-          </a:p>
-          <a:p>
-            <a:pPr lvl="1">
-              <a:lnSpc>
-                <a:spcPct val="120000"/>
-              </a:lnSpc>
-            </a:pPr>
-            <a:r>
-              <a:rPr lang="en-GB" dirty="0"/>
-              <a:t>Prof. services (35k, 20%); and </a:t>
-            </a:r>
-          </a:p>
-          <a:p>
-            <a:pPr lvl="1">
-              <a:lnSpc>
-                <a:spcPct val="120000"/>
-              </a:lnSpc>
-            </a:pPr>
-            <a:r>
-              <a:rPr lang="en-GB" dirty="0"/>
-              <a:t>Transport (32k, 22%)</a:t>
-            </a:r>
-          </a:p>
-          <a:p>
-            <a:pPr>
-              <a:lnSpc>
-                <a:spcPct val="120000"/>
-              </a:lnSpc>
-            </a:pPr>
-            <a:r>
-              <a:rPr lang="en-GB" dirty="0"/>
-              <a:t>Almost all decline in Retail (40k) and Hospitality (31k) from people working during evenings</a:t>
-            </a:r>
-          </a:p>
-          <a:p>
-            <a:pPr>
-              <a:lnSpc>
-                <a:spcPct val="120000"/>
-              </a:lnSpc>
-            </a:pPr>
-            <a:r>
-              <a:rPr lang="en-GB" dirty="0"/>
-              <a:t>Health saw large increase in people working both evenings and nights (25k)</a:t>
-            </a:r>
-          </a:p>
-          <a:p>
-            <a:pPr>
-              <a:lnSpc>
-                <a:spcPct val="120000"/>
-              </a:lnSpc>
-            </a:pPr>
-            <a:endParaRPr lang="en-GB" dirty="0"/>
-          </a:p>
-        </p:txBody>
-      </p:sp>
-      <p:graphicFrame>
-        <p:nvGraphicFramePr>
-          <p:cNvPr id="9" name="Content Placeholder 8">
-            <a:extLst>
-              <a:ext uri="{FF2B5EF4-FFF2-40B4-BE49-F238E27FC236}">
-                <a16:creationId xmlns:a16="http://schemas.microsoft.com/office/drawing/2014/main" id="{DE3293CF-E542-46A0-8059-1CB8F5360B80}"/>
-              </a:ext>
-            </a:extLst>
-          </p:cNvPr>
-          <p:cNvGraphicFramePr>
-            <a:graphicFrameLocks noGrp="1"/>
-          </p:cNvGraphicFramePr>
-          <p:nvPr>
-            <p:ph sz="half" idx="1"/>
-            <p:extLst>
-              <p:ext uri="{D42A27DB-BD31-4B8C-83A1-F6EECF244321}">
-                <p14:modId xmlns:p14="http://schemas.microsoft.com/office/powerpoint/2010/main" val="1263047625"/>
-              </p:ext>
-            </p:extLst>
-          </p:nvPr>
-        </p:nvGraphicFramePr>
-        <p:xfrm>
-          <a:off x="838200" y="1825625"/>
-          <a:ext cx="5181600" cy="4351338"/>
-        </p:xfrm>
-        <a:graphic>
-          <a:graphicData uri="http://schemas.openxmlformats.org/drawingml/2006/chart">
-            <c:chart xmlns:c="http://schemas.openxmlformats.org/drawingml/2006/chart" xmlns:r="http://schemas.openxmlformats.org/officeDocument/2006/relationships" r:id="rId3"/>
-          </a:graphicData>
-        </a:graphic>
-      </p:graphicFrame>
-      <p:sp>
-        <p:nvSpPr>
-          <p:cNvPr id="6" name="TextBox 5">
-            <a:extLst>
-              <a:ext uri="{FF2B5EF4-FFF2-40B4-BE49-F238E27FC236}">
-                <a16:creationId xmlns:a16="http://schemas.microsoft.com/office/drawing/2014/main" id="{49A122BF-92D8-4424-9EF8-1C0BA64B4830}"/>
-              </a:ext>
-            </a:extLst>
-          </p:cNvPr>
-          <p:cNvSpPr txBox="1"/>
-          <p:nvPr/>
-        </p:nvSpPr>
-        <p:spPr>
-          <a:xfrm>
-            <a:off x="838200" y="6267450"/>
-            <a:ext cx="8553450" cy="261610"/>
-          </a:xfrm>
-          <a:prstGeom prst="rect">
-            <a:avLst/>
-          </a:prstGeom>
-          <a:noFill/>
-        </p:spPr>
-        <p:txBody>
-          <a:bodyPr wrap="square" rtlCol="0">
-            <a:spAutoFit/>
-          </a:bodyPr>
-          <a:lstStyle/>
-          <a:p>
-            <a:r>
-              <a:rPr lang="en-GB" sz="1100" i="1">
-                <a:solidFill>
-                  <a:schemeClr val="bg2"/>
-                </a:solidFill>
-              </a:rPr>
-              <a:t>Source: Labour Force Survey Apr-Jun 2015-2022, UK Data Service.</a:t>
-            </a:r>
-          </a:p>
-        </p:txBody>
-      </p:sp>
-    </p:spTree>
-    <p:extLst>
-      <p:ext uri="{BB962C8B-B14F-4D97-AF65-F5344CB8AC3E}">
-        <p14:creationId xmlns:p14="http://schemas.microsoft.com/office/powerpoint/2010/main" val="3136133071"/>
-      </p:ext>
-    </p:extLst>
-  </p:cSld>
-  <p:clrMapOvr>
-    <a:masterClrMapping/>
-  </p:clrMapOvr>
-</p:sld>
-</file>
-
-<file path=ppt/slides/slide7.xml><?xml version="1.0" encoding="utf-8"?>
-<p:sld xmlns:a="http://schemas.openxmlformats.org/drawingml/2006/main" xmlns:r="http://schemas.openxmlformats.org/officeDocument/2006/relationships" xmlns:p="http://schemas.openxmlformats.org/presentationml/2006/main">
-  <p:cSld>
-    <p:spTree>
-      <p:nvGrpSpPr>
-        <p:cNvPr id="1" name=""/>
-        <p:cNvGrpSpPr/>
-        <p:nvPr/>
-      </p:nvGrpSpPr>
-      <p:grpSpPr>
-        <a:xfrm>
-          <a:off x="0" y="0"/>
-          <a:ext cx="0" cy="0"/>
-          <a:chOff x="0" y="0"/>
-          <a:chExt cx="0" cy="0"/>
-        </a:xfrm>
-      </p:grpSpPr>
-      <p:sp>
-        <p:nvSpPr>
-          <p:cNvPr id="2" name="Title 1">
-            <a:extLst>
-              <a:ext uri="{FF2B5EF4-FFF2-40B4-BE49-F238E27FC236}">
-                <a16:creationId xmlns:a16="http://schemas.microsoft.com/office/drawing/2014/main" id="{7389FEF0-0074-40CE-8B82-EF6E4FB74860}"/>
-              </a:ext>
-            </a:extLst>
-          </p:cNvPr>
-          <p:cNvSpPr>
-            <a:spLocks noGrp="1"/>
-          </p:cNvSpPr>
-          <p:nvPr>
-            <p:ph type="title"/>
-          </p:nvPr>
-        </p:nvSpPr>
-        <p:spPr/>
-        <p:txBody>
-          <a:bodyPr/>
-          <a:lstStyle/>
-          <a:p>
-            <a:r>
-              <a:rPr lang="en-GB"/>
-              <a:t>Trends by occupation</a:t>
+              <a:t>Almost third of all N&amp;E workers are Professionals</a:t>
             </a:r>
           </a:p>
         </p:txBody>
@@ -14811,37 +12738,6 @@
           </a:p>
         </p:txBody>
       </p:sp>
-      <p:graphicFrame>
-        <p:nvGraphicFramePr>
-          <p:cNvPr id="8" name="Content Placeholder 7">
-            <a:extLst>
-              <a:ext uri="{FF2B5EF4-FFF2-40B4-BE49-F238E27FC236}">
-                <a16:creationId xmlns:a16="http://schemas.microsoft.com/office/drawing/2014/main" id="{E9F9F476-8D7C-4B35-B83F-4E898167A44F}"/>
-              </a:ext>
-            </a:extLst>
-          </p:cNvPr>
-          <p:cNvGraphicFramePr>
-            <a:graphicFrameLocks noGrp="1"/>
-          </p:cNvGraphicFramePr>
-          <p:nvPr>
-            <p:ph sz="half" idx="1"/>
-            <p:extLst>
-              <p:ext uri="{D42A27DB-BD31-4B8C-83A1-F6EECF244321}">
-                <p14:modId xmlns:p14="http://schemas.microsoft.com/office/powerpoint/2010/main" val="788775216"/>
-              </p:ext>
-            </p:extLst>
-          </p:nvPr>
-        </p:nvGraphicFramePr>
-        <p:xfrm>
-          <a:off x="838199" y="1825625"/>
-          <a:ext cx="6437731" cy="4351338"/>
-        </p:xfrm>
-        <a:graphic>
-          <a:graphicData uri="http://schemas.openxmlformats.org/drawingml/2006/chart">
-            <c:chart xmlns:c="http://schemas.openxmlformats.org/drawingml/2006/chart" xmlns:r="http://schemas.openxmlformats.org/officeDocument/2006/relationships" r:id="rId3"/>
-          </a:graphicData>
-        </a:graphic>
-      </p:graphicFrame>
       <p:sp>
         <p:nvSpPr>
           <p:cNvPr id="6" name="TextBox 5">
@@ -14881,171 +12777,41 @@
           </a:p>
         </p:txBody>
       </p:sp>
+      <p:graphicFrame>
+        <p:nvGraphicFramePr>
+          <p:cNvPr id="9" name="Content Placeholder 8">
+            <a:extLst>
+              <a:ext uri="{FF2B5EF4-FFF2-40B4-BE49-F238E27FC236}">
+                <a16:creationId xmlns:a16="http://schemas.microsoft.com/office/drawing/2014/main" id="{F2FB654C-65F1-4FF3-996B-531B98E1B80A}"/>
+              </a:ext>
+            </a:extLst>
+          </p:cNvPr>
+          <p:cNvGraphicFramePr>
+            <a:graphicFrameLocks noGrp="1"/>
+          </p:cNvGraphicFramePr>
+          <p:nvPr>
+            <p:ph sz="half" idx="1"/>
+            <p:extLst>
+              <p:ext uri="{D42A27DB-BD31-4B8C-83A1-F6EECF244321}">
+                <p14:modId xmlns:p14="http://schemas.microsoft.com/office/powerpoint/2010/main" val="1132798843"/>
+              </p:ext>
+            </p:extLst>
+          </p:nvPr>
+        </p:nvGraphicFramePr>
+        <p:xfrm>
+          <a:off x="838200" y="1825625"/>
+          <a:ext cx="5181600" cy="4351338"/>
+        </p:xfrm>
+        <a:graphic>
+          <a:graphicData uri="http://schemas.openxmlformats.org/drawingml/2006/chart">
+            <c:chart xmlns:c="http://schemas.openxmlformats.org/drawingml/2006/chart" xmlns:r="http://schemas.openxmlformats.org/officeDocument/2006/relationships" r:id="rId3"/>
+          </a:graphicData>
+        </a:graphic>
+      </p:graphicFrame>
     </p:spTree>
     <p:extLst>
       <p:ext uri="{BB962C8B-B14F-4D97-AF65-F5344CB8AC3E}">
         <p14:creationId xmlns:p14="http://schemas.microsoft.com/office/powerpoint/2010/main" val="24189730"/>
-      </p:ext>
-    </p:extLst>
-  </p:cSld>
-  <p:clrMapOvr>
-    <a:masterClrMapping/>
-  </p:clrMapOvr>
-</p:sld>
-</file>
-
-<file path=ppt/slides/slide8.xml><?xml version="1.0" encoding="utf-8"?>
-<p:sld xmlns:a="http://schemas.openxmlformats.org/drawingml/2006/main" xmlns:r="http://schemas.openxmlformats.org/officeDocument/2006/relationships" xmlns:p="http://schemas.openxmlformats.org/presentationml/2006/main">
-  <p:cSld>
-    <p:spTree>
-      <p:nvGrpSpPr>
-        <p:cNvPr id="1" name=""/>
-        <p:cNvGrpSpPr/>
-        <p:nvPr/>
-      </p:nvGrpSpPr>
-      <p:grpSpPr>
-        <a:xfrm>
-          <a:off x="0" y="0"/>
-          <a:ext cx="0" cy="0"/>
-          <a:chOff x="0" y="0"/>
-          <a:chExt cx="0" cy="0"/>
-        </a:xfrm>
-      </p:grpSpPr>
-      <p:sp>
-        <p:nvSpPr>
-          <p:cNvPr id="6" name="Title 5">
-            <a:extLst>
-              <a:ext uri="{FF2B5EF4-FFF2-40B4-BE49-F238E27FC236}">
-                <a16:creationId xmlns:a16="http://schemas.microsoft.com/office/drawing/2014/main" id="{4A738471-722F-4D3A-B04B-5FD494B9EB72}"/>
-              </a:ext>
-            </a:extLst>
-          </p:cNvPr>
-          <p:cNvSpPr>
-            <a:spLocks noGrp="1"/>
-          </p:cNvSpPr>
-          <p:nvPr>
-            <p:ph type="title"/>
-          </p:nvPr>
-        </p:nvSpPr>
-        <p:spPr/>
-        <p:txBody>
-          <a:bodyPr/>
-          <a:lstStyle/>
-          <a:p>
-            <a:r>
-              <a:rPr lang="en-GB" dirty="0"/>
-              <a:t>More than a third of survey respondents work in Night Time Economy</a:t>
-            </a:r>
-          </a:p>
-        </p:txBody>
-      </p:sp>
-      <p:sp>
-        <p:nvSpPr>
-          <p:cNvPr id="4" name="Content Placeholder 3">
-            <a:extLst>
-              <a:ext uri="{FF2B5EF4-FFF2-40B4-BE49-F238E27FC236}">
-                <a16:creationId xmlns:a16="http://schemas.microsoft.com/office/drawing/2014/main" id="{90094C3F-47D3-4640-BB11-9D132B8C3C53}"/>
-              </a:ext>
-            </a:extLst>
-          </p:cNvPr>
-          <p:cNvSpPr>
-            <a:spLocks noGrp="1"/>
-          </p:cNvSpPr>
-          <p:nvPr>
-            <p:ph idx="1"/>
-          </p:nvPr>
-        </p:nvSpPr>
-        <p:spPr/>
-        <p:txBody>
-          <a:bodyPr>
-            <a:normAutofit fontScale="92500"/>
-          </a:bodyPr>
-          <a:lstStyle/>
-          <a:p>
-            <a:r>
-              <a:rPr lang="en-GB" sz="3200" dirty="0"/>
-              <a:t>Most NTE workers (55%) work less than half their hours in NTE</a:t>
-            </a:r>
-          </a:p>
-          <a:p>
-            <a:pPr lvl="1"/>
-            <a:r>
-              <a:rPr lang="en-GB" sz="2800" dirty="0"/>
-              <a:t>While 51% of NTE workers do early evenings (6-9PM) at least once a week, around 26% work past midnight that often</a:t>
-            </a:r>
-          </a:p>
-          <a:p>
-            <a:pPr marL="457200" lvl="1" indent="0">
-              <a:buNone/>
-            </a:pPr>
-            <a:endParaRPr lang="en-GB" sz="2800" dirty="0"/>
-          </a:p>
-          <a:p>
-            <a:r>
-              <a:rPr lang="en-GB" sz="3200" dirty="0"/>
-              <a:t>53% of NTE workers mostly do so from home</a:t>
-            </a:r>
-          </a:p>
-          <a:p>
-            <a:pPr marL="0" indent="0">
-              <a:buNone/>
-            </a:pPr>
-            <a:endParaRPr lang="en-GB" sz="3200" dirty="0"/>
-          </a:p>
-          <a:p>
-            <a:r>
-              <a:rPr lang="en-GB" sz="3200" dirty="0"/>
-              <a:t>Almost half of NTE workers like working nights* and 34% believe their experience has improved since the pandemic</a:t>
-            </a:r>
-          </a:p>
-          <a:p>
-            <a:endParaRPr lang="en-GB" sz="3200" dirty="0"/>
-          </a:p>
-        </p:txBody>
-      </p:sp>
-      <p:sp>
-        <p:nvSpPr>
-          <p:cNvPr id="5" name="TextBox 4">
-            <a:extLst>
-              <a:ext uri="{FF2B5EF4-FFF2-40B4-BE49-F238E27FC236}">
-                <a16:creationId xmlns:a16="http://schemas.microsoft.com/office/drawing/2014/main" id="{C6A3F50C-A361-470C-9717-E3E264C69367}"/>
-              </a:ext>
-            </a:extLst>
-          </p:cNvPr>
-          <p:cNvSpPr txBox="1"/>
-          <p:nvPr/>
-        </p:nvSpPr>
-        <p:spPr>
-          <a:xfrm>
-            <a:off x="838200" y="6267450"/>
-            <a:ext cx="8553450" cy="261610"/>
-          </a:xfrm>
-          <a:prstGeom prst="rect">
-            <a:avLst/>
-          </a:prstGeom>
-          <a:noFill/>
-        </p:spPr>
-        <p:txBody>
-          <a:bodyPr wrap="square" rtlCol="0">
-            <a:spAutoFit/>
-          </a:bodyPr>
-          <a:lstStyle/>
-          <a:p>
-            <a:r>
-              <a:rPr lang="en-GB" sz="1100" i="1">
-                <a:solidFill>
-                  <a:schemeClr val="bg2"/>
-                </a:solidFill>
-              </a:rPr>
-              <a:t>Source: Redfield and Wilton Strategies, survey commissioned by GLA.</a:t>
-            </a:r>
-          </a:p>
-        </p:txBody>
-      </p:sp>
-    </p:spTree>
-    <p:extLst>
-      <p:ext uri="{BB962C8B-B14F-4D97-AF65-F5344CB8AC3E}">
-        <p14:creationId xmlns:p14="http://schemas.microsoft.com/office/powerpoint/2010/main" val="2354753383"/>
       </p:ext>
     </p:extLst>
   </p:cSld>
@@ -15646,15 +13412,6 @@
 </file>
 
 <file path=customXml/item1.xml><?xml version="1.0" encoding="utf-8"?>
-<?mso-contentType ?>
-<FormTemplates xmlns="http://schemas.microsoft.com/sharepoint/v3/contenttype/forms">
-  <Display>DocumentLibraryForm</Display>
-  <Edit>DocumentLibraryForm</Edit>
-  <New>DocumentLibraryForm</New>
-</FormTemplates>
-</file>
-
-<file path=customXml/item2.xml><?xml version="1.0" encoding="utf-8"?>
 <p:properties xmlns:p="http://schemas.microsoft.com/office/2006/metadata/properties" xmlns:xsi="http://www.w3.org/2001/XMLSchema-instance" xmlns:pc="http://schemas.microsoft.com/office/infopath/2007/PartnerControls">
   <documentManagement>
     <lcf76f155ced4ddcb4097134ff3c332f xmlns="7fc9ebc1-6786-4aad-aee1-fdcde6e01ff9">
@@ -15663,6 +13420,15 @@
     <TaxCatchAll xmlns="fd7425d0-09b7-49b7-b351-1ad2162dc0d7" xsi:nil="true"/>
   </documentManagement>
 </p:properties>
+</file>
+
+<file path=customXml/item2.xml><?xml version="1.0" encoding="utf-8"?>
+<?mso-contentType ?>
+<FormTemplates xmlns="http://schemas.microsoft.com/sharepoint/v3/contenttype/forms">
+  <Display>DocumentLibraryForm</Display>
+  <Edit>DocumentLibraryForm</Edit>
+  <New>DocumentLibraryForm</New>
+</FormTemplates>
 </file>
 
 <file path=customXml/item3.xml><?xml version="1.0" encoding="utf-8"?>
@@ -15903,20 +13669,20 @@
 </file>
 
 <file path=customXml/itemProps1.xml><?xml version="1.0" encoding="utf-8"?>
-<ds:datastoreItem xmlns:ds="http://schemas.openxmlformats.org/officeDocument/2006/customXml" ds:itemID="{347FFC60-E0E8-42D1-9FE3-814F082879C3}">
-  <ds:schemaRefs>
-    <ds:schemaRef ds:uri="http://schemas.microsoft.com/sharepoint/v3/contenttype/forms"/>
-  </ds:schemaRefs>
-</ds:datastoreItem>
-</file>
-
-<file path=customXml/itemProps2.xml><?xml version="1.0" encoding="utf-8"?>
 <ds:datastoreItem xmlns:ds="http://schemas.openxmlformats.org/officeDocument/2006/customXml" ds:itemID="{CC45FBEE-25CF-4B8B-8790-829A60393ACC}">
   <ds:schemaRefs>
     <ds:schemaRef ds:uri="7fc9ebc1-6786-4aad-aee1-fdcde6e01ff9"/>
     <ds:schemaRef ds:uri="fd7425d0-09b7-49b7-b351-1ad2162dc0d7"/>
     <ds:schemaRef ds:uri="http://schemas.microsoft.com/office/2006/metadata/properties"/>
     <ds:schemaRef ds:uri="http://schemas.microsoft.com/office/infopath/2007/PartnerControls"/>
+  </ds:schemaRefs>
+</ds:datastoreItem>
+</file>
+
+<file path=customXml/itemProps2.xml><?xml version="1.0" encoding="utf-8"?>
+<ds:datastoreItem xmlns:ds="http://schemas.openxmlformats.org/officeDocument/2006/customXml" ds:itemID="{347FFC60-E0E8-42D1-9FE3-814F082879C3}">
+  <ds:schemaRefs>
+    <ds:schemaRef ds:uri="http://schemas.microsoft.com/sharepoint/v3/contenttype/forms"/>
   </ds:schemaRefs>
 </ds:datastoreItem>
 </file>
